--- a/Módulo 2/Modulo 2.pptx
+++ b/Módulo 2/Modulo 2.pptx
@@ -341,7 +341,7 @@
           <a:p>
             <a:fld id="{05D07FE6-D4F0-43B8-8724-69D32D78BC5B}" type="datetimeFigureOut">
               <a:rPr lang="pt-BR" smtClean="0"/>
-              <a:t>11/04/2019</a:t>
+              <a:t>15/04/2019</a:t>
             </a:fld>
             <a:endParaRPr lang="pt-BR"/>
           </a:p>
@@ -606,7 +606,7 @@
           <a:p>
             <a:fld id="{05D07FE6-D4F0-43B8-8724-69D32D78BC5B}" type="datetimeFigureOut">
               <a:rPr lang="pt-BR" smtClean="0"/>
-              <a:t>11/04/2019</a:t>
+              <a:t>15/04/2019</a:t>
             </a:fld>
             <a:endParaRPr lang="pt-BR"/>
           </a:p>
@@ -781,7 +781,7 @@
           <a:p>
             <a:fld id="{05D07FE6-D4F0-43B8-8724-69D32D78BC5B}" type="datetimeFigureOut">
               <a:rPr lang="pt-BR" smtClean="0"/>
-              <a:t>11/04/2019</a:t>
+              <a:t>15/04/2019</a:t>
             </a:fld>
             <a:endParaRPr lang="pt-BR"/>
           </a:p>
@@ -946,7 +946,7 @@
           <a:p>
             <a:fld id="{05D07FE6-D4F0-43B8-8724-69D32D78BC5B}" type="datetimeFigureOut">
               <a:rPr lang="pt-BR" smtClean="0"/>
-              <a:t>11/04/2019</a:t>
+              <a:t>15/04/2019</a:t>
             </a:fld>
             <a:endParaRPr lang="pt-BR"/>
           </a:p>
@@ -1195,7 +1195,7 @@
           <a:p>
             <a:fld id="{05D07FE6-D4F0-43B8-8724-69D32D78BC5B}" type="datetimeFigureOut">
               <a:rPr lang="pt-BR" smtClean="0"/>
-              <a:t>11/04/2019</a:t>
+              <a:t>15/04/2019</a:t>
             </a:fld>
             <a:endParaRPr lang="pt-BR"/>
           </a:p>
@@ -1478,7 +1478,7 @@
           <a:p>
             <a:fld id="{05D07FE6-D4F0-43B8-8724-69D32D78BC5B}" type="datetimeFigureOut">
               <a:rPr lang="pt-BR" smtClean="0"/>
-              <a:t>11/04/2019</a:t>
+              <a:t>15/04/2019</a:t>
             </a:fld>
             <a:endParaRPr lang="pt-BR"/>
           </a:p>
@@ -1917,7 +1917,7 @@
           <a:p>
             <a:fld id="{05D07FE6-D4F0-43B8-8724-69D32D78BC5B}" type="datetimeFigureOut">
               <a:rPr lang="pt-BR" smtClean="0"/>
-              <a:t>11/04/2019</a:t>
+              <a:t>15/04/2019</a:t>
             </a:fld>
             <a:endParaRPr lang="pt-BR"/>
           </a:p>
@@ -2030,7 +2030,7 @@
           <a:p>
             <a:fld id="{05D07FE6-D4F0-43B8-8724-69D32D78BC5B}" type="datetimeFigureOut">
               <a:rPr lang="pt-BR" smtClean="0"/>
-              <a:t>11/04/2019</a:t>
+              <a:t>15/04/2019</a:t>
             </a:fld>
             <a:endParaRPr lang="pt-BR"/>
           </a:p>
@@ -2120,7 +2120,7 @@
           <a:p>
             <a:fld id="{05D07FE6-D4F0-43B8-8724-69D32D78BC5B}" type="datetimeFigureOut">
               <a:rPr lang="pt-BR" smtClean="0"/>
-              <a:t>11/04/2019</a:t>
+              <a:t>15/04/2019</a:t>
             </a:fld>
             <a:endParaRPr lang="pt-BR"/>
           </a:p>
@@ -2362,7 +2362,7 @@
           <a:p>
             <a:fld id="{05D07FE6-D4F0-43B8-8724-69D32D78BC5B}" type="datetimeFigureOut">
               <a:rPr lang="pt-BR" smtClean="0"/>
-              <a:t>11/04/2019</a:t>
+              <a:t>15/04/2019</a:t>
             </a:fld>
             <a:endParaRPr lang="pt-BR"/>
           </a:p>
@@ -2656,7 +2656,7 @@
           <a:p>
             <a:fld id="{05D07FE6-D4F0-43B8-8724-69D32D78BC5B}" type="datetimeFigureOut">
               <a:rPr lang="pt-BR" smtClean="0"/>
-              <a:t>11/04/2019</a:t>
+              <a:t>15/04/2019</a:t>
             </a:fld>
             <a:endParaRPr lang="pt-BR"/>
           </a:p>
@@ -2950,7 +2950,7 @@
           <a:p>
             <a:fld id="{05D07FE6-D4F0-43B8-8724-69D32D78BC5B}" type="datetimeFigureOut">
               <a:rPr lang="pt-BR" smtClean="0"/>
-              <a:t>11/04/2019</a:t>
+              <a:t>15/04/2019</a:t>
             </a:fld>
             <a:endParaRPr lang="pt-BR"/>
           </a:p>
@@ -5056,27 +5056,29 @@
       </p:cxnSp>
       <p:pic>
         <p:nvPicPr>
-          <p:cNvPr id="6" name="Picture 7" descr="Angular-Logo-PNG-Image.png"/>
+          <p:cNvPr id="1028" name="Picture 4" descr="C:\Users\User\Desktop\Apresentação\Imagens\gif\27637937-cb4b9b24-5c11-11e7-949b-15c1e4cdb53c.gif"/>
           <p:cNvPicPr>
-            <a:picLocks noChangeAspect="1" noChangeArrowheads="1"/>
+            <a:picLocks noChangeAspect="1" noChangeArrowheads="1" noCrop="1"/>
           </p:cNvPicPr>
           <p:nvPr/>
         </p:nvPicPr>
-        <p:blipFill rotWithShape="1">
-          <a:blip r:embed="rId2" cstate="print">
+        <p:blipFill>
+          <a:blip r:embed="rId2">
             <a:extLst>
               <a:ext uri="{28A0092B-C50C-407E-A947-70E740481C1C}">
                 <a14:useLocalDpi xmlns:a14="http://schemas.microsoft.com/office/drawing/2010/main" val="0"/>
               </a:ext>
             </a:extLst>
           </a:blip>
-          <a:srcRect l="2299" t="36731" r="73370" b="36781"/>
-          <a:stretch/>
+          <a:srcRect/>
+          <a:stretch>
+            <a:fillRect/>
+          </a:stretch>
         </p:blipFill>
         <p:spPr bwMode="auto">
           <a:xfrm>
-            <a:off x="7156265" y="160338"/>
-            <a:ext cx="1317026" cy="1433826"/>
+            <a:off x="6957887" y="-27384"/>
+            <a:ext cx="1728193" cy="1741909"/>
           </a:xfrm>
           <a:prstGeom prst="rect">
             <a:avLst/>

--- a/Módulo 2/Modulo 2.pptx
+++ b/Módulo 2/Modulo 2.pptx
@@ -15,38 +15,39 @@
     <p:sldId id="286" r:id="rId9"/>
     <p:sldId id="287" r:id="rId10"/>
     <p:sldId id="288" r:id="rId11"/>
-    <p:sldId id="289" r:id="rId12"/>
-    <p:sldId id="290" r:id="rId13"/>
-    <p:sldId id="291" r:id="rId14"/>
-    <p:sldId id="293" r:id="rId15"/>
-    <p:sldId id="294" r:id="rId16"/>
-    <p:sldId id="298" r:id="rId17"/>
-    <p:sldId id="295" r:id="rId18"/>
-    <p:sldId id="296" r:id="rId19"/>
-    <p:sldId id="299" r:id="rId20"/>
-    <p:sldId id="300" r:id="rId21"/>
-    <p:sldId id="301" r:id="rId22"/>
-    <p:sldId id="302" r:id="rId23"/>
-    <p:sldId id="303" r:id="rId24"/>
-    <p:sldId id="297" r:id="rId25"/>
-    <p:sldId id="304" r:id="rId26"/>
-    <p:sldId id="305" r:id="rId27"/>
-    <p:sldId id="306" r:id="rId28"/>
-    <p:sldId id="307" r:id="rId29"/>
-    <p:sldId id="308" r:id="rId30"/>
-    <p:sldId id="311" r:id="rId31"/>
-    <p:sldId id="312" r:id="rId32"/>
-    <p:sldId id="313" r:id="rId33"/>
-    <p:sldId id="314" r:id="rId34"/>
-    <p:sldId id="315" r:id="rId35"/>
-    <p:sldId id="316" r:id="rId36"/>
-    <p:sldId id="317" r:id="rId37"/>
-    <p:sldId id="318" r:id="rId38"/>
-    <p:sldId id="319" r:id="rId39"/>
-    <p:sldId id="320" r:id="rId40"/>
-    <p:sldId id="321" r:id="rId41"/>
-    <p:sldId id="309" r:id="rId42"/>
-    <p:sldId id="310" r:id="rId43"/>
+    <p:sldId id="322" r:id="rId12"/>
+    <p:sldId id="289" r:id="rId13"/>
+    <p:sldId id="290" r:id="rId14"/>
+    <p:sldId id="291" r:id="rId15"/>
+    <p:sldId id="293" r:id="rId16"/>
+    <p:sldId id="294" r:id="rId17"/>
+    <p:sldId id="298" r:id="rId18"/>
+    <p:sldId id="295" r:id="rId19"/>
+    <p:sldId id="296" r:id="rId20"/>
+    <p:sldId id="299" r:id="rId21"/>
+    <p:sldId id="300" r:id="rId22"/>
+    <p:sldId id="301" r:id="rId23"/>
+    <p:sldId id="302" r:id="rId24"/>
+    <p:sldId id="303" r:id="rId25"/>
+    <p:sldId id="297" r:id="rId26"/>
+    <p:sldId id="304" r:id="rId27"/>
+    <p:sldId id="305" r:id="rId28"/>
+    <p:sldId id="306" r:id="rId29"/>
+    <p:sldId id="307" r:id="rId30"/>
+    <p:sldId id="308" r:id="rId31"/>
+    <p:sldId id="311" r:id="rId32"/>
+    <p:sldId id="312" r:id="rId33"/>
+    <p:sldId id="313" r:id="rId34"/>
+    <p:sldId id="314" r:id="rId35"/>
+    <p:sldId id="315" r:id="rId36"/>
+    <p:sldId id="316" r:id="rId37"/>
+    <p:sldId id="317" r:id="rId38"/>
+    <p:sldId id="318" r:id="rId39"/>
+    <p:sldId id="319" r:id="rId40"/>
+    <p:sldId id="320" r:id="rId41"/>
+    <p:sldId id="321" r:id="rId42"/>
+    <p:sldId id="309" r:id="rId43"/>
+    <p:sldId id="310" r:id="rId44"/>
   </p:sldIdLst>
   <p:sldSz cx="9144000" cy="6858000" type="screen4x3"/>
   <p:notesSz cx="6858000" cy="9144000"/>
@@ -3998,8 +3999,28 @@
           <a:lstStyle/>
           <a:p>
             <a:r>
-              <a:rPr lang="pt-BR" sz="2400" b="1" dirty="0"/>
-              <a:t>TRABALHANDO COM SHARED.MODULE</a:t>
+              <a:rPr lang="pt-BR" sz="2800" b="1" dirty="0" err="1" smtClean="0"/>
+              <a:t>RxJS</a:t>
+            </a:r>
+            <a:r>
+              <a:rPr lang="pt-BR" sz="2800" b="1" dirty="0" smtClean="0"/>
+              <a:t> </a:t>
+            </a:r>
+            <a:r>
+              <a:rPr lang="pt-BR" sz="2800" b="1" dirty="0"/>
+              <a:t>- </a:t>
+            </a:r>
+            <a:r>
+              <a:rPr lang="pt-BR" sz="2800" b="1" dirty="0" err="1"/>
+              <a:t>Observables</a:t>
+            </a:r>
+            <a:r>
+              <a:rPr lang="pt-BR" sz="2800" b="1" dirty="0"/>
+              <a:t> e </a:t>
+            </a:r>
+            <a:r>
+              <a:rPr lang="pt-BR" sz="2800" b="1" dirty="0" err="1"/>
+              <a:t>Promises</a:t>
             </a:r>
             <a:endParaRPr lang="pt-BR" sz="2800" b="1" dirty="0"/>
           </a:p>
@@ -4017,8 +4038,8 @@
         </p:nvSpPr>
         <p:spPr>
           <a:xfrm>
-            <a:off x="395536" y="2132856"/>
-            <a:ext cx="8077755" cy="3960440"/>
+            <a:off x="395536" y="1988840"/>
+            <a:ext cx="8424936" cy="4104456"/>
           </a:xfrm>
         </p:spPr>
         <p:txBody>
@@ -4027,66 +4048,42 @@
           </a:bodyPr>
           <a:lstStyle/>
           <a:p>
-            <a:pPr algn="just"/>
+            <a:pPr marL="457200" indent="-457200" algn="just">
+              <a:buFont typeface="Arial" pitchFamily="34" charset="0"/>
+              <a:buChar char="•"/>
+            </a:pPr>
             <a:r>
               <a:rPr lang="pt-BR" sz="2600" b="0" dirty="0" smtClean="0">
                 <a:latin typeface="Times New Roman" pitchFamily="18" charset="0"/>
                 <a:cs typeface="Times New Roman" pitchFamily="18" charset="0"/>
               </a:rPr>
-              <a:t>Por </a:t>
-            </a:r>
-            <a:r>
-              <a:rPr lang="pt-BR" sz="2600" b="0" dirty="0">
-                <a:latin typeface="Times New Roman" pitchFamily="18" charset="0"/>
-                <a:cs typeface="Times New Roman" pitchFamily="18" charset="0"/>
-              </a:rPr>
-              <a:t>questões de organi­zação de código, é comum a prática de criar um Módulo apenas para declarar, importar, prover e exportar componentes, </a:t>
-            </a:r>
-            <a:r>
-              <a:rPr lang="pt-BR" sz="2600" b="0" dirty="0" err="1">
-                <a:latin typeface="Times New Roman" pitchFamily="18" charset="0"/>
-                <a:cs typeface="Times New Roman" pitchFamily="18" charset="0"/>
-              </a:rPr>
-              <a:t>pipes</a:t>
-            </a:r>
-            <a:r>
-              <a:rPr lang="pt-BR" sz="2600" b="0" dirty="0">
-                <a:latin typeface="Times New Roman" pitchFamily="18" charset="0"/>
-                <a:cs typeface="Times New Roman" pitchFamily="18" charset="0"/>
-              </a:rPr>
-              <a:t>, diretivas, módulos para serem compartilhados para toda a aplicação. Geralmente damos um nome para este módulo: </a:t>
-            </a:r>
-            <a:r>
-              <a:rPr lang="pt-BR" sz="2600" b="0" dirty="0" err="1">
-                <a:latin typeface="Times New Roman" pitchFamily="18" charset="0"/>
-                <a:cs typeface="Times New Roman" pitchFamily="18" charset="0"/>
-              </a:rPr>
-              <a:t>shared.module</a:t>
-            </a:r>
-            <a:r>
-              <a:rPr lang="pt-BR" sz="2600" b="0" dirty="0">
-                <a:latin typeface="Times New Roman" pitchFamily="18" charset="0"/>
-                <a:cs typeface="Times New Roman" pitchFamily="18" charset="0"/>
-              </a:rPr>
-              <a:t> ou </a:t>
-            </a:r>
-            <a:r>
-              <a:rPr lang="pt-BR" sz="2600" b="0" dirty="0" err="1">
-                <a:latin typeface="Times New Roman" pitchFamily="18" charset="0"/>
-                <a:cs typeface="Times New Roman" pitchFamily="18" charset="0"/>
-              </a:rPr>
-              <a:t>core.module</a:t>
-            </a:r>
-            <a:r>
-              <a:rPr lang="pt-BR" sz="2600" b="0" dirty="0">
-                <a:latin typeface="Times New Roman" pitchFamily="18" charset="0"/>
-                <a:cs typeface="Times New Roman" pitchFamily="18" charset="0"/>
-              </a:rPr>
-              <a:t>.</a:t>
-            </a:r>
-          </a:p>
-          <a:p>
-            <a:endParaRPr lang="pt-BR" sz="2600" dirty="0"/>
+              <a:t>Exemplo </a:t>
+            </a:r>
+            <a:r>
+              <a:rPr lang="pt-BR" sz="2600" b="0" smtClean="0">
+                <a:latin typeface="Times New Roman" pitchFamily="18" charset="0"/>
+                <a:cs typeface="Times New Roman" pitchFamily="18" charset="0"/>
+              </a:rPr>
+              <a:t>de fixação.</a:t>
+            </a:r>
+            <a:endParaRPr lang="pt-BR" sz="2600" b="0" dirty="0">
+              <a:latin typeface="Times New Roman" pitchFamily="18" charset="0"/>
+              <a:cs typeface="Times New Roman" pitchFamily="18" charset="0"/>
+            </a:endParaRPr>
+          </a:p>
+          <a:p>
+            <a:pPr algn="just">
+              <a:lnSpc>
+                <a:spcPct val="120000"/>
+              </a:lnSpc>
+            </a:pPr>
+            <a:endParaRPr lang="pt-BR" sz="2600" b="0" u="sng" dirty="0" smtClean="0">
+              <a:latin typeface="Times New Roman" pitchFamily="18" charset="0"/>
+              <a:cs typeface="Times New Roman" pitchFamily="18" charset="0"/>
+            </a:endParaRPr>
+          </a:p>
+          <a:p>
+            <a:endParaRPr lang="pt-BR" sz="2600" dirty="0" smtClean="0"/>
           </a:p>
           <a:p>
             <a:endParaRPr lang="pt-BR" sz="2600" dirty="0"/>
@@ -4166,7 +4163,7 @@
     </p:spTree>
     <p:extLst>
       <p:ext uri="{BB962C8B-B14F-4D97-AF65-F5344CB8AC3E}">
-        <p14:creationId xmlns:p14="http://schemas.microsoft.com/office/powerpoint/2010/main" val="3891236929"/>
+        <p14:creationId xmlns:p14="http://schemas.microsoft.com/office/powerpoint/2010/main" val="1350296957"/>
       </p:ext>
     </p:extLst>
   </p:cSld>
@@ -4212,8 +4209,8 @@
         </p:nvSpPr>
         <p:spPr>
           <a:xfrm>
-            <a:off x="251519" y="323403"/>
-            <a:ext cx="6840761" cy="903630"/>
+            <a:off x="179513" y="323403"/>
+            <a:ext cx="7704856" cy="903630"/>
           </a:xfrm>
         </p:spPr>
         <p:txBody>
@@ -4223,21 +4220,10 @@
           <a:lstStyle/>
           <a:p>
             <a:r>
-              <a:rPr lang="pt-BR" sz="2800" b="1" dirty="0" smtClean="0"/>
-              <a:t>método </a:t>
-            </a:r>
-            <a:r>
-              <a:rPr lang="pt-BR" sz="2800" b="1" dirty="0"/>
-              <a:t>estático .</a:t>
-            </a:r>
-            <a:r>
-              <a:rPr lang="pt-BR" sz="2800" b="1" dirty="0" err="1"/>
-              <a:t>forRoot</a:t>
-            </a:r>
-            <a:r>
-              <a:rPr lang="pt-BR" sz="2800" b="1" dirty="0"/>
-              <a:t>()</a:t>
-            </a:r>
+              <a:rPr lang="pt-BR" sz="2400" b="1" dirty="0"/>
+              <a:t>TRABALHANDO COM SHARED.MODULE</a:t>
+            </a:r>
+            <a:endParaRPr lang="pt-BR" sz="2800" b="1" dirty="0"/>
           </a:p>
         </p:txBody>
       </p:sp>
@@ -4253,7 +4239,7 @@
         </p:nvSpPr>
         <p:spPr>
           <a:xfrm>
-            <a:off x="395536" y="1844824"/>
+            <a:off x="395536" y="2132856"/>
             <a:ext cx="8077755" cy="3960440"/>
           </a:xfrm>
         </p:spPr>
@@ -4265,49 +4251,60 @@
           <a:p>
             <a:pPr algn="just"/>
             <a:r>
+              <a:rPr lang="pt-BR" sz="2600" b="0" dirty="0" smtClean="0">
+                <a:latin typeface="Times New Roman" pitchFamily="18" charset="0"/>
+                <a:cs typeface="Times New Roman" pitchFamily="18" charset="0"/>
+              </a:rPr>
+              <a:t>Por </a:t>
+            </a:r>
+            <a:r>
               <a:rPr lang="pt-BR" sz="2600" b="0" dirty="0">
                 <a:latin typeface="Times New Roman" pitchFamily="18" charset="0"/>
                 <a:cs typeface="Times New Roman" pitchFamily="18" charset="0"/>
               </a:rPr>
-              <a:t>Algumas vezes necessitamos compartilhar serviços para que toda a aplicação possa utilizar, mas nem sempre há a necessidade de expor um serviço com múltiplas instancias a cada vez que é solicitado. </a:t>
-            </a:r>
-          </a:p>
-          <a:p>
-            <a:pPr algn="just"/>
+              <a:t>questões de organi­zação de código, é comum a prática de criar um Módulo apenas para declarar, importar, prover e exportar componentes, </a:t>
+            </a:r>
+            <a:r>
+              <a:rPr lang="pt-BR" sz="2600" b="0" dirty="0" err="1">
+                <a:latin typeface="Times New Roman" pitchFamily="18" charset="0"/>
+                <a:cs typeface="Times New Roman" pitchFamily="18" charset="0"/>
+              </a:rPr>
+              <a:t>pipes</a:t>
+            </a:r>
             <a:r>
               <a:rPr lang="pt-BR" sz="2600" b="0" dirty="0">
                 <a:latin typeface="Times New Roman" pitchFamily="18" charset="0"/>
                 <a:cs typeface="Times New Roman" pitchFamily="18" charset="0"/>
               </a:rPr>
-              <a:t>Então para resolver um caso que possa se tornar um problema para aplicação posteriormente, declararemos um método estático chamado </a:t>
+              <a:t>, diretivas, módulos para serem compartilhados para toda a aplicação. Geralmente damos um nome para este módulo: </a:t>
             </a:r>
             <a:r>
               <a:rPr lang="pt-BR" sz="2600" b="0" dirty="0" err="1">
                 <a:latin typeface="Times New Roman" pitchFamily="18" charset="0"/>
                 <a:cs typeface="Times New Roman" pitchFamily="18" charset="0"/>
               </a:rPr>
-              <a:t>forRoot</a:t>
+              <a:t>shared.module</a:t>
             </a:r>
             <a:r>
               <a:rPr lang="pt-BR" sz="2600" b="0" dirty="0">
                 <a:latin typeface="Times New Roman" pitchFamily="18" charset="0"/>
                 <a:cs typeface="Times New Roman" pitchFamily="18" charset="0"/>
               </a:rPr>
-              <a:t>() onde incluiremos todos nossos serviços que devem ser </a:t>
+              <a:t> ou </a:t>
             </a:r>
             <a:r>
               <a:rPr lang="pt-BR" sz="2600" b="0" dirty="0" err="1">
                 <a:latin typeface="Times New Roman" pitchFamily="18" charset="0"/>
                 <a:cs typeface="Times New Roman" pitchFamily="18" charset="0"/>
               </a:rPr>
-              <a:t>Singletons</a:t>
+              <a:t>core.module</a:t>
             </a:r>
             <a:r>
               <a:rPr lang="pt-BR" sz="2600" b="0" dirty="0">
                 <a:latin typeface="Times New Roman" pitchFamily="18" charset="0"/>
                 <a:cs typeface="Times New Roman" pitchFamily="18" charset="0"/>
               </a:rPr>
-              <a:t> para aplicação.</a:t>
+              <a:t>.</a:t>
             </a:r>
           </a:p>
           <a:p>
@@ -4391,7 +4388,7 @@
     </p:spTree>
     <p:extLst>
       <p:ext uri="{BB962C8B-B14F-4D97-AF65-F5344CB8AC3E}">
-        <p14:creationId xmlns:p14="http://schemas.microsoft.com/office/powerpoint/2010/main" val="2793491803"/>
+        <p14:creationId xmlns:p14="http://schemas.microsoft.com/office/powerpoint/2010/main" val="3891236929"/>
       </p:ext>
     </p:extLst>
   </p:cSld>
@@ -4448,10 +4445,21 @@
           <a:lstStyle/>
           <a:p>
             <a:r>
+              <a:rPr lang="pt-BR" sz="2800" b="1" dirty="0" smtClean="0"/>
+              <a:t>método </a:t>
+            </a:r>
+            <a:r>
+              <a:rPr lang="pt-BR" sz="2800" b="1" dirty="0"/>
+              <a:t>estático .</a:t>
+            </a:r>
+            <a:r>
               <a:rPr lang="pt-BR" sz="2800" b="1" dirty="0" err="1"/>
-              <a:t>SharedModule</a:t>
-            </a:r>
-            <a:endParaRPr lang="pt-BR" sz="2800" b="1" dirty="0"/>
+              <a:t>forRoot</a:t>
+            </a:r>
+            <a:r>
+              <a:rPr lang="pt-BR" sz="2800" b="1" dirty="0"/>
+              <a:t>()</a:t>
+            </a:r>
           </a:p>
         </p:txBody>
       </p:sp>
@@ -4476,6 +4484,54 @@
             <a:noAutofit/>
           </a:bodyPr>
           <a:lstStyle/>
+          <a:p>
+            <a:pPr algn="just"/>
+            <a:r>
+              <a:rPr lang="pt-BR" sz="2600" b="0" dirty="0">
+                <a:latin typeface="Times New Roman" pitchFamily="18" charset="0"/>
+                <a:cs typeface="Times New Roman" pitchFamily="18" charset="0"/>
+              </a:rPr>
+              <a:t>Algumas vezes necessitamos compartilhar serviços para que toda a aplicação possa utilizar, mas nem sempre há a necessidade de expor um serviço com múltiplas instancias a cada vez que é solicitado. </a:t>
+            </a:r>
+          </a:p>
+          <a:p>
+            <a:pPr algn="just"/>
+            <a:r>
+              <a:rPr lang="pt-BR" sz="2600" b="0" dirty="0">
+                <a:latin typeface="Times New Roman" pitchFamily="18" charset="0"/>
+                <a:cs typeface="Times New Roman" pitchFamily="18" charset="0"/>
+              </a:rPr>
+              <a:t>Então para resolver um caso que possa se tornar um problema para aplicação posteriormente, declararemos um método estático chamado </a:t>
+            </a:r>
+            <a:r>
+              <a:rPr lang="pt-BR" sz="2600" b="0" dirty="0" err="1">
+                <a:latin typeface="Times New Roman" pitchFamily="18" charset="0"/>
+                <a:cs typeface="Times New Roman" pitchFamily="18" charset="0"/>
+              </a:rPr>
+              <a:t>forRoot</a:t>
+            </a:r>
+            <a:r>
+              <a:rPr lang="pt-BR" sz="2600" b="0" dirty="0">
+                <a:latin typeface="Times New Roman" pitchFamily="18" charset="0"/>
+                <a:cs typeface="Times New Roman" pitchFamily="18" charset="0"/>
+              </a:rPr>
+              <a:t>() onde incluiremos todos nossos serviços que devem ser </a:t>
+            </a:r>
+            <a:r>
+              <a:rPr lang="pt-BR" sz="2600" b="0" dirty="0" err="1">
+                <a:latin typeface="Times New Roman" pitchFamily="18" charset="0"/>
+                <a:cs typeface="Times New Roman" pitchFamily="18" charset="0"/>
+              </a:rPr>
+              <a:t>Singletons</a:t>
+            </a:r>
+            <a:r>
+              <a:rPr lang="pt-BR" sz="2600" b="0" dirty="0">
+                <a:latin typeface="Times New Roman" pitchFamily="18" charset="0"/>
+                <a:cs typeface="Times New Roman" pitchFamily="18" charset="0"/>
+              </a:rPr>
+              <a:t> para aplicação.</a:t>
+            </a:r>
+          </a:p>
           <a:p>
             <a:endParaRPr lang="pt-BR" sz="2600" dirty="0"/>
           </a:p>
@@ -4554,6 +4610,172 @@
           </a:extLst>
         </p:spPr>
       </p:pic>
+    </p:spTree>
+    <p:extLst>
+      <p:ext uri="{BB962C8B-B14F-4D97-AF65-F5344CB8AC3E}">
+        <p14:creationId xmlns:p14="http://schemas.microsoft.com/office/powerpoint/2010/main" val="2793491803"/>
+      </p:ext>
+    </p:extLst>
+  </p:cSld>
+  <p:clrMapOvr>
+    <a:masterClrMapping/>
+  </p:clrMapOvr>
+  <p:timing>
+    <p:tnLst>
+      <p:par>
+        <p:cTn id="1" dur="indefinite" restart="never" nodeType="tmRoot"/>
+      </p:par>
+    </p:tnLst>
+  </p:timing>
+</p:sld>
+</file>
+
+<file path=ppt/slides/slide14.xml><?xml version="1.0" encoding="utf-8"?>
+<p:sld xmlns:a="http://schemas.openxmlformats.org/drawingml/2006/main" xmlns:r="http://schemas.openxmlformats.org/officeDocument/2006/relationships" xmlns:p="http://schemas.openxmlformats.org/presentationml/2006/main">
+  <p:cSld>
+    <p:spTree>
+      <p:nvGrpSpPr>
+        <p:cNvPr id="1" name=""/>
+        <p:cNvGrpSpPr/>
+        <p:nvPr/>
+      </p:nvGrpSpPr>
+      <p:grpSpPr>
+        <a:xfrm>
+          <a:off x="0" y="0"/>
+          <a:ext cx="0" cy="0"/>
+          <a:chOff x="0" y="0"/>
+          <a:chExt cx="0" cy="0"/>
+        </a:xfrm>
+      </p:grpSpPr>
+      <p:sp>
+        <p:nvSpPr>
+          <p:cNvPr id="2" name="Título 1"/>
+          <p:cNvSpPr>
+            <a:spLocks noGrp="1"/>
+          </p:cNvSpPr>
+          <p:nvPr>
+            <p:ph type="title"/>
+          </p:nvPr>
+        </p:nvSpPr>
+        <p:spPr>
+          <a:xfrm>
+            <a:off x="251519" y="323403"/>
+            <a:ext cx="6840761" cy="903630"/>
+          </a:xfrm>
+        </p:spPr>
+        <p:txBody>
+          <a:bodyPr>
+            <a:noAutofit/>
+          </a:bodyPr>
+          <a:lstStyle/>
+          <a:p>
+            <a:r>
+              <a:rPr lang="pt-BR" sz="2800" b="1" dirty="0" err="1"/>
+              <a:t>SharedModule</a:t>
+            </a:r>
+            <a:endParaRPr lang="pt-BR" sz="2800" b="1" dirty="0"/>
+          </a:p>
+        </p:txBody>
+      </p:sp>
+      <p:sp>
+        <p:nvSpPr>
+          <p:cNvPr id="3" name="Espaço Reservado para Conteúdo 2"/>
+          <p:cNvSpPr>
+            <a:spLocks noGrp="1"/>
+          </p:cNvSpPr>
+          <p:nvPr>
+            <p:ph idx="1"/>
+          </p:nvPr>
+        </p:nvSpPr>
+        <p:spPr>
+          <a:xfrm>
+            <a:off x="395536" y="1844824"/>
+            <a:ext cx="8077755" cy="3960440"/>
+          </a:xfrm>
+        </p:spPr>
+        <p:txBody>
+          <a:bodyPr>
+            <a:noAutofit/>
+          </a:bodyPr>
+          <a:lstStyle/>
+          <a:p>
+            <a:endParaRPr lang="pt-BR" sz="2600" dirty="0"/>
+          </a:p>
+          <a:p>
+            <a:endParaRPr lang="pt-BR" sz="2600" dirty="0"/>
+          </a:p>
+        </p:txBody>
+      </p:sp>
+      <p:cxnSp>
+        <p:nvCxnSpPr>
+          <p:cNvPr id="5" name="Conector reto 4"/>
+          <p:cNvCxnSpPr/>
+          <p:nvPr/>
+        </p:nvCxnSpPr>
+        <p:spPr>
+          <a:xfrm>
+            <a:off x="251520" y="1340768"/>
+            <a:ext cx="6480720" cy="0"/>
+          </a:xfrm>
+          <a:prstGeom prst="line">
+            <a:avLst/>
+          </a:prstGeom>
+          <a:ln/>
+        </p:spPr>
+        <p:style>
+          <a:lnRef idx="2">
+            <a:schemeClr val="accent5"/>
+          </a:lnRef>
+          <a:fillRef idx="0">
+            <a:schemeClr val="accent5"/>
+          </a:fillRef>
+          <a:effectRef idx="1">
+            <a:schemeClr val="accent5"/>
+          </a:effectRef>
+          <a:fontRef idx="minor">
+            <a:schemeClr val="tx1"/>
+          </a:fontRef>
+        </p:style>
+      </p:cxnSp>
+      <p:pic>
+        <p:nvPicPr>
+          <p:cNvPr id="6" name="Picture 7" descr="Angular-Logo-PNG-Image.png"/>
+          <p:cNvPicPr>
+            <a:picLocks noChangeAspect="1" noChangeArrowheads="1"/>
+          </p:cNvPicPr>
+          <p:nvPr/>
+        </p:nvPicPr>
+        <p:blipFill rotWithShape="1">
+          <a:blip r:embed="rId2" cstate="print">
+            <a:extLst>
+              <a:ext uri="{28A0092B-C50C-407E-A947-70E740481C1C}">
+                <a14:useLocalDpi xmlns:a14="http://schemas.microsoft.com/office/drawing/2010/main" val="0"/>
+              </a:ext>
+            </a:extLst>
+          </a:blip>
+          <a:srcRect l="2299" t="36731" r="73370" b="36781"/>
+          <a:stretch/>
+        </p:blipFill>
+        <p:spPr bwMode="auto">
+          <a:xfrm>
+            <a:off x="7156265" y="160338"/>
+            <a:ext cx="1317026" cy="1433826"/>
+          </a:xfrm>
+          <a:prstGeom prst="rect">
+            <a:avLst/>
+          </a:prstGeom>
+          <a:noFill/>
+          <a:extLst>
+            <a:ext uri="{909E8E84-426E-40DD-AFC4-6F175D3DCCD1}">
+              <a14:hiddenFill xmlns:a14="http://schemas.microsoft.com/office/drawing/2010/main">
+                <a:solidFill>
+                  <a:srgbClr val="FFFFFF"/>
+                </a:solidFill>
+              </a14:hiddenFill>
+            </a:ext>
+          </a:extLst>
+        </p:spPr>
+      </p:pic>
       <p:pic>
         <p:nvPicPr>
           <p:cNvPr id="7" name="Imagem 6"/>
@@ -4603,7 +4825,7 @@
 </p:sld>
 </file>
 
-<file path=ppt/slides/slide14.xml><?xml version="1.0" encoding="utf-8"?>
+<file path=ppt/slides/slide15.xml><?xml version="1.0" encoding="utf-8"?>
 <p:sld xmlns:a="http://schemas.openxmlformats.org/drawingml/2006/main" xmlns:r="http://schemas.openxmlformats.org/officeDocument/2006/relationships" xmlns:p="http://schemas.openxmlformats.org/presentationml/2006/main">
   <p:cSld>
     <p:spTree>
@@ -4922,7 +5144,7 @@
 </p:sld>
 </file>
 
-<file path=ppt/slides/slide15.xml><?xml version="1.0" encoding="utf-8"?>
+<file path=ppt/slides/slide16.xml><?xml version="1.0" encoding="utf-8"?>
 <p:sld xmlns:a="http://schemas.openxmlformats.org/drawingml/2006/main" xmlns:r="http://schemas.openxmlformats.org/officeDocument/2006/relationships" xmlns:p="http://schemas.openxmlformats.org/presentationml/2006/main">
   <p:cSld>
     <p:spTree>
@@ -5115,7 +5337,7 @@
 </p:sld>
 </file>
 
-<file path=ppt/slides/slide16.xml><?xml version="1.0" encoding="utf-8"?>
+<file path=ppt/slides/slide17.xml><?xml version="1.0" encoding="utf-8"?>
 <p:sld xmlns:a="http://schemas.openxmlformats.org/drawingml/2006/main" xmlns:r="http://schemas.openxmlformats.org/officeDocument/2006/relationships" xmlns:p="http://schemas.openxmlformats.org/presentationml/2006/main">
   <p:cSld>
     <p:spTree>
@@ -5343,7 +5565,7 @@
 </p:sld>
 </file>
 
-<file path=ppt/slides/slide17.xml><?xml version="1.0" encoding="utf-8"?>
+<file path=ppt/slides/slide18.xml><?xml version="1.0" encoding="utf-8"?>
 <p:sld xmlns:a="http://schemas.openxmlformats.org/drawingml/2006/main" xmlns:r="http://schemas.openxmlformats.org/officeDocument/2006/relationships" xmlns:p="http://schemas.openxmlformats.org/presentationml/2006/main">
   <p:cSld>
     <p:spTree>
@@ -5686,7 +5908,7 @@
 </p:sld>
 </file>
 
-<file path=ppt/slides/slide18.xml><?xml version="1.0" encoding="utf-8"?>
+<file path=ppt/slides/slide19.xml><?xml version="1.0" encoding="utf-8"?>
 <p:sld xmlns:a="http://schemas.openxmlformats.org/drawingml/2006/main" xmlns:r="http://schemas.openxmlformats.org/officeDocument/2006/relationships" xmlns:p="http://schemas.openxmlformats.org/presentationml/2006/main">
   <p:cSld>
     <p:spTree>
@@ -6155,637 +6377,6 @@
     <p:extLst>
       <p:ext uri="{BB962C8B-B14F-4D97-AF65-F5344CB8AC3E}">
         <p14:creationId xmlns:p14="http://schemas.microsoft.com/office/powerpoint/2010/main" val="403429108"/>
-      </p:ext>
-    </p:extLst>
-  </p:cSld>
-  <p:clrMapOvr>
-    <a:masterClrMapping/>
-  </p:clrMapOvr>
-  <p:timing>
-    <p:tnLst>
-      <p:par>
-        <p:cTn id="1" dur="indefinite" restart="never" nodeType="tmRoot"/>
-      </p:par>
-    </p:tnLst>
-  </p:timing>
-</p:sld>
-</file>
-
-<file path=ppt/slides/slide19.xml><?xml version="1.0" encoding="utf-8"?>
-<p:sld xmlns:a="http://schemas.openxmlformats.org/drawingml/2006/main" xmlns:r="http://schemas.openxmlformats.org/officeDocument/2006/relationships" xmlns:p="http://schemas.openxmlformats.org/presentationml/2006/main">
-  <p:cSld>
-    <p:spTree>
-      <p:nvGrpSpPr>
-        <p:cNvPr id="1" name=""/>
-        <p:cNvGrpSpPr/>
-        <p:nvPr/>
-      </p:nvGrpSpPr>
-      <p:grpSpPr>
-        <a:xfrm>
-          <a:off x="0" y="0"/>
-          <a:ext cx="0" cy="0"/>
-          <a:chOff x="0" y="0"/>
-          <a:chExt cx="0" cy="0"/>
-        </a:xfrm>
-      </p:grpSpPr>
-      <p:sp>
-        <p:nvSpPr>
-          <p:cNvPr id="2" name="Título 1"/>
-          <p:cNvSpPr>
-            <a:spLocks noGrp="1"/>
-          </p:cNvSpPr>
-          <p:nvPr>
-            <p:ph type="title"/>
-          </p:nvPr>
-        </p:nvSpPr>
-        <p:spPr>
-          <a:xfrm>
-            <a:off x="251521" y="323403"/>
-            <a:ext cx="6480720" cy="903630"/>
-          </a:xfrm>
-        </p:spPr>
-        <p:txBody>
-          <a:bodyPr>
-            <a:noAutofit/>
-          </a:bodyPr>
-          <a:lstStyle/>
-          <a:p>
-            <a:pPr algn="ctr"/>
-            <a:r>
-              <a:rPr lang="pt-BR" sz="2800" b="1" dirty="0"/>
-              <a:t>IMPORTANDO O </a:t>
-            </a:r>
-            <a:r>
-              <a:rPr lang="pt-BR" sz="2800" b="1" dirty="0" smtClean="0"/>
-              <a:t>PRIMENG</a:t>
-            </a:r>
-            <a:br>
-              <a:rPr lang="pt-BR" sz="2800" b="1" dirty="0" smtClean="0"/>
-            </a:br>
-            <a:r>
-              <a:rPr lang="pt-BR" sz="2800" b="1" dirty="0" smtClean="0"/>
-              <a:t> </a:t>
-            </a:r>
-            <a:r>
-              <a:rPr lang="pt-BR" sz="2800" b="1" dirty="0"/>
-              <a:t>EM NOSSO PROJETO</a:t>
-            </a:r>
-          </a:p>
-        </p:txBody>
-      </p:sp>
-      <p:sp>
-        <p:nvSpPr>
-          <p:cNvPr id="3" name="Espaço Reservado para Conteúdo 2"/>
-          <p:cNvSpPr>
-            <a:spLocks noGrp="1"/>
-          </p:cNvSpPr>
-          <p:nvPr>
-            <p:ph idx="1"/>
-          </p:nvPr>
-        </p:nvSpPr>
-        <p:spPr>
-          <a:xfrm>
-            <a:off x="395536" y="1844824"/>
-            <a:ext cx="8077755" cy="3960440"/>
-          </a:xfrm>
-        </p:spPr>
-        <p:txBody>
-          <a:bodyPr>
-            <a:noAutofit/>
-          </a:bodyPr>
-          <a:lstStyle/>
-          <a:p>
-            <a:endParaRPr lang="pt-BR" sz="2600" dirty="0"/>
-          </a:p>
-          <a:p>
-            <a:endParaRPr lang="pt-BR" sz="2600" dirty="0"/>
-          </a:p>
-        </p:txBody>
-      </p:sp>
-      <p:cxnSp>
-        <p:nvCxnSpPr>
-          <p:cNvPr id="5" name="Conector reto 4"/>
-          <p:cNvCxnSpPr/>
-          <p:nvPr/>
-        </p:nvCxnSpPr>
-        <p:spPr>
-          <a:xfrm>
-            <a:off x="251520" y="1340768"/>
-            <a:ext cx="6480720" cy="0"/>
-          </a:xfrm>
-          <a:prstGeom prst="line">
-            <a:avLst/>
-          </a:prstGeom>
-          <a:ln/>
-        </p:spPr>
-        <p:style>
-          <a:lnRef idx="2">
-            <a:schemeClr val="accent5"/>
-          </a:lnRef>
-          <a:fillRef idx="0">
-            <a:schemeClr val="accent5"/>
-          </a:fillRef>
-          <a:effectRef idx="1">
-            <a:schemeClr val="accent5"/>
-          </a:effectRef>
-          <a:fontRef idx="minor">
-            <a:schemeClr val="tx1"/>
-          </a:fontRef>
-        </p:style>
-      </p:cxnSp>
-      <p:pic>
-        <p:nvPicPr>
-          <p:cNvPr id="6" name="Picture 7" descr="Angular-Logo-PNG-Image.png"/>
-          <p:cNvPicPr>
-            <a:picLocks noChangeAspect="1" noChangeArrowheads="1"/>
-          </p:cNvPicPr>
-          <p:nvPr/>
-        </p:nvPicPr>
-        <p:blipFill rotWithShape="1">
-          <a:blip r:embed="rId2" cstate="print">
-            <a:extLst>
-              <a:ext uri="{28A0092B-C50C-407E-A947-70E740481C1C}">
-                <a14:useLocalDpi xmlns:a14="http://schemas.microsoft.com/office/drawing/2010/main" val="0"/>
-              </a:ext>
-            </a:extLst>
-          </a:blip>
-          <a:srcRect l="2299" t="36731" r="73370" b="36781"/>
-          <a:stretch/>
-        </p:blipFill>
-        <p:spPr bwMode="auto">
-          <a:xfrm>
-            <a:off x="7156265" y="160338"/>
-            <a:ext cx="1317026" cy="1433826"/>
-          </a:xfrm>
-          <a:prstGeom prst="rect">
-            <a:avLst/>
-          </a:prstGeom>
-          <a:noFill/>
-          <a:extLst>
-            <a:ext uri="{909E8E84-426E-40DD-AFC4-6F175D3DCCD1}">
-              <a14:hiddenFill xmlns:a14="http://schemas.microsoft.com/office/drawing/2010/main">
-                <a:solidFill>
-                  <a:srgbClr val="FFFFFF"/>
-                </a:solidFill>
-              </a14:hiddenFill>
-            </a:ext>
-          </a:extLst>
-        </p:spPr>
-      </p:pic>
-      <p:sp>
-        <p:nvSpPr>
-          <p:cNvPr id="7" name="Espaço Reservado para Conteúdo 2"/>
-          <p:cNvSpPr txBox="1">
-            <a:spLocks/>
-          </p:cNvSpPr>
-          <p:nvPr/>
-        </p:nvSpPr>
-        <p:spPr>
-          <a:xfrm>
-            <a:off x="251521" y="1700808"/>
-            <a:ext cx="8221770" cy="3960440"/>
-          </a:xfrm>
-          <a:prstGeom prst="rect">
-            <a:avLst/>
-          </a:prstGeom>
-        </p:spPr>
-        <p:txBody>
-          <a:bodyPr vert="horz" lIns="91440" tIns="45720" rIns="91440" bIns="45720" rtlCol="0">
-            <a:noAutofit/>
-          </a:bodyPr>
-          <a:lstStyle>
-            <a:lvl1pPr marL="0" indent="0" algn="l" defTabSz="914400" rtl="0" eaLnBrk="1" latinLnBrk="0" hangingPunct="1">
-              <a:spcBef>
-                <a:spcPct val="20000"/>
-              </a:spcBef>
-              <a:spcAft>
-                <a:spcPts val="600"/>
-              </a:spcAft>
-              <a:buFont typeface="Arial" pitchFamily="34" charset="0"/>
-              <a:buNone/>
-              <a:defRPr sz="2000" b="1" kern="1200">
-                <a:solidFill>
-                  <a:schemeClr val="tx1"/>
-                </a:solidFill>
-                <a:latin typeface="+mn-lt"/>
-                <a:ea typeface="+mn-ea"/>
-                <a:cs typeface="+mn-cs"/>
-              </a:defRPr>
-            </a:lvl1pPr>
-            <a:lvl2pPr marL="457200" indent="-182880" algn="l" defTabSz="914400" rtl="0" eaLnBrk="1" latinLnBrk="0" hangingPunct="1">
-              <a:spcBef>
-                <a:spcPct val="20000"/>
-              </a:spcBef>
-              <a:buClr>
-                <a:schemeClr val="tx2"/>
-              </a:buClr>
-              <a:buFont typeface="Arial" pitchFamily="34" charset="0"/>
-              <a:buChar char="•"/>
-              <a:defRPr sz="2000" kern="1200">
-                <a:solidFill>
-                  <a:schemeClr val="tx1"/>
-                </a:solidFill>
-                <a:latin typeface="+mn-lt"/>
-                <a:ea typeface="+mn-ea"/>
-                <a:cs typeface="+mn-cs"/>
-              </a:defRPr>
-            </a:lvl2pPr>
-            <a:lvl3pPr marL="1143000" indent="-228600" algn="l" defTabSz="914400" rtl="0" eaLnBrk="1" latinLnBrk="0" hangingPunct="1">
-              <a:spcBef>
-                <a:spcPct val="20000"/>
-              </a:spcBef>
-              <a:buClr>
-                <a:schemeClr val="tx2"/>
-              </a:buClr>
-              <a:buFont typeface="Arial" pitchFamily="34" charset="0"/>
-              <a:buChar char="•"/>
-              <a:defRPr sz="1800" kern="1200">
-                <a:solidFill>
-                  <a:schemeClr val="tx1"/>
-                </a:solidFill>
-                <a:latin typeface="+mn-lt"/>
-                <a:ea typeface="+mn-ea"/>
-                <a:cs typeface="+mn-cs"/>
-              </a:defRPr>
-            </a:lvl3pPr>
-            <a:lvl4pPr marL="1600200" indent="-228600" algn="l" defTabSz="914400" rtl="0" eaLnBrk="1" latinLnBrk="0" hangingPunct="1">
-              <a:spcBef>
-                <a:spcPct val="20000"/>
-              </a:spcBef>
-              <a:buClr>
-                <a:schemeClr val="tx2"/>
-              </a:buClr>
-              <a:buFont typeface="Arial" pitchFamily="34" charset="0"/>
-              <a:buChar char="•"/>
-              <a:defRPr sz="1800" kern="1200">
-                <a:solidFill>
-                  <a:schemeClr val="tx1"/>
-                </a:solidFill>
-                <a:latin typeface="+mn-lt"/>
-                <a:ea typeface="+mn-ea"/>
-                <a:cs typeface="+mn-cs"/>
-              </a:defRPr>
-            </a:lvl4pPr>
-            <a:lvl5pPr marL="2057400" indent="-228600" algn="l" defTabSz="914400" rtl="0" eaLnBrk="1" latinLnBrk="0" hangingPunct="1">
-              <a:spcBef>
-                <a:spcPct val="20000"/>
-              </a:spcBef>
-              <a:buClr>
-                <a:schemeClr val="tx2"/>
-              </a:buClr>
-              <a:buFont typeface="Arial" pitchFamily="34" charset="0"/>
-              <a:buChar char="•"/>
-              <a:defRPr sz="1800" kern="1200" baseline="0">
-                <a:solidFill>
-                  <a:schemeClr val="tx1"/>
-                </a:solidFill>
-                <a:latin typeface="+mn-lt"/>
-                <a:ea typeface="+mn-ea"/>
-                <a:cs typeface="+mn-cs"/>
-              </a:defRPr>
-            </a:lvl5pPr>
-            <a:lvl6pPr marL="2514600" indent="-228600" algn="l" defTabSz="914400" rtl="0" eaLnBrk="1" latinLnBrk="0" hangingPunct="1">
-              <a:spcBef>
-                <a:spcPct val="20000"/>
-              </a:spcBef>
-              <a:buClr>
-                <a:schemeClr val="tx2"/>
-              </a:buClr>
-              <a:buFont typeface="Arial" pitchFamily="34" charset="0"/>
-              <a:buChar char="•"/>
-              <a:defRPr sz="1600" kern="1200">
-                <a:solidFill>
-                  <a:schemeClr val="tx1"/>
-                </a:solidFill>
-                <a:latin typeface="+mn-lt"/>
-                <a:ea typeface="+mn-ea"/>
-                <a:cs typeface="+mn-cs"/>
-              </a:defRPr>
-            </a:lvl6pPr>
-            <a:lvl7pPr marL="2971800" indent="-228600" algn="l" defTabSz="914400" rtl="0" eaLnBrk="1" latinLnBrk="0" hangingPunct="1">
-              <a:spcBef>
-                <a:spcPct val="20000"/>
-              </a:spcBef>
-              <a:buClr>
-                <a:schemeClr val="tx2"/>
-              </a:buClr>
-              <a:buFont typeface="Arial" pitchFamily="34" charset="0"/>
-              <a:buChar char="•"/>
-              <a:defRPr sz="1600" kern="1200">
-                <a:solidFill>
-                  <a:schemeClr val="tx1"/>
-                </a:solidFill>
-                <a:latin typeface="+mn-lt"/>
-                <a:ea typeface="+mn-ea"/>
-                <a:cs typeface="+mn-cs"/>
-              </a:defRPr>
-            </a:lvl7pPr>
-            <a:lvl8pPr marL="3429000" indent="-228600" algn="l" defTabSz="914400" rtl="0" eaLnBrk="1" latinLnBrk="0" hangingPunct="1">
-              <a:spcBef>
-                <a:spcPct val="20000"/>
-              </a:spcBef>
-              <a:buClr>
-                <a:schemeClr val="tx2"/>
-              </a:buClr>
-              <a:buFont typeface="Arial" pitchFamily="34" charset="0"/>
-              <a:buChar char="•"/>
-              <a:defRPr sz="1600" kern="1200">
-                <a:solidFill>
-                  <a:schemeClr val="tx1"/>
-                </a:solidFill>
-                <a:latin typeface="+mn-lt"/>
-                <a:ea typeface="+mn-ea"/>
-                <a:cs typeface="+mn-cs"/>
-              </a:defRPr>
-            </a:lvl8pPr>
-            <a:lvl9pPr marL="3886200" indent="-228600" algn="l" defTabSz="914400" rtl="0" eaLnBrk="1" latinLnBrk="0" hangingPunct="1">
-              <a:spcBef>
-                <a:spcPct val="20000"/>
-              </a:spcBef>
-              <a:buClr>
-                <a:schemeClr val="tx2"/>
-              </a:buClr>
-              <a:buFont typeface="Arial" pitchFamily="34" charset="0"/>
-              <a:buChar char="•"/>
-              <a:defRPr sz="1600" kern="1200">
-                <a:solidFill>
-                  <a:schemeClr val="tx1"/>
-                </a:solidFill>
-                <a:latin typeface="+mn-lt"/>
-                <a:ea typeface="+mn-ea"/>
-                <a:cs typeface="+mn-cs"/>
-              </a:defRPr>
-            </a:lvl9pPr>
-          </a:lstStyle>
-          <a:p>
-            <a:r>
-              <a:rPr lang="pt-BR" sz="2800" dirty="0" smtClean="0">
-                <a:latin typeface="Times New Roman" pitchFamily="18" charset="0"/>
-                <a:cs typeface="Times New Roman" pitchFamily="18" charset="0"/>
-              </a:rPr>
-              <a:t>Segundo passo:</a:t>
-            </a:r>
-            <a:endParaRPr lang="pt-BR" sz="2800" dirty="0">
-              <a:latin typeface="Times New Roman" pitchFamily="18" charset="0"/>
-              <a:cs typeface="Times New Roman" pitchFamily="18" charset="0"/>
-            </a:endParaRPr>
-          </a:p>
-          <a:p>
-            <a:pPr algn="just">
-              <a:spcBef>
-                <a:spcPts val="0"/>
-              </a:spcBef>
-            </a:pPr>
-            <a:r>
-              <a:rPr lang="pt-BR" sz="2800" b="0" dirty="0" smtClean="0">
-                <a:latin typeface="Times New Roman" pitchFamily="18" charset="0"/>
-                <a:cs typeface="Times New Roman" pitchFamily="18" charset="0"/>
-              </a:rPr>
-              <a:t>Importar </a:t>
-            </a:r>
-            <a:r>
-              <a:rPr lang="pt-BR" sz="2800" b="0" dirty="0">
-                <a:latin typeface="Times New Roman" pitchFamily="18" charset="0"/>
-                <a:cs typeface="Times New Roman" pitchFamily="18" charset="0"/>
-              </a:rPr>
-              <a:t>as dependências do </a:t>
-            </a:r>
-            <a:r>
-              <a:rPr lang="pt-BR" sz="2800" b="0" dirty="0" err="1">
-                <a:latin typeface="Times New Roman" pitchFamily="18" charset="0"/>
-                <a:cs typeface="Times New Roman" pitchFamily="18" charset="0"/>
-              </a:rPr>
-              <a:t>PrimeNG</a:t>
-            </a:r>
-            <a:r>
-              <a:rPr lang="pt-BR" sz="2800" b="0" dirty="0">
-                <a:latin typeface="Times New Roman" pitchFamily="18" charset="0"/>
-                <a:cs typeface="Times New Roman" pitchFamily="18" charset="0"/>
-              </a:rPr>
-              <a:t> no </a:t>
-            </a:r>
-            <a:r>
-              <a:rPr lang="pt-BR" sz="2800" b="0" dirty="0" err="1">
-                <a:latin typeface="Times New Roman" pitchFamily="18" charset="0"/>
-                <a:cs typeface="Times New Roman" pitchFamily="18" charset="0"/>
-              </a:rPr>
-              <a:t>package</a:t>
-            </a:r>
-            <a:r>
-              <a:rPr lang="pt-BR" sz="2800" b="0" dirty="0">
-                <a:latin typeface="Times New Roman" pitchFamily="18" charset="0"/>
-                <a:cs typeface="Times New Roman" pitchFamily="18" charset="0"/>
-              </a:rPr>
-              <a:t> </a:t>
-            </a:r>
-            <a:r>
-              <a:rPr lang="pt-BR" sz="2800" b="0" dirty="0" err="1">
-                <a:latin typeface="Times New Roman" pitchFamily="18" charset="0"/>
-                <a:cs typeface="Times New Roman" pitchFamily="18" charset="0"/>
-              </a:rPr>
-              <a:t>json</a:t>
-            </a:r>
-            <a:r>
-              <a:rPr lang="pt-BR" sz="2800" b="0" dirty="0">
-                <a:latin typeface="Times New Roman" pitchFamily="18" charset="0"/>
-                <a:cs typeface="Times New Roman" pitchFamily="18" charset="0"/>
-              </a:rPr>
-              <a:t> e declarar nos </a:t>
-            </a:r>
-            <a:r>
-              <a:rPr lang="pt-BR" sz="2800" b="0" dirty="0" err="1">
-                <a:latin typeface="Times New Roman" pitchFamily="18" charset="0"/>
-                <a:cs typeface="Times New Roman" pitchFamily="18" charset="0"/>
-              </a:rPr>
-              <a:t>assets</a:t>
-            </a:r>
-            <a:r>
-              <a:rPr lang="pt-BR" sz="2800" b="0" dirty="0">
-                <a:latin typeface="Times New Roman" pitchFamily="18" charset="0"/>
-                <a:cs typeface="Times New Roman" pitchFamily="18" charset="0"/>
-              </a:rPr>
-              <a:t> os </a:t>
-            </a:r>
-            <a:r>
-              <a:rPr lang="pt-BR" sz="2800" b="0" dirty="0" err="1">
-                <a:latin typeface="Times New Roman" pitchFamily="18" charset="0"/>
-                <a:cs typeface="Times New Roman" pitchFamily="18" charset="0"/>
-              </a:rPr>
-              <a:t>styles</a:t>
-            </a:r>
-            <a:r>
-              <a:rPr lang="pt-BR" sz="2800" b="0" dirty="0">
-                <a:latin typeface="Times New Roman" pitchFamily="18" charset="0"/>
-                <a:cs typeface="Times New Roman" pitchFamily="18" charset="0"/>
-              </a:rPr>
-              <a:t> do </a:t>
-            </a:r>
-            <a:r>
-              <a:rPr lang="pt-BR" sz="2800" b="0" dirty="0" err="1" smtClean="0">
-                <a:latin typeface="Times New Roman" pitchFamily="18" charset="0"/>
-                <a:cs typeface="Times New Roman" pitchFamily="18" charset="0"/>
-              </a:rPr>
-              <a:t>PrimeNG</a:t>
-            </a:r>
-            <a:r>
-              <a:rPr lang="pt-BR" sz="2800" b="0" dirty="0" smtClean="0">
-                <a:latin typeface="Times New Roman" pitchFamily="18" charset="0"/>
-                <a:cs typeface="Times New Roman" pitchFamily="18" charset="0"/>
-              </a:rPr>
-              <a:t>. </a:t>
-            </a:r>
-          </a:p>
-          <a:p>
-            <a:pPr algn="just">
-              <a:spcBef>
-                <a:spcPts val="0"/>
-              </a:spcBef>
-            </a:pPr>
-            <a:r>
-              <a:rPr lang="pt-BR" sz="2800" b="0" dirty="0" smtClean="0">
-                <a:latin typeface="Times New Roman" pitchFamily="18" charset="0"/>
-                <a:cs typeface="Times New Roman" pitchFamily="18" charset="0"/>
-              </a:rPr>
-              <a:t>Se </a:t>
-            </a:r>
-            <a:r>
-              <a:rPr lang="pt-BR" sz="2800" b="0" dirty="0">
-                <a:latin typeface="Times New Roman" pitchFamily="18" charset="0"/>
-                <a:cs typeface="Times New Roman" pitchFamily="18" charset="0"/>
-              </a:rPr>
-              <a:t>caso em nosso </a:t>
-            </a:r>
-            <a:r>
-              <a:rPr lang="pt-BR" sz="2800" b="0" dirty="0" err="1">
-                <a:latin typeface="Times New Roman" pitchFamily="18" charset="0"/>
-                <a:cs typeface="Times New Roman" pitchFamily="18" charset="0"/>
-              </a:rPr>
-              <a:t>package.json</a:t>
-            </a:r>
-            <a:r>
-              <a:rPr lang="pt-BR" sz="2800" b="0" dirty="0">
-                <a:latin typeface="Times New Roman" pitchFamily="18" charset="0"/>
-                <a:cs typeface="Times New Roman" pitchFamily="18" charset="0"/>
-              </a:rPr>
-              <a:t> não ter sido gravadas as declarações das dependências do </a:t>
-            </a:r>
-            <a:r>
-              <a:rPr lang="pt-BR" sz="2800" b="0" dirty="0" err="1">
-                <a:latin typeface="Times New Roman" pitchFamily="18" charset="0"/>
-                <a:cs typeface="Times New Roman" pitchFamily="18" charset="0"/>
-              </a:rPr>
-              <a:t>PrimeNG</a:t>
-            </a:r>
-            <a:r>
-              <a:rPr lang="pt-BR" sz="2800" b="0" dirty="0">
-                <a:latin typeface="Times New Roman" pitchFamily="18" charset="0"/>
-                <a:cs typeface="Times New Roman" pitchFamily="18" charset="0"/>
-              </a:rPr>
-              <a:t>, devemos </a:t>
-            </a:r>
-            <a:r>
-              <a:rPr lang="pt-BR" sz="2800" b="0" dirty="0" smtClean="0">
-                <a:latin typeface="Times New Roman" pitchFamily="18" charset="0"/>
-                <a:cs typeface="Times New Roman" pitchFamily="18" charset="0"/>
-              </a:rPr>
-              <a:t>adicioná-las </a:t>
-            </a:r>
-            <a:r>
-              <a:rPr lang="pt-BR" sz="2800" b="0" dirty="0">
-                <a:latin typeface="Times New Roman" pitchFamily="18" charset="0"/>
-                <a:cs typeface="Times New Roman" pitchFamily="18" charset="0"/>
-              </a:rPr>
-              <a:t>dentro de </a:t>
-            </a:r>
-            <a:r>
-              <a:rPr lang="pt-BR" sz="2800" b="0" dirty="0" err="1">
-                <a:latin typeface="Times New Roman" pitchFamily="18" charset="0"/>
-                <a:cs typeface="Times New Roman" pitchFamily="18" charset="0"/>
-              </a:rPr>
-              <a:t>dependencies</a:t>
-            </a:r>
-            <a:r>
-              <a:rPr lang="pt-BR" sz="2800" b="0" dirty="0">
-                <a:latin typeface="Times New Roman" pitchFamily="18" charset="0"/>
-                <a:cs typeface="Times New Roman" pitchFamily="18" charset="0"/>
-              </a:rPr>
-              <a:t>:</a:t>
-            </a:r>
-          </a:p>
-          <a:p>
-            <a:endParaRPr lang="pt-BR" sz="2800" dirty="0" smtClean="0"/>
-          </a:p>
-          <a:p>
-            <a:endParaRPr lang="pt-BR" sz="2600" dirty="0"/>
-          </a:p>
-        </p:txBody>
-      </p:sp>
-      <p:pic>
-        <p:nvPicPr>
-          <p:cNvPr id="1026" name="Picture 2"/>
-          <p:cNvPicPr>
-            <a:picLocks noChangeAspect="1" noChangeArrowheads="1"/>
-          </p:cNvPicPr>
-          <p:nvPr/>
-        </p:nvPicPr>
-        <p:blipFill rotWithShape="1">
-          <a:blip r:embed="rId3">
-            <a:extLst>
-              <a:ext uri="{28A0092B-C50C-407E-A947-70E740481C1C}">
-                <a14:useLocalDpi xmlns:a14="http://schemas.microsoft.com/office/drawing/2010/main" val="0"/>
-              </a:ext>
-            </a:extLst>
-          </a:blip>
-          <a:srcRect l="22745" t="48091" r="10532" b="15776"/>
-          <a:stretch/>
-        </p:blipFill>
-        <p:spPr bwMode="auto">
-          <a:xfrm>
-            <a:off x="1115616" y="4564977"/>
-            <a:ext cx="6624736" cy="2025945"/>
-          </a:xfrm>
-          <a:prstGeom prst="rect">
-            <a:avLst/>
-          </a:prstGeom>
-          <a:noFill/>
-          <a:ln>
-            <a:noFill/>
-          </a:ln>
-          <a:effectLst/>
-          <a:extLst>
-            <a:ext uri="{909E8E84-426E-40DD-AFC4-6F175D3DCCD1}">
-              <a14:hiddenFill xmlns:a14="http://schemas.microsoft.com/office/drawing/2010/main">
-                <a:solidFill>
-                  <a:schemeClr val="accent1"/>
-                </a:solidFill>
-              </a14:hiddenFill>
-            </a:ext>
-            <a:ext uri="{91240B29-F687-4F45-9708-019B960494DF}">
-              <a14:hiddenLine xmlns:a14="http://schemas.microsoft.com/office/drawing/2010/main" w="9525">
-                <a:solidFill>
-                  <a:schemeClr val="tx1"/>
-                </a:solidFill>
-                <a:miter lim="800000"/>
-                <a:headEnd/>
-                <a:tailEnd/>
-              </a14:hiddenLine>
-            </a:ext>
-            <a:ext uri="{AF507438-7753-43E0-B8FC-AC1667EBCBE1}">
-              <a14:hiddenEffects xmlns:a14="http://schemas.microsoft.com/office/drawing/2010/main">
-                <a:effectLst>
-                  <a:outerShdw dist="35921" dir="2700000" algn="ctr" rotWithShape="0">
-                    <a:schemeClr val="bg2"/>
-                  </a:outerShdw>
-                </a:effectLst>
-              </a14:hiddenEffects>
-            </a:ext>
-          </a:extLst>
-        </p:spPr>
-      </p:pic>
-    </p:spTree>
-    <p:extLst>
-      <p:ext uri="{BB962C8B-B14F-4D97-AF65-F5344CB8AC3E}">
-        <p14:creationId xmlns:p14="http://schemas.microsoft.com/office/powerpoint/2010/main" val="90333842"/>
       </p:ext>
     </p:extLst>
   </p:cSld>
@@ -7277,8 +6868,8 @@
         </p:nvSpPr>
         <p:spPr>
           <a:xfrm>
-            <a:off x="467545" y="1844824"/>
-            <a:ext cx="7776863" cy="3816424"/>
+            <a:off x="251521" y="1700808"/>
+            <a:ext cx="8221770" cy="3960440"/>
           </a:xfrm>
           <a:prstGeom prst="rect">
             <a:avLst/>
@@ -7458,7 +7049,7 @@
                 <a:latin typeface="Times New Roman" pitchFamily="18" charset="0"/>
                 <a:cs typeface="Times New Roman" pitchFamily="18" charset="0"/>
               </a:rPr>
-              <a:t>Terceiro passo:</a:t>
+              <a:t>Segundo passo:</a:t>
             </a:r>
             <a:endParaRPr lang="pt-BR" sz="2800" dirty="0">
               <a:latin typeface="Times New Roman" pitchFamily="18" charset="0"/>
@@ -7466,13 +7057,24 @@
             </a:endParaRPr>
           </a:p>
           <a:p>
-            <a:pPr algn="just"/>
+            <a:pPr algn="just">
+              <a:spcBef>
+                <a:spcPts val="0"/>
+              </a:spcBef>
+            </a:pPr>
+            <a:r>
+              <a:rPr lang="pt-BR" sz="2800" b="0" dirty="0" smtClean="0">
+                <a:latin typeface="Times New Roman" pitchFamily="18" charset="0"/>
+                <a:cs typeface="Times New Roman" pitchFamily="18" charset="0"/>
+              </a:rPr>
+              <a:t>Importar </a:t>
+            </a:r>
             <a:r>
               <a:rPr lang="pt-BR" sz="2800" b="0" dirty="0">
                 <a:latin typeface="Times New Roman" pitchFamily="18" charset="0"/>
                 <a:cs typeface="Times New Roman" pitchFamily="18" charset="0"/>
               </a:rPr>
-              <a:t>Para nossa aplicação reconhecer os estilos do </a:t>
+              <a:t>as dependências do </a:t>
             </a:r>
             <a:r>
               <a:rPr lang="pt-BR" sz="2800" b="0" dirty="0" err="1">
@@ -7486,49 +7088,154 @@
                 <a:latin typeface="Times New Roman" pitchFamily="18" charset="0"/>
                 <a:cs typeface="Times New Roman" pitchFamily="18" charset="0"/>
               </a:rPr>
-              <a:t>, devemos adicionar os seguintes </a:t>
+              <a:t> no </a:t>
             </a:r>
             <a:r>
               <a:rPr lang="pt-BR" sz="2800" b="0" dirty="0" err="1">
                 <a:latin typeface="Times New Roman" pitchFamily="18" charset="0"/>
                 <a:cs typeface="Times New Roman" pitchFamily="18" charset="0"/>
               </a:rPr>
-              <a:t>CSSs</a:t>
+              <a:t>package</a:t>
             </a:r>
             <a:r>
               <a:rPr lang="pt-BR" sz="2800" b="0" dirty="0">
                 <a:latin typeface="Times New Roman" pitchFamily="18" charset="0"/>
                 <a:cs typeface="Times New Roman" pitchFamily="18" charset="0"/>
               </a:rPr>
-              <a:t> dentro de </a:t>
+              <a:t> </a:t>
             </a:r>
             <a:r>
               <a:rPr lang="pt-BR" sz="2800" b="0" dirty="0" err="1">
                 <a:latin typeface="Times New Roman" pitchFamily="18" charset="0"/>
                 <a:cs typeface="Times New Roman" pitchFamily="18" charset="0"/>
               </a:rPr>
-              <a:t>Styles</a:t>
+              <a:t>json</a:t>
             </a:r>
             <a:r>
               <a:rPr lang="pt-BR" sz="2800" b="0" dirty="0">
                 <a:latin typeface="Times New Roman" pitchFamily="18" charset="0"/>
                 <a:cs typeface="Times New Roman" pitchFamily="18" charset="0"/>
               </a:rPr>
-              <a:t> do arquivo </a:t>
+              <a:t> e declarar nos </a:t>
             </a:r>
             <a:r>
               <a:rPr lang="pt-BR" sz="2800" b="0" dirty="0" err="1">
                 <a:latin typeface="Times New Roman" pitchFamily="18" charset="0"/>
                 <a:cs typeface="Times New Roman" pitchFamily="18" charset="0"/>
               </a:rPr>
-              <a:t>agular.json</a:t>
+              <a:t>assets</a:t>
             </a:r>
             <a:r>
               <a:rPr lang="pt-BR" sz="2800" b="0" dirty="0">
                 <a:latin typeface="Times New Roman" pitchFamily="18" charset="0"/>
                 <a:cs typeface="Times New Roman" pitchFamily="18" charset="0"/>
               </a:rPr>
-              <a:t>.</a:t>
+              <a:t> os </a:t>
+            </a:r>
+            <a:r>
+              <a:rPr lang="pt-BR" sz="2800" b="0" dirty="0" err="1">
+                <a:latin typeface="Times New Roman" pitchFamily="18" charset="0"/>
+                <a:cs typeface="Times New Roman" pitchFamily="18" charset="0"/>
+              </a:rPr>
+              <a:t>styles</a:t>
+            </a:r>
+            <a:r>
+              <a:rPr lang="pt-BR" sz="2800" b="0" dirty="0">
+                <a:latin typeface="Times New Roman" pitchFamily="18" charset="0"/>
+                <a:cs typeface="Times New Roman" pitchFamily="18" charset="0"/>
+              </a:rPr>
+              <a:t> do </a:t>
+            </a:r>
+            <a:r>
+              <a:rPr lang="pt-BR" sz="2800" b="0" dirty="0" err="1" smtClean="0">
+                <a:latin typeface="Times New Roman" pitchFamily="18" charset="0"/>
+                <a:cs typeface="Times New Roman" pitchFamily="18" charset="0"/>
+              </a:rPr>
+              <a:t>PrimeNG</a:t>
+            </a:r>
+            <a:r>
+              <a:rPr lang="pt-BR" sz="2800" b="0" dirty="0" smtClean="0">
+                <a:latin typeface="Times New Roman" pitchFamily="18" charset="0"/>
+                <a:cs typeface="Times New Roman" pitchFamily="18" charset="0"/>
+              </a:rPr>
+              <a:t>. </a:t>
+            </a:r>
+          </a:p>
+          <a:p>
+            <a:pPr algn="just">
+              <a:spcBef>
+                <a:spcPts val="0"/>
+              </a:spcBef>
+            </a:pPr>
+            <a:r>
+              <a:rPr lang="pt-BR" sz="2800" b="0" dirty="0" smtClean="0">
+                <a:latin typeface="Times New Roman" pitchFamily="18" charset="0"/>
+                <a:cs typeface="Times New Roman" pitchFamily="18" charset="0"/>
+              </a:rPr>
+              <a:t>Se </a:t>
+            </a:r>
+            <a:r>
+              <a:rPr lang="pt-BR" sz="2800" b="0" dirty="0">
+                <a:latin typeface="Times New Roman" pitchFamily="18" charset="0"/>
+                <a:cs typeface="Times New Roman" pitchFamily="18" charset="0"/>
+              </a:rPr>
+              <a:t>caso em nosso </a:t>
+            </a:r>
+            <a:r>
+              <a:rPr lang="pt-BR" sz="2800" b="0" dirty="0" err="1">
+                <a:latin typeface="Times New Roman" pitchFamily="18" charset="0"/>
+                <a:cs typeface="Times New Roman" pitchFamily="18" charset="0"/>
+              </a:rPr>
+              <a:t>package.json</a:t>
+            </a:r>
+            <a:r>
+              <a:rPr lang="pt-BR" sz="2800" b="0" dirty="0">
+                <a:latin typeface="Times New Roman" pitchFamily="18" charset="0"/>
+                <a:cs typeface="Times New Roman" pitchFamily="18" charset="0"/>
+              </a:rPr>
+              <a:t> não ter sido gravadas as declarações das dependências do </a:t>
+            </a:r>
+            <a:r>
+              <a:rPr lang="pt-BR" sz="2800" b="0" dirty="0" err="1">
+                <a:latin typeface="Times New Roman" pitchFamily="18" charset="0"/>
+                <a:cs typeface="Times New Roman" pitchFamily="18" charset="0"/>
+              </a:rPr>
+              <a:t>PrimeNG</a:t>
+            </a:r>
+            <a:r>
+              <a:rPr lang="pt-BR" sz="2800" b="0" dirty="0">
+                <a:latin typeface="Times New Roman" pitchFamily="18" charset="0"/>
+                <a:cs typeface="Times New Roman" pitchFamily="18" charset="0"/>
+              </a:rPr>
+              <a:t>, devemos </a:t>
+            </a:r>
+            <a:r>
+              <a:rPr lang="pt-BR" sz="2800" b="0" dirty="0" smtClean="0">
+                <a:latin typeface="Times New Roman" pitchFamily="18" charset="0"/>
+                <a:cs typeface="Times New Roman" pitchFamily="18" charset="0"/>
+              </a:rPr>
+              <a:t>adicioná-las </a:t>
+            </a:r>
+            <a:r>
+              <a:rPr lang="pt-BR" sz="2800" b="0" dirty="0">
+                <a:latin typeface="Times New Roman" pitchFamily="18" charset="0"/>
+                <a:cs typeface="Times New Roman" pitchFamily="18" charset="0"/>
+              </a:rPr>
+              <a:t>dentro de </a:t>
+            </a:r>
+            <a:r>
+              <a:rPr lang="pt-BR" sz="2800" b="0" dirty="0" err="1">
+                <a:latin typeface="Times New Roman" pitchFamily="18" charset="0"/>
+                <a:cs typeface="Times New Roman" pitchFamily="18" charset="0"/>
+              </a:rPr>
+              <a:t>dependencies</a:t>
+            </a:r>
+            <a:r>
+              <a:rPr lang="pt-BR" sz="2800" b="0" dirty="0">
+                <a:latin typeface="Times New Roman" pitchFamily="18" charset="0"/>
+                <a:cs typeface="Times New Roman" pitchFamily="18" charset="0"/>
+              </a:rPr>
+              <a:t>:</a:t>
             </a:r>
           </a:p>
           <a:p>
@@ -7541,7 +7248,7 @@
       </p:sp>
       <p:pic>
         <p:nvPicPr>
-          <p:cNvPr id="2050" name="Picture 2"/>
+          <p:cNvPr id="1026" name="Picture 2"/>
           <p:cNvPicPr>
             <a:picLocks noChangeAspect="1" noChangeArrowheads="1"/>
           </p:cNvPicPr>
@@ -7555,13 +7262,13 @@
               </a:ext>
             </a:extLst>
           </a:blip>
-          <a:srcRect l="32745" t="53646" r="17200" b="26133"/>
+          <a:srcRect l="22745" t="48091" r="10532" b="15776"/>
           <a:stretch/>
         </p:blipFill>
         <p:spPr bwMode="auto">
           <a:xfrm>
-            <a:off x="1063904" y="4221088"/>
-            <a:ext cx="6944183" cy="1584176"/>
+            <a:off x="1115616" y="4564977"/>
+            <a:ext cx="6624736" cy="2025945"/>
           </a:xfrm>
           <a:prstGeom prst="rect">
             <a:avLst/>
@@ -7604,7 +7311,7 @@
     </p:spTree>
     <p:extLst>
       <p:ext uri="{BB962C8B-B14F-4D97-AF65-F5344CB8AC3E}">
-        <p14:creationId xmlns:p14="http://schemas.microsoft.com/office/powerpoint/2010/main" val="708196595"/>
+        <p14:creationId xmlns:p14="http://schemas.microsoft.com/office/powerpoint/2010/main" val="90333842"/>
       </p:ext>
     </p:extLst>
   </p:cSld>
@@ -7792,8 +7499,8 @@
         </p:nvSpPr>
         <p:spPr>
           <a:xfrm>
-            <a:off x="539552" y="1822748"/>
-            <a:ext cx="7632848" cy="4392488"/>
+            <a:off x="467545" y="1844824"/>
+            <a:ext cx="7776863" cy="3816424"/>
           </a:xfrm>
           <a:prstGeom prst="rect">
             <a:avLst/>
@@ -7973,7 +7680,7 @@
                 <a:latin typeface="Times New Roman" pitchFamily="18" charset="0"/>
                 <a:cs typeface="Times New Roman" pitchFamily="18" charset="0"/>
               </a:rPr>
-              <a:t>Quarto passo:</a:t>
+              <a:t>Terceiro passo:</a:t>
             </a:r>
             <a:endParaRPr lang="pt-BR" sz="2800" dirty="0">
               <a:latin typeface="Times New Roman" pitchFamily="18" charset="0"/>
@@ -7983,98 +7690,67 @@
           <a:p>
             <a:pPr algn="just"/>
             <a:r>
-              <a:rPr lang="pt-BR" sz="2800" b="0" dirty="0" smtClean="0">
-                <a:latin typeface="Times New Roman" pitchFamily="18" charset="0"/>
-                <a:cs typeface="Times New Roman" pitchFamily="18" charset="0"/>
-              </a:rPr>
-              <a:t>A </a:t>
-            </a:r>
-            <a:r>
               <a:rPr lang="pt-BR" sz="2800" b="0" dirty="0">
                 <a:latin typeface="Times New Roman" pitchFamily="18" charset="0"/>
                 <a:cs typeface="Times New Roman" pitchFamily="18" charset="0"/>
               </a:rPr>
-              <a:t>dependência </a:t>
+              <a:t>Para nossa aplicação reconhecer os estilos do </a:t>
             </a:r>
             <a:r>
               <a:rPr lang="pt-BR" sz="2800" b="0" dirty="0" err="1">
                 <a:latin typeface="Times New Roman" pitchFamily="18" charset="0"/>
                 <a:cs typeface="Times New Roman" pitchFamily="18" charset="0"/>
               </a:rPr>
-              <a:t>animations</a:t>
+              <a:t>PrimeNG</a:t>
             </a:r>
             <a:r>
               <a:rPr lang="pt-BR" sz="2800" b="0" dirty="0">
                 <a:latin typeface="Times New Roman" pitchFamily="18" charset="0"/>
                 <a:cs typeface="Times New Roman" pitchFamily="18" charset="0"/>
               </a:rPr>
-              <a:t> é utilizada em diversos componentes do framework, logo ao realizar o download da biblioteca, o módulo </a:t>
-            </a:r>
-            <a:r>
-              <a:rPr lang="pt-BR" sz="2800" b="0" dirty="0" err="1" smtClean="0">
-                <a:latin typeface="Times New Roman" pitchFamily="18" charset="0"/>
-                <a:cs typeface="Times New Roman" pitchFamily="18" charset="0"/>
-              </a:rPr>
-              <a:t>BrowserAnimationsModule</a:t>
-            </a:r>
-            <a:r>
-              <a:rPr lang="pt-BR" sz="2800" b="0" dirty="0" smtClean="0">
-                <a:latin typeface="Times New Roman" pitchFamily="18" charset="0"/>
-                <a:cs typeface="Times New Roman" pitchFamily="18" charset="0"/>
-              </a:rPr>
-              <a:t> </a:t>
+              <a:t>, devemos adicionar os seguintes </a:t>
+            </a:r>
+            <a:r>
+              <a:rPr lang="pt-BR" sz="2800" b="0" dirty="0" err="1">
+                <a:latin typeface="Times New Roman" pitchFamily="18" charset="0"/>
+                <a:cs typeface="Times New Roman" pitchFamily="18" charset="0"/>
+              </a:rPr>
+              <a:t>CSSs</a:t>
             </a:r>
             <a:r>
               <a:rPr lang="pt-BR" sz="2800" b="0" dirty="0">
                 <a:latin typeface="Times New Roman" pitchFamily="18" charset="0"/>
                 <a:cs typeface="Times New Roman" pitchFamily="18" charset="0"/>
               </a:rPr>
-              <a:t>do </a:t>
+              <a:t> dentro de </a:t>
             </a:r>
             <a:r>
               <a:rPr lang="pt-BR" sz="2800" b="0" dirty="0" err="1">
                 <a:latin typeface="Times New Roman" pitchFamily="18" charset="0"/>
                 <a:cs typeface="Times New Roman" pitchFamily="18" charset="0"/>
               </a:rPr>
-              <a:t>Animations</a:t>
+              <a:t>Styles</a:t>
             </a:r>
             <a:r>
               <a:rPr lang="pt-BR" sz="2800" b="0" dirty="0">
                 <a:latin typeface="Times New Roman" pitchFamily="18" charset="0"/>
                 <a:cs typeface="Times New Roman" pitchFamily="18" charset="0"/>
               </a:rPr>
-              <a:t> deve ser importado em nossa aplicação.</a:t>
-            </a:r>
-          </a:p>
-          <a:p>
-            <a:pPr algn="just"/>
-            <a:r>
-              <a:rPr lang="pt-BR" sz="2800" b="0" dirty="0" smtClean="0">
-                <a:latin typeface="Times New Roman" pitchFamily="18" charset="0"/>
-                <a:cs typeface="Times New Roman" pitchFamily="18" charset="0"/>
-              </a:rPr>
-              <a:t>Assim </a:t>
+              <a:t> do arquivo </a:t>
+            </a:r>
+            <a:r>
+              <a:rPr lang="pt-BR" sz="2800" b="0" dirty="0" err="1">
+                <a:latin typeface="Times New Roman" pitchFamily="18" charset="0"/>
+                <a:cs typeface="Times New Roman" pitchFamily="18" charset="0"/>
+              </a:rPr>
+              <a:t>agular.json</a:t>
             </a:r>
             <a:r>
               <a:rPr lang="pt-BR" sz="2800" b="0" dirty="0">
                 <a:latin typeface="Times New Roman" pitchFamily="18" charset="0"/>
                 <a:cs typeface="Times New Roman" pitchFamily="18" charset="0"/>
               </a:rPr>
-              <a:t>como no </a:t>
-            </a:r>
-            <a:r>
-              <a:rPr lang="pt-BR" sz="2800" b="0" dirty="0" err="1">
-                <a:latin typeface="Times New Roman" pitchFamily="18" charset="0"/>
-                <a:cs typeface="Times New Roman" pitchFamily="18" charset="0"/>
-              </a:rPr>
-              <a:t>animation</a:t>
-            </a:r>
-            <a:r>
-              <a:rPr lang="pt-BR" sz="2800" b="0" dirty="0">
-                <a:latin typeface="Times New Roman" pitchFamily="18" charset="0"/>
-                <a:cs typeface="Times New Roman" pitchFamily="18" charset="0"/>
-              </a:rPr>
-              <a:t>, podemos importar mais alguns módulos que utilizaremos durante o desenvolvimento.</a:t>
+              <a:t>.</a:t>
             </a:r>
           </a:p>
           <a:p>
@@ -8085,10 +7761,72 @@
           </a:p>
         </p:txBody>
       </p:sp>
+      <p:pic>
+        <p:nvPicPr>
+          <p:cNvPr id="2050" name="Picture 2"/>
+          <p:cNvPicPr>
+            <a:picLocks noChangeAspect="1" noChangeArrowheads="1"/>
+          </p:cNvPicPr>
+          <p:nvPr/>
+        </p:nvPicPr>
+        <p:blipFill rotWithShape="1">
+          <a:blip r:embed="rId3">
+            <a:extLst>
+              <a:ext uri="{28A0092B-C50C-407E-A947-70E740481C1C}">
+                <a14:useLocalDpi xmlns:a14="http://schemas.microsoft.com/office/drawing/2010/main" val="0"/>
+              </a:ext>
+            </a:extLst>
+          </a:blip>
+          <a:srcRect l="32745" t="53646" r="17200" b="26133"/>
+          <a:stretch/>
+        </p:blipFill>
+        <p:spPr bwMode="auto">
+          <a:xfrm>
+            <a:off x="1063904" y="4221088"/>
+            <a:ext cx="6944183" cy="1584176"/>
+          </a:xfrm>
+          <a:prstGeom prst="rect">
+            <a:avLst/>
+          </a:prstGeom>
+          <a:noFill/>
+          <a:ln>
+            <a:noFill/>
+          </a:ln>
+          <a:effectLst/>
+          <a:extLst>
+            <a:ext uri="{909E8E84-426E-40DD-AFC4-6F175D3DCCD1}">
+              <a14:hiddenFill xmlns:a14="http://schemas.microsoft.com/office/drawing/2010/main">
+                <a:solidFill>
+                  <a:schemeClr val="accent1"/>
+                </a:solidFill>
+              </a14:hiddenFill>
+            </a:ext>
+            <a:ext uri="{91240B29-F687-4F45-9708-019B960494DF}">
+              <a14:hiddenLine xmlns:a14="http://schemas.microsoft.com/office/drawing/2010/main" w="9525">
+                <a:solidFill>
+                  <a:schemeClr val="tx1"/>
+                </a:solidFill>
+                <a:miter lim="800000"/>
+                <a:headEnd/>
+                <a:tailEnd/>
+              </a14:hiddenLine>
+            </a:ext>
+            <a:ext uri="{AF507438-7753-43E0-B8FC-AC1667EBCBE1}">
+              <a14:hiddenEffects xmlns:a14="http://schemas.microsoft.com/office/drawing/2010/main">
+                <a:effectLst>
+                  <a:outerShdw dist="35921" dir="2700000" algn="ctr" rotWithShape="0">
+                    <a:schemeClr val="bg2"/>
+                  </a:outerShdw>
+                </a:effectLst>
+              </a14:hiddenEffects>
+            </a:ext>
+          </a:extLst>
+        </p:spPr>
+      </p:pic>
     </p:spTree>
     <p:extLst>
       <p:ext uri="{BB962C8B-B14F-4D97-AF65-F5344CB8AC3E}">
-        <p14:creationId xmlns:p14="http://schemas.microsoft.com/office/powerpoint/2010/main" val="105453064"/>
+        <p14:creationId xmlns:p14="http://schemas.microsoft.com/office/powerpoint/2010/main" val="708196595"/>
       </p:ext>
     </p:extLst>
   </p:cSld>
@@ -8122,72 +7860,6 @@
           <a:chExt cx="0" cy="0"/>
         </a:xfrm>
       </p:grpSpPr>
-      <p:pic>
-        <p:nvPicPr>
-          <p:cNvPr id="2" name="Imagem 1"/>
-          <p:cNvPicPr/>
-          <p:nvPr/>
-        </p:nvPicPr>
-        <p:blipFill rotWithShape="1">
-          <a:blip r:embed="rId2"/>
-          <a:srcRect l="4587" t="6954" r="43885" b="3311"/>
-          <a:stretch/>
-        </p:blipFill>
-        <p:spPr bwMode="auto">
-          <a:xfrm>
-            <a:off x="683568" y="692696"/>
-            <a:ext cx="7776864" cy="5544616"/>
-          </a:xfrm>
-          <a:prstGeom prst="rect">
-            <a:avLst/>
-          </a:prstGeom>
-          <a:ln>
-            <a:noFill/>
-          </a:ln>
-          <a:extLst>
-            <a:ext uri="{53640926-AAD7-44D8-BBD7-CCE9431645EC}">
-              <a14:shadowObscured xmlns:a14="http://schemas.microsoft.com/office/drawing/2010/main"/>
-            </a:ext>
-          </a:extLst>
-        </p:spPr>
-      </p:pic>
-    </p:spTree>
-    <p:extLst>
-      <p:ext uri="{BB962C8B-B14F-4D97-AF65-F5344CB8AC3E}">
-        <p14:creationId xmlns:p14="http://schemas.microsoft.com/office/powerpoint/2010/main" val="3633480535"/>
-      </p:ext>
-    </p:extLst>
-  </p:cSld>
-  <p:clrMapOvr>
-    <a:masterClrMapping/>
-  </p:clrMapOvr>
-  <p:timing>
-    <p:tnLst>
-      <p:par>
-        <p:cTn id="1" dur="indefinite" restart="never" nodeType="tmRoot"/>
-      </p:par>
-    </p:tnLst>
-  </p:timing>
-</p:sld>
-</file>
-
-<file path=ppt/slides/slide23.xml><?xml version="1.0" encoding="utf-8"?>
-<p:sld xmlns:a="http://schemas.openxmlformats.org/drawingml/2006/main" xmlns:r="http://schemas.openxmlformats.org/officeDocument/2006/relationships" xmlns:p="http://schemas.openxmlformats.org/presentationml/2006/main">
-  <p:cSld>
-    <p:spTree>
-      <p:nvGrpSpPr>
-        <p:cNvPr id="1" name=""/>
-        <p:cNvGrpSpPr/>
-        <p:nvPr/>
-      </p:nvGrpSpPr>
-      <p:grpSpPr>
-        <a:xfrm>
-          <a:off x="0" y="0"/>
-          <a:ext cx="0" cy="0"/>
-          <a:chOff x="0" y="0"/>
-          <a:chExt cx="0" cy="0"/>
-        </a:xfrm>
-      </p:grpSpPr>
       <p:sp>
         <p:nvSpPr>
           <p:cNvPr id="2" name="Título 1"/>
@@ -8246,7 +7918,7 @@
         <p:spPr>
           <a:xfrm>
             <a:off x="395536" y="1844824"/>
-            <a:ext cx="8208911" cy="3960440"/>
+            <a:ext cx="8077755" cy="3960440"/>
           </a:xfrm>
         </p:spPr>
         <p:txBody>
@@ -8342,8 +8014,8 @@
         </p:nvSpPr>
         <p:spPr>
           <a:xfrm>
-            <a:off x="323528" y="1844824"/>
-            <a:ext cx="8149763" cy="3816424"/>
+            <a:off x="539552" y="1822748"/>
+            <a:ext cx="7632848" cy="4392488"/>
           </a:xfrm>
           <a:prstGeom prst="rect">
             <a:avLst/>
@@ -8533,54 +8205,102 @@
           <a:p>
             <a:pPr algn="just"/>
             <a:r>
+              <a:rPr lang="pt-BR" sz="2800" b="0" dirty="0" smtClean="0">
+                <a:latin typeface="Times New Roman" pitchFamily="18" charset="0"/>
+                <a:cs typeface="Times New Roman" pitchFamily="18" charset="0"/>
+              </a:rPr>
+              <a:t>A </a:t>
+            </a:r>
+            <a:r>
               <a:rPr lang="pt-BR" sz="2800" b="0" dirty="0">
                 <a:latin typeface="Times New Roman" pitchFamily="18" charset="0"/>
                 <a:cs typeface="Times New Roman" pitchFamily="18" charset="0"/>
               </a:rPr>
-              <a:t>É válido lembrar que os itens que são importados como módulos, </a:t>
+              <a:t>dependência </a:t>
             </a:r>
             <a:r>
               <a:rPr lang="pt-BR" sz="2800" b="0" dirty="0" err="1">
                 <a:latin typeface="Times New Roman" pitchFamily="18" charset="0"/>
                 <a:cs typeface="Times New Roman" pitchFamily="18" charset="0"/>
               </a:rPr>
-              <a:t>pipes</a:t>
+              <a:t>animations</a:t>
             </a:r>
             <a:r>
               <a:rPr lang="pt-BR" sz="2800" b="0" dirty="0">
                 <a:latin typeface="Times New Roman" pitchFamily="18" charset="0"/>
                 <a:cs typeface="Times New Roman" pitchFamily="18" charset="0"/>
               </a:rPr>
-              <a:t>, </a:t>
+              <a:t> é utilizada em diversos componentes do framework, logo ao realizar o download da biblioteca, o módulo </a:t>
+            </a:r>
+            <a:r>
+              <a:rPr lang="pt-BR" sz="2800" b="0" dirty="0" err="1" smtClean="0">
+                <a:latin typeface="Times New Roman" pitchFamily="18" charset="0"/>
+                <a:cs typeface="Times New Roman" pitchFamily="18" charset="0"/>
+              </a:rPr>
+              <a:t>BrowserAnimationsModule</a:t>
+            </a:r>
+            <a:r>
+              <a:rPr lang="pt-BR" sz="2800" b="0" dirty="0" smtClean="0">
+                <a:latin typeface="Times New Roman" pitchFamily="18" charset="0"/>
+                <a:cs typeface="Times New Roman" pitchFamily="18" charset="0"/>
+              </a:rPr>
+              <a:t> </a:t>
+            </a:r>
+            <a:r>
+              <a:rPr lang="pt-BR" sz="2800" b="0" dirty="0">
+                <a:latin typeface="Times New Roman" pitchFamily="18" charset="0"/>
+                <a:cs typeface="Times New Roman" pitchFamily="18" charset="0"/>
+              </a:rPr>
+              <a:t>do </a:t>
             </a:r>
             <a:r>
               <a:rPr lang="pt-BR" sz="2800" b="0" dirty="0" err="1">
                 <a:latin typeface="Times New Roman" pitchFamily="18" charset="0"/>
                 <a:cs typeface="Times New Roman" pitchFamily="18" charset="0"/>
               </a:rPr>
-              <a:t>components</a:t>
+              <a:t>Animations</a:t>
             </a:r>
             <a:r>
               <a:rPr lang="pt-BR" sz="2800" b="0" dirty="0">
                 <a:latin typeface="Times New Roman" pitchFamily="18" charset="0"/>
                 <a:cs typeface="Times New Roman" pitchFamily="18" charset="0"/>
               </a:rPr>
-              <a:t>, </a:t>
+              <a:t> deve ser importado em nossa aplicação.</a:t>
+            </a:r>
+          </a:p>
+          <a:p>
+            <a:pPr algn="just"/>
+            <a:r>
+              <a:rPr lang="pt-BR" sz="2800" b="0" dirty="0" smtClean="0">
+                <a:latin typeface="Times New Roman" pitchFamily="18" charset="0"/>
+                <a:cs typeface="Times New Roman" pitchFamily="18" charset="0"/>
+              </a:rPr>
+              <a:t>Assim </a:t>
+            </a:r>
+            <a:r>
+              <a:rPr lang="pt-BR" sz="2800" b="0" dirty="0">
+                <a:latin typeface="Times New Roman" pitchFamily="18" charset="0"/>
+                <a:cs typeface="Times New Roman" pitchFamily="18" charset="0"/>
+              </a:rPr>
+              <a:t>como no </a:t>
             </a:r>
             <a:r>
               <a:rPr lang="pt-BR" sz="2800" b="0" dirty="0" err="1">
                 <a:latin typeface="Times New Roman" pitchFamily="18" charset="0"/>
                 <a:cs typeface="Times New Roman" pitchFamily="18" charset="0"/>
               </a:rPr>
-              <a:t>etc</a:t>
+              <a:t>animation</a:t>
             </a:r>
             <a:r>
               <a:rPr lang="pt-BR" sz="2800" b="0" dirty="0">
                 <a:latin typeface="Times New Roman" pitchFamily="18" charset="0"/>
                 <a:cs typeface="Times New Roman" pitchFamily="18" charset="0"/>
               </a:rPr>
-              <a:t>, devem ser exportados se forem utilizados de forma compartilhada</a:t>
-            </a:r>
+              <a:t>, podemos importar mais alguns módulos que utilizaremos durante o desenvolvimento.</a:t>
+            </a:r>
+          </a:p>
+          <a:p>
+            <a:endParaRPr lang="pt-BR" sz="2800" dirty="0" smtClean="0"/>
           </a:p>
           <a:p>
             <a:endParaRPr lang="pt-BR" sz="2600" dirty="0"/>
@@ -8590,7 +8310,73 @@
     </p:spTree>
     <p:extLst>
       <p:ext uri="{BB962C8B-B14F-4D97-AF65-F5344CB8AC3E}">
-        <p14:creationId xmlns:p14="http://schemas.microsoft.com/office/powerpoint/2010/main" val="575733719"/>
+        <p14:creationId xmlns:p14="http://schemas.microsoft.com/office/powerpoint/2010/main" val="105453064"/>
+      </p:ext>
+    </p:extLst>
+  </p:cSld>
+  <p:clrMapOvr>
+    <a:masterClrMapping/>
+  </p:clrMapOvr>
+  <p:timing>
+    <p:tnLst>
+      <p:par>
+        <p:cTn id="1" dur="indefinite" restart="never" nodeType="tmRoot"/>
+      </p:par>
+    </p:tnLst>
+  </p:timing>
+</p:sld>
+</file>
+
+<file path=ppt/slides/slide23.xml><?xml version="1.0" encoding="utf-8"?>
+<p:sld xmlns:a="http://schemas.openxmlformats.org/drawingml/2006/main" xmlns:r="http://schemas.openxmlformats.org/officeDocument/2006/relationships" xmlns:p="http://schemas.openxmlformats.org/presentationml/2006/main">
+  <p:cSld>
+    <p:spTree>
+      <p:nvGrpSpPr>
+        <p:cNvPr id="1" name=""/>
+        <p:cNvGrpSpPr/>
+        <p:nvPr/>
+      </p:nvGrpSpPr>
+      <p:grpSpPr>
+        <a:xfrm>
+          <a:off x="0" y="0"/>
+          <a:ext cx="0" cy="0"/>
+          <a:chOff x="0" y="0"/>
+          <a:chExt cx="0" cy="0"/>
+        </a:xfrm>
+      </p:grpSpPr>
+      <p:pic>
+        <p:nvPicPr>
+          <p:cNvPr id="2" name="Imagem 1"/>
+          <p:cNvPicPr/>
+          <p:nvPr/>
+        </p:nvPicPr>
+        <p:blipFill rotWithShape="1">
+          <a:blip r:embed="rId2"/>
+          <a:srcRect l="4587" t="6954" r="43885" b="3311"/>
+          <a:stretch/>
+        </p:blipFill>
+        <p:spPr bwMode="auto">
+          <a:xfrm>
+            <a:off x="683568" y="692696"/>
+            <a:ext cx="7776864" cy="5544616"/>
+          </a:xfrm>
+          <a:prstGeom prst="rect">
+            <a:avLst/>
+          </a:prstGeom>
+          <a:ln>
+            <a:noFill/>
+          </a:ln>
+          <a:extLst>
+            <a:ext uri="{53640926-AAD7-44D8-BBD7-CCE9431645EC}">
+              <a14:shadowObscured xmlns:a14="http://schemas.microsoft.com/office/drawing/2010/main"/>
+            </a:ext>
+          </a:extLst>
+        </p:spPr>
+      </p:pic>
+    </p:spTree>
+    <p:extLst>
+      <p:ext uri="{BB962C8B-B14F-4D97-AF65-F5344CB8AC3E}">
+        <p14:creationId xmlns:p14="http://schemas.microsoft.com/office/powerpoint/2010/main" val="3633480535"/>
       </p:ext>
     </p:extLst>
   </p:cSld>
@@ -8636,8 +8422,8 @@
         </p:nvSpPr>
         <p:spPr>
           <a:xfrm>
-            <a:off x="251519" y="323403"/>
-            <a:ext cx="6840761" cy="903630"/>
+            <a:off x="251521" y="323403"/>
+            <a:ext cx="6480720" cy="903630"/>
           </a:xfrm>
         </p:spPr>
         <p:txBody>
@@ -8646,21 +8432,25 @@
           </a:bodyPr>
           <a:lstStyle/>
           <a:p>
-            <a:pPr algn="just"/>
-            <a:r>
-              <a:rPr lang="pt-BR" sz="2400" b="1" dirty="0"/>
-              <a:t>CRIANDO UM MENU, TELA DE LOGIN </a:t>
+            <a:pPr algn="ctr"/>
+            <a:r>
+              <a:rPr lang="pt-BR" sz="2800" b="1" dirty="0"/>
+              <a:t>IMPORTANDO O </a:t>
+            </a:r>
+            <a:r>
+              <a:rPr lang="pt-BR" sz="2800" b="1" dirty="0" smtClean="0"/>
+              <a:t>PRIMENG</a:t>
             </a:r>
             <a:br>
-              <a:rPr lang="pt-BR" sz="2400" b="1" dirty="0"/>
+              <a:rPr lang="pt-BR" sz="2800" b="1" dirty="0" smtClean="0"/>
             </a:br>
             <a:r>
-              <a:rPr lang="pt-BR" sz="2400" b="1" dirty="0" smtClean="0"/>
-              <a:t>E </a:t>
-            </a:r>
-            <a:r>
-              <a:rPr lang="pt-BR" sz="2400" b="1" dirty="0"/>
-              <a:t>CONTROLE DE EXIBIÇÃO DE MENU</a:t>
+              <a:rPr lang="pt-BR" sz="2800" b="1" dirty="0" smtClean="0"/>
+              <a:t> </a:t>
+            </a:r>
+            <a:r>
+              <a:rPr lang="pt-BR" sz="2800" b="1" dirty="0"/>
+              <a:t>EM NOSSO PROJETO</a:t>
             </a:r>
           </a:p>
         </p:txBody>
@@ -8678,7 +8468,7 @@
         <p:spPr>
           <a:xfrm>
             <a:off x="395536" y="1844824"/>
-            <a:ext cx="8077755" cy="3960440"/>
+            <a:ext cx="8208911" cy="3960440"/>
           </a:xfrm>
         </p:spPr>
         <p:txBody>
@@ -8687,231 +8477,7 @@
           </a:bodyPr>
           <a:lstStyle/>
           <a:p>
-            <a:pPr algn="just"/>
-            <a:r>
-              <a:rPr lang="pt-BR" sz="2800" b="0" dirty="0" smtClean="0">
-                <a:latin typeface="Times New Roman" pitchFamily="18" charset="0"/>
-                <a:cs typeface="Times New Roman" pitchFamily="18" charset="0"/>
-              </a:rPr>
-              <a:t>Dentro </a:t>
-            </a:r>
-            <a:r>
-              <a:rPr lang="pt-BR" sz="2800" b="0" dirty="0">
-                <a:latin typeface="Times New Roman" pitchFamily="18" charset="0"/>
-                <a:cs typeface="Times New Roman" pitchFamily="18" charset="0"/>
-              </a:rPr>
-              <a:t>da pasta </a:t>
-            </a:r>
-            <a:r>
-              <a:rPr lang="pt-BR" sz="2800" b="0" dirty="0" err="1">
-                <a:latin typeface="Times New Roman" pitchFamily="18" charset="0"/>
-                <a:cs typeface="Times New Roman" pitchFamily="18" charset="0"/>
-              </a:rPr>
-              <a:t>shared</a:t>
-            </a:r>
-            <a:r>
-              <a:rPr lang="pt-BR" sz="2800" b="0" dirty="0">
-                <a:latin typeface="Times New Roman" pitchFamily="18" charset="0"/>
-                <a:cs typeface="Times New Roman" pitchFamily="18" charset="0"/>
-              </a:rPr>
-              <a:t>, criaremos o componente </a:t>
-            </a:r>
-            <a:r>
-              <a:rPr lang="pt-BR" sz="2800" b="0" dirty="0" err="1">
-                <a:latin typeface="Times New Roman" pitchFamily="18" charset="0"/>
-                <a:cs typeface="Times New Roman" pitchFamily="18" charset="0"/>
-              </a:rPr>
-              <a:t>nav</a:t>
-            </a:r>
-            <a:r>
-              <a:rPr lang="pt-BR" sz="2800" b="0" dirty="0">
-                <a:latin typeface="Times New Roman" pitchFamily="18" charset="0"/>
-                <a:cs typeface="Times New Roman" pitchFamily="18" charset="0"/>
-              </a:rPr>
-              <a:t> e o componente </a:t>
-            </a:r>
-            <a:r>
-              <a:rPr lang="pt-BR" sz="2800" b="0" dirty="0" err="1">
-                <a:latin typeface="Times New Roman" pitchFamily="18" charset="0"/>
-                <a:cs typeface="Times New Roman" pitchFamily="18" charset="0"/>
-              </a:rPr>
-              <a:t>login</a:t>
-            </a:r>
-            <a:r>
-              <a:rPr lang="pt-BR" sz="2800" b="0" dirty="0">
-                <a:latin typeface="Times New Roman" pitchFamily="18" charset="0"/>
-                <a:cs typeface="Times New Roman" pitchFamily="18" charset="0"/>
-              </a:rPr>
-              <a:t> para trabalharmos com o sistema de </a:t>
-            </a:r>
-            <a:r>
-              <a:rPr lang="pt-BR" sz="2800" b="0" dirty="0" err="1">
-                <a:latin typeface="Times New Roman" pitchFamily="18" charset="0"/>
-                <a:cs typeface="Times New Roman" pitchFamily="18" charset="0"/>
-              </a:rPr>
-              <a:t>Login</a:t>
-            </a:r>
-            <a:r>
-              <a:rPr lang="pt-BR" sz="2800" b="0" dirty="0">
-                <a:latin typeface="Times New Roman" pitchFamily="18" charset="0"/>
-                <a:cs typeface="Times New Roman" pitchFamily="18" charset="0"/>
-              </a:rPr>
-              <a:t> </a:t>
-            </a:r>
-            <a:r>
-              <a:rPr lang="pt-BR" sz="2800" b="0" dirty="0" err="1">
-                <a:latin typeface="Times New Roman" pitchFamily="18" charset="0"/>
-                <a:cs typeface="Times New Roman" pitchFamily="18" charset="0"/>
-              </a:rPr>
-              <a:t>mocado</a:t>
-            </a:r>
-            <a:r>
-              <a:rPr lang="pt-BR" sz="2800" b="0" dirty="0">
-                <a:latin typeface="Times New Roman" pitchFamily="18" charset="0"/>
-                <a:cs typeface="Times New Roman" pitchFamily="18" charset="0"/>
-              </a:rPr>
-              <a:t> e o controle de exibição do menu ao realizar o </a:t>
-            </a:r>
-            <a:r>
-              <a:rPr lang="pt-BR" sz="2800" b="0" dirty="0" err="1">
-                <a:latin typeface="Times New Roman" pitchFamily="18" charset="0"/>
-                <a:cs typeface="Times New Roman" pitchFamily="18" charset="0"/>
-              </a:rPr>
-              <a:t>login</a:t>
-            </a:r>
-            <a:r>
-              <a:rPr lang="pt-BR" sz="2800" b="0" dirty="0">
-                <a:latin typeface="Times New Roman" pitchFamily="18" charset="0"/>
-                <a:cs typeface="Times New Roman" pitchFamily="18" charset="0"/>
-              </a:rPr>
-              <a:t>. Para criar os componentes basta executar os comandos:</a:t>
-            </a:r>
-          </a:p>
-          <a:p>
-            <a:pPr>
-              <a:spcBef>
-                <a:spcPts val="0"/>
-              </a:spcBef>
-              <a:spcAft>
-                <a:spcPts val="0"/>
-              </a:spcAft>
-            </a:pPr>
-            <a:r>
-              <a:rPr lang="pt-BR" sz="2800" b="0" dirty="0">
-                <a:latin typeface="Times New Roman" pitchFamily="18" charset="0"/>
-                <a:cs typeface="Times New Roman" pitchFamily="18" charset="0"/>
-              </a:rPr>
-              <a:t>	</a:t>
-            </a:r>
-            <a:r>
-              <a:rPr lang="pt-BR" sz="2800" dirty="0" err="1" smtClean="0">
-                <a:latin typeface="Times New Roman" pitchFamily="18" charset="0"/>
-                <a:cs typeface="Times New Roman" pitchFamily="18" charset="0"/>
-              </a:rPr>
-              <a:t>ng</a:t>
-            </a:r>
-            <a:r>
-              <a:rPr lang="pt-BR" sz="2800" dirty="0" smtClean="0">
-                <a:latin typeface="Times New Roman" pitchFamily="18" charset="0"/>
-                <a:cs typeface="Times New Roman" pitchFamily="18" charset="0"/>
-              </a:rPr>
-              <a:t> </a:t>
-            </a:r>
-            <a:r>
-              <a:rPr lang="pt-BR" sz="2800" dirty="0">
-                <a:latin typeface="Times New Roman" pitchFamily="18" charset="0"/>
-                <a:cs typeface="Times New Roman" pitchFamily="18" charset="0"/>
-              </a:rPr>
-              <a:t>g c </a:t>
-            </a:r>
-            <a:r>
-              <a:rPr lang="pt-BR" sz="2800" dirty="0" err="1">
-                <a:latin typeface="Times New Roman" pitchFamily="18" charset="0"/>
-                <a:cs typeface="Times New Roman" pitchFamily="18" charset="0"/>
-              </a:rPr>
-              <a:t>shared</a:t>
-            </a:r>
-            <a:r>
-              <a:rPr lang="pt-BR" sz="2800" dirty="0">
-                <a:latin typeface="Times New Roman" pitchFamily="18" charset="0"/>
-                <a:cs typeface="Times New Roman" pitchFamily="18" charset="0"/>
-              </a:rPr>
-              <a:t>/</a:t>
-            </a:r>
-            <a:r>
-              <a:rPr lang="pt-BR" sz="2800" dirty="0" err="1">
-                <a:latin typeface="Times New Roman" pitchFamily="18" charset="0"/>
-                <a:cs typeface="Times New Roman" pitchFamily="18" charset="0"/>
-              </a:rPr>
-              <a:t>nav</a:t>
-            </a:r>
-            <a:endParaRPr lang="pt-BR" sz="2800" dirty="0">
-              <a:latin typeface="Times New Roman" pitchFamily="18" charset="0"/>
-              <a:cs typeface="Times New Roman" pitchFamily="18" charset="0"/>
-            </a:endParaRPr>
-          </a:p>
-          <a:p>
-            <a:pPr>
-              <a:spcBef>
-                <a:spcPts val="0"/>
-              </a:spcBef>
-              <a:spcAft>
-                <a:spcPts val="0"/>
-              </a:spcAft>
-            </a:pPr>
-            <a:r>
-              <a:rPr lang="pt-BR" sz="2800" dirty="0" smtClean="0">
-                <a:latin typeface="Times New Roman" pitchFamily="18" charset="0"/>
-                <a:cs typeface="Times New Roman" pitchFamily="18" charset="0"/>
-              </a:rPr>
-              <a:t>	</a:t>
-            </a:r>
-            <a:r>
-              <a:rPr lang="pt-BR" sz="2800" dirty="0" err="1" smtClean="0">
-                <a:latin typeface="Times New Roman" pitchFamily="18" charset="0"/>
-                <a:cs typeface="Times New Roman" pitchFamily="18" charset="0"/>
-              </a:rPr>
-              <a:t>ng</a:t>
-            </a:r>
-            <a:r>
-              <a:rPr lang="pt-BR" sz="2800" dirty="0" smtClean="0">
-                <a:latin typeface="Times New Roman" pitchFamily="18" charset="0"/>
-                <a:cs typeface="Times New Roman" pitchFamily="18" charset="0"/>
-              </a:rPr>
-              <a:t> </a:t>
-            </a:r>
-            <a:r>
-              <a:rPr lang="pt-BR" sz="2800" dirty="0">
-                <a:latin typeface="Times New Roman" pitchFamily="18" charset="0"/>
-                <a:cs typeface="Times New Roman" pitchFamily="18" charset="0"/>
-              </a:rPr>
-              <a:t>g c </a:t>
-            </a:r>
-            <a:r>
-              <a:rPr lang="pt-BR" sz="2800" dirty="0" err="1" smtClean="0">
-                <a:latin typeface="Times New Roman" pitchFamily="18" charset="0"/>
-                <a:cs typeface="Times New Roman" pitchFamily="18" charset="0"/>
-              </a:rPr>
-              <a:t>shared</a:t>
-            </a:r>
-            <a:r>
-              <a:rPr lang="pt-BR" sz="2800" dirty="0" smtClean="0">
-                <a:latin typeface="Times New Roman" pitchFamily="18" charset="0"/>
-                <a:cs typeface="Times New Roman" pitchFamily="18" charset="0"/>
-              </a:rPr>
-              <a:t>/</a:t>
-            </a:r>
-            <a:r>
-              <a:rPr lang="pt-BR" sz="2800" dirty="0" err="1" smtClean="0">
-                <a:latin typeface="Times New Roman" pitchFamily="18" charset="0"/>
-                <a:cs typeface="Times New Roman" pitchFamily="18" charset="0"/>
-              </a:rPr>
-              <a:t>login</a:t>
-            </a:r>
-            <a:endParaRPr lang="pt-BR" sz="2800" dirty="0">
-              <a:latin typeface="Times New Roman" pitchFamily="18" charset="0"/>
-              <a:cs typeface="Times New Roman" pitchFamily="18" charset="0"/>
-            </a:endParaRPr>
+            <a:endParaRPr lang="pt-BR" sz="2600" dirty="0"/>
           </a:p>
           <a:p>
             <a:endParaRPr lang="pt-BR" sz="2600" dirty="0"/>
@@ -8988,10 +8554,265 @@
           </a:extLst>
         </p:spPr>
       </p:pic>
+      <p:sp>
+        <p:nvSpPr>
+          <p:cNvPr id="7" name="Espaço Reservado para Conteúdo 2"/>
+          <p:cNvSpPr txBox="1">
+            <a:spLocks/>
+          </p:cNvSpPr>
+          <p:nvPr/>
+        </p:nvSpPr>
+        <p:spPr>
+          <a:xfrm>
+            <a:off x="323528" y="1844824"/>
+            <a:ext cx="8149763" cy="3816424"/>
+          </a:xfrm>
+          <a:prstGeom prst="rect">
+            <a:avLst/>
+          </a:prstGeom>
+        </p:spPr>
+        <p:txBody>
+          <a:bodyPr vert="horz" lIns="91440" tIns="45720" rIns="91440" bIns="45720" rtlCol="0">
+            <a:noAutofit/>
+          </a:bodyPr>
+          <a:lstStyle>
+            <a:lvl1pPr marL="0" indent="0" algn="l" defTabSz="914400" rtl="0" eaLnBrk="1" latinLnBrk="0" hangingPunct="1">
+              <a:spcBef>
+                <a:spcPct val="20000"/>
+              </a:spcBef>
+              <a:spcAft>
+                <a:spcPts val="600"/>
+              </a:spcAft>
+              <a:buFont typeface="Arial" pitchFamily="34" charset="0"/>
+              <a:buNone/>
+              <a:defRPr sz="2000" b="1" kern="1200">
+                <a:solidFill>
+                  <a:schemeClr val="tx1"/>
+                </a:solidFill>
+                <a:latin typeface="+mn-lt"/>
+                <a:ea typeface="+mn-ea"/>
+                <a:cs typeface="+mn-cs"/>
+              </a:defRPr>
+            </a:lvl1pPr>
+            <a:lvl2pPr marL="457200" indent="-182880" algn="l" defTabSz="914400" rtl="0" eaLnBrk="1" latinLnBrk="0" hangingPunct="1">
+              <a:spcBef>
+                <a:spcPct val="20000"/>
+              </a:spcBef>
+              <a:buClr>
+                <a:schemeClr val="tx2"/>
+              </a:buClr>
+              <a:buFont typeface="Arial" pitchFamily="34" charset="0"/>
+              <a:buChar char="•"/>
+              <a:defRPr sz="2000" kern="1200">
+                <a:solidFill>
+                  <a:schemeClr val="tx1"/>
+                </a:solidFill>
+                <a:latin typeface="+mn-lt"/>
+                <a:ea typeface="+mn-ea"/>
+                <a:cs typeface="+mn-cs"/>
+              </a:defRPr>
+            </a:lvl2pPr>
+            <a:lvl3pPr marL="1143000" indent="-228600" algn="l" defTabSz="914400" rtl="0" eaLnBrk="1" latinLnBrk="0" hangingPunct="1">
+              <a:spcBef>
+                <a:spcPct val="20000"/>
+              </a:spcBef>
+              <a:buClr>
+                <a:schemeClr val="tx2"/>
+              </a:buClr>
+              <a:buFont typeface="Arial" pitchFamily="34" charset="0"/>
+              <a:buChar char="•"/>
+              <a:defRPr sz="1800" kern="1200">
+                <a:solidFill>
+                  <a:schemeClr val="tx1"/>
+                </a:solidFill>
+                <a:latin typeface="+mn-lt"/>
+                <a:ea typeface="+mn-ea"/>
+                <a:cs typeface="+mn-cs"/>
+              </a:defRPr>
+            </a:lvl3pPr>
+            <a:lvl4pPr marL="1600200" indent="-228600" algn="l" defTabSz="914400" rtl="0" eaLnBrk="1" latinLnBrk="0" hangingPunct="1">
+              <a:spcBef>
+                <a:spcPct val="20000"/>
+              </a:spcBef>
+              <a:buClr>
+                <a:schemeClr val="tx2"/>
+              </a:buClr>
+              <a:buFont typeface="Arial" pitchFamily="34" charset="0"/>
+              <a:buChar char="•"/>
+              <a:defRPr sz="1800" kern="1200">
+                <a:solidFill>
+                  <a:schemeClr val="tx1"/>
+                </a:solidFill>
+                <a:latin typeface="+mn-lt"/>
+                <a:ea typeface="+mn-ea"/>
+                <a:cs typeface="+mn-cs"/>
+              </a:defRPr>
+            </a:lvl4pPr>
+            <a:lvl5pPr marL="2057400" indent="-228600" algn="l" defTabSz="914400" rtl="0" eaLnBrk="1" latinLnBrk="0" hangingPunct="1">
+              <a:spcBef>
+                <a:spcPct val="20000"/>
+              </a:spcBef>
+              <a:buClr>
+                <a:schemeClr val="tx2"/>
+              </a:buClr>
+              <a:buFont typeface="Arial" pitchFamily="34" charset="0"/>
+              <a:buChar char="•"/>
+              <a:defRPr sz="1800" kern="1200" baseline="0">
+                <a:solidFill>
+                  <a:schemeClr val="tx1"/>
+                </a:solidFill>
+                <a:latin typeface="+mn-lt"/>
+                <a:ea typeface="+mn-ea"/>
+                <a:cs typeface="+mn-cs"/>
+              </a:defRPr>
+            </a:lvl5pPr>
+            <a:lvl6pPr marL="2514600" indent="-228600" algn="l" defTabSz="914400" rtl="0" eaLnBrk="1" latinLnBrk="0" hangingPunct="1">
+              <a:spcBef>
+                <a:spcPct val="20000"/>
+              </a:spcBef>
+              <a:buClr>
+                <a:schemeClr val="tx2"/>
+              </a:buClr>
+              <a:buFont typeface="Arial" pitchFamily="34" charset="0"/>
+              <a:buChar char="•"/>
+              <a:defRPr sz="1600" kern="1200">
+                <a:solidFill>
+                  <a:schemeClr val="tx1"/>
+                </a:solidFill>
+                <a:latin typeface="+mn-lt"/>
+                <a:ea typeface="+mn-ea"/>
+                <a:cs typeface="+mn-cs"/>
+              </a:defRPr>
+            </a:lvl6pPr>
+            <a:lvl7pPr marL="2971800" indent="-228600" algn="l" defTabSz="914400" rtl="0" eaLnBrk="1" latinLnBrk="0" hangingPunct="1">
+              <a:spcBef>
+                <a:spcPct val="20000"/>
+              </a:spcBef>
+              <a:buClr>
+                <a:schemeClr val="tx2"/>
+              </a:buClr>
+              <a:buFont typeface="Arial" pitchFamily="34" charset="0"/>
+              <a:buChar char="•"/>
+              <a:defRPr sz="1600" kern="1200">
+                <a:solidFill>
+                  <a:schemeClr val="tx1"/>
+                </a:solidFill>
+                <a:latin typeface="+mn-lt"/>
+                <a:ea typeface="+mn-ea"/>
+                <a:cs typeface="+mn-cs"/>
+              </a:defRPr>
+            </a:lvl7pPr>
+            <a:lvl8pPr marL="3429000" indent="-228600" algn="l" defTabSz="914400" rtl="0" eaLnBrk="1" latinLnBrk="0" hangingPunct="1">
+              <a:spcBef>
+                <a:spcPct val="20000"/>
+              </a:spcBef>
+              <a:buClr>
+                <a:schemeClr val="tx2"/>
+              </a:buClr>
+              <a:buFont typeface="Arial" pitchFamily="34" charset="0"/>
+              <a:buChar char="•"/>
+              <a:defRPr sz="1600" kern="1200">
+                <a:solidFill>
+                  <a:schemeClr val="tx1"/>
+                </a:solidFill>
+                <a:latin typeface="+mn-lt"/>
+                <a:ea typeface="+mn-ea"/>
+                <a:cs typeface="+mn-cs"/>
+              </a:defRPr>
+            </a:lvl8pPr>
+            <a:lvl9pPr marL="3886200" indent="-228600" algn="l" defTabSz="914400" rtl="0" eaLnBrk="1" latinLnBrk="0" hangingPunct="1">
+              <a:spcBef>
+                <a:spcPct val="20000"/>
+              </a:spcBef>
+              <a:buClr>
+                <a:schemeClr val="tx2"/>
+              </a:buClr>
+              <a:buFont typeface="Arial" pitchFamily="34" charset="0"/>
+              <a:buChar char="•"/>
+              <a:defRPr sz="1600" kern="1200">
+                <a:solidFill>
+                  <a:schemeClr val="tx1"/>
+                </a:solidFill>
+                <a:latin typeface="+mn-lt"/>
+                <a:ea typeface="+mn-ea"/>
+                <a:cs typeface="+mn-cs"/>
+              </a:defRPr>
+            </a:lvl9pPr>
+          </a:lstStyle>
+          <a:p>
+            <a:r>
+              <a:rPr lang="pt-BR" sz="2800" dirty="0" smtClean="0">
+                <a:latin typeface="Times New Roman" pitchFamily="18" charset="0"/>
+                <a:cs typeface="Times New Roman" pitchFamily="18" charset="0"/>
+              </a:rPr>
+              <a:t>Quarto passo:</a:t>
+            </a:r>
+            <a:endParaRPr lang="pt-BR" sz="2800" dirty="0">
+              <a:latin typeface="Times New Roman" pitchFamily="18" charset="0"/>
+              <a:cs typeface="Times New Roman" pitchFamily="18" charset="0"/>
+            </a:endParaRPr>
+          </a:p>
+          <a:p>
+            <a:pPr algn="just"/>
+            <a:r>
+              <a:rPr lang="pt-BR" sz="2800" b="0" dirty="0">
+                <a:latin typeface="Times New Roman" pitchFamily="18" charset="0"/>
+                <a:cs typeface="Times New Roman" pitchFamily="18" charset="0"/>
+              </a:rPr>
+              <a:t>É válido lembrar que os itens que são importados como módulos, </a:t>
+            </a:r>
+            <a:r>
+              <a:rPr lang="pt-BR" sz="2800" b="0" dirty="0" err="1">
+                <a:latin typeface="Times New Roman" pitchFamily="18" charset="0"/>
+                <a:cs typeface="Times New Roman" pitchFamily="18" charset="0"/>
+              </a:rPr>
+              <a:t>pipes</a:t>
+            </a:r>
+            <a:r>
+              <a:rPr lang="pt-BR" sz="2800" b="0" dirty="0">
+                <a:latin typeface="Times New Roman" pitchFamily="18" charset="0"/>
+                <a:cs typeface="Times New Roman" pitchFamily="18" charset="0"/>
+              </a:rPr>
+              <a:t>, </a:t>
+            </a:r>
+            <a:r>
+              <a:rPr lang="pt-BR" sz="2800" b="0" dirty="0" err="1">
+                <a:latin typeface="Times New Roman" pitchFamily="18" charset="0"/>
+                <a:cs typeface="Times New Roman" pitchFamily="18" charset="0"/>
+              </a:rPr>
+              <a:t>components</a:t>
+            </a:r>
+            <a:r>
+              <a:rPr lang="pt-BR" sz="2800" b="0" dirty="0">
+                <a:latin typeface="Times New Roman" pitchFamily="18" charset="0"/>
+                <a:cs typeface="Times New Roman" pitchFamily="18" charset="0"/>
+              </a:rPr>
+              <a:t>, </a:t>
+            </a:r>
+            <a:r>
+              <a:rPr lang="pt-BR" sz="2800" b="0" dirty="0" err="1">
+                <a:latin typeface="Times New Roman" pitchFamily="18" charset="0"/>
+                <a:cs typeface="Times New Roman" pitchFamily="18" charset="0"/>
+              </a:rPr>
+              <a:t>etc</a:t>
+            </a:r>
+            <a:r>
+              <a:rPr lang="pt-BR" sz="2800" b="0" dirty="0">
+                <a:latin typeface="Times New Roman" pitchFamily="18" charset="0"/>
+                <a:cs typeface="Times New Roman" pitchFamily="18" charset="0"/>
+              </a:rPr>
+              <a:t>, devem ser exportados se forem utilizados de forma compartilhada</a:t>
+            </a:r>
+          </a:p>
+          <a:p>
+            <a:endParaRPr lang="pt-BR" sz="2600" dirty="0"/>
+          </a:p>
+        </p:txBody>
+      </p:sp>
     </p:spTree>
     <p:extLst>
       <p:ext uri="{BB962C8B-B14F-4D97-AF65-F5344CB8AC3E}">
-        <p14:creationId xmlns:p14="http://schemas.microsoft.com/office/powerpoint/2010/main" val="403429108"/>
+        <p14:creationId xmlns:p14="http://schemas.microsoft.com/office/powerpoint/2010/main" val="575733719"/>
       </p:ext>
     </p:extLst>
   </p:cSld>
@@ -9078,8 +8899,8 @@
         </p:nvSpPr>
         <p:spPr>
           <a:xfrm>
-            <a:off x="467544" y="2132856"/>
-            <a:ext cx="7848872" cy="3960440"/>
+            <a:off x="395536" y="1844824"/>
+            <a:ext cx="8077755" cy="3960440"/>
           </a:xfrm>
         </p:spPr>
         <p:txBody>
@@ -9090,24 +8911,73 @@
           <a:p>
             <a:pPr algn="just"/>
             <a:r>
+              <a:rPr lang="pt-BR" sz="2800" b="0" dirty="0" smtClean="0">
+                <a:latin typeface="Times New Roman" pitchFamily="18" charset="0"/>
+                <a:cs typeface="Times New Roman" pitchFamily="18" charset="0"/>
+              </a:rPr>
+              <a:t>Dentro </a:t>
+            </a:r>
+            <a:r>
               <a:rPr lang="pt-BR" sz="2800" b="0" dirty="0">
                 <a:latin typeface="Times New Roman" pitchFamily="18" charset="0"/>
                 <a:cs typeface="Times New Roman" pitchFamily="18" charset="0"/>
               </a:rPr>
-              <a:t>Em app.component.html, devemos incluir a </a:t>
+              <a:t>da pasta </a:t>
             </a:r>
             <a:r>
               <a:rPr lang="pt-BR" sz="2800" b="0" dirty="0" err="1">
                 <a:latin typeface="Times New Roman" pitchFamily="18" charset="0"/>
                 <a:cs typeface="Times New Roman" pitchFamily="18" charset="0"/>
               </a:rPr>
-              <a:t>tag</a:t>
+              <a:t>shared</a:t>
             </a:r>
             <a:r>
               <a:rPr lang="pt-BR" sz="2800" b="0" dirty="0">
                 <a:latin typeface="Times New Roman" pitchFamily="18" charset="0"/>
                 <a:cs typeface="Times New Roman" pitchFamily="18" charset="0"/>
               </a:rPr>
+              <a:t>, criaremos o componente </a:t>
+            </a:r>
+            <a:r>
+              <a:rPr lang="pt-BR" sz="2800" b="0" dirty="0" err="1">
+                <a:latin typeface="Times New Roman" pitchFamily="18" charset="0"/>
+                <a:cs typeface="Times New Roman" pitchFamily="18" charset="0"/>
+              </a:rPr>
+              <a:t>nav</a:t>
+            </a:r>
+            <a:r>
+              <a:rPr lang="pt-BR" sz="2800" b="0" dirty="0">
+                <a:latin typeface="Times New Roman" pitchFamily="18" charset="0"/>
+                <a:cs typeface="Times New Roman" pitchFamily="18" charset="0"/>
+              </a:rPr>
+              <a:t> e o componente </a:t>
+            </a:r>
+            <a:r>
+              <a:rPr lang="pt-BR" sz="2800" b="0" dirty="0" err="1">
+                <a:latin typeface="Times New Roman" pitchFamily="18" charset="0"/>
+                <a:cs typeface="Times New Roman" pitchFamily="18" charset="0"/>
+              </a:rPr>
+              <a:t>login</a:t>
+            </a:r>
+            <a:r>
+              <a:rPr lang="pt-BR" sz="2800" b="0" dirty="0">
+                <a:latin typeface="Times New Roman" pitchFamily="18" charset="0"/>
+                <a:cs typeface="Times New Roman" pitchFamily="18" charset="0"/>
+              </a:rPr>
+              <a:t> para trabalharmos com o sistema de </a:t>
+            </a:r>
+            <a:r>
+              <a:rPr lang="pt-BR" sz="2800" b="0" dirty="0" err="1">
+                <a:latin typeface="Times New Roman" pitchFamily="18" charset="0"/>
+                <a:cs typeface="Times New Roman" pitchFamily="18" charset="0"/>
+              </a:rPr>
+              <a:t>Login</a:t>
+            </a:r>
+            <a:r>
+              <a:rPr lang="pt-BR" sz="2800" b="0" dirty="0">
+                <a:latin typeface="Times New Roman" pitchFamily="18" charset="0"/>
+                <a:cs typeface="Times New Roman" pitchFamily="18" charset="0"/>
+              </a:rPr>
               <a:t> </a:t>
             </a:r>
             <a:r>
@@ -9115,25 +8985,152 @@
                 <a:latin typeface="Times New Roman" pitchFamily="18" charset="0"/>
                 <a:cs typeface="Times New Roman" pitchFamily="18" charset="0"/>
               </a:rPr>
-              <a:t>html</a:t>
+              <a:t>mocado</a:t>
             </a:r>
             <a:r>
               <a:rPr lang="pt-BR" sz="2800" b="0" dirty="0">
                 <a:latin typeface="Times New Roman" pitchFamily="18" charset="0"/>
                 <a:cs typeface="Times New Roman" pitchFamily="18" charset="0"/>
               </a:rPr>
-              <a:t> do nosso componente de menu. </a:t>
-            </a:r>
-          </a:p>
-          <a:p>
+              <a:t> e o controle de exibição do menu ao realizar o </a:t>
+            </a:r>
+            <a:r>
+              <a:rPr lang="pt-BR" sz="2800" b="0" dirty="0" err="1">
+                <a:latin typeface="Times New Roman" pitchFamily="18" charset="0"/>
+                <a:cs typeface="Times New Roman" pitchFamily="18" charset="0"/>
+              </a:rPr>
+              <a:t>login</a:t>
+            </a:r>
             <a:r>
               <a:rPr lang="pt-BR" sz="2800" b="0" dirty="0">
                 <a:latin typeface="Times New Roman" pitchFamily="18" charset="0"/>
                 <a:cs typeface="Times New Roman" pitchFamily="18" charset="0"/>
               </a:rPr>
-              <a:t> </a:t>
-            </a:r>
-            <a:endParaRPr lang="pt-BR" sz="2800" b="0" dirty="0" smtClean="0">
+              <a:t>. Para criar os componentes basta executar os comandos:</a:t>
+            </a:r>
+          </a:p>
+          <a:p>
+            <a:pPr>
+              <a:spcBef>
+                <a:spcPts val="0"/>
+              </a:spcBef>
+              <a:spcAft>
+                <a:spcPts val="0"/>
+              </a:spcAft>
+            </a:pPr>
+            <a:r>
+              <a:rPr lang="pt-BR" sz="2800" b="0" dirty="0">
+                <a:latin typeface="Times New Roman" pitchFamily="18" charset="0"/>
+                <a:cs typeface="Times New Roman" pitchFamily="18" charset="0"/>
+              </a:rPr>
+              <a:t>	</a:t>
+            </a:r>
+            <a:r>
+              <a:rPr lang="pt-BR" sz="2800" dirty="0" err="1" smtClean="0">
+                <a:latin typeface="Times New Roman" pitchFamily="18" charset="0"/>
+                <a:cs typeface="Times New Roman" pitchFamily="18" charset="0"/>
+              </a:rPr>
+              <a:t>ng</a:t>
+            </a:r>
+            <a:r>
+              <a:rPr lang="pt-BR" sz="2800" dirty="0" smtClean="0">
+                <a:latin typeface="Times New Roman" pitchFamily="18" charset="0"/>
+                <a:cs typeface="Times New Roman" pitchFamily="18" charset="0"/>
+              </a:rPr>
+              <a:t> </a:t>
+            </a:r>
+            <a:r>
+              <a:rPr lang="pt-BR" sz="2800" dirty="0">
+                <a:latin typeface="Times New Roman" pitchFamily="18" charset="0"/>
+                <a:cs typeface="Times New Roman" pitchFamily="18" charset="0"/>
+              </a:rPr>
+              <a:t>g c </a:t>
+            </a:r>
+            <a:r>
+              <a:rPr lang="pt-BR" sz="2800" dirty="0" err="1">
+                <a:latin typeface="Times New Roman" pitchFamily="18" charset="0"/>
+                <a:cs typeface="Times New Roman" pitchFamily="18" charset="0"/>
+              </a:rPr>
+              <a:t>shared</a:t>
+            </a:r>
+            <a:r>
+              <a:rPr lang="pt-BR" sz="2800" dirty="0">
+                <a:latin typeface="Times New Roman" pitchFamily="18" charset="0"/>
+                <a:cs typeface="Times New Roman" pitchFamily="18" charset="0"/>
+              </a:rPr>
+              <a:t>/</a:t>
+            </a:r>
+            <a:r>
+              <a:rPr lang="pt-BR" sz="2800" dirty="0" err="1">
+                <a:latin typeface="Times New Roman" pitchFamily="18" charset="0"/>
+                <a:cs typeface="Times New Roman" pitchFamily="18" charset="0"/>
+              </a:rPr>
+              <a:t>nav</a:t>
+            </a:r>
+            <a:endParaRPr lang="pt-BR" sz="2800" dirty="0">
+              <a:latin typeface="Times New Roman" pitchFamily="18" charset="0"/>
+              <a:cs typeface="Times New Roman" pitchFamily="18" charset="0"/>
+            </a:endParaRPr>
+          </a:p>
+          <a:p>
+            <a:pPr>
+              <a:spcBef>
+                <a:spcPts val="0"/>
+              </a:spcBef>
+              <a:spcAft>
+                <a:spcPts val="0"/>
+              </a:spcAft>
+            </a:pPr>
+            <a:r>
+              <a:rPr lang="pt-BR" sz="2800" dirty="0" smtClean="0">
+                <a:latin typeface="Times New Roman" pitchFamily="18" charset="0"/>
+                <a:cs typeface="Times New Roman" pitchFamily="18" charset="0"/>
+              </a:rPr>
+              <a:t>	</a:t>
+            </a:r>
+            <a:r>
+              <a:rPr lang="pt-BR" sz="2800" dirty="0" err="1" smtClean="0">
+                <a:latin typeface="Times New Roman" pitchFamily="18" charset="0"/>
+                <a:cs typeface="Times New Roman" pitchFamily="18" charset="0"/>
+              </a:rPr>
+              <a:t>ng</a:t>
+            </a:r>
+            <a:r>
+              <a:rPr lang="pt-BR" sz="2800" dirty="0" smtClean="0">
+                <a:latin typeface="Times New Roman" pitchFamily="18" charset="0"/>
+                <a:cs typeface="Times New Roman" pitchFamily="18" charset="0"/>
+              </a:rPr>
+              <a:t> </a:t>
+            </a:r>
+            <a:r>
+              <a:rPr lang="pt-BR" sz="2800" dirty="0">
+                <a:latin typeface="Times New Roman" pitchFamily="18" charset="0"/>
+                <a:cs typeface="Times New Roman" pitchFamily="18" charset="0"/>
+              </a:rPr>
+              <a:t>g c </a:t>
+            </a:r>
+            <a:r>
+              <a:rPr lang="pt-BR" sz="2800" dirty="0" err="1" smtClean="0">
+                <a:latin typeface="Times New Roman" pitchFamily="18" charset="0"/>
+                <a:cs typeface="Times New Roman" pitchFamily="18" charset="0"/>
+              </a:rPr>
+              <a:t>shared</a:t>
+            </a:r>
+            <a:r>
+              <a:rPr lang="pt-BR" sz="2800" dirty="0" smtClean="0">
+                <a:latin typeface="Times New Roman" pitchFamily="18" charset="0"/>
+                <a:cs typeface="Times New Roman" pitchFamily="18" charset="0"/>
+              </a:rPr>
+              <a:t>/</a:t>
+            </a:r>
+            <a:r>
+              <a:rPr lang="pt-BR" sz="2800" dirty="0" err="1" smtClean="0">
+                <a:latin typeface="Times New Roman" pitchFamily="18" charset="0"/>
+                <a:cs typeface="Times New Roman" pitchFamily="18" charset="0"/>
+              </a:rPr>
+              <a:t>login</a:t>
+            </a:r>
+            <a:endParaRPr lang="pt-BR" sz="2800" dirty="0">
               <a:latin typeface="Times New Roman" pitchFamily="18" charset="0"/>
               <a:cs typeface="Times New Roman" pitchFamily="18" charset="0"/>
             </a:endParaRPr>
@@ -9213,72 +9210,10 @@
           </a:extLst>
         </p:spPr>
       </p:pic>
-      <p:pic>
-        <p:nvPicPr>
-          <p:cNvPr id="3074" name="Picture 2"/>
-          <p:cNvPicPr>
-            <a:picLocks noChangeAspect="1" noChangeArrowheads="1"/>
-          </p:cNvPicPr>
-          <p:nvPr/>
-        </p:nvPicPr>
-        <p:blipFill rotWithShape="1">
-          <a:blip r:embed="rId3">
-            <a:extLst>
-              <a:ext uri="{28A0092B-C50C-407E-A947-70E740481C1C}">
-                <a14:useLocalDpi xmlns:a14="http://schemas.microsoft.com/office/drawing/2010/main" val="0"/>
-              </a:ext>
-            </a:extLst>
-          </a:blip>
-          <a:srcRect l="32745" t="56424" r="16358" b="40845"/>
-          <a:stretch/>
-        </p:blipFill>
-        <p:spPr bwMode="auto">
-          <a:xfrm>
-            <a:off x="1196342" y="3645024"/>
-            <a:ext cx="6593160" cy="199752"/>
-          </a:xfrm>
-          <a:prstGeom prst="rect">
-            <a:avLst/>
-          </a:prstGeom>
-          <a:noFill/>
-          <a:ln>
-            <a:noFill/>
-          </a:ln>
-          <a:effectLst/>
-          <a:extLst>
-            <a:ext uri="{909E8E84-426E-40DD-AFC4-6F175D3DCCD1}">
-              <a14:hiddenFill xmlns:a14="http://schemas.microsoft.com/office/drawing/2010/main">
-                <a:solidFill>
-                  <a:schemeClr val="accent1"/>
-                </a:solidFill>
-              </a14:hiddenFill>
-            </a:ext>
-            <a:ext uri="{91240B29-F687-4F45-9708-019B960494DF}">
-              <a14:hiddenLine xmlns:a14="http://schemas.microsoft.com/office/drawing/2010/main" w="9525">
-                <a:solidFill>
-                  <a:schemeClr val="tx1"/>
-                </a:solidFill>
-                <a:miter lim="800000"/>
-                <a:headEnd/>
-                <a:tailEnd/>
-              </a14:hiddenLine>
-            </a:ext>
-            <a:ext uri="{AF507438-7753-43E0-B8FC-AC1667EBCBE1}">
-              <a14:hiddenEffects xmlns:a14="http://schemas.microsoft.com/office/drawing/2010/main">
-                <a:effectLst>
-                  <a:outerShdw dist="35921" dir="2700000" algn="ctr" rotWithShape="0">
-                    <a:schemeClr val="bg2"/>
-                  </a:outerShdw>
-                </a:effectLst>
-              </a14:hiddenEffects>
-            </a:ext>
-          </a:extLst>
-        </p:spPr>
-      </p:pic>
     </p:spTree>
     <p:extLst>
       <p:ext uri="{BB962C8B-B14F-4D97-AF65-F5344CB8AC3E}">
-        <p14:creationId xmlns:p14="http://schemas.microsoft.com/office/powerpoint/2010/main" val="4290235150"/>
+        <p14:creationId xmlns:p14="http://schemas.microsoft.com/office/powerpoint/2010/main" val="403429108"/>
       </p:ext>
     </p:extLst>
   </p:cSld>
@@ -9381,36 +9316,49 @@
                 <a:latin typeface="Times New Roman" pitchFamily="18" charset="0"/>
                 <a:cs typeface="Times New Roman" pitchFamily="18" charset="0"/>
               </a:rPr>
-              <a:t>Em </a:t>
+              <a:t>Em app.component.html, devemos incluir a </a:t>
             </a:r>
             <a:r>
               <a:rPr lang="pt-BR" sz="2800" b="0" dirty="0" err="1">
                 <a:latin typeface="Times New Roman" pitchFamily="18" charset="0"/>
                 <a:cs typeface="Times New Roman" pitchFamily="18" charset="0"/>
               </a:rPr>
-              <a:t>app-routing.module</a:t>
+              <a:t>tag</a:t>
             </a:r>
             <a:r>
               <a:rPr lang="pt-BR" sz="2800" b="0" dirty="0">
                 <a:latin typeface="Times New Roman" pitchFamily="18" charset="0"/>
                 <a:cs typeface="Times New Roman" pitchFamily="18" charset="0"/>
               </a:rPr>
-              <a:t>, devemos adicionar uma rota específica para nosso componente </a:t>
+              <a:t> </a:t>
             </a:r>
             <a:r>
               <a:rPr lang="pt-BR" sz="2800" b="0" dirty="0" err="1">
                 <a:latin typeface="Times New Roman" pitchFamily="18" charset="0"/>
                 <a:cs typeface="Times New Roman" pitchFamily="18" charset="0"/>
               </a:rPr>
-              <a:t>login</a:t>
+              <a:t>html</a:t>
             </a:r>
             <a:r>
               <a:rPr lang="pt-BR" sz="2800" b="0" dirty="0">
                 <a:latin typeface="Times New Roman" pitchFamily="18" charset="0"/>
                 <a:cs typeface="Times New Roman" pitchFamily="18" charset="0"/>
               </a:rPr>
+              <a:t> do nosso componente de menu. </a:t>
+            </a:r>
+          </a:p>
+          <a:p>
+            <a:r>
+              <a:rPr lang="pt-BR" sz="2800" b="0" dirty="0">
+                <a:latin typeface="Times New Roman" pitchFamily="18" charset="0"/>
+                <a:cs typeface="Times New Roman" pitchFamily="18" charset="0"/>
+              </a:rPr>
               <a:t> </a:t>
             </a:r>
+            <a:endParaRPr lang="pt-BR" sz="2800" b="0" dirty="0" smtClean="0">
+              <a:latin typeface="Times New Roman" pitchFamily="18" charset="0"/>
+              <a:cs typeface="Times New Roman" pitchFamily="18" charset="0"/>
+            </a:endParaRPr>
           </a:p>
           <a:p>
             <a:endParaRPr lang="pt-BR" sz="2600" dirty="0"/>
@@ -9489,29 +9437,62 @@
       </p:pic>
       <p:pic>
         <p:nvPicPr>
-          <p:cNvPr id="7" name="Imagem 6"/>
-          <p:cNvPicPr/>
+          <p:cNvPr id="3074" name="Picture 2"/>
+          <p:cNvPicPr>
+            <a:picLocks noChangeAspect="1" noChangeArrowheads="1"/>
+          </p:cNvPicPr>
           <p:nvPr/>
         </p:nvPicPr>
         <p:blipFill rotWithShape="1">
-          <a:blip r:embed="rId3"/>
-          <a:srcRect l="30529" t="7616" r="8414" b="41059"/>
+          <a:blip r:embed="rId3">
+            <a:extLst>
+              <a:ext uri="{28A0092B-C50C-407E-A947-70E740481C1C}">
+                <a14:useLocalDpi xmlns:a14="http://schemas.microsoft.com/office/drawing/2010/main" val="0"/>
+              </a:ext>
+            </a:extLst>
+          </a:blip>
+          <a:srcRect l="32745" t="56424" r="16358" b="40845"/>
           <a:stretch/>
         </p:blipFill>
         <p:spPr bwMode="auto">
           <a:xfrm>
-            <a:off x="899592" y="3185120"/>
-            <a:ext cx="7141651" cy="3268216"/>
+            <a:off x="1196342" y="3645024"/>
+            <a:ext cx="6593160" cy="199752"/>
           </a:xfrm>
           <a:prstGeom prst="rect">
             <a:avLst/>
           </a:prstGeom>
+          <a:noFill/>
           <a:ln>
             <a:noFill/>
           </a:ln>
+          <a:effectLst/>
           <a:extLst>
-            <a:ext uri="{53640926-AAD7-44D8-BBD7-CCE9431645EC}">
-              <a14:shadowObscured xmlns:a14="http://schemas.microsoft.com/office/drawing/2010/main"/>
+            <a:ext uri="{909E8E84-426E-40DD-AFC4-6F175D3DCCD1}">
+              <a14:hiddenFill xmlns:a14="http://schemas.microsoft.com/office/drawing/2010/main">
+                <a:solidFill>
+                  <a:schemeClr val="accent1"/>
+                </a:solidFill>
+              </a14:hiddenFill>
+            </a:ext>
+            <a:ext uri="{91240B29-F687-4F45-9708-019B960494DF}">
+              <a14:hiddenLine xmlns:a14="http://schemas.microsoft.com/office/drawing/2010/main" w="9525">
+                <a:solidFill>
+                  <a:schemeClr val="tx1"/>
+                </a:solidFill>
+                <a:miter lim="800000"/>
+                <a:headEnd/>
+                <a:tailEnd/>
+              </a14:hiddenLine>
+            </a:ext>
+            <a:ext uri="{AF507438-7753-43E0-B8FC-AC1667EBCBE1}">
+              <a14:hiddenEffects xmlns:a14="http://schemas.microsoft.com/office/drawing/2010/main">
+                <a:effectLst>
+                  <a:outerShdw dist="35921" dir="2700000" algn="ctr" rotWithShape="0">
+                    <a:schemeClr val="bg2"/>
+                  </a:outerShdw>
+                </a:effectLst>
+              </a14:hiddenEffects>
             </a:ext>
           </a:extLst>
         </p:spPr>
@@ -9519,7 +9500,7 @@
     </p:spTree>
     <p:extLst>
       <p:ext uri="{BB962C8B-B14F-4D97-AF65-F5344CB8AC3E}">
-        <p14:creationId xmlns:p14="http://schemas.microsoft.com/office/powerpoint/2010/main" val="1141785900"/>
+        <p14:creationId xmlns:p14="http://schemas.microsoft.com/office/powerpoint/2010/main" val="4290235150"/>
       </p:ext>
     </p:extLst>
   </p:cSld>
@@ -9575,32 +9556,22 @@
           </a:bodyPr>
           <a:lstStyle/>
           <a:p>
-            <a:pPr algn="ctr"/>
+            <a:pPr algn="just"/>
             <a:r>
               <a:rPr lang="pt-BR" sz="2400" b="1" dirty="0"/>
-              <a:t>Configurando </a:t>
-            </a:r>
-            <a:r>
-              <a:rPr lang="pt-BR" sz="2400" b="1" dirty="0" err="1"/>
-              <a:t>Style</a:t>
-            </a:r>
-            <a:r>
+              <a:t>CRIANDO UM MENU, TELA DE LOGIN </a:t>
+            </a:r>
+            <a:br>
               <a:rPr lang="pt-BR" sz="2400" b="1" dirty="0"/>
-              <a:t> com </a:t>
-            </a:r>
-            <a:r>
-              <a:rPr lang="pt-BR" sz="2400" b="1" dirty="0" err="1"/>
-              <a:t>Bootstrap</a:t>
+            </a:br>
+            <a:r>
+              <a:rPr lang="pt-BR" sz="2400" b="1" dirty="0" smtClean="0"/>
+              <a:t>E </a:t>
             </a:r>
             <a:r>
               <a:rPr lang="pt-BR" sz="2400" b="1" dirty="0"/>
-              <a:t> e </a:t>
-            </a:r>
-            <a:r>
-              <a:rPr lang="pt-BR" sz="2400" b="1" dirty="0" err="1"/>
-              <a:t>JQuery</a:t>
-            </a:r>
-            <a:endParaRPr lang="pt-BR" sz="2400" b="1" dirty="0"/>
+              <a:t>CONTROLE DE EXIBIÇÃO DE MENU</a:t>
+            </a:r>
           </a:p>
         </p:txBody>
       </p:sp>
@@ -9632,76 +9603,36 @@
                 <a:latin typeface="Times New Roman" pitchFamily="18" charset="0"/>
                 <a:cs typeface="Times New Roman" pitchFamily="18" charset="0"/>
               </a:rPr>
-              <a:t>Mesmo utilizando um framework como </a:t>
+              <a:t>Em </a:t>
             </a:r>
             <a:r>
               <a:rPr lang="pt-BR" sz="2800" b="0" dirty="0" err="1">
                 <a:latin typeface="Times New Roman" pitchFamily="18" charset="0"/>
                 <a:cs typeface="Times New Roman" pitchFamily="18" charset="0"/>
               </a:rPr>
-              <a:t>PrimeNg</a:t>
+              <a:t>app-routing.module</a:t>
             </a:r>
             <a:r>
               <a:rPr lang="pt-BR" sz="2800" b="0" dirty="0">
                 <a:latin typeface="Times New Roman" pitchFamily="18" charset="0"/>
                 <a:cs typeface="Times New Roman" pitchFamily="18" charset="0"/>
               </a:rPr>
-              <a:t> é possível mesclar com bibliotecas de CSS e JS sem nenhum problema de compatibilidade. </a:t>
-            </a:r>
-            <a:endParaRPr lang="pt-BR" sz="2800" b="0" dirty="0" smtClean="0">
-              <a:latin typeface="Times New Roman" pitchFamily="18" charset="0"/>
-              <a:cs typeface="Times New Roman" pitchFamily="18" charset="0"/>
-            </a:endParaRPr>
-          </a:p>
-          <a:p>
-            <a:r>
-              <a:rPr lang="pt-BR" sz="2800" dirty="0" smtClean="0">
-                <a:latin typeface="Times New Roman" pitchFamily="18" charset="0"/>
-                <a:cs typeface="Times New Roman" pitchFamily="18" charset="0"/>
-              </a:rPr>
-              <a:t>Instalando</a:t>
-            </a:r>
-            <a:r>
-              <a:rPr lang="pt-BR" sz="2800" dirty="0">
-                <a:latin typeface="Times New Roman" pitchFamily="18" charset="0"/>
-                <a:cs typeface="Times New Roman" pitchFamily="18" charset="0"/>
-              </a:rPr>
-              <a:t>:</a:t>
-            </a:r>
-          </a:p>
-          <a:p>
-            <a:r>
-              <a:rPr lang="en-US" sz="2800" b="0" dirty="0" smtClean="0">
-                <a:latin typeface="Times New Roman" pitchFamily="18" charset="0"/>
-                <a:cs typeface="Times New Roman" pitchFamily="18" charset="0"/>
-              </a:rPr>
-              <a:t>- Bootstrap </a:t>
-            </a:r>
-            <a:r>
-              <a:rPr lang="en-US" sz="2800" b="0" dirty="0">
-                <a:latin typeface="Times New Roman" pitchFamily="18" charset="0"/>
-                <a:cs typeface="Times New Roman" pitchFamily="18" charset="0"/>
-              </a:rPr>
-              <a:t>e </a:t>
-            </a:r>
-            <a:r>
-              <a:rPr lang="en-US" sz="2800" b="0" dirty="0" smtClean="0">
-                <a:latin typeface="Times New Roman" pitchFamily="18" charset="0"/>
-                <a:cs typeface="Times New Roman" pitchFamily="18" charset="0"/>
-              </a:rPr>
-              <a:t>o </a:t>
-            </a:r>
-            <a:r>
-              <a:rPr lang="en-US" sz="2800" b="0" dirty="0" err="1" smtClean="0">
-                <a:latin typeface="Times New Roman" pitchFamily="18" charset="0"/>
-                <a:cs typeface="Times New Roman" pitchFamily="18" charset="0"/>
-              </a:rPr>
-              <a:t>Jquery</a:t>
-            </a:r>
-            <a:endParaRPr lang="pt-BR" sz="2800" b="0" dirty="0">
-              <a:latin typeface="Times New Roman" pitchFamily="18" charset="0"/>
-              <a:cs typeface="Times New Roman" pitchFamily="18" charset="0"/>
-            </a:endParaRPr>
+              <a:t>, devemos adicionar uma rota específica para nosso componente </a:t>
+            </a:r>
+            <a:r>
+              <a:rPr lang="pt-BR" sz="2800" b="0" dirty="0" err="1">
+                <a:latin typeface="Times New Roman" pitchFamily="18" charset="0"/>
+                <a:cs typeface="Times New Roman" pitchFamily="18" charset="0"/>
+              </a:rPr>
+              <a:t>login</a:t>
+            </a:r>
+            <a:r>
+              <a:rPr lang="pt-BR" sz="2800" b="0" dirty="0">
+                <a:latin typeface="Times New Roman" pitchFamily="18" charset="0"/>
+                <a:cs typeface="Times New Roman" pitchFamily="18" charset="0"/>
+              </a:rPr>
+              <a:t> </a:t>
+            </a:r>
           </a:p>
           <a:p>
             <a:endParaRPr lang="pt-BR" sz="2600" dirty="0"/>
@@ -9780,62 +9711,29 @@
       </p:pic>
       <p:pic>
         <p:nvPicPr>
-          <p:cNvPr id="8" name="Picture 2"/>
-          <p:cNvPicPr>
-            <a:picLocks noChangeAspect="1" noChangeArrowheads="1"/>
-          </p:cNvPicPr>
+          <p:cNvPr id="7" name="Imagem 6"/>
+          <p:cNvPicPr/>
           <p:nvPr/>
         </p:nvPicPr>
         <p:blipFill rotWithShape="1">
-          <a:blip r:embed="rId3">
-            <a:extLst>
-              <a:ext uri="{28A0092B-C50C-407E-A947-70E740481C1C}">
-                <a14:useLocalDpi xmlns:a14="http://schemas.microsoft.com/office/drawing/2010/main" val="0"/>
-              </a:ext>
-            </a:extLst>
-          </a:blip>
-          <a:srcRect l="32549" t="49615" r="17265" b="47609"/>
+          <a:blip r:embed="rId3"/>
+          <a:srcRect l="30529" t="7616" r="8414" b="41059"/>
           <a:stretch/>
         </p:blipFill>
         <p:spPr bwMode="auto">
           <a:xfrm>
-            <a:off x="971600" y="4907880"/>
-            <a:ext cx="6501060" cy="203076"/>
+            <a:off x="899592" y="3185120"/>
+            <a:ext cx="7141651" cy="3268216"/>
           </a:xfrm>
           <a:prstGeom prst="rect">
             <a:avLst/>
           </a:prstGeom>
-          <a:noFill/>
           <a:ln>
             <a:noFill/>
           </a:ln>
-          <a:effectLst/>
           <a:extLst>
-            <a:ext uri="{909E8E84-426E-40DD-AFC4-6F175D3DCCD1}">
-              <a14:hiddenFill xmlns:a14="http://schemas.microsoft.com/office/drawing/2010/main">
-                <a:solidFill>
-                  <a:schemeClr val="accent1"/>
-                </a:solidFill>
-              </a14:hiddenFill>
-            </a:ext>
-            <a:ext uri="{91240B29-F687-4F45-9708-019B960494DF}">
-              <a14:hiddenLine xmlns:a14="http://schemas.microsoft.com/office/drawing/2010/main" w="9525">
-                <a:solidFill>
-                  <a:schemeClr val="tx1"/>
-                </a:solidFill>
-                <a:miter lim="800000"/>
-                <a:headEnd/>
-                <a:tailEnd/>
-              </a14:hiddenLine>
-            </a:ext>
-            <a:ext uri="{AF507438-7753-43E0-B8FC-AC1667EBCBE1}">
-              <a14:hiddenEffects xmlns:a14="http://schemas.microsoft.com/office/drawing/2010/main">
-                <a:effectLst>
-                  <a:outerShdw dist="35921" dir="2700000" algn="ctr" rotWithShape="0">
-                    <a:schemeClr val="bg2"/>
-                  </a:outerShdw>
-                </a:effectLst>
-              </a14:hiddenEffects>
+            <a:ext uri="{53640926-AAD7-44D8-BBD7-CCE9431645EC}">
+              <a14:shadowObscured xmlns:a14="http://schemas.microsoft.com/office/drawing/2010/main"/>
             </a:ext>
           </a:extLst>
         </p:spPr>
@@ -9843,7 +9741,7 @@
     </p:spTree>
     <p:extLst>
       <p:ext uri="{BB962C8B-B14F-4D97-AF65-F5344CB8AC3E}">
-        <p14:creationId xmlns:p14="http://schemas.microsoft.com/office/powerpoint/2010/main" val="1695777089"/>
+        <p14:creationId xmlns:p14="http://schemas.microsoft.com/office/powerpoint/2010/main" val="1141785900"/>
       </p:ext>
     </p:extLst>
   </p:cSld>
@@ -9940,7 +9838,7 @@
         </p:nvSpPr>
         <p:spPr>
           <a:xfrm>
-            <a:off x="395536" y="1916832"/>
+            <a:off x="467544" y="2132856"/>
             <a:ext cx="7848872" cy="3960440"/>
           </a:xfrm>
         </p:spPr>
@@ -9950,6 +9848,34 @@
           </a:bodyPr>
           <a:lstStyle/>
           <a:p>
+            <a:pPr algn="just"/>
+            <a:r>
+              <a:rPr lang="pt-BR" sz="2800" b="0" dirty="0">
+                <a:latin typeface="Times New Roman" pitchFamily="18" charset="0"/>
+                <a:cs typeface="Times New Roman" pitchFamily="18" charset="0"/>
+              </a:rPr>
+              <a:t>Mesmo utilizando um framework como </a:t>
+            </a:r>
+            <a:r>
+              <a:rPr lang="pt-BR" sz="2800" b="0" dirty="0" err="1">
+                <a:latin typeface="Times New Roman" pitchFamily="18" charset="0"/>
+                <a:cs typeface="Times New Roman" pitchFamily="18" charset="0"/>
+              </a:rPr>
+              <a:t>PrimeNg</a:t>
+            </a:r>
+            <a:r>
+              <a:rPr lang="pt-BR" sz="2800" b="0" dirty="0">
+                <a:latin typeface="Times New Roman" pitchFamily="18" charset="0"/>
+                <a:cs typeface="Times New Roman" pitchFamily="18" charset="0"/>
+              </a:rPr>
+              <a:t> é possível mesclar com bibliotecas de CSS e JS sem nenhum problema de compatibilidade. </a:t>
+            </a:r>
+            <a:endParaRPr lang="pt-BR" sz="2800" b="0" dirty="0" smtClean="0">
+              <a:latin typeface="Times New Roman" pitchFamily="18" charset="0"/>
+              <a:cs typeface="Times New Roman" pitchFamily="18" charset="0"/>
+            </a:endParaRPr>
+          </a:p>
+          <a:p>
             <a:r>
               <a:rPr lang="pt-BR" sz="2800" dirty="0" smtClean="0">
                 <a:latin typeface="Times New Roman" pitchFamily="18" charset="0"/>
@@ -9967,62 +9893,37 @@
           </a:p>
           <a:p>
             <a:r>
+              <a:rPr lang="en-US" sz="2800" b="0" dirty="0" smtClean="0">
+                <a:latin typeface="Times New Roman" pitchFamily="18" charset="0"/>
+                <a:cs typeface="Times New Roman" pitchFamily="18" charset="0"/>
+              </a:rPr>
+              <a:t>- Bootstrap </a:t>
+            </a:r>
+            <a:r>
               <a:rPr lang="en-US" sz="2800" b="0" dirty="0">
                 <a:latin typeface="Times New Roman" pitchFamily="18" charset="0"/>
                 <a:cs typeface="Times New Roman" pitchFamily="18" charset="0"/>
               </a:rPr>
-              <a:t> - </a:t>
-            </a:r>
-            <a:r>
-              <a:rPr lang="pt-BR" sz="2800" b="0" dirty="0">
-                <a:latin typeface="Times New Roman" pitchFamily="18" charset="0"/>
-                <a:cs typeface="Times New Roman" pitchFamily="18" charset="0"/>
-              </a:rPr>
-              <a:t>Inserir </a:t>
-            </a:r>
-            <a:r>
-              <a:rPr lang="pt-BR" sz="2800" b="0" dirty="0" err="1">
-                <a:latin typeface="Times New Roman" pitchFamily="18" charset="0"/>
-                <a:cs typeface="Times New Roman" pitchFamily="18" charset="0"/>
-              </a:rPr>
-              <a:t>imports</a:t>
-            </a:r>
-            <a:r>
-              <a:rPr lang="pt-BR" sz="2800" b="0" dirty="0">
-                <a:latin typeface="Times New Roman" pitchFamily="18" charset="0"/>
-                <a:cs typeface="Times New Roman" pitchFamily="18" charset="0"/>
-              </a:rPr>
-              <a:t> em nav.component.css</a:t>
-            </a:r>
-          </a:p>
-          <a:p>
-            <a:endParaRPr lang="pt-BR" sz="1400" dirty="0" smtClean="0"/>
-          </a:p>
-          <a:p>
-            <a:endParaRPr lang="pt-BR" sz="2400" dirty="0" smtClean="0"/>
-          </a:p>
-          <a:p>
-            <a:r>
-              <a:rPr lang="pt-BR" sz="2800" b="0" dirty="0">
-                <a:latin typeface="Times New Roman" pitchFamily="18" charset="0"/>
-                <a:cs typeface="Times New Roman" pitchFamily="18" charset="0"/>
-              </a:rPr>
-              <a:t>- Inserir </a:t>
-            </a:r>
-            <a:r>
-              <a:rPr lang="pt-BR" sz="2800" b="0" dirty="0" err="1">
-                <a:latin typeface="Times New Roman" pitchFamily="18" charset="0"/>
-                <a:cs typeface="Times New Roman" pitchFamily="18" charset="0"/>
-              </a:rPr>
-              <a:t>imports</a:t>
-            </a:r>
-            <a:r>
-              <a:rPr lang="pt-BR" sz="2800" b="0" dirty="0">
-                <a:latin typeface="Times New Roman" pitchFamily="18" charset="0"/>
-                <a:cs typeface="Times New Roman" pitchFamily="18" charset="0"/>
-              </a:rPr>
-              <a:t> em nav.component.html</a:t>
-            </a:r>
+              <a:t>e </a:t>
+            </a:r>
+            <a:r>
+              <a:rPr lang="en-US" sz="2800" b="0" dirty="0" smtClean="0">
+                <a:latin typeface="Times New Roman" pitchFamily="18" charset="0"/>
+                <a:cs typeface="Times New Roman" pitchFamily="18" charset="0"/>
+              </a:rPr>
+              <a:t>o </a:t>
+            </a:r>
+            <a:r>
+              <a:rPr lang="en-US" sz="2800" b="0" dirty="0" err="1" smtClean="0">
+                <a:latin typeface="Times New Roman" pitchFamily="18" charset="0"/>
+                <a:cs typeface="Times New Roman" pitchFamily="18" charset="0"/>
+              </a:rPr>
+              <a:t>Jquery</a:t>
+            </a:r>
+            <a:endParaRPr lang="pt-BR" sz="2800" b="0" dirty="0">
+              <a:latin typeface="Times New Roman" pitchFamily="18" charset="0"/>
+              <a:cs typeface="Times New Roman" pitchFamily="18" charset="0"/>
+            </a:endParaRPr>
           </a:p>
           <a:p>
             <a:endParaRPr lang="pt-BR" sz="2600" dirty="0"/>
@@ -10101,7 +10002,7 @@
       </p:pic>
       <p:pic>
         <p:nvPicPr>
-          <p:cNvPr id="4098" name="Picture 2"/>
+          <p:cNvPr id="8" name="Picture 2"/>
           <p:cNvPicPr>
             <a:picLocks noChangeAspect="1" noChangeArrowheads="1"/>
           </p:cNvPicPr>
@@ -10115,13 +10016,13 @@
               </a:ext>
             </a:extLst>
           </a:blip>
-          <a:srcRect l="32549" t="59999" r="17265" b="36555"/>
+          <a:srcRect l="32549" t="49615" r="17265" b="47609"/>
           <a:stretch/>
         </p:blipFill>
         <p:spPr bwMode="auto">
           <a:xfrm>
-            <a:off x="755576" y="3312318"/>
-            <a:ext cx="6501060" cy="252065"/>
+            <a:off x="971600" y="4907880"/>
+            <a:ext cx="6501060" cy="203076"/>
           </a:xfrm>
           <a:prstGeom prst="rect">
             <a:avLst/>
@@ -10161,72 +10062,10 @@
           </a:extLst>
         </p:spPr>
       </p:pic>
-      <p:pic>
-        <p:nvPicPr>
-          <p:cNvPr id="9" name="Picture 2"/>
-          <p:cNvPicPr>
-            <a:picLocks noChangeAspect="1" noChangeArrowheads="1"/>
-          </p:cNvPicPr>
-          <p:nvPr/>
-        </p:nvPicPr>
-        <p:blipFill rotWithShape="1">
-          <a:blip r:embed="rId3">
-            <a:extLst>
-              <a:ext uri="{28A0092B-C50C-407E-A947-70E740481C1C}">
-                <a14:useLocalDpi xmlns:a14="http://schemas.microsoft.com/office/drawing/2010/main" val="0"/>
-              </a:ext>
-            </a:extLst>
-          </a:blip>
-          <a:srcRect l="32549" t="69683" r="17265" b="21566"/>
-          <a:stretch/>
-        </p:blipFill>
-        <p:spPr bwMode="auto">
-          <a:xfrm>
-            <a:off x="755576" y="4725144"/>
-            <a:ext cx="6696744" cy="659402"/>
-          </a:xfrm>
-          <a:prstGeom prst="rect">
-            <a:avLst/>
-          </a:prstGeom>
-          <a:noFill/>
-          <a:ln>
-            <a:noFill/>
-          </a:ln>
-          <a:effectLst/>
-          <a:extLst>
-            <a:ext uri="{909E8E84-426E-40DD-AFC4-6F175D3DCCD1}">
-              <a14:hiddenFill xmlns:a14="http://schemas.microsoft.com/office/drawing/2010/main">
-                <a:solidFill>
-                  <a:schemeClr val="accent1"/>
-                </a:solidFill>
-              </a14:hiddenFill>
-            </a:ext>
-            <a:ext uri="{91240B29-F687-4F45-9708-019B960494DF}">
-              <a14:hiddenLine xmlns:a14="http://schemas.microsoft.com/office/drawing/2010/main" w="9525">
-                <a:solidFill>
-                  <a:schemeClr val="tx1"/>
-                </a:solidFill>
-                <a:miter lim="800000"/>
-                <a:headEnd/>
-                <a:tailEnd/>
-              </a14:hiddenLine>
-            </a:ext>
-            <a:ext uri="{AF507438-7753-43E0-B8FC-AC1667EBCBE1}">
-              <a14:hiddenEffects xmlns:a14="http://schemas.microsoft.com/office/drawing/2010/main">
-                <a:effectLst>
-                  <a:outerShdw dist="35921" dir="2700000" algn="ctr" rotWithShape="0">
-                    <a:schemeClr val="bg2"/>
-                  </a:outerShdw>
-                </a:effectLst>
-              </a14:hiddenEffects>
-            </a:ext>
-          </a:extLst>
-        </p:spPr>
-      </p:pic>
     </p:spTree>
     <p:extLst>
       <p:ext uri="{BB962C8B-B14F-4D97-AF65-F5344CB8AC3E}">
-        <p14:creationId xmlns:p14="http://schemas.microsoft.com/office/powerpoint/2010/main" val="1896361475"/>
+        <p14:creationId xmlns:p14="http://schemas.microsoft.com/office/powerpoint/2010/main" val="1695777089"/>
       </p:ext>
     </p:extLst>
   </p:cSld>
@@ -10282,13 +10121,30 @@
           </a:bodyPr>
           <a:lstStyle/>
           <a:p>
+            <a:pPr algn="ctr"/>
             <a:r>
               <a:rPr lang="pt-BR" sz="2400" b="1" dirty="0"/>
-              <a:t>Implementando o sistema de </a:t>
+              <a:t>Configurando </a:t>
             </a:r>
             <a:r>
               <a:rPr lang="pt-BR" sz="2400" b="1" dirty="0" err="1"/>
-              <a:t>Login</a:t>
+              <a:t>Style</a:t>
+            </a:r>
+            <a:r>
+              <a:rPr lang="pt-BR" sz="2400" b="1" dirty="0"/>
+              <a:t> com </a:t>
+            </a:r>
+            <a:r>
+              <a:rPr lang="pt-BR" sz="2400" b="1" dirty="0" err="1"/>
+              <a:t>Bootstrap</a:t>
+            </a:r>
+            <a:r>
+              <a:rPr lang="pt-BR" sz="2400" b="1" dirty="0"/>
+              <a:t> e </a:t>
+            </a:r>
+            <a:r>
+              <a:rPr lang="pt-BR" sz="2400" b="1" dirty="0" err="1"/>
+              <a:t>JQuery</a:t>
             </a:r>
             <a:endParaRPr lang="pt-BR" sz="2400" b="1" dirty="0"/>
           </a:p>
@@ -10306,7 +10162,7 @@
         </p:nvSpPr>
         <p:spPr>
           <a:xfrm>
-            <a:off x="467544" y="2132856"/>
+            <a:off x="395536" y="1916832"/>
             <a:ext cx="7848872" cy="3960440"/>
           </a:xfrm>
         </p:spPr>
@@ -10316,142 +10172,79 @@
           </a:bodyPr>
           <a:lstStyle/>
           <a:p>
-            <a:pPr algn="just"/>
+            <a:r>
+              <a:rPr lang="pt-BR" sz="2800" dirty="0" smtClean="0">
+                <a:latin typeface="Times New Roman" pitchFamily="18" charset="0"/>
+                <a:cs typeface="Times New Roman" pitchFamily="18" charset="0"/>
+              </a:rPr>
+              <a:t>Instalando</a:t>
+            </a:r>
+            <a:r>
+              <a:rPr lang="pt-BR" sz="2800" dirty="0">
+                <a:latin typeface="Times New Roman" pitchFamily="18" charset="0"/>
+                <a:cs typeface="Times New Roman" pitchFamily="18" charset="0"/>
+              </a:rPr>
+              <a:t>:</a:t>
+            </a:r>
+          </a:p>
+          <a:p>
+            <a:r>
+              <a:rPr lang="en-US" sz="2800" b="0" dirty="0">
+                <a:latin typeface="Times New Roman" pitchFamily="18" charset="0"/>
+                <a:cs typeface="Times New Roman" pitchFamily="18" charset="0"/>
+              </a:rPr>
+              <a:t> - </a:t>
+            </a:r>
             <a:r>
               <a:rPr lang="pt-BR" sz="2800" b="0" dirty="0">
                 <a:latin typeface="Times New Roman" pitchFamily="18" charset="0"/>
                 <a:cs typeface="Times New Roman" pitchFamily="18" charset="0"/>
               </a:rPr>
-              <a:t>Após criar o menu e a tela de </a:t>
+              <a:t>Inserir </a:t>
             </a:r>
             <a:r>
               <a:rPr lang="pt-BR" sz="2800" b="0" dirty="0" err="1">
                 <a:latin typeface="Times New Roman" pitchFamily="18" charset="0"/>
                 <a:cs typeface="Times New Roman" pitchFamily="18" charset="0"/>
               </a:rPr>
-              <a:t>login</a:t>
+              <a:t>imports</a:t>
             </a:r>
             <a:r>
               <a:rPr lang="pt-BR" sz="2800" b="0" dirty="0">
                 <a:latin typeface="Times New Roman" pitchFamily="18" charset="0"/>
                 <a:cs typeface="Times New Roman" pitchFamily="18" charset="0"/>
               </a:rPr>
-              <a:t> percebemos que o menu independente da rota sempre irá aparecer. Não é muito amigável exibir um menu na tela de </a:t>
+              <a:t> em nav.component.css</a:t>
+            </a:r>
+          </a:p>
+          <a:p>
+            <a:endParaRPr lang="pt-BR" sz="1400" dirty="0" smtClean="0"/>
+          </a:p>
+          <a:p>
+            <a:endParaRPr lang="pt-BR" sz="2400" dirty="0" smtClean="0"/>
+          </a:p>
+          <a:p>
+            <a:r>
+              <a:rPr lang="pt-BR" sz="2800" b="0" dirty="0">
+                <a:latin typeface="Times New Roman" pitchFamily="18" charset="0"/>
+                <a:cs typeface="Times New Roman" pitchFamily="18" charset="0"/>
+              </a:rPr>
+              <a:t>- Inserir </a:t>
             </a:r>
             <a:r>
               <a:rPr lang="pt-BR" sz="2800" b="0" dirty="0" err="1">
                 <a:latin typeface="Times New Roman" pitchFamily="18" charset="0"/>
                 <a:cs typeface="Times New Roman" pitchFamily="18" charset="0"/>
               </a:rPr>
-              <a:t>login</a:t>
+              <a:t>imports</a:t>
             </a:r>
             <a:r>
               <a:rPr lang="pt-BR" sz="2800" b="0" dirty="0">
                 <a:latin typeface="Times New Roman" pitchFamily="18" charset="0"/>
                 <a:cs typeface="Times New Roman" pitchFamily="18" charset="0"/>
               </a:rPr>
-              <a:t>.</a:t>
-            </a:r>
-          </a:p>
-          <a:p>
-            <a:pPr algn="just"/>
-            <a:r>
-              <a:rPr lang="pt-BR" sz="2800" b="0" dirty="0" smtClean="0">
-                <a:latin typeface="Times New Roman" pitchFamily="18" charset="0"/>
-                <a:cs typeface="Times New Roman" pitchFamily="18" charset="0"/>
-              </a:rPr>
-              <a:t>- Criar </a:t>
-            </a:r>
-            <a:r>
-              <a:rPr lang="pt-BR" sz="2800" b="0" dirty="0">
-                <a:latin typeface="Times New Roman" pitchFamily="18" charset="0"/>
-                <a:cs typeface="Times New Roman" pitchFamily="18" charset="0"/>
-              </a:rPr>
-              <a:t>o serviço de autenticação </a:t>
-            </a:r>
-            <a:r>
-              <a:rPr lang="pt-BR" sz="2800" b="0" dirty="0" err="1">
-                <a:latin typeface="Times New Roman" pitchFamily="18" charset="0"/>
-                <a:cs typeface="Times New Roman" pitchFamily="18" charset="0"/>
-              </a:rPr>
-              <a:t>auth.service</a:t>
-            </a:r>
-            <a:endParaRPr lang="pt-BR" sz="2800" b="0" dirty="0">
-              <a:latin typeface="Times New Roman" pitchFamily="18" charset="0"/>
-              <a:cs typeface="Times New Roman" pitchFamily="18" charset="0"/>
-            </a:endParaRPr>
-          </a:p>
-          <a:p>
-            <a:pPr algn="just"/>
-            <a:r>
-              <a:rPr lang="pt-BR" sz="2800" b="0" dirty="0" smtClean="0">
-                <a:latin typeface="Times New Roman" pitchFamily="18" charset="0"/>
-                <a:cs typeface="Times New Roman" pitchFamily="18" charset="0"/>
-              </a:rPr>
-              <a:t>- Método </a:t>
-            </a:r>
-            <a:r>
-              <a:rPr lang="pt-BR" sz="2800" b="0" dirty="0">
-                <a:latin typeface="Times New Roman" pitchFamily="18" charset="0"/>
-                <a:cs typeface="Times New Roman" pitchFamily="18" charset="0"/>
-              </a:rPr>
-              <a:t>de </a:t>
-            </a:r>
-            <a:r>
-              <a:rPr lang="pt-BR" sz="2800" b="0" dirty="0" err="1">
-                <a:latin typeface="Times New Roman" pitchFamily="18" charset="0"/>
-                <a:cs typeface="Times New Roman" pitchFamily="18" charset="0"/>
-              </a:rPr>
-              <a:t>login</a:t>
-            </a:r>
-            <a:r>
-              <a:rPr lang="pt-BR" sz="2800" b="0" dirty="0">
-                <a:latin typeface="Times New Roman" pitchFamily="18" charset="0"/>
-                <a:cs typeface="Times New Roman" pitchFamily="18" charset="0"/>
-              </a:rPr>
-              <a:t> e de </a:t>
-            </a:r>
-            <a:r>
-              <a:rPr lang="pt-BR" sz="2800" b="0" dirty="0" err="1">
-                <a:latin typeface="Times New Roman" pitchFamily="18" charset="0"/>
-                <a:cs typeface="Times New Roman" pitchFamily="18" charset="0"/>
-              </a:rPr>
-              <a:t>logout</a:t>
-            </a:r>
-            <a:r>
-              <a:rPr lang="pt-BR" sz="2800" b="0" dirty="0">
-                <a:latin typeface="Times New Roman" pitchFamily="18" charset="0"/>
-                <a:cs typeface="Times New Roman" pitchFamily="18" charset="0"/>
-              </a:rPr>
-              <a:t> e Variável de usuário </a:t>
-            </a:r>
-            <a:r>
-              <a:rPr lang="pt-BR" sz="2800" b="0" dirty="0" err="1">
-                <a:latin typeface="Times New Roman" pitchFamily="18" charset="0"/>
-                <a:cs typeface="Times New Roman" pitchFamily="18" charset="0"/>
-              </a:rPr>
-              <a:t>logado</a:t>
-            </a:r>
-            <a:r>
-              <a:rPr lang="pt-BR" sz="2800" b="0" dirty="0">
-                <a:latin typeface="Times New Roman" pitchFamily="18" charset="0"/>
-                <a:cs typeface="Times New Roman" pitchFamily="18" charset="0"/>
-              </a:rPr>
-              <a:t>. ­­­­</a:t>
-            </a:r>
-          </a:p>
-          <a:p>
-            <a:r>
-              <a:rPr lang="pt-BR" sz="2800" b="0" dirty="0">
-                <a:latin typeface="Times New Roman" pitchFamily="18" charset="0"/>
-                <a:cs typeface="Times New Roman" pitchFamily="18" charset="0"/>
-              </a:rPr>
-              <a:t> </a:t>
-            </a:r>
-            <a:endParaRPr lang="pt-BR" sz="2800" b="0" dirty="0" smtClean="0">
-              <a:latin typeface="Times New Roman" pitchFamily="18" charset="0"/>
-              <a:cs typeface="Times New Roman" pitchFamily="18" charset="0"/>
-            </a:endParaRPr>
+              <a:t> em nav.component.html</a:t>
+            </a:r>
           </a:p>
           <a:p>
             <a:endParaRPr lang="pt-BR" sz="2600" dirty="0"/>
@@ -10528,10 +10321,134 @@
           </a:extLst>
         </p:spPr>
       </p:pic>
+      <p:pic>
+        <p:nvPicPr>
+          <p:cNvPr id="4098" name="Picture 2"/>
+          <p:cNvPicPr>
+            <a:picLocks noChangeAspect="1" noChangeArrowheads="1"/>
+          </p:cNvPicPr>
+          <p:nvPr/>
+        </p:nvPicPr>
+        <p:blipFill rotWithShape="1">
+          <a:blip r:embed="rId3">
+            <a:extLst>
+              <a:ext uri="{28A0092B-C50C-407E-A947-70E740481C1C}">
+                <a14:useLocalDpi xmlns:a14="http://schemas.microsoft.com/office/drawing/2010/main" val="0"/>
+              </a:ext>
+            </a:extLst>
+          </a:blip>
+          <a:srcRect l="32549" t="59999" r="17265" b="36555"/>
+          <a:stretch/>
+        </p:blipFill>
+        <p:spPr bwMode="auto">
+          <a:xfrm>
+            <a:off x="755576" y="3312318"/>
+            <a:ext cx="6501060" cy="252065"/>
+          </a:xfrm>
+          <a:prstGeom prst="rect">
+            <a:avLst/>
+          </a:prstGeom>
+          <a:noFill/>
+          <a:ln>
+            <a:noFill/>
+          </a:ln>
+          <a:effectLst/>
+          <a:extLst>
+            <a:ext uri="{909E8E84-426E-40DD-AFC4-6F175D3DCCD1}">
+              <a14:hiddenFill xmlns:a14="http://schemas.microsoft.com/office/drawing/2010/main">
+                <a:solidFill>
+                  <a:schemeClr val="accent1"/>
+                </a:solidFill>
+              </a14:hiddenFill>
+            </a:ext>
+            <a:ext uri="{91240B29-F687-4F45-9708-019B960494DF}">
+              <a14:hiddenLine xmlns:a14="http://schemas.microsoft.com/office/drawing/2010/main" w="9525">
+                <a:solidFill>
+                  <a:schemeClr val="tx1"/>
+                </a:solidFill>
+                <a:miter lim="800000"/>
+                <a:headEnd/>
+                <a:tailEnd/>
+              </a14:hiddenLine>
+            </a:ext>
+            <a:ext uri="{AF507438-7753-43E0-B8FC-AC1667EBCBE1}">
+              <a14:hiddenEffects xmlns:a14="http://schemas.microsoft.com/office/drawing/2010/main">
+                <a:effectLst>
+                  <a:outerShdw dist="35921" dir="2700000" algn="ctr" rotWithShape="0">
+                    <a:schemeClr val="bg2"/>
+                  </a:outerShdw>
+                </a:effectLst>
+              </a14:hiddenEffects>
+            </a:ext>
+          </a:extLst>
+        </p:spPr>
+      </p:pic>
+      <p:pic>
+        <p:nvPicPr>
+          <p:cNvPr id="9" name="Picture 2"/>
+          <p:cNvPicPr>
+            <a:picLocks noChangeAspect="1" noChangeArrowheads="1"/>
+          </p:cNvPicPr>
+          <p:nvPr/>
+        </p:nvPicPr>
+        <p:blipFill rotWithShape="1">
+          <a:blip r:embed="rId3">
+            <a:extLst>
+              <a:ext uri="{28A0092B-C50C-407E-A947-70E740481C1C}">
+                <a14:useLocalDpi xmlns:a14="http://schemas.microsoft.com/office/drawing/2010/main" val="0"/>
+              </a:ext>
+            </a:extLst>
+          </a:blip>
+          <a:srcRect l="32549" t="69683" r="17265" b="21566"/>
+          <a:stretch/>
+        </p:blipFill>
+        <p:spPr bwMode="auto">
+          <a:xfrm>
+            <a:off x="755576" y="4725144"/>
+            <a:ext cx="6696744" cy="659402"/>
+          </a:xfrm>
+          <a:prstGeom prst="rect">
+            <a:avLst/>
+          </a:prstGeom>
+          <a:noFill/>
+          <a:ln>
+            <a:noFill/>
+          </a:ln>
+          <a:effectLst/>
+          <a:extLst>
+            <a:ext uri="{909E8E84-426E-40DD-AFC4-6F175D3DCCD1}">
+              <a14:hiddenFill xmlns:a14="http://schemas.microsoft.com/office/drawing/2010/main">
+                <a:solidFill>
+                  <a:schemeClr val="accent1"/>
+                </a:solidFill>
+              </a14:hiddenFill>
+            </a:ext>
+            <a:ext uri="{91240B29-F687-4F45-9708-019B960494DF}">
+              <a14:hiddenLine xmlns:a14="http://schemas.microsoft.com/office/drawing/2010/main" w="9525">
+                <a:solidFill>
+                  <a:schemeClr val="tx1"/>
+                </a:solidFill>
+                <a:miter lim="800000"/>
+                <a:headEnd/>
+                <a:tailEnd/>
+              </a14:hiddenLine>
+            </a:ext>
+            <a:ext uri="{AF507438-7753-43E0-B8FC-AC1667EBCBE1}">
+              <a14:hiddenEffects xmlns:a14="http://schemas.microsoft.com/office/drawing/2010/main">
+                <a:effectLst>
+                  <a:outerShdw dist="35921" dir="2700000" algn="ctr" rotWithShape="0">
+                    <a:schemeClr val="bg2"/>
+                  </a:outerShdw>
+                </a:effectLst>
+              </a14:hiddenEffects>
+            </a:ext>
+          </a:extLst>
+        </p:spPr>
+      </p:pic>
     </p:spTree>
     <p:extLst>
       <p:ext uri="{BB962C8B-B14F-4D97-AF65-F5344CB8AC3E}">
-        <p14:creationId xmlns:p14="http://schemas.microsoft.com/office/powerpoint/2010/main" val="39659342"/>
+        <p14:creationId xmlns:p14="http://schemas.microsoft.com/office/powerpoint/2010/main" val="1896361475"/>
       </p:ext>
     </p:extLst>
   </p:cSld>
@@ -10859,107 +10776,6 @@
           <a:chExt cx="0" cy="0"/>
         </a:xfrm>
       </p:grpSpPr>
-      <p:pic>
-        <p:nvPicPr>
-          <p:cNvPr id="5122" name="Picture 2"/>
-          <p:cNvPicPr>
-            <a:picLocks noChangeAspect="1" noChangeArrowheads="1"/>
-          </p:cNvPicPr>
-          <p:nvPr/>
-        </p:nvPicPr>
-        <p:blipFill>
-          <a:blip r:embed="rId2">
-            <a:extLst>
-              <a:ext uri="{28A0092B-C50C-407E-A947-70E740481C1C}">
-                <a14:useLocalDpi xmlns:a14="http://schemas.microsoft.com/office/drawing/2010/main" val="0"/>
-              </a:ext>
-            </a:extLst>
-          </a:blip>
-          <a:srcRect/>
-          <a:stretch>
-            <a:fillRect/>
-          </a:stretch>
-        </p:blipFill>
-        <p:spPr bwMode="auto">
-          <a:xfrm>
-            <a:off x="1115616" y="188640"/>
-            <a:ext cx="6840760" cy="6274721"/>
-          </a:xfrm>
-          <a:prstGeom prst="rect">
-            <a:avLst/>
-          </a:prstGeom>
-          <a:noFill/>
-          <a:ln>
-            <a:noFill/>
-          </a:ln>
-          <a:effectLst/>
-          <a:extLst>
-            <a:ext uri="{909E8E84-426E-40DD-AFC4-6F175D3DCCD1}">
-              <a14:hiddenFill xmlns:a14="http://schemas.microsoft.com/office/drawing/2010/main">
-                <a:solidFill>
-                  <a:schemeClr val="accent1"/>
-                </a:solidFill>
-              </a14:hiddenFill>
-            </a:ext>
-            <a:ext uri="{91240B29-F687-4F45-9708-019B960494DF}">
-              <a14:hiddenLine xmlns:a14="http://schemas.microsoft.com/office/drawing/2010/main" w="9525">
-                <a:solidFill>
-                  <a:schemeClr val="tx1"/>
-                </a:solidFill>
-                <a:miter lim="800000"/>
-                <a:headEnd/>
-                <a:tailEnd/>
-              </a14:hiddenLine>
-            </a:ext>
-            <a:ext uri="{AF507438-7753-43E0-B8FC-AC1667EBCBE1}">
-              <a14:hiddenEffects xmlns:a14="http://schemas.microsoft.com/office/drawing/2010/main">
-                <a:effectLst>
-                  <a:outerShdw dist="35921" dir="2700000" algn="ctr" rotWithShape="0">
-                    <a:schemeClr val="bg2"/>
-                  </a:outerShdw>
-                </a:effectLst>
-              </a14:hiddenEffects>
-            </a:ext>
-          </a:extLst>
-        </p:spPr>
-      </p:pic>
-    </p:spTree>
-    <p:extLst>
-      <p:ext uri="{BB962C8B-B14F-4D97-AF65-F5344CB8AC3E}">
-        <p14:creationId xmlns:p14="http://schemas.microsoft.com/office/powerpoint/2010/main" val="4153249095"/>
-      </p:ext>
-    </p:extLst>
-  </p:cSld>
-  <p:clrMapOvr>
-    <a:masterClrMapping/>
-  </p:clrMapOvr>
-  <p:timing>
-    <p:tnLst>
-      <p:par>
-        <p:cTn id="1" dur="indefinite" restart="never" nodeType="tmRoot"/>
-      </p:par>
-    </p:tnLst>
-  </p:timing>
-</p:sld>
-</file>
-
-<file path=ppt/slides/slide31.xml><?xml version="1.0" encoding="utf-8"?>
-<p:sld xmlns:a="http://schemas.openxmlformats.org/drawingml/2006/main" xmlns:r="http://schemas.openxmlformats.org/officeDocument/2006/relationships" xmlns:p="http://schemas.openxmlformats.org/presentationml/2006/main">
-  <p:cSld>
-    <p:spTree>
-      <p:nvGrpSpPr>
-        <p:cNvPr id="1" name=""/>
-        <p:cNvGrpSpPr/>
-        <p:nvPr/>
-      </p:nvGrpSpPr>
-      <p:grpSpPr>
-        <a:xfrm>
-          <a:off x="0" y="0"/>
-          <a:ext cx="0" cy="0"/>
-          <a:chOff x="0" y="0"/>
-          <a:chExt cx="0" cy="0"/>
-        </a:xfrm>
-      </p:grpSpPr>
       <p:sp>
         <p:nvSpPr>
           <p:cNvPr id="2" name="Título 1"/>
@@ -10991,6 +10807,170 @@
               <a:t>Login</a:t>
             </a:r>
             <a:endParaRPr lang="pt-BR" sz="2400" b="1" dirty="0"/>
+          </a:p>
+        </p:txBody>
+      </p:sp>
+      <p:sp>
+        <p:nvSpPr>
+          <p:cNvPr id="3" name="Espaço Reservado para Conteúdo 2"/>
+          <p:cNvSpPr>
+            <a:spLocks noGrp="1"/>
+          </p:cNvSpPr>
+          <p:nvPr>
+            <p:ph idx="1"/>
+          </p:nvPr>
+        </p:nvSpPr>
+        <p:spPr>
+          <a:xfrm>
+            <a:off x="467544" y="2132856"/>
+            <a:ext cx="7848872" cy="3960440"/>
+          </a:xfrm>
+        </p:spPr>
+        <p:txBody>
+          <a:bodyPr>
+            <a:noAutofit/>
+          </a:bodyPr>
+          <a:lstStyle/>
+          <a:p>
+            <a:pPr algn="just"/>
+            <a:r>
+              <a:rPr lang="pt-BR" sz="2800" b="0" dirty="0">
+                <a:latin typeface="Times New Roman" pitchFamily="18" charset="0"/>
+                <a:cs typeface="Times New Roman" pitchFamily="18" charset="0"/>
+              </a:rPr>
+              <a:t>Após criar o menu e a tela de </a:t>
+            </a:r>
+            <a:r>
+              <a:rPr lang="pt-BR" sz="2800" b="0" dirty="0" err="1">
+                <a:latin typeface="Times New Roman" pitchFamily="18" charset="0"/>
+                <a:cs typeface="Times New Roman" pitchFamily="18" charset="0"/>
+              </a:rPr>
+              <a:t>login</a:t>
+            </a:r>
+            <a:r>
+              <a:rPr lang="pt-BR" sz="2800" b="0" dirty="0">
+                <a:latin typeface="Times New Roman" pitchFamily="18" charset="0"/>
+                <a:cs typeface="Times New Roman" pitchFamily="18" charset="0"/>
+              </a:rPr>
+              <a:t> percebemos que o menu independente da rota sempre irá aparecer. Não é muito amigável exibir um menu na tela de </a:t>
+            </a:r>
+            <a:r>
+              <a:rPr lang="pt-BR" sz="2800" b="0" dirty="0" err="1">
+                <a:latin typeface="Times New Roman" pitchFamily="18" charset="0"/>
+                <a:cs typeface="Times New Roman" pitchFamily="18" charset="0"/>
+              </a:rPr>
+              <a:t>login</a:t>
+            </a:r>
+            <a:r>
+              <a:rPr lang="pt-BR" sz="2800" b="0" dirty="0">
+                <a:latin typeface="Times New Roman" pitchFamily="18" charset="0"/>
+                <a:cs typeface="Times New Roman" pitchFamily="18" charset="0"/>
+              </a:rPr>
+              <a:t>.</a:t>
+            </a:r>
+          </a:p>
+          <a:p>
+            <a:pPr algn="just"/>
+            <a:r>
+              <a:rPr lang="pt-BR" sz="2800" b="0" dirty="0" smtClean="0">
+                <a:latin typeface="Times New Roman" pitchFamily="18" charset="0"/>
+                <a:cs typeface="Times New Roman" pitchFamily="18" charset="0"/>
+              </a:rPr>
+              <a:t>- Criar </a:t>
+            </a:r>
+            <a:r>
+              <a:rPr lang="pt-BR" sz="2800" b="0" dirty="0">
+                <a:latin typeface="Times New Roman" pitchFamily="18" charset="0"/>
+                <a:cs typeface="Times New Roman" pitchFamily="18" charset="0"/>
+              </a:rPr>
+              <a:t>o serviço de autenticação </a:t>
+            </a:r>
+            <a:r>
+              <a:rPr lang="pt-BR" sz="2800" b="0" dirty="0" err="1">
+                <a:latin typeface="Times New Roman" pitchFamily="18" charset="0"/>
+                <a:cs typeface="Times New Roman" pitchFamily="18" charset="0"/>
+              </a:rPr>
+              <a:t>auth.service</a:t>
+            </a:r>
+            <a:endParaRPr lang="pt-BR" sz="2800" b="0" dirty="0">
+              <a:latin typeface="Times New Roman" pitchFamily="18" charset="0"/>
+              <a:cs typeface="Times New Roman" pitchFamily="18" charset="0"/>
+            </a:endParaRPr>
+          </a:p>
+          <a:p>
+            <a:pPr algn="just"/>
+            <a:r>
+              <a:rPr lang="pt-BR" sz="2800" b="0" dirty="0" smtClean="0">
+                <a:latin typeface="Times New Roman" pitchFamily="18" charset="0"/>
+                <a:cs typeface="Times New Roman" pitchFamily="18" charset="0"/>
+              </a:rPr>
+              <a:t>- Método </a:t>
+            </a:r>
+            <a:r>
+              <a:rPr lang="pt-BR" sz="2800" b="0" dirty="0">
+                <a:latin typeface="Times New Roman" pitchFamily="18" charset="0"/>
+                <a:cs typeface="Times New Roman" pitchFamily="18" charset="0"/>
+              </a:rPr>
+              <a:t>de </a:t>
+            </a:r>
+            <a:r>
+              <a:rPr lang="pt-BR" sz="2800" b="0" dirty="0" err="1">
+                <a:latin typeface="Times New Roman" pitchFamily="18" charset="0"/>
+                <a:cs typeface="Times New Roman" pitchFamily="18" charset="0"/>
+              </a:rPr>
+              <a:t>login</a:t>
+            </a:r>
+            <a:r>
+              <a:rPr lang="pt-BR" sz="2800" b="0" dirty="0">
+                <a:latin typeface="Times New Roman" pitchFamily="18" charset="0"/>
+                <a:cs typeface="Times New Roman" pitchFamily="18" charset="0"/>
+              </a:rPr>
+              <a:t> e de </a:t>
+            </a:r>
+            <a:r>
+              <a:rPr lang="pt-BR" sz="2800" b="0" dirty="0" err="1">
+                <a:latin typeface="Times New Roman" pitchFamily="18" charset="0"/>
+                <a:cs typeface="Times New Roman" pitchFamily="18" charset="0"/>
+              </a:rPr>
+              <a:t>logout</a:t>
+            </a:r>
+            <a:r>
+              <a:rPr lang="pt-BR" sz="2800" b="0" dirty="0">
+                <a:latin typeface="Times New Roman" pitchFamily="18" charset="0"/>
+                <a:cs typeface="Times New Roman" pitchFamily="18" charset="0"/>
+              </a:rPr>
+              <a:t> e Variável de usuário </a:t>
+            </a:r>
+            <a:r>
+              <a:rPr lang="pt-BR" sz="2800" b="0" dirty="0" err="1">
+                <a:latin typeface="Times New Roman" pitchFamily="18" charset="0"/>
+                <a:cs typeface="Times New Roman" pitchFamily="18" charset="0"/>
+              </a:rPr>
+              <a:t>logado</a:t>
+            </a:r>
+            <a:r>
+              <a:rPr lang="pt-BR" sz="2800" b="0" dirty="0">
+                <a:latin typeface="Times New Roman" pitchFamily="18" charset="0"/>
+                <a:cs typeface="Times New Roman" pitchFamily="18" charset="0"/>
+              </a:rPr>
+              <a:t>. ­­­­</a:t>
+            </a:r>
+          </a:p>
+          <a:p>
+            <a:r>
+              <a:rPr lang="pt-BR" sz="2800" b="0" dirty="0">
+                <a:latin typeface="Times New Roman" pitchFamily="18" charset="0"/>
+                <a:cs typeface="Times New Roman" pitchFamily="18" charset="0"/>
+              </a:rPr>
+              <a:t> </a:t>
+            </a:r>
+            <a:endParaRPr lang="pt-BR" sz="2800" b="0" dirty="0" smtClean="0">
+              <a:latin typeface="Times New Roman" pitchFamily="18" charset="0"/>
+              <a:cs typeface="Times New Roman" pitchFamily="18" charset="0"/>
+            </a:endParaRPr>
+          </a:p>
+          <a:p>
+            <a:endParaRPr lang="pt-BR" sz="2600" dirty="0"/>
           </a:p>
         </p:txBody>
       </p:sp>
@@ -11064,268 +11044,111 @@
           </a:extLst>
         </p:spPr>
       </p:pic>
+    </p:spTree>
+    <p:extLst>
+      <p:ext uri="{BB962C8B-B14F-4D97-AF65-F5344CB8AC3E}">
+        <p14:creationId xmlns:p14="http://schemas.microsoft.com/office/powerpoint/2010/main" val="39659342"/>
+      </p:ext>
+    </p:extLst>
+  </p:cSld>
+  <p:clrMapOvr>
+    <a:masterClrMapping/>
+  </p:clrMapOvr>
+  <p:timing>
+    <p:tnLst>
+      <p:par>
+        <p:cTn id="1" dur="indefinite" restart="never" nodeType="tmRoot"/>
+      </p:par>
+    </p:tnLst>
+  </p:timing>
+</p:sld>
+</file>
+
+<file path=ppt/slides/slide31.xml><?xml version="1.0" encoding="utf-8"?>
+<p:sld xmlns:a="http://schemas.openxmlformats.org/drawingml/2006/main" xmlns:r="http://schemas.openxmlformats.org/officeDocument/2006/relationships" xmlns:p="http://schemas.openxmlformats.org/presentationml/2006/main">
+  <p:cSld>
+    <p:spTree>
+      <p:nvGrpSpPr>
+        <p:cNvPr id="1" name=""/>
+        <p:cNvGrpSpPr/>
+        <p:nvPr/>
+      </p:nvGrpSpPr>
+      <p:grpSpPr>
+        <a:xfrm>
+          <a:off x="0" y="0"/>
+          <a:ext cx="0" cy="0"/>
+          <a:chOff x="0" y="0"/>
+          <a:chExt cx="0" cy="0"/>
+        </a:xfrm>
+      </p:grpSpPr>
       <p:pic>
         <p:nvPicPr>
-          <p:cNvPr id="7" name="Espaço Reservado para Conteúdo 6"/>
+          <p:cNvPr id="5122" name="Picture 2"/>
           <p:cNvPicPr>
-            <a:picLocks noGrp="1"/>
+            <a:picLocks noChangeAspect="1" noChangeArrowheads="1"/>
           </p:cNvPicPr>
-          <p:nvPr>
-            <p:ph idx="1"/>
-          </p:nvPr>
+          <p:nvPr/>
         </p:nvPicPr>
-        <p:blipFill rotWithShape="1">
-          <a:blip r:embed="rId3"/>
-          <a:srcRect l="23117" t="48675" r="52531" b="29471"/>
-          <a:stretch/>
+        <p:blipFill>
+          <a:blip r:embed="rId2">
+            <a:extLst>
+              <a:ext uri="{28A0092B-C50C-407E-A947-70E740481C1C}">
+                <a14:useLocalDpi xmlns:a14="http://schemas.microsoft.com/office/drawing/2010/main" val="0"/>
+              </a:ext>
+            </a:extLst>
+          </a:blip>
+          <a:srcRect/>
+          <a:stretch>
+            <a:fillRect/>
+          </a:stretch>
         </p:blipFill>
         <p:spPr bwMode="auto">
           <a:xfrm>
-            <a:off x="1224425" y="2852936"/>
-            <a:ext cx="5820834" cy="2952328"/>
+            <a:off x="1115616" y="188640"/>
+            <a:ext cx="6840760" cy="6274721"/>
           </a:xfrm>
           <a:prstGeom prst="rect">
             <a:avLst/>
           </a:prstGeom>
+          <a:noFill/>
           <a:ln>
             <a:noFill/>
           </a:ln>
+          <a:effectLst/>
           <a:extLst>
-            <a:ext uri="{53640926-AAD7-44D8-BBD7-CCE9431645EC}">
-              <a14:shadowObscured xmlns:a14="http://schemas.microsoft.com/office/drawing/2010/main"/>
+            <a:ext uri="{909E8E84-426E-40DD-AFC4-6F175D3DCCD1}">
+              <a14:hiddenFill xmlns:a14="http://schemas.microsoft.com/office/drawing/2010/main">
+                <a:solidFill>
+                  <a:schemeClr val="accent1"/>
+                </a:solidFill>
+              </a14:hiddenFill>
+            </a:ext>
+            <a:ext uri="{91240B29-F687-4F45-9708-019B960494DF}">
+              <a14:hiddenLine xmlns:a14="http://schemas.microsoft.com/office/drawing/2010/main" w="9525">
+                <a:solidFill>
+                  <a:schemeClr val="tx1"/>
+                </a:solidFill>
+                <a:miter lim="800000"/>
+                <a:headEnd/>
+                <a:tailEnd/>
+              </a14:hiddenLine>
+            </a:ext>
+            <a:ext uri="{AF507438-7753-43E0-B8FC-AC1667EBCBE1}">
+              <a14:hiddenEffects xmlns:a14="http://schemas.microsoft.com/office/drawing/2010/main">
+                <a:effectLst>
+                  <a:outerShdw dist="35921" dir="2700000" algn="ctr" rotWithShape="0">
+                    <a:schemeClr val="bg2"/>
+                  </a:outerShdw>
+                </a:effectLst>
+              </a14:hiddenEffects>
             </a:ext>
           </a:extLst>
         </p:spPr>
       </p:pic>
-      <p:sp>
-        <p:nvSpPr>
-          <p:cNvPr id="8" name="Espaço Reservado para Conteúdo 2"/>
-          <p:cNvSpPr txBox="1">
-            <a:spLocks/>
-          </p:cNvSpPr>
-          <p:nvPr/>
-        </p:nvSpPr>
-        <p:spPr>
-          <a:xfrm>
-            <a:off x="467544" y="2132856"/>
-            <a:ext cx="7848872" cy="3960440"/>
-          </a:xfrm>
-          <a:prstGeom prst="rect">
-            <a:avLst/>
-          </a:prstGeom>
-        </p:spPr>
-        <p:txBody>
-          <a:bodyPr vert="horz" lIns="91440" tIns="45720" rIns="91440" bIns="45720" rtlCol="0">
-            <a:noAutofit/>
-          </a:bodyPr>
-          <a:lstStyle>
-            <a:lvl1pPr marL="0" indent="0" algn="l" defTabSz="914400" rtl="0" eaLnBrk="1" latinLnBrk="0" hangingPunct="1">
-              <a:spcBef>
-                <a:spcPct val="20000"/>
-              </a:spcBef>
-              <a:spcAft>
-                <a:spcPts val="600"/>
-              </a:spcAft>
-              <a:buFont typeface="Arial" pitchFamily="34" charset="0"/>
-              <a:buNone/>
-              <a:defRPr sz="2000" b="1" kern="1200">
-                <a:solidFill>
-                  <a:schemeClr val="tx1"/>
-                </a:solidFill>
-                <a:latin typeface="+mn-lt"/>
-                <a:ea typeface="+mn-ea"/>
-                <a:cs typeface="+mn-cs"/>
-              </a:defRPr>
-            </a:lvl1pPr>
-            <a:lvl2pPr marL="457200" indent="-182880" algn="l" defTabSz="914400" rtl="0" eaLnBrk="1" latinLnBrk="0" hangingPunct="1">
-              <a:spcBef>
-                <a:spcPct val="20000"/>
-              </a:spcBef>
-              <a:buClr>
-                <a:schemeClr val="tx2"/>
-              </a:buClr>
-              <a:buFont typeface="Arial" pitchFamily="34" charset="0"/>
-              <a:buChar char="•"/>
-              <a:defRPr sz="2000" kern="1200">
-                <a:solidFill>
-                  <a:schemeClr val="tx1"/>
-                </a:solidFill>
-                <a:latin typeface="+mn-lt"/>
-                <a:ea typeface="+mn-ea"/>
-                <a:cs typeface="+mn-cs"/>
-              </a:defRPr>
-            </a:lvl2pPr>
-            <a:lvl3pPr marL="1143000" indent="-228600" algn="l" defTabSz="914400" rtl="0" eaLnBrk="1" latinLnBrk="0" hangingPunct="1">
-              <a:spcBef>
-                <a:spcPct val="20000"/>
-              </a:spcBef>
-              <a:buClr>
-                <a:schemeClr val="tx2"/>
-              </a:buClr>
-              <a:buFont typeface="Arial" pitchFamily="34" charset="0"/>
-              <a:buChar char="•"/>
-              <a:defRPr sz="1800" kern="1200">
-                <a:solidFill>
-                  <a:schemeClr val="tx1"/>
-                </a:solidFill>
-                <a:latin typeface="+mn-lt"/>
-                <a:ea typeface="+mn-ea"/>
-                <a:cs typeface="+mn-cs"/>
-              </a:defRPr>
-            </a:lvl3pPr>
-            <a:lvl4pPr marL="1600200" indent="-228600" algn="l" defTabSz="914400" rtl="0" eaLnBrk="1" latinLnBrk="0" hangingPunct="1">
-              <a:spcBef>
-                <a:spcPct val="20000"/>
-              </a:spcBef>
-              <a:buClr>
-                <a:schemeClr val="tx2"/>
-              </a:buClr>
-              <a:buFont typeface="Arial" pitchFamily="34" charset="0"/>
-              <a:buChar char="•"/>
-              <a:defRPr sz="1800" kern="1200">
-                <a:solidFill>
-                  <a:schemeClr val="tx1"/>
-                </a:solidFill>
-                <a:latin typeface="+mn-lt"/>
-                <a:ea typeface="+mn-ea"/>
-                <a:cs typeface="+mn-cs"/>
-              </a:defRPr>
-            </a:lvl4pPr>
-            <a:lvl5pPr marL="2057400" indent="-228600" algn="l" defTabSz="914400" rtl="0" eaLnBrk="1" latinLnBrk="0" hangingPunct="1">
-              <a:spcBef>
-                <a:spcPct val="20000"/>
-              </a:spcBef>
-              <a:buClr>
-                <a:schemeClr val="tx2"/>
-              </a:buClr>
-              <a:buFont typeface="Arial" pitchFamily="34" charset="0"/>
-              <a:buChar char="•"/>
-              <a:defRPr sz="1800" kern="1200" baseline="0">
-                <a:solidFill>
-                  <a:schemeClr val="tx1"/>
-                </a:solidFill>
-                <a:latin typeface="+mn-lt"/>
-                <a:ea typeface="+mn-ea"/>
-                <a:cs typeface="+mn-cs"/>
-              </a:defRPr>
-            </a:lvl5pPr>
-            <a:lvl6pPr marL="2514600" indent="-228600" algn="l" defTabSz="914400" rtl="0" eaLnBrk="1" latinLnBrk="0" hangingPunct="1">
-              <a:spcBef>
-                <a:spcPct val="20000"/>
-              </a:spcBef>
-              <a:buClr>
-                <a:schemeClr val="tx2"/>
-              </a:buClr>
-              <a:buFont typeface="Arial" pitchFamily="34" charset="0"/>
-              <a:buChar char="•"/>
-              <a:defRPr sz="1600" kern="1200">
-                <a:solidFill>
-                  <a:schemeClr val="tx1"/>
-                </a:solidFill>
-                <a:latin typeface="+mn-lt"/>
-                <a:ea typeface="+mn-ea"/>
-                <a:cs typeface="+mn-cs"/>
-              </a:defRPr>
-            </a:lvl6pPr>
-            <a:lvl7pPr marL="2971800" indent="-228600" algn="l" defTabSz="914400" rtl="0" eaLnBrk="1" latinLnBrk="0" hangingPunct="1">
-              <a:spcBef>
-                <a:spcPct val="20000"/>
-              </a:spcBef>
-              <a:buClr>
-                <a:schemeClr val="tx2"/>
-              </a:buClr>
-              <a:buFont typeface="Arial" pitchFamily="34" charset="0"/>
-              <a:buChar char="•"/>
-              <a:defRPr sz="1600" kern="1200">
-                <a:solidFill>
-                  <a:schemeClr val="tx1"/>
-                </a:solidFill>
-                <a:latin typeface="+mn-lt"/>
-                <a:ea typeface="+mn-ea"/>
-                <a:cs typeface="+mn-cs"/>
-              </a:defRPr>
-            </a:lvl7pPr>
-            <a:lvl8pPr marL="3429000" indent="-228600" algn="l" defTabSz="914400" rtl="0" eaLnBrk="1" latinLnBrk="0" hangingPunct="1">
-              <a:spcBef>
-                <a:spcPct val="20000"/>
-              </a:spcBef>
-              <a:buClr>
-                <a:schemeClr val="tx2"/>
-              </a:buClr>
-              <a:buFont typeface="Arial" pitchFamily="34" charset="0"/>
-              <a:buChar char="•"/>
-              <a:defRPr sz="1600" kern="1200">
-                <a:solidFill>
-                  <a:schemeClr val="tx1"/>
-                </a:solidFill>
-                <a:latin typeface="+mn-lt"/>
-                <a:ea typeface="+mn-ea"/>
-                <a:cs typeface="+mn-cs"/>
-              </a:defRPr>
-            </a:lvl8pPr>
-            <a:lvl9pPr marL="3886200" indent="-228600" algn="l" defTabSz="914400" rtl="0" eaLnBrk="1" latinLnBrk="0" hangingPunct="1">
-              <a:spcBef>
-                <a:spcPct val="20000"/>
-              </a:spcBef>
-              <a:buClr>
-                <a:schemeClr val="tx2"/>
-              </a:buClr>
-              <a:buFont typeface="Arial" pitchFamily="34" charset="0"/>
-              <a:buChar char="•"/>
-              <a:defRPr sz="1600" kern="1200">
-                <a:solidFill>
-                  <a:schemeClr val="tx1"/>
-                </a:solidFill>
-                <a:latin typeface="+mn-lt"/>
-                <a:ea typeface="+mn-ea"/>
-                <a:cs typeface="+mn-cs"/>
-              </a:defRPr>
-            </a:lvl9pPr>
-          </a:lstStyle>
-          <a:p>
-            <a:pPr algn="just"/>
-            <a:r>
-              <a:rPr lang="pt-BR" sz="2800" b="0" dirty="0">
-                <a:latin typeface="Times New Roman" pitchFamily="18" charset="0"/>
-                <a:cs typeface="Times New Roman" pitchFamily="18" charset="0"/>
-              </a:rPr>
-              <a:t>Prover o </a:t>
-            </a:r>
-            <a:r>
-              <a:rPr lang="pt-BR" sz="2800" b="0" dirty="0" err="1">
-                <a:latin typeface="Times New Roman" pitchFamily="18" charset="0"/>
-                <a:cs typeface="Times New Roman" pitchFamily="18" charset="0"/>
-              </a:rPr>
-              <a:t>auth.service</a:t>
-            </a:r>
-            <a:r>
-              <a:rPr lang="pt-BR" sz="2800" b="0" dirty="0">
-                <a:latin typeface="Times New Roman" pitchFamily="18" charset="0"/>
-                <a:cs typeface="Times New Roman" pitchFamily="18" charset="0"/>
-              </a:rPr>
-              <a:t> com o </a:t>
-            </a:r>
-            <a:r>
-              <a:rPr lang="pt-BR" sz="2800" b="0" dirty="0" err="1">
-                <a:latin typeface="Times New Roman" pitchFamily="18" charset="0"/>
-                <a:cs typeface="Times New Roman" pitchFamily="18" charset="0"/>
-              </a:rPr>
-              <a:t>SharedModule.forRoot</a:t>
-            </a:r>
-            <a:r>
-              <a:rPr lang="pt-BR" sz="2800" b="0" dirty="0">
-                <a:latin typeface="Times New Roman" pitchFamily="18" charset="0"/>
-                <a:cs typeface="Times New Roman" pitchFamily="18" charset="0"/>
-              </a:rPr>
-              <a:t>()</a:t>
-            </a:r>
-          </a:p>
-        </p:txBody>
-      </p:sp>
     </p:spTree>
     <p:extLst>
       <p:ext uri="{BB962C8B-B14F-4D97-AF65-F5344CB8AC3E}">
-        <p14:creationId xmlns:p14="http://schemas.microsoft.com/office/powerpoint/2010/main" val="1230074675"/>
+        <p14:creationId xmlns:p14="http://schemas.microsoft.com/office/powerpoint/2010/main" val="4153249095"/>
       </p:ext>
     </p:extLst>
   </p:cSld>
@@ -11463,6 +11286,39 @@
           </a:extLst>
         </p:spPr>
       </p:pic>
+      <p:pic>
+        <p:nvPicPr>
+          <p:cNvPr id="7" name="Espaço Reservado para Conteúdo 6"/>
+          <p:cNvPicPr>
+            <a:picLocks noGrp="1"/>
+          </p:cNvPicPr>
+          <p:nvPr>
+            <p:ph idx="1"/>
+          </p:nvPr>
+        </p:nvPicPr>
+        <p:blipFill rotWithShape="1">
+          <a:blip r:embed="rId3"/>
+          <a:srcRect l="23117" t="48675" r="52531" b="29471"/>
+          <a:stretch/>
+        </p:blipFill>
+        <p:spPr bwMode="auto">
+          <a:xfrm>
+            <a:off x="1224425" y="2852936"/>
+            <a:ext cx="5820834" cy="2952328"/>
+          </a:xfrm>
+          <a:prstGeom prst="rect">
+            <a:avLst/>
+          </a:prstGeom>
+          <a:ln>
+            <a:noFill/>
+          </a:ln>
+          <a:extLst>
+            <a:ext uri="{53640926-AAD7-44D8-BBD7-CCE9431645EC}">
+              <a14:shadowObscured xmlns:a14="http://schemas.microsoft.com/office/drawing/2010/main"/>
+            </a:ext>
+          </a:extLst>
+        </p:spPr>
+      </p:pic>
       <p:sp>
         <p:nvSpPr>
           <p:cNvPr id="8" name="Espaço Reservado para Conteúdo 2"/>
@@ -11655,54 +11511,43 @@
                 <a:latin typeface="Times New Roman" pitchFamily="18" charset="0"/>
                 <a:cs typeface="Times New Roman" pitchFamily="18" charset="0"/>
               </a:rPr>
-              <a:t>Em </a:t>
+              <a:t>Prover o </a:t>
             </a:r>
             <a:r>
               <a:rPr lang="pt-BR" sz="2800" b="0" dirty="0" err="1">
                 <a:latin typeface="Times New Roman" pitchFamily="18" charset="0"/>
                 <a:cs typeface="Times New Roman" pitchFamily="18" charset="0"/>
               </a:rPr>
-              <a:t>NavComponent</a:t>
-            </a:r>
-            <a:endParaRPr lang="pt-BR" sz="2800" b="0" dirty="0">
-              <a:latin typeface="Times New Roman" pitchFamily="18" charset="0"/>
-              <a:cs typeface="Times New Roman" pitchFamily="18" charset="0"/>
-            </a:endParaRPr>
-          </a:p>
-          <a:p>
-            <a:pPr algn="just"/>
+              <a:t>auth.service</a:t>
+            </a:r>
             <a:r>
               <a:rPr lang="pt-BR" sz="2800" b="0" dirty="0">
                 <a:latin typeface="Times New Roman" pitchFamily="18" charset="0"/>
                 <a:cs typeface="Times New Roman" pitchFamily="18" charset="0"/>
               </a:rPr>
-              <a:t>	Controlar a exibição do menu com a variável do usuário </a:t>
-            </a:r>
-            <a:r>
-              <a:rPr lang="pt-BR" sz="2800" b="0" dirty="0" err="1" smtClean="0">
-                <a:latin typeface="Times New Roman" pitchFamily="18" charset="0"/>
-                <a:cs typeface="Times New Roman" pitchFamily="18" charset="0"/>
-              </a:rPr>
-              <a:t>logado</a:t>
-            </a:r>
-            <a:r>
-              <a:rPr lang="pt-BR" sz="2800" b="0" dirty="0" smtClean="0">
-                <a:latin typeface="Times New Roman" pitchFamily="18" charset="0"/>
-                <a:cs typeface="Times New Roman" pitchFamily="18" charset="0"/>
-              </a:rPr>
-              <a:t>.</a:t>
-            </a:r>
-            <a:endParaRPr lang="pt-BR" sz="2800" b="0" dirty="0">
-              <a:latin typeface="Times New Roman" pitchFamily="18" charset="0"/>
-              <a:cs typeface="Times New Roman" pitchFamily="18" charset="0"/>
-            </a:endParaRPr>
+              <a:t> com o </a:t>
+            </a:r>
+            <a:r>
+              <a:rPr lang="pt-BR" sz="2800" b="0" dirty="0" err="1">
+                <a:latin typeface="Times New Roman" pitchFamily="18" charset="0"/>
+                <a:cs typeface="Times New Roman" pitchFamily="18" charset="0"/>
+              </a:rPr>
+              <a:t>SharedModule.forRoot</a:t>
+            </a:r>
+            <a:r>
+              <a:rPr lang="pt-BR" sz="2800" b="0" dirty="0">
+                <a:latin typeface="Times New Roman" pitchFamily="18" charset="0"/>
+                <a:cs typeface="Times New Roman" pitchFamily="18" charset="0"/>
+              </a:rPr>
+              <a:t>()</a:t>
+            </a:r>
           </a:p>
         </p:txBody>
       </p:sp>
     </p:spTree>
     <p:extLst>
       <p:ext uri="{BB962C8B-B14F-4D97-AF65-F5344CB8AC3E}">
-        <p14:creationId xmlns:p14="http://schemas.microsoft.com/office/powerpoint/2010/main" val="2440820"/>
+        <p14:creationId xmlns:p14="http://schemas.microsoft.com/office/powerpoint/2010/main" val="1230074675"/>
       </p:ext>
     </p:extLst>
   </p:cSld>
@@ -11736,39 +11581,350 @@
           <a:chExt cx="0" cy="0"/>
         </a:xfrm>
       </p:grpSpPr>
+      <p:sp>
+        <p:nvSpPr>
+          <p:cNvPr id="2" name="Título 1"/>
+          <p:cNvSpPr>
+            <a:spLocks noGrp="1"/>
+          </p:cNvSpPr>
+          <p:nvPr>
+            <p:ph type="title"/>
+          </p:nvPr>
+        </p:nvSpPr>
+        <p:spPr>
+          <a:xfrm>
+            <a:off x="251519" y="323403"/>
+            <a:ext cx="6840761" cy="903630"/>
+          </a:xfrm>
+        </p:spPr>
+        <p:txBody>
+          <a:bodyPr>
+            <a:noAutofit/>
+          </a:bodyPr>
+          <a:lstStyle/>
+          <a:p>
+            <a:r>
+              <a:rPr lang="pt-BR" sz="2400" b="1" dirty="0"/>
+              <a:t>Implementando o sistema de </a:t>
+            </a:r>
+            <a:r>
+              <a:rPr lang="pt-BR" sz="2400" b="1" dirty="0" err="1"/>
+              <a:t>Login</a:t>
+            </a:r>
+            <a:endParaRPr lang="pt-BR" sz="2400" b="1" dirty="0"/>
+          </a:p>
+        </p:txBody>
+      </p:sp>
+      <p:cxnSp>
+        <p:nvCxnSpPr>
+          <p:cNvPr id="5" name="Conector reto 4"/>
+          <p:cNvCxnSpPr/>
+          <p:nvPr/>
+        </p:nvCxnSpPr>
+        <p:spPr>
+          <a:xfrm>
+            <a:off x="251520" y="1340768"/>
+            <a:ext cx="6480720" cy="0"/>
+          </a:xfrm>
+          <a:prstGeom prst="line">
+            <a:avLst/>
+          </a:prstGeom>
+          <a:ln/>
+        </p:spPr>
+        <p:style>
+          <a:lnRef idx="2">
+            <a:schemeClr val="accent5"/>
+          </a:lnRef>
+          <a:fillRef idx="0">
+            <a:schemeClr val="accent5"/>
+          </a:fillRef>
+          <a:effectRef idx="1">
+            <a:schemeClr val="accent5"/>
+          </a:effectRef>
+          <a:fontRef idx="minor">
+            <a:schemeClr val="tx1"/>
+          </a:fontRef>
+        </p:style>
+      </p:cxnSp>
       <p:pic>
         <p:nvPicPr>
-          <p:cNvPr id="2" name="Imagem 1"/>
-          <p:cNvPicPr/>
+          <p:cNvPr id="6" name="Picture 7" descr="Angular-Logo-PNG-Image.png"/>
+          <p:cNvPicPr>
+            <a:picLocks noChangeAspect="1" noChangeArrowheads="1"/>
+          </p:cNvPicPr>
           <p:nvPr/>
         </p:nvPicPr>
         <p:blipFill rotWithShape="1">
-          <a:blip r:embed="rId2"/>
-          <a:srcRect l="22940" t="2981" r="43002" b="36424"/>
+          <a:blip r:embed="rId2" cstate="print">
+            <a:extLst>
+              <a:ext uri="{28A0092B-C50C-407E-A947-70E740481C1C}">
+                <a14:useLocalDpi xmlns:a14="http://schemas.microsoft.com/office/drawing/2010/main" val="0"/>
+              </a:ext>
+            </a:extLst>
+          </a:blip>
+          <a:srcRect l="2299" t="36731" r="73370" b="36781"/>
           <a:stretch/>
         </p:blipFill>
         <p:spPr bwMode="auto">
           <a:xfrm>
-            <a:off x="683568" y="548680"/>
-            <a:ext cx="7704856" cy="5760640"/>
+            <a:off x="7156265" y="160338"/>
+            <a:ext cx="1317026" cy="1433826"/>
           </a:xfrm>
           <a:prstGeom prst="rect">
             <a:avLst/>
           </a:prstGeom>
-          <a:ln>
-            <a:noFill/>
-          </a:ln>
+          <a:noFill/>
           <a:extLst>
-            <a:ext uri="{53640926-AAD7-44D8-BBD7-CCE9431645EC}">
-              <a14:shadowObscured xmlns:a14="http://schemas.microsoft.com/office/drawing/2010/main"/>
+            <a:ext uri="{909E8E84-426E-40DD-AFC4-6F175D3DCCD1}">
+              <a14:hiddenFill xmlns:a14="http://schemas.microsoft.com/office/drawing/2010/main">
+                <a:solidFill>
+                  <a:srgbClr val="FFFFFF"/>
+                </a:solidFill>
+              </a14:hiddenFill>
             </a:ext>
           </a:extLst>
         </p:spPr>
       </p:pic>
+      <p:sp>
+        <p:nvSpPr>
+          <p:cNvPr id="8" name="Espaço Reservado para Conteúdo 2"/>
+          <p:cNvSpPr txBox="1">
+            <a:spLocks/>
+          </p:cNvSpPr>
+          <p:nvPr/>
+        </p:nvSpPr>
+        <p:spPr>
+          <a:xfrm>
+            <a:off x="467544" y="2132856"/>
+            <a:ext cx="7848872" cy="3960440"/>
+          </a:xfrm>
+          <a:prstGeom prst="rect">
+            <a:avLst/>
+          </a:prstGeom>
+        </p:spPr>
+        <p:txBody>
+          <a:bodyPr vert="horz" lIns="91440" tIns="45720" rIns="91440" bIns="45720" rtlCol="0">
+            <a:noAutofit/>
+          </a:bodyPr>
+          <a:lstStyle>
+            <a:lvl1pPr marL="0" indent="0" algn="l" defTabSz="914400" rtl="0" eaLnBrk="1" latinLnBrk="0" hangingPunct="1">
+              <a:spcBef>
+                <a:spcPct val="20000"/>
+              </a:spcBef>
+              <a:spcAft>
+                <a:spcPts val="600"/>
+              </a:spcAft>
+              <a:buFont typeface="Arial" pitchFamily="34" charset="0"/>
+              <a:buNone/>
+              <a:defRPr sz="2000" b="1" kern="1200">
+                <a:solidFill>
+                  <a:schemeClr val="tx1"/>
+                </a:solidFill>
+                <a:latin typeface="+mn-lt"/>
+                <a:ea typeface="+mn-ea"/>
+                <a:cs typeface="+mn-cs"/>
+              </a:defRPr>
+            </a:lvl1pPr>
+            <a:lvl2pPr marL="457200" indent="-182880" algn="l" defTabSz="914400" rtl="0" eaLnBrk="1" latinLnBrk="0" hangingPunct="1">
+              <a:spcBef>
+                <a:spcPct val="20000"/>
+              </a:spcBef>
+              <a:buClr>
+                <a:schemeClr val="tx2"/>
+              </a:buClr>
+              <a:buFont typeface="Arial" pitchFamily="34" charset="0"/>
+              <a:buChar char="•"/>
+              <a:defRPr sz="2000" kern="1200">
+                <a:solidFill>
+                  <a:schemeClr val="tx1"/>
+                </a:solidFill>
+                <a:latin typeface="+mn-lt"/>
+                <a:ea typeface="+mn-ea"/>
+                <a:cs typeface="+mn-cs"/>
+              </a:defRPr>
+            </a:lvl2pPr>
+            <a:lvl3pPr marL="1143000" indent="-228600" algn="l" defTabSz="914400" rtl="0" eaLnBrk="1" latinLnBrk="0" hangingPunct="1">
+              <a:spcBef>
+                <a:spcPct val="20000"/>
+              </a:spcBef>
+              <a:buClr>
+                <a:schemeClr val="tx2"/>
+              </a:buClr>
+              <a:buFont typeface="Arial" pitchFamily="34" charset="0"/>
+              <a:buChar char="•"/>
+              <a:defRPr sz="1800" kern="1200">
+                <a:solidFill>
+                  <a:schemeClr val="tx1"/>
+                </a:solidFill>
+                <a:latin typeface="+mn-lt"/>
+                <a:ea typeface="+mn-ea"/>
+                <a:cs typeface="+mn-cs"/>
+              </a:defRPr>
+            </a:lvl3pPr>
+            <a:lvl4pPr marL="1600200" indent="-228600" algn="l" defTabSz="914400" rtl="0" eaLnBrk="1" latinLnBrk="0" hangingPunct="1">
+              <a:spcBef>
+                <a:spcPct val="20000"/>
+              </a:spcBef>
+              <a:buClr>
+                <a:schemeClr val="tx2"/>
+              </a:buClr>
+              <a:buFont typeface="Arial" pitchFamily="34" charset="0"/>
+              <a:buChar char="•"/>
+              <a:defRPr sz="1800" kern="1200">
+                <a:solidFill>
+                  <a:schemeClr val="tx1"/>
+                </a:solidFill>
+                <a:latin typeface="+mn-lt"/>
+                <a:ea typeface="+mn-ea"/>
+                <a:cs typeface="+mn-cs"/>
+              </a:defRPr>
+            </a:lvl4pPr>
+            <a:lvl5pPr marL="2057400" indent="-228600" algn="l" defTabSz="914400" rtl="0" eaLnBrk="1" latinLnBrk="0" hangingPunct="1">
+              <a:spcBef>
+                <a:spcPct val="20000"/>
+              </a:spcBef>
+              <a:buClr>
+                <a:schemeClr val="tx2"/>
+              </a:buClr>
+              <a:buFont typeface="Arial" pitchFamily="34" charset="0"/>
+              <a:buChar char="•"/>
+              <a:defRPr sz="1800" kern="1200" baseline="0">
+                <a:solidFill>
+                  <a:schemeClr val="tx1"/>
+                </a:solidFill>
+                <a:latin typeface="+mn-lt"/>
+                <a:ea typeface="+mn-ea"/>
+                <a:cs typeface="+mn-cs"/>
+              </a:defRPr>
+            </a:lvl5pPr>
+            <a:lvl6pPr marL="2514600" indent="-228600" algn="l" defTabSz="914400" rtl="0" eaLnBrk="1" latinLnBrk="0" hangingPunct="1">
+              <a:spcBef>
+                <a:spcPct val="20000"/>
+              </a:spcBef>
+              <a:buClr>
+                <a:schemeClr val="tx2"/>
+              </a:buClr>
+              <a:buFont typeface="Arial" pitchFamily="34" charset="0"/>
+              <a:buChar char="•"/>
+              <a:defRPr sz="1600" kern="1200">
+                <a:solidFill>
+                  <a:schemeClr val="tx1"/>
+                </a:solidFill>
+                <a:latin typeface="+mn-lt"/>
+                <a:ea typeface="+mn-ea"/>
+                <a:cs typeface="+mn-cs"/>
+              </a:defRPr>
+            </a:lvl6pPr>
+            <a:lvl7pPr marL="2971800" indent="-228600" algn="l" defTabSz="914400" rtl="0" eaLnBrk="1" latinLnBrk="0" hangingPunct="1">
+              <a:spcBef>
+                <a:spcPct val="20000"/>
+              </a:spcBef>
+              <a:buClr>
+                <a:schemeClr val="tx2"/>
+              </a:buClr>
+              <a:buFont typeface="Arial" pitchFamily="34" charset="0"/>
+              <a:buChar char="•"/>
+              <a:defRPr sz="1600" kern="1200">
+                <a:solidFill>
+                  <a:schemeClr val="tx1"/>
+                </a:solidFill>
+                <a:latin typeface="+mn-lt"/>
+                <a:ea typeface="+mn-ea"/>
+                <a:cs typeface="+mn-cs"/>
+              </a:defRPr>
+            </a:lvl7pPr>
+            <a:lvl8pPr marL="3429000" indent="-228600" algn="l" defTabSz="914400" rtl="0" eaLnBrk="1" latinLnBrk="0" hangingPunct="1">
+              <a:spcBef>
+                <a:spcPct val="20000"/>
+              </a:spcBef>
+              <a:buClr>
+                <a:schemeClr val="tx2"/>
+              </a:buClr>
+              <a:buFont typeface="Arial" pitchFamily="34" charset="0"/>
+              <a:buChar char="•"/>
+              <a:defRPr sz="1600" kern="1200">
+                <a:solidFill>
+                  <a:schemeClr val="tx1"/>
+                </a:solidFill>
+                <a:latin typeface="+mn-lt"/>
+                <a:ea typeface="+mn-ea"/>
+                <a:cs typeface="+mn-cs"/>
+              </a:defRPr>
+            </a:lvl8pPr>
+            <a:lvl9pPr marL="3886200" indent="-228600" algn="l" defTabSz="914400" rtl="0" eaLnBrk="1" latinLnBrk="0" hangingPunct="1">
+              <a:spcBef>
+                <a:spcPct val="20000"/>
+              </a:spcBef>
+              <a:buClr>
+                <a:schemeClr val="tx2"/>
+              </a:buClr>
+              <a:buFont typeface="Arial" pitchFamily="34" charset="0"/>
+              <a:buChar char="•"/>
+              <a:defRPr sz="1600" kern="1200">
+                <a:solidFill>
+                  <a:schemeClr val="tx1"/>
+                </a:solidFill>
+                <a:latin typeface="+mn-lt"/>
+                <a:ea typeface="+mn-ea"/>
+                <a:cs typeface="+mn-cs"/>
+              </a:defRPr>
+            </a:lvl9pPr>
+          </a:lstStyle>
+          <a:p>
+            <a:pPr algn="just"/>
+            <a:r>
+              <a:rPr lang="pt-BR" sz="2800" b="0" dirty="0">
+                <a:latin typeface="Times New Roman" pitchFamily="18" charset="0"/>
+                <a:cs typeface="Times New Roman" pitchFamily="18" charset="0"/>
+              </a:rPr>
+              <a:t>Em </a:t>
+            </a:r>
+            <a:r>
+              <a:rPr lang="pt-BR" sz="2800" b="0" dirty="0" err="1">
+                <a:latin typeface="Times New Roman" pitchFamily="18" charset="0"/>
+                <a:cs typeface="Times New Roman" pitchFamily="18" charset="0"/>
+              </a:rPr>
+              <a:t>NavComponent</a:t>
+            </a:r>
+            <a:endParaRPr lang="pt-BR" sz="2800" b="0" dirty="0">
+              <a:latin typeface="Times New Roman" pitchFamily="18" charset="0"/>
+              <a:cs typeface="Times New Roman" pitchFamily="18" charset="0"/>
+            </a:endParaRPr>
+          </a:p>
+          <a:p>
+            <a:pPr algn="just"/>
+            <a:r>
+              <a:rPr lang="pt-BR" sz="2800" b="0" dirty="0">
+                <a:latin typeface="Times New Roman" pitchFamily="18" charset="0"/>
+                <a:cs typeface="Times New Roman" pitchFamily="18" charset="0"/>
+              </a:rPr>
+              <a:t>	Controlar a exibição do menu com a variável do usuário </a:t>
+            </a:r>
+            <a:r>
+              <a:rPr lang="pt-BR" sz="2800" b="0" dirty="0" err="1" smtClean="0">
+                <a:latin typeface="Times New Roman" pitchFamily="18" charset="0"/>
+                <a:cs typeface="Times New Roman" pitchFamily="18" charset="0"/>
+              </a:rPr>
+              <a:t>logado</a:t>
+            </a:r>
+            <a:r>
+              <a:rPr lang="pt-BR" sz="2800" b="0" dirty="0" smtClean="0">
+                <a:latin typeface="Times New Roman" pitchFamily="18" charset="0"/>
+                <a:cs typeface="Times New Roman" pitchFamily="18" charset="0"/>
+              </a:rPr>
+              <a:t>.</a:t>
+            </a:r>
+            <a:endParaRPr lang="pt-BR" sz="2800" b="0" dirty="0">
+              <a:latin typeface="Times New Roman" pitchFamily="18" charset="0"/>
+              <a:cs typeface="Times New Roman" pitchFamily="18" charset="0"/>
+            </a:endParaRPr>
+          </a:p>
+        </p:txBody>
+      </p:sp>
     </p:spTree>
     <p:extLst>
       <p:ext uri="{BB962C8B-B14F-4D97-AF65-F5344CB8AC3E}">
-        <p14:creationId xmlns:p14="http://schemas.microsoft.com/office/powerpoint/2010/main" val="2194641419"/>
+        <p14:creationId xmlns:p14="http://schemas.microsoft.com/office/powerpoint/2010/main" val="2440820"/>
       </p:ext>
     </p:extLst>
   </p:cSld>
@@ -11810,6 +11966,72 @@
         </p:nvPicPr>
         <p:blipFill rotWithShape="1">
           <a:blip r:embed="rId2"/>
+          <a:srcRect l="22940" t="2981" r="43002" b="36424"/>
+          <a:stretch/>
+        </p:blipFill>
+        <p:spPr bwMode="auto">
+          <a:xfrm>
+            <a:off x="683568" y="548680"/>
+            <a:ext cx="7704856" cy="5760640"/>
+          </a:xfrm>
+          <a:prstGeom prst="rect">
+            <a:avLst/>
+          </a:prstGeom>
+          <a:ln>
+            <a:noFill/>
+          </a:ln>
+          <a:extLst>
+            <a:ext uri="{53640926-AAD7-44D8-BBD7-CCE9431645EC}">
+              <a14:shadowObscured xmlns:a14="http://schemas.microsoft.com/office/drawing/2010/main"/>
+            </a:ext>
+          </a:extLst>
+        </p:spPr>
+      </p:pic>
+    </p:spTree>
+    <p:extLst>
+      <p:ext uri="{BB962C8B-B14F-4D97-AF65-F5344CB8AC3E}">
+        <p14:creationId xmlns:p14="http://schemas.microsoft.com/office/powerpoint/2010/main" val="2194641419"/>
+      </p:ext>
+    </p:extLst>
+  </p:cSld>
+  <p:clrMapOvr>
+    <a:masterClrMapping/>
+  </p:clrMapOvr>
+  <p:timing>
+    <p:tnLst>
+      <p:par>
+        <p:cTn id="1" dur="indefinite" restart="never" nodeType="tmRoot"/>
+      </p:par>
+    </p:tnLst>
+  </p:timing>
+</p:sld>
+</file>
+
+<file path=ppt/slides/slide35.xml><?xml version="1.0" encoding="utf-8"?>
+<p:sld xmlns:a="http://schemas.openxmlformats.org/drawingml/2006/main" xmlns:r="http://schemas.openxmlformats.org/officeDocument/2006/relationships" xmlns:p="http://schemas.openxmlformats.org/presentationml/2006/main">
+  <p:cSld>
+    <p:spTree>
+      <p:nvGrpSpPr>
+        <p:cNvPr id="1" name=""/>
+        <p:cNvGrpSpPr/>
+        <p:nvPr/>
+      </p:nvGrpSpPr>
+      <p:grpSpPr>
+        <a:xfrm>
+          <a:off x="0" y="0"/>
+          <a:ext cx="0" cy="0"/>
+          <a:chOff x="0" y="0"/>
+          <a:chExt cx="0" cy="0"/>
+        </a:xfrm>
+      </p:grpSpPr>
+      <p:pic>
+        <p:nvPicPr>
+          <p:cNvPr id="2" name="Imagem 1"/>
+          <p:cNvPicPr/>
+          <p:nvPr/>
+        </p:nvPicPr>
+        <p:blipFill rotWithShape="1">
+          <a:blip r:embed="rId2"/>
           <a:srcRect l="22588" t="3643" r="16708" b="51324"/>
           <a:stretch/>
         </p:blipFill>
@@ -11897,7 +12119,7 @@
 </p:sld>
 </file>
 
-<file path=ppt/slides/slide35.xml><?xml version="1.0" encoding="utf-8"?>
+<file path=ppt/slides/slide36.xml><?xml version="1.0" encoding="utf-8"?>
 <p:sld xmlns:a="http://schemas.openxmlformats.org/drawingml/2006/main" xmlns:r="http://schemas.openxmlformats.org/officeDocument/2006/relationships" xmlns:p="http://schemas.openxmlformats.org/presentationml/2006/main">
   <p:cSld>
     <p:spTree>
@@ -12388,7 +12610,7 @@
 </p:sld>
 </file>
 
-<file path=ppt/slides/slide36.xml><?xml version="1.0" encoding="utf-8"?>
+<file path=ppt/slides/slide37.xml><?xml version="1.0" encoding="utf-8"?>
 <p:sld xmlns:a="http://schemas.openxmlformats.org/drawingml/2006/main" xmlns:r="http://schemas.openxmlformats.org/officeDocument/2006/relationships" xmlns:p="http://schemas.openxmlformats.org/presentationml/2006/main">
   <p:cSld>
     <p:spTree>
@@ -12788,480 +13010,6 @@
     <p:extLst>
       <p:ext uri="{BB962C8B-B14F-4D97-AF65-F5344CB8AC3E}">
         <p14:creationId xmlns:p14="http://schemas.microsoft.com/office/powerpoint/2010/main" val="1576344041"/>
-      </p:ext>
-    </p:extLst>
-  </p:cSld>
-  <p:clrMapOvr>
-    <a:masterClrMapping/>
-  </p:clrMapOvr>
-  <p:timing>
-    <p:tnLst>
-      <p:par>
-        <p:cTn id="1" dur="indefinite" restart="never" nodeType="tmRoot"/>
-      </p:par>
-    </p:tnLst>
-  </p:timing>
-</p:sld>
-</file>
-
-<file path=ppt/slides/slide37.xml><?xml version="1.0" encoding="utf-8"?>
-<p:sld xmlns:a="http://schemas.openxmlformats.org/drawingml/2006/main" xmlns:r="http://schemas.openxmlformats.org/officeDocument/2006/relationships" xmlns:p="http://schemas.openxmlformats.org/presentationml/2006/main">
-  <p:cSld>
-    <p:spTree>
-      <p:nvGrpSpPr>
-        <p:cNvPr id="1" name=""/>
-        <p:cNvGrpSpPr/>
-        <p:nvPr/>
-      </p:nvGrpSpPr>
-      <p:grpSpPr>
-        <a:xfrm>
-          <a:off x="0" y="0"/>
-          <a:ext cx="0" cy="0"/>
-          <a:chOff x="0" y="0"/>
-          <a:chExt cx="0" cy="0"/>
-        </a:xfrm>
-      </p:grpSpPr>
-      <p:sp>
-        <p:nvSpPr>
-          <p:cNvPr id="2" name="Título 1"/>
-          <p:cNvSpPr>
-            <a:spLocks noGrp="1"/>
-          </p:cNvSpPr>
-          <p:nvPr>
-            <p:ph type="title"/>
-          </p:nvPr>
-        </p:nvSpPr>
-        <p:spPr>
-          <a:xfrm>
-            <a:off x="251519" y="323403"/>
-            <a:ext cx="6840761" cy="903630"/>
-          </a:xfrm>
-        </p:spPr>
-        <p:txBody>
-          <a:bodyPr>
-            <a:noAutofit/>
-          </a:bodyPr>
-          <a:lstStyle/>
-          <a:p>
-            <a:pPr algn="ctr"/>
-            <a:r>
-              <a:rPr lang="pt-BR" sz="2800" b="1" dirty="0" smtClean="0"/>
-              <a:t>UM </a:t>
-            </a:r>
-            <a:r>
-              <a:rPr lang="pt-BR" sz="2800" b="1" dirty="0"/>
-              <a:t>SERVIÇO DE MENSAGEM </a:t>
-            </a:r>
-            <a:r>
-              <a:rPr lang="pt-BR" sz="2800" b="1" dirty="0" smtClean="0"/>
-              <a:t/>
-            </a:r>
-            <a:br>
-              <a:rPr lang="pt-BR" sz="2800" b="1" dirty="0" smtClean="0"/>
-            </a:br>
-            <a:r>
-              <a:rPr lang="pt-BR" sz="2800" b="1" dirty="0" smtClean="0"/>
-              <a:t>COM </a:t>
-            </a:r>
-            <a:r>
-              <a:rPr lang="pt-BR" sz="2800" b="1" dirty="0"/>
-              <a:t>GROWL</a:t>
-            </a:r>
-          </a:p>
-        </p:txBody>
-      </p:sp>
-      <p:cxnSp>
-        <p:nvCxnSpPr>
-          <p:cNvPr id="5" name="Conector reto 4"/>
-          <p:cNvCxnSpPr/>
-          <p:nvPr/>
-        </p:nvCxnSpPr>
-        <p:spPr>
-          <a:xfrm>
-            <a:off x="251520" y="1340768"/>
-            <a:ext cx="6480720" cy="0"/>
-          </a:xfrm>
-          <a:prstGeom prst="line">
-            <a:avLst/>
-          </a:prstGeom>
-          <a:ln/>
-        </p:spPr>
-        <p:style>
-          <a:lnRef idx="2">
-            <a:schemeClr val="accent5"/>
-          </a:lnRef>
-          <a:fillRef idx="0">
-            <a:schemeClr val="accent5"/>
-          </a:fillRef>
-          <a:effectRef idx="1">
-            <a:schemeClr val="accent5"/>
-          </a:effectRef>
-          <a:fontRef idx="minor">
-            <a:schemeClr val="tx1"/>
-          </a:fontRef>
-        </p:style>
-      </p:cxnSp>
-      <p:pic>
-        <p:nvPicPr>
-          <p:cNvPr id="6" name="Picture 7" descr="Angular-Logo-PNG-Image.png"/>
-          <p:cNvPicPr>
-            <a:picLocks noChangeAspect="1" noChangeArrowheads="1"/>
-          </p:cNvPicPr>
-          <p:nvPr/>
-        </p:nvPicPr>
-        <p:blipFill rotWithShape="1">
-          <a:blip r:embed="rId2" cstate="print">
-            <a:extLst>
-              <a:ext uri="{28A0092B-C50C-407E-A947-70E740481C1C}">
-                <a14:useLocalDpi xmlns:a14="http://schemas.microsoft.com/office/drawing/2010/main" val="0"/>
-              </a:ext>
-            </a:extLst>
-          </a:blip>
-          <a:srcRect l="2299" t="36731" r="73370" b="36781"/>
-          <a:stretch/>
-        </p:blipFill>
-        <p:spPr bwMode="auto">
-          <a:xfrm>
-            <a:off x="7156265" y="160338"/>
-            <a:ext cx="1317026" cy="1433826"/>
-          </a:xfrm>
-          <a:prstGeom prst="rect">
-            <a:avLst/>
-          </a:prstGeom>
-          <a:noFill/>
-          <a:extLst>
-            <a:ext uri="{909E8E84-426E-40DD-AFC4-6F175D3DCCD1}">
-              <a14:hiddenFill xmlns:a14="http://schemas.microsoft.com/office/drawing/2010/main">
-                <a:solidFill>
-                  <a:srgbClr val="FFFFFF"/>
-                </a:solidFill>
-              </a14:hiddenFill>
-            </a:ext>
-          </a:extLst>
-        </p:spPr>
-      </p:pic>
-      <p:sp>
-        <p:nvSpPr>
-          <p:cNvPr id="8" name="Espaço Reservado para Conteúdo 2"/>
-          <p:cNvSpPr txBox="1">
-            <a:spLocks/>
-          </p:cNvSpPr>
-          <p:nvPr/>
-        </p:nvSpPr>
-        <p:spPr>
-          <a:xfrm>
-            <a:off x="467543" y="2132856"/>
-            <a:ext cx="8005747" cy="3960440"/>
-          </a:xfrm>
-          <a:prstGeom prst="rect">
-            <a:avLst/>
-          </a:prstGeom>
-        </p:spPr>
-        <p:txBody>
-          <a:bodyPr vert="horz" lIns="91440" tIns="45720" rIns="91440" bIns="45720" rtlCol="0">
-            <a:noAutofit/>
-          </a:bodyPr>
-          <a:lstStyle>
-            <a:lvl1pPr marL="0" indent="0" algn="l" defTabSz="914400" rtl="0" eaLnBrk="1" latinLnBrk="0" hangingPunct="1">
-              <a:spcBef>
-                <a:spcPct val="20000"/>
-              </a:spcBef>
-              <a:spcAft>
-                <a:spcPts val="600"/>
-              </a:spcAft>
-              <a:buFont typeface="Arial" pitchFamily="34" charset="0"/>
-              <a:buNone/>
-              <a:defRPr sz="2000" b="1" kern="1200">
-                <a:solidFill>
-                  <a:schemeClr val="tx1"/>
-                </a:solidFill>
-                <a:latin typeface="+mn-lt"/>
-                <a:ea typeface="+mn-ea"/>
-                <a:cs typeface="+mn-cs"/>
-              </a:defRPr>
-            </a:lvl1pPr>
-            <a:lvl2pPr marL="457200" indent="-182880" algn="l" defTabSz="914400" rtl="0" eaLnBrk="1" latinLnBrk="0" hangingPunct="1">
-              <a:spcBef>
-                <a:spcPct val="20000"/>
-              </a:spcBef>
-              <a:buClr>
-                <a:schemeClr val="tx2"/>
-              </a:buClr>
-              <a:buFont typeface="Arial" pitchFamily="34" charset="0"/>
-              <a:buChar char="•"/>
-              <a:defRPr sz="2000" kern="1200">
-                <a:solidFill>
-                  <a:schemeClr val="tx1"/>
-                </a:solidFill>
-                <a:latin typeface="+mn-lt"/>
-                <a:ea typeface="+mn-ea"/>
-                <a:cs typeface="+mn-cs"/>
-              </a:defRPr>
-            </a:lvl2pPr>
-            <a:lvl3pPr marL="1143000" indent="-228600" algn="l" defTabSz="914400" rtl="0" eaLnBrk="1" latinLnBrk="0" hangingPunct="1">
-              <a:spcBef>
-                <a:spcPct val="20000"/>
-              </a:spcBef>
-              <a:buClr>
-                <a:schemeClr val="tx2"/>
-              </a:buClr>
-              <a:buFont typeface="Arial" pitchFamily="34" charset="0"/>
-              <a:buChar char="•"/>
-              <a:defRPr sz="1800" kern="1200">
-                <a:solidFill>
-                  <a:schemeClr val="tx1"/>
-                </a:solidFill>
-                <a:latin typeface="+mn-lt"/>
-                <a:ea typeface="+mn-ea"/>
-                <a:cs typeface="+mn-cs"/>
-              </a:defRPr>
-            </a:lvl3pPr>
-            <a:lvl4pPr marL="1600200" indent="-228600" algn="l" defTabSz="914400" rtl="0" eaLnBrk="1" latinLnBrk="0" hangingPunct="1">
-              <a:spcBef>
-                <a:spcPct val="20000"/>
-              </a:spcBef>
-              <a:buClr>
-                <a:schemeClr val="tx2"/>
-              </a:buClr>
-              <a:buFont typeface="Arial" pitchFamily="34" charset="0"/>
-              <a:buChar char="•"/>
-              <a:defRPr sz="1800" kern="1200">
-                <a:solidFill>
-                  <a:schemeClr val="tx1"/>
-                </a:solidFill>
-                <a:latin typeface="+mn-lt"/>
-                <a:ea typeface="+mn-ea"/>
-                <a:cs typeface="+mn-cs"/>
-              </a:defRPr>
-            </a:lvl4pPr>
-            <a:lvl5pPr marL="2057400" indent="-228600" algn="l" defTabSz="914400" rtl="0" eaLnBrk="1" latinLnBrk="0" hangingPunct="1">
-              <a:spcBef>
-                <a:spcPct val="20000"/>
-              </a:spcBef>
-              <a:buClr>
-                <a:schemeClr val="tx2"/>
-              </a:buClr>
-              <a:buFont typeface="Arial" pitchFamily="34" charset="0"/>
-              <a:buChar char="•"/>
-              <a:defRPr sz="1800" kern="1200" baseline="0">
-                <a:solidFill>
-                  <a:schemeClr val="tx1"/>
-                </a:solidFill>
-                <a:latin typeface="+mn-lt"/>
-                <a:ea typeface="+mn-ea"/>
-                <a:cs typeface="+mn-cs"/>
-              </a:defRPr>
-            </a:lvl5pPr>
-            <a:lvl6pPr marL="2514600" indent="-228600" algn="l" defTabSz="914400" rtl="0" eaLnBrk="1" latinLnBrk="0" hangingPunct="1">
-              <a:spcBef>
-                <a:spcPct val="20000"/>
-              </a:spcBef>
-              <a:buClr>
-                <a:schemeClr val="tx2"/>
-              </a:buClr>
-              <a:buFont typeface="Arial" pitchFamily="34" charset="0"/>
-              <a:buChar char="•"/>
-              <a:defRPr sz="1600" kern="1200">
-                <a:solidFill>
-                  <a:schemeClr val="tx1"/>
-                </a:solidFill>
-                <a:latin typeface="+mn-lt"/>
-                <a:ea typeface="+mn-ea"/>
-                <a:cs typeface="+mn-cs"/>
-              </a:defRPr>
-            </a:lvl6pPr>
-            <a:lvl7pPr marL="2971800" indent="-228600" algn="l" defTabSz="914400" rtl="0" eaLnBrk="1" latinLnBrk="0" hangingPunct="1">
-              <a:spcBef>
-                <a:spcPct val="20000"/>
-              </a:spcBef>
-              <a:buClr>
-                <a:schemeClr val="tx2"/>
-              </a:buClr>
-              <a:buFont typeface="Arial" pitchFamily="34" charset="0"/>
-              <a:buChar char="•"/>
-              <a:defRPr sz="1600" kern="1200">
-                <a:solidFill>
-                  <a:schemeClr val="tx1"/>
-                </a:solidFill>
-                <a:latin typeface="+mn-lt"/>
-                <a:ea typeface="+mn-ea"/>
-                <a:cs typeface="+mn-cs"/>
-              </a:defRPr>
-            </a:lvl7pPr>
-            <a:lvl8pPr marL="3429000" indent="-228600" algn="l" defTabSz="914400" rtl="0" eaLnBrk="1" latinLnBrk="0" hangingPunct="1">
-              <a:spcBef>
-                <a:spcPct val="20000"/>
-              </a:spcBef>
-              <a:buClr>
-                <a:schemeClr val="tx2"/>
-              </a:buClr>
-              <a:buFont typeface="Arial" pitchFamily="34" charset="0"/>
-              <a:buChar char="•"/>
-              <a:defRPr sz="1600" kern="1200">
-                <a:solidFill>
-                  <a:schemeClr val="tx1"/>
-                </a:solidFill>
-                <a:latin typeface="+mn-lt"/>
-                <a:ea typeface="+mn-ea"/>
-                <a:cs typeface="+mn-cs"/>
-              </a:defRPr>
-            </a:lvl8pPr>
-            <a:lvl9pPr marL="3886200" indent="-228600" algn="l" defTabSz="914400" rtl="0" eaLnBrk="1" latinLnBrk="0" hangingPunct="1">
-              <a:spcBef>
-                <a:spcPct val="20000"/>
-              </a:spcBef>
-              <a:buClr>
-                <a:schemeClr val="tx2"/>
-              </a:buClr>
-              <a:buFont typeface="Arial" pitchFamily="34" charset="0"/>
-              <a:buChar char="•"/>
-              <a:defRPr sz="1600" kern="1200">
-                <a:solidFill>
-                  <a:schemeClr val="tx1"/>
-                </a:solidFill>
-                <a:latin typeface="+mn-lt"/>
-                <a:ea typeface="+mn-ea"/>
-                <a:cs typeface="+mn-cs"/>
-              </a:defRPr>
-            </a:lvl9pPr>
-          </a:lstStyle>
-          <a:p>
-            <a:pPr algn="just"/>
-            <a:r>
-              <a:rPr lang="pt-BR" sz="2800" dirty="0">
-                <a:latin typeface="Times New Roman" pitchFamily="18" charset="0"/>
-                <a:cs typeface="Times New Roman" pitchFamily="18" charset="0"/>
-              </a:rPr>
-              <a:t>1° Passo:</a:t>
-            </a:r>
-          </a:p>
-          <a:p>
-            <a:pPr lvl="0" algn="just"/>
-            <a:r>
-              <a:rPr lang="pt-BR" sz="2800" b="0" dirty="0">
-                <a:latin typeface="Times New Roman" pitchFamily="18" charset="0"/>
-                <a:cs typeface="Times New Roman" pitchFamily="18" charset="0"/>
-              </a:rPr>
-              <a:t>Importar e exportar no </a:t>
-            </a:r>
-            <a:r>
-              <a:rPr lang="pt-BR" sz="2800" b="0" dirty="0" err="1">
-                <a:latin typeface="Times New Roman" pitchFamily="18" charset="0"/>
-                <a:cs typeface="Times New Roman" pitchFamily="18" charset="0"/>
-              </a:rPr>
-              <a:t>SharedModule</a:t>
-            </a:r>
-            <a:r>
-              <a:rPr lang="pt-BR" sz="2800" b="0" dirty="0">
-                <a:latin typeface="Times New Roman" pitchFamily="18" charset="0"/>
-                <a:cs typeface="Times New Roman" pitchFamily="18" charset="0"/>
-              </a:rPr>
-              <a:t> o </a:t>
-            </a:r>
-            <a:r>
-              <a:rPr lang="pt-BR" sz="2800" b="0" dirty="0" err="1">
-                <a:latin typeface="Times New Roman" pitchFamily="18" charset="0"/>
-                <a:cs typeface="Times New Roman" pitchFamily="18" charset="0"/>
-              </a:rPr>
-              <a:t>GrowlModule</a:t>
-            </a:r>
-            <a:r>
-              <a:rPr lang="pt-BR" sz="2800" b="0" dirty="0">
-                <a:latin typeface="Times New Roman" pitchFamily="18" charset="0"/>
-                <a:cs typeface="Times New Roman" pitchFamily="18" charset="0"/>
-              </a:rPr>
-              <a:t> para que possamos </a:t>
-            </a:r>
-            <a:r>
-              <a:rPr lang="pt-BR" sz="2800" b="0" dirty="0" smtClean="0">
-                <a:latin typeface="Times New Roman" pitchFamily="18" charset="0"/>
-                <a:cs typeface="Times New Roman" pitchFamily="18" charset="0"/>
-              </a:rPr>
-              <a:t>utilizá-lo. </a:t>
-            </a:r>
-          </a:p>
-          <a:p>
-            <a:pPr lvl="0" algn="just"/>
-            <a:endParaRPr lang="pt-BR" sz="2800" b="0" dirty="0">
-              <a:latin typeface="Times New Roman" pitchFamily="18" charset="0"/>
-              <a:cs typeface="Times New Roman" pitchFamily="18" charset="0"/>
-            </a:endParaRPr>
-          </a:p>
-          <a:p>
-            <a:pPr algn="just"/>
-            <a:endParaRPr lang="pt-BR" sz="2800" b="0" dirty="0">
-              <a:latin typeface="Times New Roman" pitchFamily="18" charset="0"/>
-              <a:cs typeface="Times New Roman" pitchFamily="18" charset="0"/>
-            </a:endParaRPr>
-          </a:p>
-        </p:txBody>
-      </p:sp>
-      <p:pic>
-        <p:nvPicPr>
-          <p:cNvPr id="6146" name="Picture 2"/>
-          <p:cNvPicPr>
-            <a:picLocks noChangeAspect="1" noChangeArrowheads="1"/>
-          </p:cNvPicPr>
-          <p:nvPr/>
-        </p:nvPicPr>
-        <p:blipFill rotWithShape="1">
-          <a:blip r:embed="rId3">
-            <a:extLst>
-              <a:ext uri="{28A0092B-C50C-407E-A947-70E740481C1C}">
-                <a14:useLocalDpi xmlns:a14="http://schemas.microsoft.com/office/drawing/2010/main" val="0"/>
-              </a:ext>
-            </a:extLst>
-          </a:blip>
-          <a:srcRect l="34510" t="45117" r="16948" b="51758"/>
-          <a:stretch/>
-        </p:blipFill>
-        <p:spPr bwMode="auto">
-          <a:xfrm>
-            <a:off x="611384" y="4246130"/>
-            <a:ext cx="7718064" cy="280587"/>
-          </a:xfrm>
-          <a:prstGeom prst="rect">
-            <a:avLst/>
-          </a:prstGeom>
-          <a:noFill/>
-          <a:ln>
-            <a:noFill/>
-          </a:ln>
-          <a:effectLst/>
-          <a:extLst>
-            <a:ext uri="{909E8E84-426E-40DD-AFC4-6F175D3DCCD1}">
-              <a14:hiddenFill xmlns:a14="http://schemas.microsoft.com/office/drawing/2010/main">
-                <a:solidFill>
-                  <a:schemeClr val="accent1"/>
-                </a:solidFill>
-              </a14:hiddenFill>
-            </a:ext>
-            <a:ext uri="{91240B29-F687-4F45-9708-019B960494DF}">
-              <a14:hiddenLine xmlns:a14="http://schemas.microsoft.com/office/drawing/2010/main" w="9525">
-                <a:solidFill>
-                  <a:schemeClr val="tx1"/>
-                </a:solidFill>
-                <a:miter lim="800000"/>
-                <a:headEnd/>
-                <a:tailEnd/>
-              </a14:hiddenLine>
-            </a:ext>
-            <a:ext uri="{AF507438-7753-43E0-B8FC-AC1667EBCBE1}">
-              <a14:hiddenEffects xmlns:a14="http://schemas.microsoft.com/office/drawing/2010/main">
-                <a:effectLst>
-                  <a:outerShdw dist="35921" dir="2700000" algn="ctr" rotWithShape="0">
-                    <a:schemeClr val="bg2"/>
-                  </a:outerShdw>
-                </a:effectLst>
-              </a14:hiddenEffects>
-            </a:ext>
-          </a:extLst>
-        </p:spPr>
-      </p:pic>
-    </p:spTree>
-    <p:extLst>
-      <p:ext uri="{BB962C8B-B14F-4D97-AF65-F5344CB8AC3E}">
-        <p14:creationId xmlns:p14="http://schemas.microsoft.com/office/powerpoint/2010/main" val="1981849894"/>
       </p:ext>
     </p:extLst>
   </p:cSld>
@@ -13424,7 +13172,7 @@
         </p:nvSpPr>
         <p:spPr>
           <a:xfrm>
-            <a:off x="467544" y="1916832"/>
+            <a:off x="467543" y="2132856"/>
             <a:ext cx="8005747" cy="3960440"/>
           </a:xfrm>
           <a:prstGeom prst="rect">
@@ -13602,18 +13350,11 @@
           <a:p>
             <a:pPr algn="just"/>
             <a:r>
-              <a:rPr lang="pt-BR" sz="2800" dirty="0" smtClean="0">
-                <a:latin typeface="Times New Roman" pitchFamily="18" charset="0"/>
-                <a:cs typeface="Times New Roman" pitchFamily="18" charset="0"/>
-              </a:rPr>
-              <a:t>2° </a:t>
-            </a:r>
-            <a:r>
               <a:rPr lang="pt-BR" sz="2800" dirty="0">
                 <a:latin typeface="Times New Roman" pitchFamily="18" charset="0"/>
                 <a:cs typeface="Times New Roman" pitchFamily="18" charset="0"/>
               </a:rPr>
-              <a:t>Passo:</a:t>
+              <a:t>1° Passo:</a:t>
             </a:r>
           </a:p>
           <a:p>
@@ -13623,54 +13364,43 @@
                 <a:latin typeface="Times New Roman" pitchFamily="18" charset="0"/>
                 <a:cs typeface="Times New Roman" pitchFamily="18" charset="0"/>
               </a:rPr>
-              <a:t>Prover </a:t>
+              <a:t>Importar e exportar no </a:t>
             </a:r>
             <a:r>
               <a:rPr lang="pt-BR" sz="2800" b="0" dirty="0" err="1">
                 <a:latin typeface="Times New Roman" pitchFamily="18" charset="0"/>
                 <a:cs typeface="Times New Roman" pitchFamily="18" charset="0"/>
               </a:rPr>
-              <a:t>MessageService</a:t>
+              <a:t>SharedModule</a:t>
             </a:r>
             <a:r>
               <a:rPr lang="pt-BR" sz="2800" b="0" dirty="0">
                 <a:latin typeface="Times New Roman" pitchFamily="18" charset="0"/>
                 <a:cs typeface="Times New Roman" pitchFamily="18" charset="0"/>
               </a:rPr>
-              <a:t> no método </a:t>
+              <a:t> o </a:t>
             </a:r>
             <a:r>
               <a:rPr lang="pt-BR" sz="2800" b="0" dirty="0" err="1">
                 <a:latin typeface="Times New Roman" pitchFamily="18" charset="0"/>
                 <a:cs typeface="Times New Roman" pitchFamily="18" charset="0"/>
               </a:rPr>
-              <a:t>forRoot</a:t>
+              <a:t>GrowlModule</a:t>
             </a:r>
             <a:r>
               <a:rPr lang="pt-BR" sz="2800" b="0" dirty="0">
                 <a:latin typeface="Times New Roman" pitchFamily="18" charset="0"/>
                 <a:cs typeface="Times New Roman" pitchFamily="18" charset="0"/>
               </a:rPr>
-              <a:t> do </a:t>
-            </a:r>
-            <a:r>
-              <a:rPr lang="pt-BR" sz="2800" b="0" dirty="0" err="1" smtClean="0">
-                <a:latin typeface="Times New Roman" pitchFamily="18" charset="0"/>
-                <a:cs typeface="Times New Roman" pitchFamily="18" charset="0"/>
-              </a:rPr>
-              <a:t>SharedModule</a:t>
+              <a:t> para que possamos </a:t>
             </a:r>
             <a:r>
               <a:rPr lang="pt-BR" sz="2800" b="0" dirty="0" smtClean="0">
                 <a:latin typeface="Times New Roman" pitchFamily="18" charset="0"/>
                 <a:cs typeface="Times New Roman" pitchFamily="18" charset="0"/>
               </a:rPr>
-              <a:t>.</a:t>
-            </a:r>
-            <a:endParaRPr lang="pt-BR" sz="2800" b="0" dirty="0">
-              <a:latin typeface="Times New Roman" pitchFamily="18" charset="0"/>
-              <a:cs typeface="Times New Roman" pitchFamily="18" charset="0"/>
-            </a:endParaRPr>
+              <a:t>utilizá-lo. </a:t>
+            </a:r>
           </a:p>
           <a:p>
             <a:pPr lvl="0" algn="just"/>
@@ -13690,7 +13420,7 @@
       </p:sp>
       <p:pic>
         <p:nvPicPr>
-          <p:cNvPr id="7170" name="Picture 2"/>
+          <p:cNvPr id="6146" name="Picture 2"/>
           <p:cNvPicPr>
             <a:picLocks noChangeAspect="1" noChangeArrowheads="1"/>
           </p:cNvPicPr>
@@ -13704,13 +13434,13 @@
               </a:ext>
             </a:extLst>
           </a:blip>
-          <a:srcRect l="34510" t="54266" r="16948" b="13477"/>
+          <a:srcRect l="34510" t="45117" r="16948" b="51758"/>
           <a:stretch/>
         </p:blipFill>
         <p:spPr bwMode="auto">
           <a:xfrm>
-            <a:off x="1031199" y="3573016"/>
-            <a:ext cx="6878436" cy="2581294"/>
+            <a:off x="611384" y="4246130"/>
+            <a:ext cx="7718064" cy="280587"/>
           </a:xfrm>
           <a:prstGeom prst="rect">
             <a:avLst/>
@@ -13753,7 +13483,7 @@
     </p:spTree>
     <p:extLst>
       <p:ext uri="{BB962C8B-B14F-4D97-AF65-F5344CB8AC3E}">
-        <p14:creationId xmlns:p14="http://schemas.microsoft.com/office/powerpoint/2010/main" val="1439469650"/>
+        <p14:creationId xmlns:p14="http://schemas.microsoft.com/office/powerpoint/2010/main" val="1981849894"/>
       </p:ext>
     </p:extLst>
   </p:cSld>
@@ -13916,7 +13646,7 @@
         </p:nvSpPr>
         <p:spPr>
           <a:xfrm>
-            <a:off x="467543" y="2132856"/>
+            <a:off x="467544" y="1916832"/>
             <a:ext cx="8005747" cy="3960440"/>
           </a:xfrm>
           <a:prstGeom prst="rect">
@@ -14098,7 +13828,7 @@
                 <a:latin typeface="Times New Roman" pitchFamily="18" charset="0"/>
                 <a:cs typeface="Times New Roman" pitchFamily="18" charset="0"/>
               </a:rPr>
-              <a:t>3° </a:t>
+              <a:t>2° </a:t>
             </a:r>
             <a:r>
               <a:rPr lang="pt-BR" sz="2800" dirty="0">
@@ -14115,28 +13845,49 @@
                 <a:latin typeface="Times New Roman" pitchFamily="18" charset="0"/>
                 <a:cs typeface="Times New Roman" pitchFamily="18" charset="0"/>
               </a:rPr>
-              <a:t>Incluir no app.component.html o componente do </a:t>
+              <a:t>Prover </a:t>
             </a:r>
             <a:r>
               <a:rPr lang="pt-BR" sz="2800" b="0" dirty="0" err="1">
                 <a:latin typeface="Times New Roman" pitchFamily="18" charset="0"/>
                 <a:cs typeface="Times New Roman" pitchFamily="18" charset="0"/>
               </a:rPr>
-              <a:t>Growl</a:t>
+              <a:t>MessageService</a:t>
             </a:r>
             <a:r>
               <a:rPr lang="pt-BR" sz="2800" b="0" dirty="0">
                 <a:latin typeface="Times New Roman" pitchFamily="18" charset="0"/>
                 <a:cs typeface="Times New Roman" pitchFamily="18" charset="0"/>
               </a:rPr>
-              <a:t> para que ele possa ser apresentado e </a:t>
+              <a:t> no método </a:t>
+            </a:r>
+            <a:r>
+              <a:rPr lang="pt-BR" sz="2800" b="0" dirty="0" err="1">
+                <a:latin typeface="Times New Roman" pitchFamily="18" charset="0"/>
+                <a:cs typeface="Times New Roman" pitchFamily="18" charset="0"/>
+              </a:rPr>
+              <a:t>forRoot</a:t>
+            </a:r>
+            <a:r>
+              <a:rPr lang="pt-BR" sz="2800" b="0" dirty="0">
+                <a:latin typeface="Times New Roman" pitchFamily="18" charset="0"/>
+                <a:cs typeface="Times New Roman" pitchFamily="18" charset="0"/>
+              </a:rPr>
+              <a:t> do </a:t>
+            </a:r>
+            <a:r>
+              <a:rPr lang="pt-BR" sz="2800" b="0" dirty="0" err="1" smtClean="0">
+                <a:latin typeface="Times New Roman" pitchFamily="18" charset="0"/>
+                <a:cs typeface="Times New Roman" pitchFamily="18" charset="0"/>
+              </a:rPr>
+              <a:t>SharedModule</a:t>
             </a:r>
             <a:r>
               <a:rPr lang="pt-BR" sz="2800" b="0" dirty="0" smtClean="0">
                 <a:latin typeface="Times New Roman" pitchFamily="18" charset="0"/>
                 <a:cs typeface="Times New Roman" pitchFamily="18" charset="0"/>
               </a:rPr>
-              <a:t>controlado.</a:t>
+              <a:t>.</a:t>
             </a:r>
             <a:endParaRPr lang="pt-BR" sz="2800" b="0" dirty="0">
               <a:latin typeface="Times New Roman" pitchFamily="18" charset="0"/>
@@ -14161,7 +13912,7 @@
       </p:sp>
       <p:pic>
         <p:nvPicPr>
-          <p:cNvPr id="7" name="Picture 2"/>
+          <p:cNvPr id="7170" name="Picture 2"/>
           <p:cNvPicPr>
             <a:picLocks noChangeAspect="1" noChangeArrowheads="1"/>
           </p:cNvPicPr>
@@ -14175,13 +13926,13 @@
               </a:ext>
             </a:extLst>
           </a:blip>
-          <a:srcRect l="35059" t="43555" r="16948" b="44663"/>
+          <a:srcRect l="34510" t="54266" r="16948" b="13477"/>
           <a:stretch/>
         </p:blipFill>
         <p:spPr bwMode="auto">
           <a:xfrm>
-            <a:off x="467544" y="4093479"/>
-            <a:ext cx="8005748" cy="1109886"/>
+            <a:off x="1031199" y="3573016"/>
+            <a:ext cx="6878436" cy="2581294"/>
           </a:xfrm>
           <a:prstGeom prst="rect">
             <a:avLst/>
@@ -14224,7 +13975,7 @@
     </p:spTree>
     <p:extLst>
       <p:ext uri="{BB962C8B-B14F-4D97-AF65-F5344CB8AC3E}">
-        <p14:creationId xmlns:p14="http://schemas.microsoft.com/office/powerpoint/2010/main" val="2549719289"/>
+        <p14:creationId xmlns:p14="http://schemas.microsoft.com/office/powerpoint/2010/main" val="1439469650"/>
       </p:ext>
     </p:extLst>
   </p:cSld>
@@ -14451,7 +14202,7 @@
           <p:nvPr>
             <p:extLst>
               <p:ext uri="{D42A27DB-BD31-4B8C-83A1-F6EECF244321}">
-                <p14:modId xmlns:p14="http://schemas.microsoft.com/office/powerpoint/2010/main" val="3861233537"/>
+                <p14:modId xmlns:p14="http://schemas.microsoft.com/office/powerpoint/2010/main" val="3954133328"/>
               </p:ext>
             </p:extLst>
           </p:nvPr>
@@ -14975,40 +14726,22 @@
                         </a:spcAft>
                       </a:pPr>
                       <a:r>
-                        <a:rPr lang="pt-BR" sz="2400" dirty="0">
-                          <a:effectLst/>
-                          <a:latin typeface="Times New Roman"/>
-                          <a:ea typeface="Calibri"/>
-                          <a:cs typeface="Times New Roman"/>
-                        </a:rPr>
-                        <a:t>Cada </a:t>
-                      </a:r>
-                      <a:r>
-                        <a:rPr lang="pt-BR" sz="2400" dirty="0" err="1">
-                          <a:effectLst/>
-                          <a:latin typeface="Times New Roman"/>
-                          <a:ea typeface="Calibri"/>
-                          <a:cs typeface="Times New Roman"/>
-                        </a:rPr>
-                        <a:t>subscribe</a:t>
-                      </a:r>
-                      <a:r>
-                        <a:rPr lang="pt-BR" sz="2400" dirty="0">
-                          <a:effectLst/>
-                          <a:latin typeface="Times New Roman"/>
-                          <a:ea typeface="Calibri"/>
-                          <a:cs typeface="Times New Roman"/>
-                        </a:rPr>
-                        <a:t> é independente de </a:t>
-                      </a:r>
-                      <a:r>
                         <a:rPr lang="pt-BR" sz="2400" dirty="0" smtClean="0">
                           <a:effectLst/>
                           <a:latin typeface="Times New Roman"/>
                           <a:ea typeface="Calibri"/>
                           <a:cs typeface="Times New Roman"/>
                         </a:rPr>
-                        <a:t>outro.</a:t>
+                        <a:t>Pode ser</a:t>
+                      </a:r>
+                      <a:r>
+                        <a:rPr lang="pt-BR" sz="2400" baseline="0" dirty="0" smtClean="0">
+                          <a:effectLst/>
+                          <a:latin typeface="Times New Roman"/>
+                          <a:ea typeface="Calibri"/>
+                          <a:cs typeface="Times New Roman"/>
+                        </a:rPr>
+                        <a:t> cancelado.</a:t>
                       </a:r>
                       <a:endParaRPr lang="pt-BR" sz="2400" dirty="0">
                         <a:effectLst/>
@@ -15071,31 +14804,22 @@
                         </a:spcAft>
                       </a:pPr>
                       <a:r>
-                        <a:rPr lang="pt-BR" sz="2400" dirty="0">
+                        <a:rPr lang="pt-BR" sz="2400" dirty="0" smtClean="0">
                           <a:effectLst/>
                           <a:latin typeface="Times New Roman"/>
                           <a:ea typeface="Calibri"/>
                           <a:cs typeface="Times New Roman"/>
                         </a:rPr>
-                        <a:t>Cada </a:t>
+                        <a:t>Não pode ser</a:t>
                       </a:r>
                       <a:r>
-                        <a:rPr lang="pt-BR" sz="2400" dirty="0" err="1">
+                        <a:rPr lang="pt-BR" sz="2400" baseline="0" dirty="0" smtClean="0">
                           <a:effectLst/>
                           <a:latin typeface="Times New Roman"/>
                           <a:ea typeface="Calibri"/>
                           <a:cs typeface="Times New Roman"/>
                         </a:rPr>
-                        <a:t>then</a:t>
-                      </a:r>
-                      <a:r>
-                        <a:rPr lang="pt-BR" sz="2400" dirty="0">
-                          <a:effectLst/>
-                          <a:latin typeface="Times New Roman"/>
-                          <a:ea typeface="Calibri"/>
-                          <a:cs typeface="Times New Roman"/>
-                        </a:rPr>
-                        <a:t> é compartilhado como </a:t>
+                        <a:t> cancelado</a:t>
                       </a:r>
                       <a:r>
                         <a:rPr lang="pt-BR" sz="2400" dirty="0" smtClean="0">
@@ -15104,7 +14828,7 @@
                           <a:ea typeface="Calibri"/>
                           <a:cs typeface="Times New Roman"/>
                         </a:rPr>
-                        <a:t>outro.</a:t>
+                        <a:t>.</a:t>
                       </a:r>
                       <a:endParaRPr lang="pt-BR" sz="2400" dirty="0">
                         <a:effectLst/>
@@ -15506,7 +15230,7 @@
                 <a:latin typeface="Times New Roman" pitchFamily="18" charset="0"/>
                 <a:cs typeface="Times New Roman" pitchFamily="18" charset="0"/>
               </a:rPr>
-              <a:t>4° </a:t>
+              <a:t>3° </a:t>
             </a:r>
             <a:r>
               <a:rPr lang="pt-BR" sz="2800" dirty="0">
@@ -15523,50 +15247,33 @@
                 <a:latin typeface="Times New Roman" pitchFamily="18" charset="0"/>
                 <a:cs typeface="Times New Roman" pitchFamily="18" charset="0"/>
               </a:rPr>
-              <a:t>Chamar métodos de exibição de mensagem do </a:t>
+              <a:t>Incluir no app.component.html o componente do </a:t>
             </a:r>
             <a:r>
               <a:rPr lang="pt-BR" sz="2800" b="0" dirty="0" err="1">
                 <a:latin typeface="Times New Roman" pitchFamily="18" charset="0"/>
                 <a:cs typeface="Times New Roman" pitchFamily="18" charset="0"/>
               </a:rPr>
-              <a:t>MessageService</a:t>
+              <a:t>Growl</a:t>
             </a:r>
             <a:r>
               <a:rPr lang="pt-BR" sz="2800" b="0" dirty="0">
                 <a:latin typeface="Times New Roman" pitchFamily="18" charset="0"/>
                 <a:cs typeface="Times New Roman" pitchFamily="18" charset="0"/>
               </a:rPr>
-              <a:t> passando parâmetros de definição de tipo de mensagem, </a:t>
-            </a:r>
-            <a:r>
-              <a:rPr lang="pt-BR" sz="2800" b="0" dirty="0" err="1">
-                <a:latin typeface="Times New Roman" pitchFamily="18" charset="0"/>
-                <a:cs typeface="Times New Roman" pitchFamily="18" charset="0"/>
-              </a:rPr>
-              <a:t>label</a:t>
-            </a:r>
-            <a:r>
-              <a:rPr lang="pt-BR" sz="2800" b="0" dirty="0">
-                <a:latin typeface="Times New Roman" pitchFamily="18" charset="0"/>
-                <a:cs typeface="Times New Roman" pitchFamily="18" charset="0"/>
-              </a:rPr>
-              <a:t>, </a:t>
-            </a:r>
-            <a:r>
-              <a:rPr lang="pt-BR" sz="2800" b="0" dirty="0" err="1">
-                <a:latin typeface="Times New Roman" pitchFamily="18" charset="0"/>
-                <a:cs typeface="Times New Roman" pitchFamily="18" charset="0"/>
-              </a:rPr>
-              <a:t>titel</a:t>
-            </a:r>
-            <a:r>
-              <a:rPr lang="pt-BR" sz="2800" b="0" dirty="0">
-                <a:latin typeface="Times New Roman" pitchFamily="18" charset="0"/>
-                <a:cs typeface="Times New Roman" pitchFamily="18" charset="0"/>
-              </a:rPr>
-              <a:t>, etc.</a:t>
-            </a:r>
+              <a:t> para que ele possa ser apresentado e </a:t>
+            </a:r>
+            <a:r>
+              <a:rPr lang="pt-BR" sz="2800" b="0" dirty="0" smtClean="0">
+                <a:latin typeface="Times New Roman" pitchFamily="18" charset="0"/>
+                <a:cs typeface="Times New Roman" pitchFamily="18" charset="0"/>
+              </a:rPr>
+              <a:t>controlado.</a:t>
+            </a:r>
+            <a:endParaRPr lang="pt-BR" sz="2800" b="0" dirty="0">
+              <a:latin typeface="Times New Roman" pitchFamily="18" charset="0"/>
+              <a:cs typeface="Times New Roman" pitchFamily="18" charset="0"/>
+            </a:endParaRPr>
           </a:p>
           <a:p>
             <a:pPr lvl="0" algn="just"/>
@@ -15586,7 +15293,7 @@
       </p:sp>
       <p:pic>
         <p:nvPicPr>
-          <p:cNvPr id="8194" name="Picture 2"/>
+          <p:cNvPr id="7" name="Picture 2"/>
           <p:cNvPicPr>
             <a:picLocks noChangeAspect="1" noChangeArrowheads="1"/>
           </p:cNvPicPr>
@@ -15600,13 +15307,13 @@
               </a:ext>
             </a:extLst>
           </a:blip>
-          <a:srcRect l="35059" t="64382" r="16948" b="29687"/>
+          <a:srcRect l="35059" t="43555" r="16948" b="44663"/>
           <a:stretch/>
         </p:blipFill>
         <p:spPr bwMode="auto">
           <a:xfrm>
-            <a:off x="706823" y="4509120"/>
-            <a:ext cx="7527186" cy="525337"/>
+            <a:off x="467544" y="4093479"/>
+            <a:ext cx="8005748" cy="1109886"/>
           </a:xfrm>
           <a:prstGeom prst="rect">
             <a:avLst/>
@@ -15649,7 +15356,7 @@
     </p:spTree>
     <p:extLst>
       <p:ext uri="{BB962C8B-B14F-4D97-AF65-F5344CB8AC3E}">
-        <p14:creationId xmlns:p14="http://schemas.microsoft.com/office/powerpoint/2010/main" val="74430138"/>
+        <p14:creationId xmlns:p14="http://schemas.microsoft.com/office/powerpoint/2010/main" val="2549719289"/>
       </p:ext>
     </p:extLst>
   </p:cSld>
@@ -15695,8 +15402,8 @@
         </p:nvSpPr>
         <p:spPr>
           <a:xfrm>
-            <a:off x="179513" y="323403"/>
-            <a:ext cx="7704856" cy="903630"/>
+            <a:off x="251519" y="323403"/>
+            <a:ext cx="6840761" cy="903630"/>
           </a:xfrm>
         </p:spPr>
         <p:txBody>
@@ -15705,11 +15412,30 @@
           </a:bodyPr>
           <a:lstStyle/>
           <a:p>
-            <a:r>
-              <a:rPr lang="pt-BR" sz="2700" dirty="0" smtClean="0"/>
-              <a:t>Exercício</a:t>
-            </a:r>
-            <a:endParaRPr lang="pt-BR" sz="2700" dirty="0"/>
+            <a:pPr algn="ctr"/>
+            <a:r>
+              <a:rPr lang="pt-BR" sz="2800" b="1" dirty="0" smtClean="0"/>
+              <a:t>UM </a:t>
+            </a:r>
+            <a:r>
+              <a:rPr lang="pt-BR" sz="2800" b="1" dirty="0"/>
+              <a:t>SERVIÇO DE MENSAGEM </a:t>
+            </a:r>
+            <a:r>
+              <a:rPr lang="pt-BR" sz="2800" b="1" dirty="0" smtClean="0"/>
+              <a:t/>
+            </a:r>
+            <a:br>
+              <a:rPr lang="pt-BR" sz="2800" b="1" dirty="0" smtClean="0"/>
+            </a:br>
+            <a:r>
+              <a:rPr lang="pt-BR" sz="2800" b="1" dirty="0" smtClean="0"/>
+              <a:t>COM </a:t>
+            </a:r>
+            <a:r>
+              <a:rPr lang="pt-BR" sz="2800" b="1" dirty="0"/>
+              <a:t>GROWL</a:t>
+            </a:r>
           </a:p>
         </p:txBody>
       </p:sp>
@@ -15785,6 +15511,475 @@
       </p:pic>
       <p:sp>
         <p:nvSpPr>
+          <p:cNvPr id="8" name="Espaço Reservado para Conteúdo 2"/>
+          <p:cNvSpPr txBox="1">
+            <a:spLocks/>
+          </p:cNvSpPr>
+          <p:nvPr/>
+        </p:nvSpPr>
+        <p:spPr>
+          <a:xfrm>
+            <a:off x="467543" y="2132856"/>
+            <a:ext cx="8005747" cy="3960440"/>
+          </a:xfrm>
+          <a:prstGeom prst="rect">
+            <a:avLst/>
+          </a:prstGeom>
+        </p:spPr>
+        <p:txBody>
+          <a:bodyPr vert="horz" lIns="91440" tIns="45720" rIns="91440" bIns="45720" rtlCol="0">
+            <a:noAutofit/>
+          </a:bodyPr>
+          <a:lstStyle>
+            <a:lvl1pPr marL="0" indent="0" algn="l" defTabSz="914400" rtl="0" eaLnBrk="1" latinLnBrk="0" hangingPunct="1">
+              <a:spcBef>
+                <a:spcPct val="20000"/>
+              </a:spcBef>
+              <a:spcAft>
+                <a:spcPts val="600"/>
+              </a:spcAft>
+              <a:buFont typeface="Arial" pitchFamily="34" charset="0"/>
+              <a:buNone/>
+              <a:defRPr sz="2000" b="1" kern="1200">
+                <a:solidFill>
+                  <a:schemeClr val="tx1"/>
+                </a:solidFill>
+                <a:latin typeface="+mn-lt"/>
+                <a:ea typeface="+mn-ea"/>
+                <a:cs typeface="+mn-cs"/>
+              </a:defRPr>
+            </a:lvl1pPr>
+            <a:lvl2pPr marL="457200" indent="-182880" algn="l" defTabSz="914400" rtl="0" eaLnBrk="1" latinLnBrk="0" hangingPunct="1">
+              <a:spcBef>
+                <a:spcPct val="20000"/>
+              </a:spcBef>
+              <a:buClr>
+                <a:schemeClr val="tx2"/>
+              </a:buClr>
+              <a:buFont typeface="Arial" pitchFamily="34" charset="0"/>
+              <a:buChar char="•"/>
+              <a:defRPr sz="2000" kern="1200">
+                <a:solidFill>
+                  <a:schemeClr val="tx1"/>
+                </a:solidFill>
+                <a:latin typeface="+mn-lt"/>
+                <a:ea typeface="+mn-ea"/>
+                <a:cs typeface="+mn-cs"/>
+              </a:defRPr>
+            </a:lvl2pPr>
+            <a:lvl3pPr marL="1143000" indent="-228600" algn="l" defTabSz="914400" rtl="0" eaLnBrk="1" latinLnBrk="0" hangingPunct="1">
+              <a:spcBef>
+                <a:spcPct val="20000"/>
+              </a:spcBef>
+              <a:buClr>
+                <a:schemeClr val="tx2"/>
+              </a:buClr>
+              <a:buFont typeface="Arial" pitchFamily="34" charset="0"/>
+              <a:buChar char="•"/>
+              <a:defRPr sz="1800" kern="1200">
+                <a:solidFill>
+                  <a:schemeClr val="tx1"/>
+                </a:solidFill>
+                <a:latin typeface="+mn-lt"/>
+                <a:ea typeface="+mn-ea"/>
+                <a:cs typeface="+mn-cs"/>
+              </a:defRPr>
+            </a:lvl3pPr>
+            <a:lvl4pPr marL="1600200" indent="-228600" algn="l" defTabSz="914400" rtl="0" eaLnBrk="1" latinLnBrk="0" hangingPunct="1">
+              <a:spcBef>
+                <a:spcPct val="20000"/>
+              </a:spcBef>
+              <a:buClr>
+                <a:schemeClr val="tx2"/>
+              </a:buClr>
+              <a:buFont typeface="Arial" pitchFamily="34" charset="0"/>
+              <a:buChar char="•"/>
+              <a:defRPr sz="1800" kern="1200">
+                <a:solidFill>
+                  <a:schemeClr val="tx1"/>
+                </a:solidFill>
+                <a:latin typeface="+mn-lt"/>
+                <a:ea typeface="+mn-ea"/>
+                <a:cs typeface="+mn-cs"/>
+              </a:defRPr>
+            </a:lvl4pPr>
+            <a:lvl5pPr marL="2057400" indent="-228600" algn="l" defTabSz="914400" rtl="0" eaLnBrk="1" latinLnBrk="0" hangingPunct="1">
+              <a:spcBef>
+                <a:spcPct val="20000"/>
+              </a:spcBef>
+              <a:buClr>
+                <a:schemeClr val="tx2"/>
+              </a:buClr>
+              <a:buFont typeface="Arial" pitchFamily="34" charset="0"/>
+              <a:buChar char="•"/>
+              <a:defRPr sz="1800" kern="1200" baseline="0">
+                <a:solidFill>
+                  <a:schemeClr val="tx1"/>
+                </a:solidFill>
+                <a:latin typeface="+mn-lt"/>
+                <a:ea typeface="+mn-ea"/>
+                <a:cs typeface="+mn-cs"/>
+              </a:defRPr>
+            </a:lvl5pPr>
+            <a:lvl6pPr marL="2514600" indent="-228600" algn="l" defTabSz="914400" rtl="0" eaLnBrk="1" latinLnBrk="0" hangingPunct="1">
+              <a:spcBef>
+                <a:spcPct val="20000"/>
+              </a:spcBef>
+              <a:buClr>
+                <a:schemeClr val="tx2"/>
+              </a:buClr>
+              <a:buFont typeface="Arial" pitchFamily="34" charset="0"/>
+              <a:buChar char="•"/>
+              <a:defRPr sz="1600" kern="1200">
+                <a:solidFill>
+                  <a:schemeClr val="tx1"/>
+                </a:solidFill>
+                <a:latin typeface="+mn-lt"/>
+                <a:ea typeface="+mn-ea"/>
+                <a:cs typeface="+mn-cs"/>
+              </a:defRPr>
+            </a:lvl6pPr>
+            <a:lvl7pPr marL="2971800" indent="-228600" algn="l" defTabSz="914400" rtl="0" eaLnBrk="1" latinLnBrk="0" hangingPunct="1">
+              <a:spcBef>
+                <a:spcPct val="20000"/>
+              </a:spcBef>
+              <a:buClr>
+                <a:schemeClr val="tx2"/>
+              </a:buClr>
+              <a:buFont typeface="Arial" pitchFamily="34" charset="0"/>
+              <a:buChar char="•"/>
+              <a:defRPr sz="1600" kern="1200">
+                <a:solidFill>
+                  <a:schemeClr val="tx1"/>
+                </a:solidFill>
+                <a:latin typeface="+mn-lt"/>
+                <a:ea typeface="+mn-ea"/>
+                <a:cs typeface="+mn-cs"/>
+              </a:defRPr>
+            </a:lvl7pPr>
+            <a:lvl8pPr marL="3429000" indent="-228600" algn="l" defTabSz="914400" rtl="0" eaLnBrk="1" latinLnBrk="0" hangingPunct="1">
+              <a:spcBef>
+                <a:spcPct val="20000"/>
+              </a:spcBef>
+              <a:buClr>
+                <a:schemeClr val="tx2"/>
+              </a:buClr>
+              <a:buFont typeface="Arial" pitchFamily="34" charset="0"/>
+              <a:buChar char="•"/>
+              <a:defRPr sz="1600" kern="1200">
+                <a:solidFill>
+                  <a:schemeClr val="tx1"/>
+                </a:solidFill>
+                <a:latin typeface="+mn-lt"/>
+                <a:ea typeface="+mn-ea"/>
+                <a:cs typeface="+mn-cs"/>
+              </a:defRPr>
+            </a:lvl8pPr>
+            <a:lvl9pPr marL="3886200" indent="-228600" algn="l" defTabSz="914400" rtl="0" eaLnBrk="1" latinLnBrk="0" hangingPunct="1">
+              <a:spcBef>
+                <a:spcPct val="20000"/>
+              </a:spcBef>
+              <a:buClr>
+                <a:schemeClr val="tx2"/>
+              </a:buClr>
+              <a:buFont typeface="Arial" pitchFamily="34" charset="0"/>
+              <a:buChar char="•"/>
+              <a:defRPr sz="1600" kern="1200">
+                <a:solidFill>
+                  <a:schemeClr val="tx1"/>
+                </a:solidFill>
+                <a:latin typeface="+mn-lt"/>
+                <a:ea typeface="+mn-ea"/>
+                <a:cs typeface="+mn-cs"/>
+              </a:defRPr>
+            </a:lvl9pPr>
+          </a:lstStyle>
+          <a:p>
+            <a:pPr algn="just"/>
+            <a:r>
+              <a:rPr lang="pt-BR" sz="2800" dirty="0" smtClean="0">
+                <a:latin typeface="Times New Roman" pitchFamily="18" charset="0"/>
+                <a:cs typeface="Times New Roman" pitchFamily="18" charset="0"/>
+              </a:rPr>
+              <a:t>4° </a:t>
+            </a:r>
+            <a:r>
+              <a:rPr lang="pt-BR" sz="2800" dirty="0">
+                <a:latin typeface="Times New Roman" pitchFamily="18" charset="0"/>
+                <a:cs typeface="Times New Roman" pitchFamily="18" charset="0"/>
+              </a:rPr>
+              <a:t>Passo:</a:t>
+            </a:r>
+          </a:p>
+          <a:p>
+            <a:pPr lvl="0" algn="just"/>
+            <a:r>
+              <a:rPr lang="pt-BR" sz="2800" b="0" dirty="0">
+                <a:latin typeface="Times New Roman" pitchFamily="18" charset="0"/>
+                <a:cs typeface="Times New Roman" pitchFamily="18" charset="0"/>
+              </a:rPr>
+              <a:t>Chamar métodos de exibição de mensagem do </a:t>
+            </a:r>
+            <a:r>
+              <a:rPr lang="pt-BR" sz="2800" b="0" dirty="0" err="1">
+                <a:latin typeface="Times New Roman" pitchFamily="18" charset="0"/>
+                <a:cs typeface="Times New Roman" pitchFamily="18" charset="0"/>
+              </a:rPr>
+              <a:t>MessageService</a:t>
+            </a:r>
+            <a:r>
+              <a:rPr lang="pt-BR" sz="2800" b="0" dirty="0">
+                <a:latin typeface="Times New Roman" pitchFamily="18" charset="0"/>
+                <a:cs typeface="Times New Roman" pitchFamily="18" charset="0"/>
+              </a:rPr>
+              <a:t> passando parâmetros de definição de tipo de mensagem, </a:t>
+            </a:r>
+            <a:r>
+              <a:rPr lang="pt-BR" sz="2800" b="0" dirty="0" err="1">
+                <a:latin typeface="Times New Roman" pitchFamily="18" charset="0"/>
+                <a:cs typeface="Times New Roman" pitchFamily="18" charset="0"/>
+              </a:rPr>
+              <a:t>label</a:t>
+            </a:r>
+            <a:r>
+              <a:rPr lang="pt-BR" sz="2800" b="0" dirty="0">
+                <a:latin typeface="Times New Roman" pitchFamily="18" charset="0"/>
+                <a:cs typeface="Times New Roman" pitchFamily="18" charset="0"/>
+              </a:rPr>
+              <a:t>, </a:t>
+            </a:r>
+            <a:r>
+              <a:rPr lang="pt-BR" sz="2800" b="0" dirty="0" err="1">
+                <a:latin typeface="Times New Roman" pitchFamily="18" charset="0"/>
+                <a:cs typeface="Times New Roman" pitchFamily="18" charset="0"/>
+              </a:rPr>
+              <a:t>titel</a:t>
+            </a:r>
+            <a:r>
+              <a:rPr lang="pt-BR" sz="2800" b="0" dirty="0">
+                <a:latin typeface="Times New Roman" pitchFamily="18" charset="0"/>
+                <a:cs typeface="Times New Roman" pitchFamily="18" charset="0"/>
+              </a:rPr>
+              <a:t>, etc.</a:t>
+            </a:r>
+          </a:p>
+          <a:p>
+            <a:pPr lvl="0" algn="just"/>
+            <a:endParaRPr lang="pt-BR" sz="2800" b="0" dirty="0">
+              <a:latin typeface="Times New Roman" pitchFamily="18" charset="0"/>
+              <a:cs typeface="Times New Roman" pitchFamily="18" charset="0"/>
+            </a:endParaRPr>
+          </a:p>
+          <a:p>
+            <a:pPr algn="just"/>
+            <a:endParaRPr lang="pt-BR" sz="2800" b="0" dirty="0">
+              <a:latin typeface="Times New Roman" pitchFamily="18" charset="0"/>
+              <a:cs typeface="Times New Roman" pitchFamily="18" charset="0"/>
+            </a:endParaRPr>
+          </a:p>
+        </p:txBody>
+      </p:sp>
+      <p:pic>
+        <p:nvPicPr>
+          <p:cNvPr id="8194" name="Picture 2"/>
+          <p:cNvPicPr>
+            <a:picLocks noChangeAspect="1" noChangeArrowheads="1"/>
+          </p:cNvPicPr>
+          <p:nvPr/>
+        </p:nvPicPr>
+        <p:blipFill rotWithShape="1">
+          <a:blip r:embed="rId3">
+            <a:extLst>
+              <a:ext uri="{28A0092B-C50C-407E-A947-70E740481C1C}">
+                <a14:useLocalDpi xmlns:a14="http://schemas.microsoft.com/office/drawing/2010/main" val="0"/>
+              </a:ext>
+            </a:extLst>
+          </a:blip>
+          <a:srcRect l="35059" t="64382" r="16948" b="29687"/>
+          <a:stretch/>
+        </p:blipFill>
+        <p:spPr bwMode="auto">
+          <a:xfrm>
+            <a:off x="706823" y="4509120"/>
+            <a:ext cx="7527186" cy="525337"/>
+          </a:xfrm>
+          <a:prstGeom prst="rect">
+            <a:avLst/>
+          </a:prstGeom>
+          <a:noFill/>
+          <a:ln>
+            <a:noFill/>
+          </a:ln>
+          <a:effectLst/>
+          <a:extLst>
+            <a:ext uri="{909E8E84-426E-40DD-AFC4-6F175D3DCCD1}">
+              <a14:hiddenFill xmlns:a14="http://schemas.microsoft.com/office/drawing/2010/main">
+                <a:solidFill>
+                  <a:schemeClr val="accent1"/>
+                </a:solidFill>
+              </a14:hiddenFill>
+            </a:ext>
+            <a:ext uri="{91240B29-F687-4F45-9708-019B960494DF}">
+              <a14:hiddenLine xmlns:a14="http://schemas.microsoft.com/office/drawing/2010/main" w="9525">
+                <a:solidFill>
+                  <a:schemeClr val="tx1"/>
+                </a:solidFill>
+                <a:miter lim="800000"/>
+                <a:headEnd/>
+                <a:tailEnd/>
+              </a14:hiddenLine>
+            </a:ext>
+            <a:ext uri="{AF507438-7753-43E0-B8FC-AC1667EBCBE1}">
+              <a14:hiddenEffects xmlns:a14="http://schemas.microsoft.com/office/drawing/2010/main">
+                <a:effectLst>
+                  <a:outerShdw dist="35921" dir="2700000" algn="ctr" rotWithShape="0">
+                    <a:schemeClr val="bg2"/>
+                  </a:outerShdw>
+                </a:effectLst>
+              </a14:hiddenEffects>
+            </a:ext>
+          </a:extLst>
+        </p:spPr>
+      </p:pic>
+    </p:spTree>
+    <p:extLst>
+      <p:ext uri="{BB962C8B-B14F-4D97-AF65-F5344CB8AC3E}">
+        <p14:creationId xmlns:p14="http://schemas.microsoft.com/office/powerpoint/2010/main" val="74430138"/>
+      </p:ext>
+    </p:extLst>
+  </p:cSld>
+  <p:clrMapOvr>
+    <a:masterClrMapping/>
+  </p:clrMapOvr>
+  <p:timing>
+    <p:tnLst>
+      <p:par>
+        <p:cTn id="1" dur="indefinite" restart="never" nodeType="tmRoot"/>
+      </p:par>
+    </p:tnLst>
+  </p:timing>
+</p:sld>
+</file>
+
+<file path=ppt/slides/slide42.xml><?xml version="1.0" encoding="utf-8"?>
+<p:sld xmlns:a="http://schemas.openxmlformats.org/drawingml/2006/main" xmlns:r="http://schemas.openxmlformats.org/officeDocument/2006/relationships" xmlns:p="http://schemas.openxmlformats.org/presentationml/2006/main">
+  <p:cSld>
+    <p:spTree>
+      <p:nvGrpSpPr>
+        <p:cNvPr id="1" name=""/>
+        <p:cNvGrpSpPr/>
+        <p:nvPr/>
+      </p:nvGrpSpPr>
+      <p:grpSpPr>
+        <a:xfrm>
+          <a:off x="0" y="0"/>
+          <a:ext cx="0" cy="0"/>
+          <a:chOff x="0" y="0"/>
+          <a:chExt cx="0" cy="0"/>
+        </a:xfrm>
+      </p:grpSpPr>
+      <p:sp>
+        <p:nvSpPr>
+          <p:cNvPr id="2" name="Título 1"/>
+          <p:cNvSpPr>
+            <a:spLocks noGrp="1"/>
+          </p:cNvSpPr>
+          <p:nvPr>
+            <p:ph type="title"/>
+          </p:nvPr>
+        </p:nvSpPr>
+        <p:spPr>
+          <a:xfrm>
+            <a:off x="179513" y="323403"/>
+            <a:ext cx="7704856" cy="903630"/>
+          </a:xfrm>
+        </p:spPr>
+        <p:txBody>
+          <a:bodyPr>
+            <a:noAutofit/>
+          </a:bodyPr>
+          <a:lstStyle/>
+          <a:p>
+            <a:r>
+              <a:rPr lang="pt-BR" sz="2700" dirty="0" smtClean="0"/>
+              <a:t>Exercício</a:t>
+            </a:r>
+            <a:endParaRPr lang="pt-BR" sz="2700" dirty="0"/>
+          </a:p>
+        </p:txBody>
+      </p:sp>
+      <p:cxnSp>
+        <p:nvCxnSpPr>
+          <p:cNvPr id="5" name="Conector reto 4"/>
+          <p:cNvCxnSpPr/>
+          <p:nvPr/>
+        </p:nvCxnSpPr>
+        <p:spPr>
+          <a:xfrm>
+            <a:off x="251520" y="1340768"/>
+            <a:ext cx="6480720" cy="0"/>
+          </a:xfrm>
+          <a:prstGeom prst="line">
+            <a:avLst/>
+          </a:prstGeom>
+          <a:ln/>
+        </p:spPr>
+        <p:style>
+          <a:lnRef idx="2">
+            <a:schemeClr val="accent5"/>
+          </a:lnRef>
+          <a:fillRef idx="0">
+            <a:schemeClr val="accent5"/>
+          </a:fillRef>
+          <a:effectRef idx="1">
+            <a:schemeClr val="accent5"/>
+          </a:effectRef>
+          <a:fontRef idx="minor">
+            <a:schemeClr val="tx1"/>
+          </a:fontRef>
+        </p:style>
+      </p:cxnSp>
+      <p:pic>
+        <p:nvPicPr>
+          <p:cNvPr id="6" name="Picture 7" descr="Angular-Logo-PNG-Image.png"/>
+          <p:cNvPicPr>
+            <a:picLocks noChangeAspect="1" noChangeArrowheads="1"/>
+          </p:cNvPicPr>
+          <p:nvPr/>
+        </p:nvPicPr>
+        <p:blipFill rotWithShape="1">
+          <a:blip r:embed="rId2" cstate="print">
+            <a:extLst>
+              <a:ext uri="{28A0092B-C50C-407E-A947-70E740481C1C}">
+                <a14:useLocalDpi xmlns:a14="http://schemas.microsoft.com/office/drawing/2010/main" val="0"/>
+              </a:ext>
+            </a:extLst>
+          </a:blip>
+          <a:srcRect l="2299" t="36731" r="73370" b="36781"/>
+          <a:stretch/>
+        </p:blipFill>
+        <p:spPr bwMode="auto">
+          <a:xfrm>
+            <a:off x="7156265" y="160338"/>
+            <a:ext cx="1317026" cy="1433826"/>
+          </a:xfrm>
+          <a:prstGeom prst="rect">
+            <a:avLst/>
+          </a:prstGeom>
+          <a:noFill/>
+          <a:extLst>
+            <a:ext uri="{909E8E84-426E-40DD-AFC4-6F175D3DCCD1}">
+              <a14:hiddenFill xmlns:a14="http://schemas.microsoft.com/office/drawing/2010/main">
+                <a:solidFill>
+                  <a:srgbClr val="FFFFFF"/>
+                </a:solidFill>
+              </a14:hiddenFill>
+            </a:ext>
+          </a:extLst>
+        </p:spPr>
+      </p:pic>
+      <p:sp>
+        <p:nvSpPr>
           <p:cNvPr id="7" name="Espaço Reservado para Conteúdo 2"/>
           <p:cNvSpPr>
             <a:spLocks noGrp="1"/>
@@ -15887,7 +16082,7 @@
 </p:sld>
 </file>
 
-<file path=ppt/slides/slide42.xml><?xml version="1.0" encoding="utf-8"?>
+<file path=ppt/slides/slide43.xml><?xml version="1.0" encoding="utf-8"?>
 <p:sld xmlns:a="http://schemas.openxmlformats.org/drawingml/2006/main" xmlns:r="http://schemas.openxmlformats.org/officeDocument/2006/relationships" xmlns:p="http://schemas.openxmlformats.org/presentationml/2006/main">
   <p:cSld>
     <p:spTree>

--- a/Módulo 2/Modulo 2.pptx
+++ b/Módulo 2/Modulo 2.pptx
@@ -20,15 +20,15 @@
     <p:sldId id="290" r:id="rId14"/>
     <p:sldId id="291" r:id="rId15"/>
     <p:sldId id="293" r:id="rId16"/>
-    <p:sldId id="294" r:id="rId17"/>
-    <p:sldId id="298" r:id="rId18"/>
-    <p:sldId id="295" r:id="rId19"/>
-    <p:sldId id="296" r:id="rId20"/>
-    <p:sldId id="299" r:id="rId21"/>
-    <p:sldId id="300" r:id="rId22"/>
-    <p:sldId id="301" r:id="rId23"/>
-    <p:sldId id="302" r:id="rId24"/>
-    <p:sldId id="303" r:id="rId25"/>
+    <p:sldId id="298" r:id="rId17"/>
+    <p:sldId id="295" r:id="rId18"/>
+    <p:sldId id="296" r:id="rId19"/>
+    <p:sldId id="299" r:id="rId20"/>
+    <p:sldId id="300" r:id="rId21"/>
+    <p:sldId id="301" r:id="rId22"/>
+    <p:sldId id="302" r:id="rId23"/>
+    <p:sldId id="303" r:id="rId24"/>
+    <p:sldId id="323" r:id="rId25"/>
     <p:sldId id="297" r:id="rId26"/>
     <p:sldId id="304" r:id="rId27"/>
     <p:sldId id="305" r:id="rId28"/>
@@ -342,7 +342,7 @@
           <a:p>
             <a:fld id="{05D07FE6-D4F0-43B8-8724-69D32D78BC5B}" type="datetimeFigureOut">
               <a:rPr lang="pt-BR" smtClean="0"/>
-              <a:t>15/04/2019</a:t>
+              <a:t>17/04/2019</a:t>
             </a:fld>
             <a:endParaRPr lang="pt-BR"/>
           </a:p>
@@ -607,7 +607,7 @@
           <a:p>
             <a:fld id="{05D07FE6-D4F0-43B8-8724-69D32D78BC5B}" type="datetimeFigureOut">
               <a:rPr lang="pt-BR" smtClean="0"/>
-              <a:t>15/04/2019</a:t>
+              <a:t>17/04/2019</a:t>
             </a:fld>
             <a:endParaRPr lang="pt-BR"/>
           </a:p>
@@ -782,7 +782,7 @@
           <a:p>
             <a:fld id="{05D07FE6-D4F0-43B8-8724-69D32D78BC5B}" type="datetimeFigureOut">
               <a:rPr lang="pt-BR" smtClean="0"/>
-              <a:t>15/04/2019</a:t>
+              <a:t>17/04/2019</a:t>
             </a:fld>
             <a:endParaRPr lang="pt-BR"/>
           </a:p>
@@ -947,7 +947,7 @@
           <a:p>
             <a:fld id="{05D07FE6-D4F0-43B8-8724-69D32D78BC5B}" type="datetimeFigureOut">
               <a:rPr lang="pt-BR" smtClean="0"/>
-              <a:t>15/04/2019</a:t>
+              <a:t>17/04/2019</a:t>
             </a:fld>
             <a:endParaRPr lang="pt-BR"/>
           </a:p>
@@ -1196,7 +1196,7 @@
           <a:p>
             <a:fld id="{05D07FE6-D4F0-43B8-8724-69D32D78BC5B}" type="datetimeFigureOut">
               <a:rPr lang="pt-BR" smtClean="0"/>
-              <a:t>15/04/2019</a:t>
+              <a:t>17/04/2019</a:t>
             </a:fld>
             <a:endParaRPr lang="pt-BR"/>
           </a:p>
@@ -1479,7 +1479,7 @@
           <a:p>
             <a:fld id="{05D07FE6-D4F0-43B8-8724-69D32D78BC5B}" type="datetimeFigureOut">
               <a:rPr lang="pt-BR" smtClean="0"/>
-              <a:t>15/04/2019</a:t>
+              <a:t>17/04/2019</a:t>
             </a:fld>
             <a:endParaRPr lang="pt-BR"/>
           </a:p>
@@ -1918,7 +1918,7 @@
           <a:p>
             <a:fld id="{05D07FE6-D4F0-43B8-8724-69D32D78BC5B}" type="datetimeFigureOut">
               <a:rPr lang="pt-BR" smtClean="0"/>
-              <a:t>15/04/2019</a:t>
+              <a:t>17/04/2019</a:t>
             </a:fld>
             <a:endParaRPr lang="pt-BR"/>
           </a:p>
@@ -2031,7 +2031,7 @@
           <a:p>
             <a:fld id="{05D07FE6-D4F0-43B8-8724-69D32D78BC5B}" type="datetimeFigureOut">
               <a:rPr lang="pt-BR" smtClean="0"/>
-              <a:t>15/04/2019</a:t>
+              <a:t>17/04/2019</a:t>
             </a:fld>
             <a:endParaRPr lang="pt-BR"/>
           </a:p>
@@ -2121,7 +2121,7 @@
           <a:p>
             <a:fld id="{05D07FE6-D4F0-43B8-8724-69D32D78BC5B}" type="datetimeFigureOut">
               <a:rPr lang="pt-BR" smtClean="0"/>
-              <a:t>15/04/2019</a:t>
+              <a:t>17/04/2019</a:t>
             </a:fld>
             <a:endParaRPr lang="pt-BR"/>
           </a:p>
@@ -2363,7 +2363,7 @@
           <a:p>
             <a:fld id="{05D07FE6-D4F0-43B8-8724-69D32D78BC5B}" type="datetimeFigureOut">
               <a:rPr lang="pt-BR" smtClean="0"/>
-              <a:t>15/04/2019</a:t>
+              <a:t>17/04/2019</a:t>
             </a:fld>
             <a:endParaRPr lang="pt-BR"/>
           </a:p>
@@ -2657,7 +2657,7 @@
           <a:p>
             <a:fld id="{05D07FE6-D4F0-43B8-8724-69D32D78BC5B}" type="datetimeFigureOut">
               <a:rPr lang="pt-BR" smtClean="0"/>
-              <a:t>15/04/2019</a:t>
+              <a:t>17/04/2019</a:t>
             </a:fld>
             <a:endParaRPr lang="pt-BR"/>
           </a:p>
@@ -2951,7 +2951,7 @@
           <a:p>
             <a:fld id="{05D07FE6-D4F0-43B8-8724-69D32D78BC5B}" type="datetimeFigureOut">
               <a:rPr lang="pt-BR" smtClean="0"/>
-              <a:t>15/04/2019</a:t>
+              <a:t>17/04/2019</a:t>
             </a:fld>
             <a:endParaRPr lang="pt-BR"/>
           </a:p>
@@ -3808,18 +3808,11 @@
               <a:t>, podemos utilizar os </a:t>
             </a:r>
             <a:r>
-              <a:rPr lang="pt-BR" sz="2600" b="0" dirty="0" err="1">
-                <a:latin typeface="Times New Roman" pitchFamily="18" charset="0"/>
-                <a:cs typeface="Times New Roman" pitchFamily="18" charset="0"/>
-              </a:rPr>
-              <a:t>acessores</a:t>
-            </a:r>
-            <a:r>
-              <a:rPr lang="pt-BR" sz="2600" b="0" dirty="0">
-                <a:latin typeface="Times New Roman" pitchFamily="18" charset="0"/>
-                <a:cs typeface="Times New Roman" pitchFamily="18" charset="0"/>
-              </a:rPr>
-              <a:t> </a:t>
+              <a:rPr lang="pt-BR" sz="2600" b="0" dirty="0" smtClean="0">
+                <a:latin typeface="Times New Roman" pitchFamily="18" charset="0"/>
+                <a:cs typeface="Times New Roman" pitchFamily="18" charset="0"/>
+              </a:rPr>
+              <a:t>assessores </a:t>
             </a:r>
             <a:r>
               <a:rPr lang="pt-BR" sz="2600" b="0" dirty="0" err="1">
@@ -4007,7 +4000,7 @@
               <a:t> </a:t>
             </a:r>
             <a:r>
-              <a:rPr lang="pt-BR" sz="2800" b="1" dirty="0"/>
+              <a:rPr lang="pt-BR" sz="2800" b="1" dirty="0" smtClean="0"/>
               <a:t>- </a:t>
             </a:r>
             <a:r>
@@ -4048,23 +4041,20 @@
           </a:bodyPr>
           <a:lstStyle/>
           <a:p>
-            <a:pPr marL="457200" indent="-457200" algn="just">
-              <a:buFont typeface="Arial" pitchFamily="34" charset="0"/>
-              <a:buChar char="•"/>
-            </a:pPr>
+            <a:pPr algn="just"/>
+            <a:r>
+              <a:rPr lang="pt-BR" sz="2600" b="0" dirty="0" err="1" smtClean="0">
+                <a:latin typeface="Times New Roman" pitchFamily="18" charset="0"/>
+                <a:cs typeface="Times New Roman" pitchFamily="18" charset="0"/>
+              </a:rPr>
+              <a:t>RxJS</a:t>
+            </a:r>
             <a:r>
               <a:rPr lang="pt-BR" sz="2600" b="0" dirty="0" smtClean="0">
                 <a:latin typeface="Times New Roman" pitchFamily="18" charset="0"/>
                 <a:cs typeface="Times New Roman" pitchFamily="18" charset="0"/>
               </a:rPr>
-              <a:t>Exemplo </a:t>
-            </a:r>
-            <a:r>
-              <a:rPr lang="pt-BR" sz="2600" b="0" smtClean="0">
-                <a:latin typeface="Times New Roman" pitchFamily="18" charset="0"/>
-                <a:cs typeface="Times New Roman" pitchFamily="18" charset="0"/>
-              </a:rPr>
-              <a:t>de fixação.</a:t>
+              <a:t> na prática</a:t>
             </a:r>
             <a:endParaRPr lang="pt-BR" sz="2600" b="0" dirty="0">
               <a:latin typeface="Times New Roman" pitchFamily="18" charset="0"/>
@@ -4144,6 +4134,127 @@
           <a:xfrm>
             <a:off x="7156265" y="160338"/>
             <a:ext cx="1317026" cy="1433826"/>
+          </a:xfrm>
+          <a:prstGeom prst="rect">
+            <a:avLst/>
+          </a:prstGeom>
+          <a:noFill/>
+          <a:extLst>
+            <a:ext uri="{909E8E84-426E-40DD-AFC4-6F175D3DCCD1}">
+              <a14:hiddenFill xmlns:a14="http://schemas.microsoft.com/office/drawing/2010/main">
+                <a:solidFill>
+                  <a:srgbClr val="FFFFFF"/>
+                </a:solidFill>
+              </a14:hiddenFill>
+            </a:ext>
+          </a:extLst>
+        </p:spPr>
+      </p:pic>
+      <p:pic>
+        <p:nvPicPr>
+          <p:cNvPr id="1028" name="Picture 4" descr="Resultado de imagem para cogs gif"/>
+          <p:cNvPicPr>
+            <a:picLocks noChangeAspect="1" noChangeArrowheads="1" noCrop="1"/>
+          </p:cNvPicPr>
+          <p:nvPr/>
+        </p:nvPicPr>
+        <p:blipFill>
+          <a:blip r:embed="rId3">
+            <a:extLst>
+              <a:ext uri="{28A0092B-C50C-407E-A947-70E740481C1C}">
+                <a14:useLocalDpi xmlns:a14="http://schemas.microsoft.com/office/drawing/2010/main" val="0"/>
+              </a:ext>
+            </a:extLst>
+          </a:blip>
+          <a:srcRect/>
+          <a:stretch>
+            <a:fillRect/>
+          </a:stretch>
+        </p:blipFill>
+        <p:spPr bwMode="auto">
+          <a:xfrm>
+            <a:off x="6983471" y="1594164"/>
+            <a:ext cx="1662614" cy="1174221"/>
+          </a:xfrm>
+          <a:prstGeom prst="rect">
+            <a:avLst/>
+          </a:prstGeom>
+          <a:noFill/>
+          <a:extLst>
+            <a:ext uri="{909E8E84-426E-40DD-AFC4-6F175D3DCCD1}">
+              <a14:hiddenFill xmlns:a14="http://schemas.microsoft.com/office/drawing/2010/main">
+                <a:solidFill>
+                  <a:srgbClr val="FFFFFF"/>
+                </a:solidFill>
+              </a14:hiddenFill>
+            </a:ext>
+          </a:extLst>
+        </p:spPr>
+      </p:pic>
+      <p:sp>
+        <p:nvSpPr>
+          <p:cNvPr id="8" name="AutoShape 12" descr="Resultado de imagem para observable e promises"/>
+          <p:cNvSpPr>
+            <a:spLocks noChangeAspect="1" noChangeArrowheads="1"/>
+          </p:cNvSpPr>
+          <p:nvPr/>
+        </p:nvSpPr>
+        <p:spPr bwMode="auto">
+          <a:xfrm>
+            <a:off x="155575" y="-144463"/>
+            <a:ext cx="304800" cy="304801"/>
+          </a:xfrm>
+          <a:prstGeom prst="rect">
+            <a:avLst/>
+          </a:prstGeom>
+          <a:noFill/>
+          <a:extLst>
+            <a:ext uri="{909E8E84-426E-40DD-AFC4-6F175D3DCCD1}">
+              <a14:hiddenFill xmlns:a14="http://schemas.microsoft.com/office/drawing/2010/main">
+                <a:solidFill>
+                  <a:srgbClr val="FFFFFF"/>
+                </a:solidFill>
+              </a14:hiddenFill>
+            </a:ext>
+          </a:extLst>
+        </p:spPr>
+        <p:txBody>
+          <a:bodyPr vert="horz" wrap="square" lIns="91440" tIns="45720" rIns="91440" bIns="45720" numCol="1" anchor="t" anchorCtr="0" compatLnSpc="1">
+            <a:prstTxWarp prst="textNoShape">
+              <a:avLst/>
+            </a:prstTxWarp>
+          </a:bodyPr>
+          <a:lstStyle/>
+          <a:p>
+            <a:endParaRPr lang="pt-BR"/>
+          </a:p>
+        </p:txBody>
+      </p:sp>
+      <p:pic>
+        <p:nvPicPr>
+          <p:cNvPr id="1041" name="Picture 17" descr="Imagem relacionada"/>
+          <p:cNvPicPr>
+            <a:picLocks noChangeAspect="1" noChangeArrowheads="1"/>
+          </p:cNvPicPr>
+          <p:nvPr/>
+        </p:nvPicPr>
+        <p:blipFill>
+          <a:blip r:embed="rId4" cstate="print">
+            <a:extLst>
+              <a:ext uri="{28A0092B-C50C-407E-A947-70E740481C1C}">
+                <a14:useLocalDpi xmlns:a14="http://schemas.microsoft.com/office/drawing/2010/main" val="0"/>
+              </a:ext>
+            </a:extLst>
+          </a:blip>
+          <a:srcRect/>
+          <a:stretch>
+            <a:fillRect/>
+          </a:stretch>
+        </p:blipFill>
+        <p:spPr bwMode="auto">
+          <a:xfrm>
+            <a:off x="-4405" y="2996952"/>
+            <a:ext cx="9011425" cy="3861048"/>
           </a:xfrm>
           <a:prstGeom prst="rect">
             <a:avLst/>
@@ -5173,199 +5284,6 @@
         </p:nvSpPr>
         <p:spPr>
           <a:xfrm>
-            <a:off x="251519" y="323403"/>
-            <a:ext cx="6840761" cy="903630"/>
-          </a:xfrm>
-        </p:spPr>
-        <p:txBody>
-          <a:bodyPr>
-            <a:noAutofit/>
-          </a:bodyPr>
-          <a:lstStyle/>
-          <a:p>
-            <a:r>
-              <a:rPr lang="pt-BR" sz="2800" b="1" dirty="0"/>
-              <a:t>REALIZANDO UM CRUD</a:t>
-            </a:r>
-          </a:p>
-        </p:txBody>
-      </p:sp>
-      <p:sp>
-        <p:nvSpPr>
-          <p:cNvPr id="3" name="Espaço Reservado para Conteúdo 2"/>
-          <p:cNvSpPr>
-            <a:spLocks noGrp="1"/>
-          </p:cNvSpPr>
-          <p:nvPr>
-            <p:ph idx="1"/>
-          </p:nvPr>
-        </p:nvSpPr>
-        <p:spPr>
-          <a:xfrm>
-            <a:off x="395536" y="1844824"/>
-            <a:ext cx="8077755" cy="3960440"/>
-          </a:xfrm>
-        </p:spPr>
-        <p:txBody>
-          <a:bodyPr>
-            <a:noAutofit/>
-          </a:bodyPr>
-          <a:lstStyle/>
-          <a:p>
-            <a:endParaRPr lang="pt-BR" sz="1600" b="0" dirty="0">
-              <a:latin typeface="Times New Roman" pitchFamily="18" charset="0"/>
-              <a:cs typeface="Times New Roman" pitchFamily="18" charset="0"/>
-            </a:endParaRPr>
-          </a:p>
-          <a:p>
-            <a:pPr marL="457200" indent="-457200">
-              <a:buFont typeface="Arial" pitchFamily="34" charset="0"/>
-              <a:buChar char="•"/>
-            </a:pPr>
-            <a:r>
-              <a:rPr lang="pt-BR" sz="2800" b="0" dirty="0" smtClean="0">
-                <a:latin typeface="Times New Roman" pitchFamily="18" charset="0"/>
-                <a:cs typeface="Times New Roman" pitchFamily="18" charset="0"/>
-              </a:rPr>
-              <a:t>Realizar </a:t>
-            </a:r>
-            <a:r>
-              <a:rPr lang="pt-BR" sz="2800" b="0" dirty="0">
-                <a:latin typeface="Times New Roman" pitchFamily="18" charset="0"/>
-                <a:cs typeface="Times New Roman" pitchFamily="18" charset="0"/>
-              </a:rPr>
-              <a:t>Exercício 3 da lista de exercícios</a:t>
-            </a:r>
-          </a:p>
-          <a:p>
-            <a:endParaRPr lang="pt-BR" sz="2800" dirty="0"/>
-          </a:p>
-          <a:p>
-            <a:endParaRPr lang="pt-BR" sz="2600" dirty="0"/>
-          </a:p>
-        </p:txBody>
-      </p:sp>
-      <p:cxnSp>
-        <p:nvCxnSpPr>
-          <p:cNvPr id="5" name="Conector reto 4"/>
-          <p:cNvCxnSpPr/>
-          <p:nvPr/>
-        </p:nvCxnSpPr>
-        <p:spPr>
-          <a:xfrm>
-            <a:off x="251520" y="1340768"/>
-            <a:ext cx="6480720" cy="0"/>
-          </a:xfrm>
-          <a:prstGeom prst="line">
-            <a:avLst/>
-          </a:prstGeom>
-          <a:ln/>
-        </p:spPr>
-        <p:style>
-          <a:lnRef idx="2">
-            <a:schemeClr val="accent5"/>
-          </a:lnRef>
-          <a:fillRef idx="0">
-            <a:schemeClr val="accent5"/>
-          </a:fillRef>
-          <a:effectRef idx="1">
-            <a:schemeClr val="accent5"/>
-          </a:effectRef>
-          <a:fontRef idx="minor">
-            <a:schemeClr val="tx1"/>
-          </a:fontRef>
-        </p:style>
-      </p:cxnSp>
-      <p:pic>
-        <p:nvPicPr>
-          <p:cNvPr id="1028" name="Picture 4" descr="C:\Users\User\Desktop\Apresentação\Imagens\gif\27637937-cb4b9b24-5c11-11e7-949b-15c1e4cdb53c.gif"/>
-          <p:cNvPicPr>
-            <a:picLocks noChangeAspect="1" noChangeArrowheads="1" noCrop="1"/>
-          </p:cNvPicPr>
-          <p:nvPr/>
-        </p:nvPicPr>
-        <p:blipFill>
-          <a:blip r:embed="rId2">
-            <a:extLst>
-              <a:ext uri="{28A0092B-C50C-407E-A947-70E740481C1C}">
-                <a14:useLocalDpi xmlns:a14="http://schemas.microsoft.com/office/drawing/2010/main" val="0"/>
-              </a:ext>
-            </a:extLst>
-          </a:blip>
-          <a:srcRect/>
-          <a:stretch>
-            <a:fillRect/>
-          </a:stretch>
-        </p:blipFill>
-        <p:spPr bwMode="auto">
-          <a:xfrm>
-            <a:off x="6957887" y="-27384"/>
-            <a:ext cx="1728193" cy="1741909"/>
-          </a:xfrm>
-          <a:prstGeom prst="rect">
-            <a:avLst/>
-          </a:prstGeom>
-          <a:noFill/>
-          <a:extLst>
-            <a:ext uri="{909E8E84-426E-40DD-AFC4-6F175D3DCCD1}">
-              <a14:hiddenFill xmlns:a14="http://schemas.microsoft.com/office/drawing/2010/main">
-                <a:solidFill>
-                  <a:srgbClr val="FFFFFF"/>
-                </a:solidFill>
-              </a14:hiddenFill>
-            </a:ext>
-          </a:extLst>
-        </p:spPr>
-      </p:pic>
-    </p:spTree>
-    <p:extLst>
-      <p:ext uri="{BB962C8B-B14F-4D97-AF65-F5344CB8AC3E}">
-        <p14:creationId xmlns:p14="http://schemas.microsoft.com/office/powerpoint/2010/main" val="403429108"/>
-      </p:ext>
-    </p:extLst>
-  </p:cSld>
-  <p:clrMapOvr>
-    <a:masterClrMapping/>
-  </p:clrMapOvr>
-  <p:timing>
-    <p:tnLst>
-      <p:par>
-        <p:cTn id="1" dur="indefinite" restart="never" nodeType="tmRoot"/>
-      </p:par>
-    </p:tnLst>
-  </p:timing>
-</p:sld>
-</file>
-
-<file path=ppt/slides/slide17.xml><?xml version="1.0" encoding="utf-8"?>
-<p:sld xmlns:a="http://schemas.openxmlformats.org/drawingml/2006/main" xmlns:r="http://schemas.openxmlformats.org/officeDocument/2006/relationships" xmlns:p="http://schemas.openxmlformats.org/presentationml/2006/main">
-  <p:cSld>
-    <p:spTree>
-      <p:nvGrpSpPr>
-        <p:cNvPr id="1" name=""/>
-        <p:cNvGrpSpPr/>
-        <p:nvPr/>
-      </p:nvGrpSpPr>
-      <p:grpSpPr>
-        <a:xfrm>
-          <a:off x="0" y="0"/>
-          <a:ext cx="0" cy="0"/>
-          <a:chOff x="0" y="0"/>
-          <a:chExt cx="0" cy="0"/>
-        </a:xfrm>
-      </p:grpSpPr>
-      <p:sp>
-        <p:nvSpPr>
-          <p:cNvPr id="2" name="Título 1"/>
-          <p:cNvSpPr>
-            <a:spLocks noGrp="1"/>
-          </p:cNvSpPr>
-          <p:nvPr>
-            <p:ph type="title"/>
-          </p:nvPr>
-        </p:nvSpPr>
-        <p:spPr>
-          <a:xfrm>
             <a:off x="322059" y="3140968"/>
             <a:ext cx="8363272" cy="2844234"/>
           </a:xfrm>
@@ -5565,7 +5483,7 @@
 </p:sld>
 </file>
 
-<file path=ppt/slides/slide18.xml><?xml version="1.0" encoding="utf-8"?>
+<file path=ppt/slides/slide17.xml><?xml version="1.0" encoding="utf-8"?>
 <p:sld xmlns:a="http://schemas.openxmlformats.org/drawingml/2006/main" xmlns:r="http://schemas.openxmlformats.org/officeDocument/2006/relationships" xmlns:p="http://schemas.openxmlformats.org/presentationml/2006/main">
   <p:cSld>
     <p:spTree>
@@ -5908,7 +5826,7 @@
 </p:sld>
 </file>
 
-<file path=ppt/slides/slide19.xml><?xml version="1.0" encoding="utf-8"?>
+<file path=ppt/slides/slide18.xml><?xml version="1.0" encoding="utf-8"?>
 <p:sld xmlns:a="http://schemas.openxmlformats.org/drawingml/2006/main" xmlns:r="http://schemas.openxmlformats.org/officeDocument/2006/relationships" xmlns:p="http://schemas.openxmlformats.org/presentationml/2006/main">
   <p:cSld>
     <p:spTree>
@@ -6377,6 +6295,637 @@
     <p:extLst>
       <p:ext uri="{BB962C8B-B14F-4D97-AF65-F5344CB8AC3E}">
         <p14:creationId xmlns:p14="http://schemas.microsoft.com/office/powerpoint/2010/main" val="403429108"/>
+      </p:ext>
+    </p:extLst>
+  </p:cSld>
+  <p:clrMapOvr>
+    <a:masterClrMapping/>
+  </p:clrMapOvr>
+  <p:timing>
+    <p:tnLst>
+      <p:par>
+        <p:cTn id="1" dur="indefinite" restart="never" nodeType="tmRoot"/>
+      </p:par>
+    </p:tnLst>
+  </p:timing>
+</p:sld>
+</file>
+
+<file path=ppt/slides/slide19.xml><?xml version="1.0" encoding="utf-8"?>
+<p:sld xmlns:a="http://schemas.openxmlformats.org/drawingml/2006/main" xmlns:r="http://schemas.openxmlformats.org/officeDocument/2006/relationships" xmlns:p="http://schemas.openxmlformats.org/presentationml/2006/main">
+  <p:cSld>
+    <p:spTree>
+      <p:nvGrpSpPr>
+        <p:cNvPr id="1" name=""/>
+        <p:cNvGrpSpPr/>
+        <p:nvPr/>
+      </p:nvGrpSpPr>
+      <p:grpSpPr>
+        <a:xfrm>
+          <a:off x="0" y="0"/>
+          <a:ext cx="0" cy="0"/>
+          <a:chOff x="0" y="0"/>
+          <a:chExt cx="0" cy="0"/>
+        </a:xfrm>
+      </p:grpSpPr>
+      <p:sp>
+        <p:nvSpPr>
+          <p:cNvPr id="2" name="Título 1"/>
+          <p:cNvSpPr>
+            <a:spLocks noGrp="1"/>
+          </p:cNvSpPr>
+          <p:nvPr>
+            <p:ph type="title"/>
+          </p:nvPr>
+        </p:nvSpPr>
+        <p:spPr>
+          <a:xfrm>
+            <a:off x="251521" y="323403"/>
+            <a:ext cx="6480720" cy="903630"/>
+          </a:xfrm>
+        </p:spPr>
+        <p:txBody>
+          <a:bodyPr>
+            <a:noAutofit/>
+          </a:bodyPr>
+          <a:lstStyle/>
+          <a:p>
+            <a:pPr algn="ctr"/>
+            <a:r>
+              <a:rPr lang="pt-BR" sz="2800" b="1" dirty="0"/>
+              <a:t>IMPORTANDO O </a:t>
+            </a:r>
+            <a:r>
+              <a:rPr lang="pt-BR" sz="2800" b="1" dirty="0" smtClean="0"/>
+              <a:t>PRIMENG</a:t>
+            </a:r>
+            <a:br>
+              <a:rPr lang="pt-BR" sz="2800" b="1" dirty="0" smtClean="0"/>
+            </a:br>
+            <a:r>
+              <a:rPr lang="pt-BR" sz="2800" b="1" dirty="0" smtClean="0"/>
+              <a:t> </a:t>
+            </a:r>
+            <a:r>
+              <a:rPr lang="pt-BR" sz="2800" b="1" dirty="0"/>
+              <a:t>EM NOSSO PROJETO</a:t>
+            </a:r>
+          </a:p>
+        </p:txBody>
+      </p:sp>
+      <p:sp>
+        <p:nvSpPr>
+          <p:cNvPr id="3" name="Espaço Reservado para Conteúdo 2"/>
+          <p:cNvSpPr>
+            <a:spLocks noGrp="1"/>
+          </p:cNvSpPr>
+          <p:nvPr>
+            <p:ph idx="1"/>
+          </p:nvPr>
+        </p:nvSpPr>
+        <p:spPr>
+          <a:xfrm>
+            <a:off x="395536" y="1844824"/>
+            <a:ext cx="8077755" cy="3960440"/>
+          </a:xfrm>
+        </p:spPr>
+        <p:txBody>
+          <a:bodyPr>
+            <a:noAutofit/>
+          </a:bodyPr>
+          <a:lstStyle/>
+          <a:p>
+            <a:endParaRPr lang="pt-BR" sz="2600" dirty="0"/>
+          </a:p>
+          <a:p>
+            <a:endParaRPr lang="pt-BR" sz="2600" dirty="0"/>
+          </a:p>
+        </p:txBody>
+      </p:sp>
+      <p:cxnSp>
+        <p:nvCxnSpPr>
+          <p:cNvPr id="5" name="Conector reto 4"/>
+          <p:cNvCxnSpPr/>
+          <p:nvPr/>
+        </p:nvCxnSpPr>
+        <p:spPr>
+          <a:xfrm>
+            <a:off x="251520" y="1340768"/>
+            <a:ext cx="6480720" cy="0"/>
+          </a:xfrm>
+          <a:prstGeom prst="line">
+            <a:avLst/>
+          </a:prstGeom>
+          <a:ln/>
+        </p:spPr>
+        <p:style>
+          <a:lnRef idx="2">
+            <a:schemeClr val="accent5"/>
+          </a:lnRef>
+          <a:fillRef idx="0">
+            <a:schemeClr val="accent5"/>
+          </a:fillRef>
+          <a:effectRef idx="1">
+            <a:schemeClr val="accent5"/>
+          </a:effectRef>
+          <a:fontRef idx="minor">
+            <a:schemeClr val="tx1"/>
+          </a:fontRef>
+        </p:style>
+      </p:cxnSp>
+      <p:pic>
+        <p:nvPicPr>
+          <p:cNvPr id="6" name="Picture 7" descr="Angular-Logo-PNG-Image.png"/>
+          <p:cNvPicPr>
+            <a:picLocks noChangeAspect="1" noChangeArrowheads="1"/>
+          </p:cNvPicPr>
+          <p:nvPr/>
+        </p:nvPicPr>
+        <p:blipFill rotWithShape="1">
+          <a:blip r:embed="rId2" cstate="print">
+            <a:extLst>
+              <a:ext uri="{28A0092B-C50C-407E-A947-70E740481C1C}">
+                <a14:useLocalDpi xmlns:a14="http://schemas.microsoft.com/office/drawing/2010/main" val="0"/>
+              </a:ext>
+            </a:extLst>
+          </a:blip>
+          <a:srcRect l="2299" t="36731" r="73370" b="36781"/>
+          <a:stretch/>
+        </p:blipFill>
+        <p:spPr bwMode="auto">
+          <a:xfrm>
+            <a:off x="7156265" y="160338"/>
+            <a:ext cx="1317026" cy="1433826"/>
+          </a:xfrm>
+          <a:prstGeom prst="rect">
+            <a:avLst/>
+          </a:prstGeom>
+          <a:noFill/>
+          <a:extLst>
+            <a:ext uri="{909E8E84-426E-40DD-AFC4-6F175D3DCCD1}">
+              <a14:hiddenFill xmlns:a14="http://schemas.microsoft.com/office/drawing/2010/main">
+                <a:solidFill>
+                  <a:srgbClr val="FFFFFF"/>
+                </a:solidFill>
+              </a14:hiddenFill>
+            </a:ext>
+          </a:extLst>
+        </p:spPr>
+      </p:pic>
+      <p:sp>
+        <p:nvSpPr>
+          <p:cNvPr id="7" name="Espaço Reservado para Conteúdo 2"/>
+          <p:cNvSpPr txBox="1">
+            <a:spLocks/>
+          </p:cNvSpPr>
+          <p:nvPr/>
+        </p:nvSpPr>
+        <p:spPr>
+          <a:xfrm>
+            <a:off x="251521" y="1700808"/>
+            <a:ext cx="8221770" cy="3960440"/>
+          </a:xfrm>
+          <a:prstGeom prst="rect">
+            <a:avLst/>
+          </a:prstGeom>
+        </p:spPr>
+        <p:txBody>
+          <a:bodyPr vert="horz" lIns="91440" tIns="45720" rIns="91440" bIns="45720" rtlCol="0">
+            <a:noAutofit/>
+          </a:bodyPr>
+          <a:lstStyle>
+            <a:lvl1pPr marL="0" indent="0" algn="l" defTabSz="914400" rtl="0" eaLnBrk="1" latinLnBrk="0" hangingPunct="1">
+              <a:spcBef>
+                <a:spcPct val="20000"/>
+              </a:spcBef>
+              <a:spcAft>
+                <a:spcPts val="600"/>
+              </a:spcAft>
+              <a:buFont typeface="Arial" pitchFamily="34" charset="0"/>
+              <a:buNone/>
+              <a:defRPr sz="2000" b="1" kern="1200">
+                <a:solidFill>
+                  <a:schemeClr val="tx1"/>
+                </a:solidFill>
+                <a:latin typeface="+mn-lt"/>
+                <a:ea typeface="+mn-ea"/>
+                <a:cs typeface="+mn-cs"/>
+              </a:defRPr>
+            </a:lvl1pPr>
+            <a:lvl2pPr marL="457200" indent="-182880" algn="l" defTabSz="914400" rtl="0" eaLnBrk="1" latinLnBrk="0" hangingPunct="1">
+              <a:spcBef>
+                <a:spcPct val="20000"/>
+              </a:spcBef>
+              <a:buClr>
+                <a:schemeClr val="tx2"/>
+              </a:buClr>
+              <a:buFont typeface="Arial" pitchFamily="34" charset="0"/>
+              <a:buChar char="•"/>
+              <a:defRPr sz="2000" kern="1200">
+                <a:solidFill>
+                  <a:schemeClr val="tx1"/>
+                </a:solidFill>
+                <a:latin typeface="+mn-lt"/>
+                <a:ea typeface="+mn-ea"/>
+                <a:cs typeface="+mn-cs"/>
+              </a:defRPr>
+            </a:lvl2pPr>
+            <a:lvl3pPr marL="1143000" indent="-228600" algn="l" defTabSz="914400" rtl="0" eaLnBrk="1" latinLnBrk="0" hangingPunct="1">
+              <a:spcBef>
+                <a:spcPct val="20000"/>
+              </a:spcBef>
+              <a:buClr>
+                <a:schemeClr val="tx2"/>
+              </a:buClr>
+              <a:buFont typeface="Arial" pitchFamily="34" charset="0"/>
+              <a:buChar char="•"/>
+              <a:defRPr sz="1800" kern="1200">
+                <a:solidFill>
+                  <a:schemeClr val="tx1"/>
+                </a:solidFill>
+                <a:latin typeface="+mn-lt"/>
+                <a:ea typeface="+mn-ea"/>
+                <a:cs typeface="+mn-cs"/>
+              </a:defRPr>
+            </a:lvl3pPr>
+            <a:lvl4pPr marL="1600200" indent="-228600" algn="l" defTabSz="914400" rtl="0" eaLnBrk="1" latinLnBrk="0" hangingPunct="1">
+              <a:spcBef>
+                <a:spcPct val="20000"/>
+              </a:spcBef>
+              <a:buClr>
+                <a:schemeClr val="tx2"/>
+              </a:buClr>
+              <a:buFont typeface="Arial" pitchFamily="34" charset="0"/>
+              <a:buChar char="•"/>
+              <a:defRPr sz="1800" kern="1200">
+                <a:solidFill>
+                  <a:schemeClr val="tx1"/>
+                </a:solidFill>
+                <a:latin typeface="+mn-lt"/>
+                <a:ea typeface="+mn-ea"/>
+                <a:cs typeface="+mn-cs"/>
+              </a:defRPr>
+            </a:lvl4pPr>
+            <a:lvl5pPr marL="2057400" indent="-228600" algn="l" defTabSz="914400" rtl="0" eaLnBrk="1" latinLnBrk="0" hangingPunct="1">
+              <a:spcBef>
+                <a:spcPct val="20000"/>
+              </a:spcBef>
+              <a:buClr>
+                <a:schemeClr val="tx2"/>
+              </a:buClr>
+              <a:buFont typeface="Arial" pitchFamily="34" charset="0"/>
+              <a:buChar char="•"/>
+              <a:defRPr sz="1800" kern="1200" baseline="0">
+                <a:solidFill>
+                  <a:schemeClr val="tx1"/>
+                </a:solidFill>
+                <a:latin typeface="+mn-lt"/>
+                <a:ea typeface="+mn-ea"/>
+                <a:cs typeface="+mn-cs"/>
+              </a:defRPr>
+            </a:lvl5pPr>
+            <a:lvl6pPr marL="2514600" indent="-228600" algn="l" defTabSz="914400" rtl="0" eaLnBrk="1" latinLnBrk="0" hangingPunct="1">
+              <a:spcBef>
+                <a:spcPct val="20000"/>
+              </a:spcBef>
+              <a:buClr>
+                <a:schemeClr val="tx2"/>
+              </a:buClr>
+              <a:buFont typeface="Arial" pitchFamily="34" charset="0"/>
+              <a:buChar char="•"/>
+              <a:defRPr sz="1600" kern="1200">
+                <a:solidFill>
+                  <a:schemeClr val="tx1"/>
+                </a:solidFill>
+                <a:latin typeface="+mn-lt"/>
+                <a:ea typeface="+mn-ea"/>
+                <a:cs typeface="+mn-cs"/>
+              </a:defRPr>
+            </a:lvl6pPr>
+            <a:lvl7pPr marL="2971800" indent="-228600" algn="l" defTabSz="914400" rtl="0" eaLnBrk="1" latinLnBrk="0" hangingPunct="1">
+              <a:spcBef>
+                <a:spcPct val="20000"/>
+              </a:spcBef>
+              <a:buClr>
+                <a:schemeClr val="tx2"/>
+              </a:buClr>
+              <a:buFont typeface="Arial" pitchFamily="34" charset="0"/>
+              <a:buChar char="•"/>
+              <a:defRPr sz="1600" kern="1200">
+                <a:solidFill>
+                  <a:schemeClr val="tx1"/>
+                </a:solidFill>
+                <a:latin typeface="+mn-lt"/>
+                <a:ea typeface="+mn-ea"/>
+                <a:cs typeface="+mn-cs"/>
+              </a:defRPr>
+            </a:lvl7pPr>
+            <a:lvl8pPr marL="3429000" indent="-228600" algn="l" defTabSz="914400" rtl="0" eaLnBrk="1" latinLnBrk="0" hangingPunct="1">
+              <a:spcBef>
+                <a:spcPct val="20000"/>
+              </a:spcBef>
+              <a:buClr>
+                <a:schemeClr val="tx2"/>
+              </a:buClr>
+              <a:buFont typeface="Arial" pitchFamily="34" charset="0"/>
+              <a:buChar char="•"/>
+              <a:defRPr sz="1600" kern="1200">
+                <a:solidFill>
+                  <a:schemeClr val="tx1"/>
+                </a:solidFill>
+                <a:latin typeface="+mn-lt"/>
+                <a:ea typeface="+mn-ea"/>
+                <a:cs typeface="+mn-cs"/>
+              </a:defRPr>
+            </a:lvl8pPr>
+            <a:lvl9pPr marL="3886200" indent="-228600" algn="l" defTabSz="914400" rtl="0" eaLnBrk="1" latinLnBrk="0" hangingPunct="1">
+              <a:spcBef>
+                <a:spcPct val="20000"/>
+              </a:spcBef>
+              <a:buClr>
+                <a:schemeClr val="tx2"/>
+              </a:buClr>
+              <a:buFont typeface="Arial" pitchFamily="34" charset="0"/>
+              <a:buChar char="•"/>
+              <a:defRPr sz="1600" kern="1200">
+                <a:solidFill>
+                  <a:schemeClr val="tx1"/>
+                </a:solidFill>
+                <a:latin typeface="+mn-lt"/>
+                <a:ea typeface="+mn-ea"/>
+                <a:cs typeface="+mn-cs"/>
+              </a:defRPr>
+            </a:lvl9pPr>
+          </a:lstStyle>
+          <a:p>
+            <a:r>
+              <a:rPr lang="pt-BR" sz="2800" dirty="0" smtClean="0">
+                <a:latin typeface="Times New Roman" pitchFamily="18" charset="0"/>
+                <a:cs typeface="Times New Roman" pitchFamily="18" charset="0"/>
+              </a:rPr>
+              <a:t>Segundo passo:</a:t>
+            </a:r>
+            <a:endParaRPr lang="pt-BR" sz="2800" dirty="0">
+              <a:latin typeface="Times New Roman" pitchFamily="18" charset="0"/>
+              <a:cs typeface="Times New Roman" pitchFamily="18" charset="0"/>
+            </a:endParaRPr>
+          </a:p>
+          <a:p>
+            <a:pPr algn="just">
+              <a:spcBef>
+                <a:spcPts val="0"/>
+              </a:spcBef>
+            </a:pPr>
+            <a:r>
+              <a:rPr lang="pt-BR" sz="2800" b="0" dirty="0" smtClean="0">
+                <a:latin typeface="Times New Roman" pitchFamily="18" charset="0"/>
+                <a:cs typeface="Times New Roman" pitchFamily="18" charset="0"/>
+              </a:rPr>
+              <a:t>Importar </a:t>
+            </a:r>
+            <a:r>
+              <a:rPr lang="pt-BR" sz="2800" b="0" dirty="0">
+                <a:latin typeface="Times New Roman" pitchFamily="18" charset="0"/>
+                <a:cs typeface="Times New Roman" pitchFamily="18" charset="0"/>
+              </a:rPr>
+              <a:t>as dependências do </a:t>
+            </a:r>
+            <a:r>
+              <a:rPr lang="pt-BR" sz="2800" b="0" dirty="0" err="1">
+                <a:latin typeface="Times New Roman" pitchFamily="18" charset="0"/>
+                <a:cs typeface="Times New Roman" pitchFamily="18" charset="0"/>
+              </a:rPr>
+              <a:t>PrimeNG</a:t>
+            </a:r>
+            <a:r>
+              <a:rPr lang="pt-BR" sz="2800" b="0" dirty="0">
+                <a:latin typeface="Times New Roman" pitchFamily="18" charset="0"/>
+                <a:cs typeface="Times New Roman" pitchFamily="18" charset="0"/>
+              </a:rPr>
+              <a:t> no </a:t>
+            </a:r>
+            <a:r>
+              <a:rPr lang="pt-BR" sz="2800" b="0" dirty="0" err="1">
+                <a:latin typeface="Times New Roman" pitchFamily="18" charset="0"/>
+                <a:cs typeface="Times New Roman" pitchFamily="18" charset="0"/>
+              </a:rPr>
+              <a:t>package</a:t>
+            </a:r>
+            <a:r>
+              <a:rPr lang="pt-BR" sz="2800" b="0" dirty="0">
+                <a:latin typeface="Times New Roman" pitchFamily="18" charset="0"/>
+                <a:cs typeface="Times New Roman" pitchFamily="18" charset="0"/>
+              </a:rPr>
+              <a:t> </a:t>
+            </a:r>
+            <a:r>
+              <a:rPr lang="pt-BR" sz="2800" b="0" dirty="0" err="1">
+                <a:latin typeface="Times New Roman" pitchFamily="18" charset="0"/>
+                <a:cs typeface="Times New Roman" pitchFamily="18" charset="0"/>
+              </a:rPr>
+              <a:t>json</a:t>
+            </a:r>
+            <a:r>
+              <a:rPr lang="pt-BR" sz="2800" b="0" dirty="0">
+                <a:latin typeface="Times New Roman" pitchFamily="18" charset="0"/>
+                <a:cs typeface="Times New Roman" pitchFamily="18" charset="0"/>
+              </a:rPr>
+              <a:t> e declarar nos </a:t>
+            </a:r>
+            <a:r>
+              <a:rPr lang="pt-BR" sz="2800" b="0" dirty="0" err="1">
+                <a:latin typeface="Times New Roman" pitchFamily="18" charset="0"/>
+                <a:cs typeface="Times New Roman" pitchFamily="18" charset="0"/>
+              </a:rPr>
+              <a:t>assets</a:t>
+            </a:r>
+            <a:r>
+              <a:rPr lang="pt-BR" sz="2800" b="0" dirty="0">
+                <a:latin typeface="Times New Roman" pitchFamily="18" charset="0"/>
+                <a:cs typeface="Times New Roman" pitchFamily="18" charset="0"/>
+              </a:rPr>
+              <a:t> os </a:t>
+            </a:r>
+            <a:r>
+              <a:rPr lang="pt-BR" sz="2800" b="0" dirty="0" err="1">
+                <a:latin typeface="Times New Roman" pitchFamily="18" charset="0"/>
+                <a:cs typeface="Times New Roman" pitchFamily="18" charset="0"/>
+              </a:rPr>
+              <a:t>styles</a:t>
+            </a:r>
+            <a:r>
+              <a:rPr lang="pt-BR" sz="2800" b="0" dirty="0">
+                <a:latin typeface="Times New Roman" pitchFamily="18" charset="0"/>
+                <a:cs typeface="Times New Roman" pitchFamily="18" charset="0"/>
+              </a:rPr>
+              <a:t> do </a:t>
+            </a:r>
+            <a:r>
+              <a:rPr lang="pt-BR" sz="2800" b="0" dirty="0" err="1" smtClean="0">
+                <a:latin typeface="Times New Roman" pitchFamily="18" charset="0"/>
+                <a:cs typeface="Times New Roman" pitchFamily="18" charset="0"/>
+              </a:rPr>
+              <a:t>PrimeNG</a:t>
+            </a:r>
+            <a:r>
+              <a:rPr lang="pt-BR" sz="2800" b="0" dirty="0" smtClean="0">
+                <a:latin typeface="Times New Roman" pitchFamily="18" charset="0"/>
+                <a:cs typeface="Times New Roman" pitchFamily="18" charset="0"/>
+              </a:rPr>
+              <a:t>. </a:t>
+            </a:r>
+          </a:p>
+          <a:p>
+            <a:pPr algn="just">
+              <a:spcBef>
+                <a:spcPts val="0"/>
+              </a:spcBef>
+            </a:pPr>
+            <a:r>
+              <a:rPr lang="pt-BR" sz="2800" b="0" dirty="0" smtClean="0">
+                <a:latin typeface="Times New Roman" pitchFamily="18" charset="0"/>
+                <a:cs typeface="Times New Roman" pitchFamily="18" charset="0"/>
+              </a:rPr>
+              <a:t>Se </a:t>
+            </a:r>
+            <a:r>
+              <a:rPr lang="pt-BR" sz="2800" b="0" dirty="0">
+                <a:latin typeface="Times New Roman" pitchFamily="18" charset="0"/>
+                <a:cs typeface="Times New Roman" pitchFamily="18" charset="0"/>
+              </a:rPr>
+              <a:t>caso em nosso </a:t>
+            </a:r>
+            <a:r>
+              <a:rPr lang="pt-BR" sz="2800" b="0" dirty="0" err="1">
+                <a:latin typeface="Times New Roman" pitchFamily="18" charset="0"/>
+                <a:cs typeface="Times New Roman" pitchFamily="18" charset="0"/>
+              </a:rPr>
+              <a:t>package.json</a:t>
+            </a:r>
+            <a:r>
+              <a:rPr lang="pt-BR" sz="2800" b="0" dirty="0">
+                <a:latin typeface="Times New Roman" pitchFamily="18" charset="0"/>
+                <a:cs typeface="Times New Roman" pitchFamily="18" charset="0"/>
+              </a:rPr>
+              <a:t> não ter sido gravadas as declarações das dependências do </a:t>
+            </a:r>
+            <a:r>
+              <a:rPr lang="pt-BR" sz="2800" b="0" dirty="0" err="1">
+                <a:latin typeface="Times New Roman" pitchFamily="18" charset="0"/>
+                <a:cs typeface="Times New Roman" pitchFamily="18" charset="0"/>
+              </a:rPr>
+              <a:t>PrimeNG</a:t>
+            </a:r>
+            <a:r>
+              <a:rPr lang="pt-BR" sz="2800" b="0" dirty="0">
+                <a:latin typeface="Times New Roman" pitchFamily="18" charset="0"/>
+                <a:cs typeface="Times New Roman" pitchFamily="18" charset="0"/>
+              </a:rPr>
+              <a:t>, devemos </a:t>
+            </a:r>
+            <a:r>
+              <a:rPr lang="pt-BR" sz="2800" b="0" dirty="0" smtClean="0">
+                <a:latin typeface="Times New Roman" pitchFamily="18" charset="0"/>
+                <a:cs typeface="Times New Roman" pitchFamily="18" charset="0"/>
+              </a:rPr>
+              <a:t>adicioná-las </a:t>
+            </a:r>
+            <a:r>
+              <a:rPr lang="pt-BR" sz="2800" b="0" dirty="0">
+                <a:latin typeface="Times New Roman" pitchFamily="18" charset="0"/>
+                <a:cs typeface="Times New Roman" pitchFamily="18" charset="0"/>
+              </a:rPr>
+              <a:t>dentro de </a:t>
+            </a:r>
+            <a:r>
+              <a:rPr lang="pt-BR" sz="2800" b="0" dirty="0" err="1">
+                <a:latin typeface="Times New Roman" pitchFamily="18" charset="0"/>
+                <a:cs typeface="Times New Roman" pitchFamily="18" charset="0"/>
+              </a:rPr>
+              <a:t>dependencies</a:t>
+            </a:r>
+            <a:r>
+              <a:rPr lang="pt-BR" sz="2800" b="0" dirty="0">
+                <a:latin typeface="Times New Roman" pitchFamily="18" charset="0"/>
+                <a:cs typeface="Times New Roman" pitchFamily="18" charset="0"/>
+              </a:rPr>
+              <a:t>:</a:t>
+            </a:r>
+          </a:p>
+          <a:p>
+            <a:endParaRPr lang="pt-BR" sz="2800" dirty="0" smtClean="0"/>
+          </a:p>
+          <a:p>
+            <a:endParaRPr lang="pt-BR" sz="2600" dirty="0"/>
+          </a:p>
+        </p:txBody>
+      </p:sp>
+      <p:pic>
+        <p:nvPicPr>
+          <p:cNvPr id="1026" name="Picture 2"/>
+          <p:cNvPicPr>
+            <a:picLocks noChangeAspect="1" noChangeArrowheads="1"/>
+          </p:cNvPicPr>
+          <p:nvPr/>
+        </p:nvPicPr>
+        <p:blipFill rotWithShape="1">
+          <a:blip r:embed="rId3">
+            <a:extLst>
+              <a:ext uri="{28A0092B-C50C-407E-A947-70E740481C1C}">
+                <a14:useLocalDpi xmlns:a14="http://schemas.microsoft.com/office/drawing/2010/main" val="0"/>
+              </a:ext>
+            </a:extLst>
+          </a:blip>
+          <a:srcRect l="22745" t="48091" r="10532" b="15776"/>
+          <a:stretch/>
+        </p:blipFill>
+        <p:spPr bwMode="auto">
+          <a:xfrm>
+            <a:off x="1115616" y="4564977"/>
+            <a:ext cx="6624736" cy="2025945"/>
+          </a:xfrm>
+          <a:prstGeom prst="rect">
+            <a:avLst/>
+          </a:prstGeom>
+          <a:noFill/>
+          <a:ln>
+            <a:noFill/>
+          </a:ln>
+          <a:effectLst/>
+          <a:extLst>
+            <a:ext uri="{909E8E84-426E-40DD-AFC4-6F175D3DCCD1}">
+              <a14:hiddenFill xmlns:a14="http://schemas.microsoft.com/office/drawing/2010/main">
+                <a:solidFill>
+                  <a:schemeClr val="accent1"/>
+                </a:solidFill>
+              </a14:hiddenFill>
+            </a:ext>
+            <a:ext uri="{91240B29-F687-4F45-9708-019B960494DF}">
+              <a14:hiddenLine xmlns:a14="http://schemas.microsoft.com/office/drawing/2010/main" w="9525">
+                <a:solidFill>
+                  <a:schemeClr val="tx1"/>
+                </a:solidFill>
+                <a:miter lim="800000"/>
+                <a:headEnd/>
+                <a:tailEnd/>
+              </a14:hiddenLine>
+            </a:ext>
+            <a:ext uri="{AF507438-7753-43E0-B8FC-AC1667EBCBE1}">
+              <a14:hiddenEffects xmlns:a14="http://schemas.microsoft.com/office/drawing/2010/main">
+                <a:effectLst>
+                  <a:outerShdw dist="35921" dir="2700000" algn="ctr" rotWithShape="0">
+                    <a:schemeClr val="bg2"/>
+                  </a:outerShdw>
+                </a:effectLst>
+              </a14:hiddenEffects>
+            </a:ext>
+          </a:extLst>
+        </p:spPr>
+      </p:pic>
+    </p:spTree>
+    <p:extLst>
+      <p:ext uri="{BB962C8B-B14F-4D97-AF65-F5344CB8AC3E}">
+        <p14:creationId xmlns:p14="http://schemas.microsoft.com/office/powerpoint/2010/main" val="90333842"/>
       </p:ext>
     </p:extLst>
   </p:cSld>
@@ -6868,8 +7417,8 @@
         </p:nvSpPr>
         <p:spPr>
           <a:xfrm>
-            <a:off x="251521" y="1700808"/>
-            <a:ext cx="8221770" cy="3960440"/>
+            <a:off x="467545" y="1844824"/>
+            <a:ext cx="7776863" cy="3816424"/>
           </a:xfrm>
           <a:prstGeom prst="rect">
             <a:avLst/>
@@ -7049,7 +7598,7 @@
                 <a:latin typeface="Times New Roman" pitchFamily="18" charset="0"/>
                 <a:cs typeface="Times New Roman" pitchFamily="18" charset="0"/>
               </a:rPr>
-              <a:t>Segundo passo:</a:t>
+              <a:t>Terceiro passo:</a:t>
             </a:r>
             <a:endParaRPr lang="pt-BR" sz="2800" dirty="0">
               <a:latin typeface="Times New Roman" pitchFamily="18" charset="0"/>
@@ -7057,24 +7606,13 @@
             </a:endParaRPr>
           </a:p>
           <a:p>
-            <a:pPr algn="just">
-              <a:spcBef>
-                <a:spcPts val="0"/>
-              </a:spcBef>
-            </a:pPr>
-            <a:r>
-              <a:rPr lang="pt-BR" sz="2800" b="0" dirty="0" smtClean="0">
-                <a:latin typeface="Times New Roman" pitchFamily="18" charset="0"/>
-                <a:cs typeface="Times New Roman" pitchFamily="18" charset="0"/>
-              </a:rPr>
-              <a:t>Importar </a:t>
-            </a:r>
+            <a:pPr algn="just"/>
             <a:r>
               <a:rPr lang="pt-BR" sz="2800" b="0" dirty="0">
                 <a:latin typeface="Times New Roman" pitchFamily="18" charset="0"/>
                 <a:cs typeface="Times New Roman" pitchFamily="18" charset="0"/>
               </a:rPr>
-              <a:t>as dependências do </a:t>
+              <a:t>Para nossa aplicação reconhecer os estilos do </a:t>
             </a:r>
             <a:r>
               <a:rPr lang="pt-BR" sz="2800" b="0" dirty="0" err="1">
@@ -7088,154 +7626,49 @@
                 <a:latin typeface="Times New Roman" pitchFamily="18" charset="0"/>
                 <a:cs typeface="Times New Roman" pitchFamily="18" charset="0"/>
               </a:rPr>
-              <a:t> no </a:t>
+              <a:t>, devemos adicionar os seguintes </a:t>
             </a:r>
             <a:r>
               <a:rPr lang="pt-BR" sz="2800" b="0" dirty="0" err="1">
                 <a:latin typeface="Times New Roman" pitchFamily="18" charset="0"/>
                 <a:cs typeface="Times New Roman" pitchFamily="18" charset="0"/>
               </a:rPr>
-              <a:t>package</a:t>
+              <a:t>CSSs</a:t>
             </a:r>
             <a:r>
               <a:rPr lang="pt-BR" sz="2800" b="0" dirty="0">
                 <a:latin typeface="Times New Roman" pitchFamily="18" charset="0"/>
                 <a:cs typeface="Times New Roman" pitchFamily="18" charset="0"/>
               </a:rPr>
-              <a:t> </a:t>
+              <a:t> dentro de </a:t>
             </a:r>
             <a:r>
               <a:rPr lang="pt-BR" sz="2800" b="0" dirty="0" err="1">
                 <a:latin typeface="Times New Roman" pitchFamily="18" charset="0"/>
                 <a:cs typeface="Times New Roman" pitchFamily="18" charset="0"/>
               </a:rPr>
-              <a:t>json</a:t>
+              <a:t>Styles</a:t>
             </a:r>
             <a:r>
               <a:rPr lang="pt-BR" sz="2800" b="0" dirty="0">
                 <a:latin typeface="Times New Roman" pitchFamily="18" charset="0"/>
                 <a:cs typeface="Times New Roman" pitchFamily="18" charset="0"/>
               </a:rPr>
-              <a:t> e declarar nos </a:t>
+              <a:t> do arquivo </a:t>
             </a:r>
             <a:r>
               <a:rPr lang="pt-BR" sz="2800" b="0" dirty="0" err="1">
                 <a:latin typeface="Times New Roman" pitchFamily="18" charset="0"/>
                 <a:cs typeface="Times New Roman" pitchFamily="18" charset="0"/>
               </a:rPr>
-              <a:t>assets</a:t>
+              <a:t>agular.json</a:t>
             </a:r>
             <a:r>
               <a:rPr lang="pt-BR" sz="2800" b="0" dirty="0">
                 <a:latin typeface="Times New Roman" pitchFamily="18" charset="0"/>
                 <a:cs typeface="Times New Roman" pitchFamily="18" charset="0"/>
               </a:rPr>
-              <a:t> os </a:t>
-            </a:r>
-            <a:r>
-              <a:rPr lang="pt-BR" sz="2800" b="0" dirty="0" err="1">
-                <a:latin typeface="Times New Roman" pitchFamily="18" charset="0"/>
-                <a:cs typeface="Times New Roman" pitchFamily="18" charset="0"/>
-              </a:rPr>
-              <a:t>styles</a:t>
-            </a:r>
-            <a:r>
-              <a:rPr lang="pt-BR" sz="2800" b="0" dirty="0">
-                <a:latin typeface="Times New Roman" pitchFamily="18" charset="0"/>
-                <a:cs typeface="Times New Roman" pitchFamily="18" charset="0"/>
-              </a:rPr>
-              <a:t> do </a:t>
-            </a:r>
-            <a:r>
-              <a:rPr lang="pt-BR" sz="2800" b="0" dirty="0" err="1" smtClean="0">
-                <a:latin typeface="Times New Roman" pitchFamily="18" charset="0"/>
-                <a:cs typeface="Times New Roman" pitchFamily="18" charset="0"/>
-              </a:rPr>
-              <a:t>PrimeNG</a:t>
-            </a:r>
-            <a:r>
-              <a:rPr lang="pt-BR" sz="2800" b="0" dirty="0" smtClean="0">
-                <a:latin typeface="Times New Roman" pitchFamily="18" charset="0"/>
-                <a:cs typeface="Times New Roman" pitchFamily="18" charset="0"/>
-              </a:rPr>
-              <a:t>. </a:t>
-            </a:r>
-          </a:p>
-          <a:p>
-            <a:pPr algn="just">
-              <a:spcBef>
-                <a:spcPts val="0"/>
-              </a:spcBef>
-            </a:pPr>
-            <a:r>
-              <a:rPr lang="pt-BR" sz="2800" b="0" dirty="0" smtClean="0">
-                <a:latin typeface="Times New Roman" pitchFamily="18" charset="0"/>
-                <a:cs typeface="Times New Roman" pitchFamily="18" charset="0"/>
-              </a:rPr>
-              <a:t>Se </a:t>
-            </a:r>
-            <a:r>
-              <a:rPr lang="pt-BR" sz="2800" b="0" dirty="0">
-                <a:latin typeface="Times New Roman" pitchFamily="18" charset="0"/>
-                <a:cs typeface="Times New Roman" pitchFamily="18" charset="0"/>
-              </a:rPr>
-              <a:t>caso em nosso </a:t>
-            </a:r>
-            <a:r>
-              <a:rPr lang="pt-BR" sz="2800" b="0" dirty="0" err="1">
-                <a:latin typeface="Times New Roman" pitchFamily="18" charset="0"/>
-                <a:cs typeface="Times New Roman" pitchFamily="18" charset="0"/>
-              </a:rPr>
-              <a:t>package.json</a:t>
-            </a:r>
-            <a:r>
-              <a:rPr lang="pt-BR" sz="2800" b="0" dirty="0">
-                <a:latin typeface="Times New Roman" pitchFamily="18" charset="0"/>
-                <a:cs typeface="Times New Roman" pitchFamily="18" charset="0"/>
-              </a:rPr>
-              <a:t> não ter sido gravadas as declarações das dependências do </a:t>
-            </a:r>
-            <a:r>
-              <a:rPr lang="pt-BR" sz="2800" b="0" dirty="0" err="1">
-                <a:latin typeface="Times New Roman" pitchFamily="18" charset="0"/>
-                <a:cs typeface="Times New Roman" pitchFamily="18" charset="0"/>
-              </a:rPr>
-              <a:t>PrimeNG</a:t>
-            </a:r>
-            <a:r>
-              <a:rPr lang="pt-BR" sz="2800" b="0" dirty="0">
-                <a:latin typeface="Times New Roman" pitchFamily="18" charset="0"/>
-                <a:cs typeface="Times New Roman" pitchFamily="18" charset="0"/>
-              </a:rPr>
-              <a:t>, devemos </a:t>
-            </a:r>
-            <a:r>
-              <a:rPr lang="pt-BR" sz="2800" b="0" dirty="0" smtClean="0">
-                <a:latin typeface="Times New Roman" pitchFamily="18" charset="0"/>
-                <a:cs typeface="Times New Roman" pitchFamily="18" charset="0"/>
-              </a:rPr>
-              <a:t>adicioná-las </a:t>
-            </a:r>
-            <a:r>
-              <a:rPr lang="pt-BR" sz="2800" b="0" dirty="0">
-                <a:latin typeface="Times New Roman" pitchFamily="18" charset="0"/>
-                <a:cs typeface="Times New Roman" pitchFamily="18" charset="0"/>
-              </a:rPr>
-              <a:t>dentro de </a:t>
-            </a:r>
-            <a:r>
-              <a:rPr lang="pt-BR" sz="2800" b="0" dirty="0" err="1">
-                <a:latin typeface="Times New Roman" pitchFamily="18" charset="0"/>
-                <a:cs typeface="Times New Roman" pitchFamily="18" charset="0"/>
-              </a:rPr>
-              <a:t>dependencies</a:t>
-            </a:r>
-            <a:r>
-              <a:rPr lang="pt-BR" sz="2800" b="0" dirty="0">
-                <a:latin typeface="Times New Roman" pitchFamily="18" charset="0"/>
-                <a:cs typeface="Times New Roman" pitchFamily="18" charset="0"/>
-              </a:rPr>
-              <a:t>:</a:t>
+              <a:t>.</a:t>
             </a:r>
           </a:p>
           <a:p>
@@ -7248,7 +7681,7 @@
       </p:sp>
       <p:pic>
         <p:nvPicPr>
-          <p:cNvPr id="1026" name="Picture 2"/>
+          <p:cNvPr id="2050" name="Picture 2"/>
           <p:cNvPicPr>
             <a:picLocks noChangeAspect="1" noChangeArrowheads="1"/>
           </p:cNvPicPr>
@@ -7262,13 +7695,13 @@
               </a:ext>
             </a:extLst>
           </a:blip>
-          <a:srcRect l="22745" t="48091" r="10532" b="15776"/>
+          <a:srcRect l="32745" t="53646" r="17200" b="26133"/>
           <a:stretch/>
         </p:blipFill>
         <p:spPr bwMode="auto">
           <a:xfrm>
-            <a:off x="1115616" y="4564977"/>
-            <a:ext cx="6624736" cy="2025945"/>
+            <a:off x="1063904" y="4221088"/>
+            <a:ext cx="6944183" cy="1584176"/>
           </a:xfrm>
           <a:prstGeom prst="rect">
             <a:avLst/>
@@ -7311,7 +7744,7 @@
     </p:spTree>
     <p:extLst>
       <p:ext uri="{BB962C8B-B14F-4D97-AF65-F5344CB8AC3E}">
-        <p14:creationId xmlns:p14="http://schemas.microsoft.com/office/powerpoint/2010/main" val="90333842"/>
+        <p14:creationId xmlns:p14="http://schemas.microsoft.com/office/powerpoint/2010/main" val="708196595"/>
       </p:ext>
     </p:extLst>
   </p:cSld>
@@ -7499,8 +7932,8 @@
         </p:nvSpPr>
         <p:spPr>
           <a:xfrm>
-            <a:off x="467545" y="1844824"/>
-            <a:ext cx="7776863" cy="3816424"/>
+            <a:off x="539552" y="1822748"/>
+            <a:ext cx="7632848" cy="4392488"/>
           </a:xfrm>
           <a:prstGeom prst="rect">
             <a:avLst/>
@@ -7680,7 +8113,7 @@
                 <a:latin typeface="Times New Roman" pitchFamily="18" charset="0"/>
                 <a:cs typeface="Times New Roman" pitchFamily="18" charset="0"/>
               </a:rPr>
-              <a:t>Terceiro passo:</a:t>
+              <a:t>Quarto passo:</a:t>
             </a:r>
             <a:endParaRPr lang="pt-BR" sz="2800" dirty="0">
               <a:latin typeface="Times New Roman" pitchFamily="18" charset="0"/>
@@ -7690,67 +8123,98 @@
           <a:p>
             <a:pPr algn="just"/>
             <a:r>
+              <a:rPr lang="pt-BR" sz="2800" b="0" dirty="0" smtClean="0">
+                <a:latin typeface="Times New Roman" pitchFamily="18" charset="0"/>
+                <a:cs typeface="Times New Roman" pitchFamily="18" charset="0"/>
+              </a:rPr>
+              <a:t>A </a:t>
+            </a:r>
+            <a:r>
               <a:rPr lang="pt-BR" sz="2800" b="0" dirty="0">
                 <a:latin typeface="Times New Roman" pitchFamily="18" charset="0"/>
                 <a:cs typeface="Times New Roman" pitchFamily="18" charset="0"/>
               </a:rPr>
-              <a:t>Para nossa aplicação reconhecer os estilos do </a:t>
+              <a:t>dependência </a:t>
             </a:r>
             <a:r>
               <a:rPr lang="pt-BR" sz="2800" b="0" dirty="0" err="1">
                 <a:latin typeface="Times New Roman" pitchFamily="18" charset="0"/>
                 <a:cs typeface="Times New Roman" pitchFamily="18" charset="0"/>
               </a:rPr>
-              <a:t>PrimeNG</a:t>
+              <a:t>animations</a:t>
             </a:r>
             <a:r>
               <a:rPr lang="pt-BR" sz="2800" b="0" dirty="0">
                 <a:latin typeface="Times New Roman" pitchFamily="18" charset="0"/>
                 <a:cs typeface="Times New Roman" pitchFamily="18" charset="0"/>
               </a:rPr>
-              <a:t>, devemos adicionar os seguintes </a:t>
+              <a:t> é utilizada em diversos componentes do framework, logo ao realizar o download da biblioteca, o módulo </a:t>
+            </a:r>
+            <a:r>
+              <a:rPr lang="pt-BR" sz="2800" b="0" dirty="0" err="1" smtClean="0">
+                <a:latin typeface="Times New Roman" pitchFamily="18" charset="0"/>
+                <a:cs typeface="Times New Roman" pitchFamily="18" charset="0"/>
+              </a:rPr>
+              <a:t>BrowserAnimationsModule</a:t>
+            </a:r>
+            <a:r>
+              <a:rPr lang="pt-BR" sz="2800" b="0" dirty="0" smtClean="0">
+                <a:latin typeface="Times New Roman" pitchFamily="18" charset="0"/>
+                <a:cs typeface="Times New Roman" pitchFamily="18" charset="0"/>
+              </a:rPr>
+              <a:t> </a:t>
+            </a:r>
+            <a:r>
+              <a:rPr lang="pt-BR" sz="2800" b="0" dirty="0">
+                <a:latin typeface="Times New Roman" pitchFamily="18" charset="0"/>
+                <a:cs typeface="Times New Roman" pitchFamily="18" charset="0"/>
+              </a:rPr>
+              <a:t>do </a:t>
             </a:r>
             <a:r>
               <a:rPr lang="pt-BR" sz="2800" b="0" dirty="0" err="1">
                 <a:latin typeface="Times New Roman" pitchFamily="18" charset="0"/>
                 <a:cs typeface="Times New Roman" pitchFamily="18" charset="0"/>
               </a:rPr>
-              <a:t>CSSs</a:t>
+              <a:t>Animations</a:t>
             </a:r>
             <a:r>
               <a:rPr lang="pt-BR" sz="2800" b="0" dirty="0">
                 <a:latin typeface="Times New Roman" pitchFamily="18" charset="0"/>
                 <a:cs typeface="Times New Roman" pitchFamily="18" charset="0"/>
               </a:rPr>
-              <a:t> dentro de </a:t>
+              <a:t> deve ser importado em nossa aplicação.</a:t>
+            </a:r>
+          </a:p>
+          <a:p>
+            <a:pPr algn="just"/>
+            <a:r>
+              <a:rPr lang="pt-BR" sz="2800" b="0" dirty="0" smtClean="0">
+                <a:latin typeface="Times New Roman" pitchFamily="18" charset="0"/>
+                <a:cs typeface="Times New Roman" pitchFamily="18" charset="0"/>
+              </a:rPr>
+              <a:t>Assim </a:t>
+            </a:r>
+            <a:r>
+              <a:rPr lang="pt-BR" sz="2800" b="0" dirty="0">
+                <a:latin typeface="Times New Roman" pitchFamily="18" charset="0"/>
+                <a:cs typeface="Times New Roman" pitchFamily="18" charset="0"/>
+              </a:rPr>
+              <a:t>como no </a:t>
             </a:r>
             <a:r>
               <a:rPr lang="pt-BR" sz="2800" b="0" dirty="0" err="1">
                 <a:latin typeface="Times New Roman" pitchFamily="18" charset="0"/>
                 <a:cs typeface="Times New Roman" pitchFamily="18" charset="0"/>
               </a:rPr>
-              <a:t>Styles</a:t>
+              <a:t>animation</a:t>
             </a:r>
             <a:r>
               <a:rPr lang="pt-BR" sz="2800" b="0" dirty="0">
                 <a:latin typeface="Times New Roman" pitchFamily="18" charset="0"/>
                 <a:cs typeface="Times New Roman" pitchFamily="18" charset="0"/>
               </a:rPr>
-              <a:t> do arquivo </a:t>
-            </a:r>
-            <a:r>
-              <a:rPr lang="pt-BR" sz="2800" b="0" dirty="0" err="1">
-                <a:latin typeface="Times New Roman" pitchFamily="18" charset="0"/>
-                <a:cs typeface="Times New Roman" pitchFamily="18" charset="0"/>
-              </a:rPr>
-              <a:t>agular.json</a:t>
-            </a:r>
-            <a:r>
-              <a:rPr lang="pt-BR" sz="2800" b="0" dirty="0">
-                <a:latin typeface="Times New Roman" pitchFamily="18" charset="0"/>
-                <a:cs typeface="Times New Roman" pitchFamily="18" charset="0"/>
-              </a:rPr>
-              <a:t>.</a:t>
+              <a:t>, podemos importar mais alguns módulos que utilizaremos durante o desenvolvimento.</a:t>
             </a:r>
           </a:p>
           <a:p>
@@ -7761,72 +8225,10 @@
           </a:p>
         </p:txBody>
       </p:sp>
-      <p:pic>
-        <p:nvPicPr>
-          <p:cNvPr id="2050" name="Picture 2"/>
-          <p:cNvPicPr>
-            <a:picLocks noChangeAspect="1" noChangeArrowheads="1"/>
-          </p:cNvPicPr>
-          <p:nvPr/>
-        </p:nvPicPr>
-        <p:blipFill rotWithShape="1">
-          <a:blip r:embed="rId3">
-            <a:extLst>
-              <a:ext uri="{28A0092B-C50C-407E-A947-70E740481C1C}">
-                <a14:useLocalDpi xmlns:a14="http://schemas.microsoft.com/office/drawing/2010/main" val="0"/>
-              </a:ext>
-            </a:extLst>
-          </a:blip>
-          <a:srcRect l="32745" t="53646" r="17200" b="26133"/>
-          <a:stretch/>
-        </p:blipFill>
-        <p:spPr bwMode="auto">
-          <a:xfrm>
-            <a:off x="1063904" y="4221088"/>
-            <a:ext cx="6944183" cy="1584176"/>
-          </a:xfrm>
-          <a:prstGeom prst="rect">
-            <a:avLst/>
-          </a:prstGeom>
-          <a:noFill/>
-          <a:ln>
-            <a:noFill/>
-          </a:ln>
-          <a:effectLst/>
-          <a:extLst>
-            <a:ext uri="{909E8E84-426E-40DD-AFC4-6F175D3DCCD1}">
-              <a14:hiddenFill xmlns:a14="http://schemas.microsoft.com/office/drawing/2010/main">
-                <a:solidFill>
-                  <a:schemeClr val="accent1"/>
-                </a:solidFill>
-              </a14:hiddenFill>
-            </a:ext>
-            <a:ext uri="{91240B29-F687-4F45-9708-019B960494DF}">
-              <a14:hiddenLine xmlns:a14="http://schemas.microsoft.com/office/drawing/2010/main" w="9525">
-                <a:solidFill>
-                  <a:schemeClr val="tx1"/>
-                </a:solidFill>
-                <a:miter lim="800000"/>
-                <a:headEnd/>
-                <a:tailEnd/>
-              </a14:hiddenLine>
-            </a:ext>
-            <a:ext uri="{AF507438-7753-43E0-B8FC-AC1667EBCBE1}">
-              <a14:hiddenEffects xmlns:a14="http://schemas.microsoft.com/office/drawing/2010/main">
-                <a:effectLst>
-                  <a:outerShdw dist="35921" dir="2700000" algn="ctr" rotWithShape="0">
-                    <a:schemeClr val="bg2"/>
-                  </a:outerShdw>
-                </a:effectLst>
-              </a14:hiddenEffects>
-            </a:ext>
-          </a:extLst>
-        </p:spPr>
-      </p:pic>
     </p:spTree>
     <p:extLst>
       <p:ext uri="{BB962C8B-B14F-4D97-AF65-F5344CB8AC3E}">
-        <p14:creationId xmlns:p14="http://schemas.microsoft.com/office/powerpoint/2010/main" val="708196595"/>
+        <p14:creationId xmlns:p14="http://schemas.microsoft.com/office/powerpoint/2010/main" val="105453064"/>
       </p:ext>
     </p:extLst>
   </p:cSld>
@@ -7860,6 +8262,72 @@
           <a:chExt cx="0" cy="0"/>
         </a:xfrm>
       </p:grpSpPr>
+      <p:pic>
+        <p:nvPicPr>
+          <p:cNvPr id="2" name="Imagem 1"/>
+          <p:cNvPicPr/>
+          <p:nvPr/>
+        </p:nvPicPr>
+        <p:blipFill rotWithShape="1">
+          <a:blip r:embed="rId2"/>
+          <a:srcRect l="4587" t="6954" r="43885" b="3311"/>
+          <a:stretch/>
+        </p:blipFill>
+        <p:spPr bwMode="auto">
+          <a:xfrm>
+            <a:off x="546678" y="144016"/>
+            <a:ext cx="7913754" cy="6525344"/>
+          </a:xfrm>
+          <a:prstGeom prst="rect">
+            <a:avLst/>
+          </a:prstGeom>
+          <a:ln>
+            <a:noFill/>
+          </a:ln>
+          <a:extLst>
+            <a:ext uri="{53640926-AAD7-44D8-BBD7-CCE9431645EC}">
+              <a14:shadowObscured xmlns:a14="http://schemas.microsoft.com/office/drawing/2010/main"/>
+            </a:ext>
+          </a:extLst>
+        </p:spPr>
+      </p:pic>
+    </p:spTree>
+    <p:extLst>
+      <p:ext uri="{BB962C8B-B14F-4D97-AF65-F5344CB8AC3E}">
+        <p14:creationId xmlns:p14="http://schemas.microsoft.com/office/powerpoint/2010/main" val="3633480535"/>
+      </p:ext>
+    </p:extLst>
+  </p:cSld>
+  <p:clrMapOvr>
+    <a:masterClrMapping/>
+  </p:clrMapOvr>
+  <p:timing>
+    <p:tnLst>
+      <p:par>
+        <p:cTn id="1" dur="indefinite" restart="never" nodeType="tmRoot"/>
+      </p:par>
+    </p:tnLst>
+  </p:timing>
+</p:sld>
+</file>
+
+<file path=ppt/slides/slide23.xml><?xml version="1.0" encoding="utf-8"?>
+<p:sld xmlns:a="http://schemas.openxmlformats.org/drawingml/2006/main" xmlns:r="http://schemas.openxmlformats.org/officeDocument/2006/relationships" xmlns:p="http://schemas.openxmlformats.org/presentationml/2006/main">
+  <p:cSld>
+    <p:spTree>
+      <p:nvGrpSpPr>
+        <p:cNvPr id="1" name=""/>
+        <p:cNvGrpSpPr/>
+        <p:nvPr/>
+      </p:nvGrpSpPr>
+      <p:grpSpPr>
+        <a:xfrm>
+          <a:off x="0" y="0"/>
+          <a:ext cx="0" cy="0"/>
+          <a:chOff x="0" y="0"/>
+          <a:chExt cx="0" cy="0"/>
+        </a:xfrm>
+      </p:grpSpPr>
       <p:sp>
         <p:nvSpPr>
           <p:cNvPr id="2" name="Título 1"/>
@@ -7918,7 +8386,7 @@
         <p:spPr>
           <a:xfrm>
             <a:off x="395536" y="1844824"/>
-            <a:ext cx="8077755" cy="3960440"/>
+            <a:ext cx="8208911" cy="3960440"/>
           </a:xfrm>
         </p:spPr>
         <p:txBody>
@@ -8014,8 +8482,8 @@
         </p:nvSpPr>
         <p:spPr>
           <a:xfrm>
-            <a:off x="539552" y="1822748"/>
-            <a:ext cx="7632848" cy="4392488"/>
+            <a:off x="323528" y="1844824"/>
+            <a:ext cx="8149763" cy="3816424"/>
           </a:xfrm>
           <a:prstGeom prst="rect">
             <a:avLst/>
@@ -8205,102 +8673,65 @@
           <a:p>
             <a:pPr algn="just"/>
             <a:r>
+              <a:rPr lang="pt-BR" sz="2800" b="0" dirty="0">
+                <a:latin typeface="Times New Roman" pitchFamily="18" charset="0"/>
+                <a:cs typeface="Times New Roman" pitchFamily="18" charset="0"/>
+              </a:rPr>
+              <a:t>É válido lembrar que os itens que são importados como módulos, </a:t>
+            </a:r>
+            <a:r>
+              <a:rPr lang="pt-BR" sz="2800" b="0" dirty="0" err="1">
+                <a:latin typeface="Times New Roman" pitchFamily="18" charset="0"/>
+                <a:cs typeface="Times New Roman" pitchFamily="18" charset="0"/>
+              </a:rPr>
+              <a:t>pipes</a:t>
+            </a:r>
+            <a:r>
+              <a:rPr lang="pt-BR" sz="2800" b="0" dirty="0">
+                <a:latin typeface="Times New Roman" pitchFamily="18" charset="0"/>
+                <a:cs typeface="Times New Roman" pitchFamily="18" charset="0"/>
+              </a:rPr>
+              <a:t>, </a:t>
+            </a:r>
+            <a:r>
+              <a:rPr lang="pt-BR" sz="2800" b="0" dirty="0" err="1">
+                <a:latin typeface="Times New Roman" pitchFamily="18" charset="0"/>
+                <a:cs typeface="Times New Roman" pitchFamily="18" charset="0"/>
+              </a:rPr>
+              <a:t>components</a:t>
+            </a:r>
+            <a:r>
+              <a:rPr lang="pt-BR" sz="2800" b="0" dirty="0">
+                <a:latin typeface="Times New Roman" pitchFamily="18" charset="0"/>
+                <a:cs typeface="Times New Roman" pitchFamily="18" charset="0"/>
+              </a:rPr>
+              <a:t>, </a:t>
+            </a:r>
+            <a:r>
+              <a:rPr lang="pt-BR" sz="2800" b="0" dirty="0" err="1">
+                <a:latin typeface="Times New Roman" pitchFamily="18" charset="0"/>
+                <a:cs typeface="Times New Roman" pitchFamily="18" charset="0"/>
+              </a:rPr>
+              <a:t>etc</a:t>
+            </a:r>
+            <a:r>
+              <a:rPr lang="pt-BR" sz="2800" b="0" dirty="0">
+                <a:latin typeface="Times New Roman" pitchFamily="18" charset="0"/>
+                <a:cs typeface="Times New Roman" pitchFamily="18" charset="0"/>
+              </a:rPr>
+              <a:t>, devem ser exportados se forem utilizados de forma </a:t>
+            </a:r>
+            <a:r>
               <a:rPr lang="pt-BR" sz="2800" b="0" dirty="0" smtClean="0">
                 <a:latin typeface="Times New Roman" pitchFamily="18" charset="0"/>
                 <a:cs typeface="Times New Roman" pitchFamily="18" charset="0"/>
               </a:rPr>
-              <a:t>A </a:t>
-            </a:r>
-            <a:r>
-              <a:rPr lang="pt-BR" sz="2800" b="0" dirty="0">
-                <a:latin typeface="Times New Roman" pitchFamily="18" charset="0"/>
-                <a:cs typeface="Times New Roman" pitchFamily="18" charset="0"/>
-              </a:rPr>
-              <a:t>dependência </a:t>
-            </a:r>
-            <a:r>
-              <a:rPr lang="pt-BR" sz="2800" b="0" dirty="0" err="1">
-                <a:latin typeface="Times New Roman" pitchFamily="18" charset="0"/>
-                <a:cs typeface="Times New Roman" pitchFamily="18" charset="0"/>
-              </a:rPr>
-              <a:t>animations</a:t>
-            </a:r>
-            <a:r>
-              <a:rPr lang="pt-BR" sz="2800" b="0" dirty="0">
-                <a:latin typeface="Times New Roman" pitchFamily="18" charset="0"/>
-                <a:cs typeface="Times New Roman" pitchFamily="18" charset="0"/>
-              </a:rPr>
-              <a:t> é utilizada em diversos componentes do framework, logo ao realizar o download da biblioteca, o módulo </a:t>
-            </a:r>
-            <a:r>
-              <a:rPr lang="pt-BR" sz="2800" b="0" dirty="0" err="1" smtClean="0">
-                <a:latin typeface="Times New Roman" pitchFamily="18" charset="0"/>
-                <a:cs typeface="Times New Roman" pitchFamily="18" charset="0"/>
-              </a:rPr>
-              <a:t>BrowserAnimationsModule</a:t>
-            </a:r>
-            <a:r>
-              <a:rPr lang="pt-BR" sz="2800" b="0" dirty="0" smtClean="0">
-                <a:latin typeface="Times New Roman" pitchFamily="18" charset="0"/>
-                <a:cs typeface="Times New Roman" pitchFamily="18" charset="0"/>
-              </a:rPr>
-              <a:t> </a:t>
-            </a:r>
-            <a:r>
-              <a:rPr lang="pt-BR" sz="2800" b="0" dirty="0">
-                <a:latin typeface="Times New Roman" pitchFamily="18" charset="0"/>
-                <a:cs typeface="Times New Roman" pitchFamily="18" charset="0"/>
-              </a:rPr>
-              <a:t>do </a:t>
-            </a:r>
-            <a:r>
-              <a:rPr lang="pt-BR" sz="2800" b="0" dirty="0" err="1">
-                <a:latin typeface="Times New Roman" pitchFamily="18" charset="0"/>
-                <a:cs typeface="Times New Roman" pitchFamily="18" charset="0"/>
-              </a:rPr>
-              <a:t>Animations</a:t>
-            </a:r>
-            <a:r>
-              <a:rPr lang="pt-BR" sz="2800" b="0" dirty="0">
-                <a:latin typeface="Times New Roman" pitchFamily="18" charset="0"/>
-                <a:cs typeface="Times New Roman" pitchFamily="18" charset="0"/>
-              </a:rPr>
-              <a:t> deve ser importado em nossa aplicação.</a:t>
-            </a:r>
-          </a:p>
-          <a:p>
-            <a:pPr algn="just"/>
-            <a:r>
-              <a:rPr lang="pt-BR" sz="2800" b="0" dirty="0" smtClean="0">
-                <a:latin typeface="Times New Roman" pitchFamily="18" charset="0"/>
-                <a:cs typeface="Times New Roman" pitchFamily="18" charset="0"/>
-              </a:rPr>
-              <a:t>Assim </a:t>
-            </a:r>
-            <a:r>
-              <a:rPr lang="pt-BR" sz="2800" b="0" dirty="0">
-                <a:latin typeface="Times New Roman" pitchFamily="18" charset="0"/>
-                <a:cs typeface="Times New Roman" pitchFamily="18" charset="0"/>
-              </a:rPr>
-              <a:t>como no </a:t>
-            </a:r>
-            <a:r>
-              <a:rPr lang="pt-BR" sz="2800" b="0" dirty="0" err="1">
-                <a:latin typeface="Times New Roman" pitchFamily="18" charset="0"/>
-                <a:cs typeface="Times New Roman" pitchFamily="18" charset="0"/>
-              </a:rPr>
-              <a:t>animation</a:t>
-            </a:r>
-            <a:r>
-              <a:rPr lang="pt-BR" sz="2800" b="0" dirty="0">
-                <a:latin typeface="Times New Roman" pitchFamily="18" charset="0"/>
-                <a:cs typeface="Times New Roman" pitchFamily="18" charset="0"/>
-              </a:rPr>
-              <a:t>, podemos importar mais alguns módulos que utilizaremos durante o desenvolvimento.</a:t>
-            </a:r>
-          </a:p>
-          <a:p>
-            <a:endParaRPr lang="pt-BR" sz="2800" dirty="0" smtClean="0"/>
+              <a:t>compartilhada.</a:t>
+            </a:r>
+            <a:endParaRPr lang="pt-BR" sz="2800" b="0" dirty="0">
+              <a:latin typeface="Times New Roman" pitchFamily="18" charset="0"/>
+              <a:cs typeface="Times New Roman" pitchFamily="18" charset="0"/>
+            </a:endParaRPr>
           </a:p>
           <a:p>
             <a:endParaRPr lang="pt-BR" sz="2600" dirty="0"/>
@@ -8310,73 +8741,7 @@
     </p:spTree>
     <p:extLst>
       <p:ext uri="{BB962C8B-B14F-4D97-AF65-F5344CB8AC3E}">
-        <p14:creationId xmlns:p14="http://schemas.microsoft.com/office/powerpoint/2010/main" val="105453064"/>
-      </p:ext>
-    </p:extLst>
-  </p:cSld>
-  <p:clrMapOvr>
-    <a:masterClrMapping/>
-  </p:clrMapOvr>
-  <p:timing>
-    <p:tnLst>
-      <p:par>
-        <p:cTn id="1" dur="indefinite" restart="never" nodeType="tmRoot"/>
-      </p:par>
-    </p:tnLst>
-  </p:timing>
-</p:sld>
-</file>
-
-<file path=ppt/slides/slide23.xml><?xml version="1.0" encoding="utf-8"?>
-<p:sld xmlns:a="http://schemas.openxmlformats.org/drawingml/2006/main" xmlns:r="http://schemas.openxmlformats.org/officeDocument/2006/relationships" xmlns:p="http://schemas.openxmlformats.org/presentationml/2006/main">
-  <p:cSld>
-    <p:spTree>
-      <p:nvGrpSpPr>
-        <p:cNvPr id="1" name=""/>
-        <p:cNvGrpSpPr/>
-        <p:nvPr/>
-      </p:nvGrpSpPr>
-      <p:grpSpPr>
-        <a:xfrm>
-          <a:off x="0" y="0"/>
-          <a:ext cx="0" cy="0"/>
-          <a:chOff x="0" y="0"/>
-          <a:chExt cx="0" cy="0"/>
-        </a:xfrm>
-      </p:grpSpPr>
-      <p:pic>
-        <p:nvPicPr>
-          <p:cNvPr id="2" name="Imagem 1"/>
-          <p:cNvPicPr/>
-          <p:nvPr/>
-        </p:nvPicPr>
-        <p:blipFill rotWithShape="1">
-          <a:blip r:embed="rId2"/>
-          <a:srcRect l="4587" t="6954" r="43885" b="3311"/>
-          <a:stretch/>
-        </p:blipFill>
-        <p:spPr bwMode="auto">
-          <a:xfrm>
-            <a:off x="683568" y="692696"/>
-            <a:ext cx="7776864" cy="5544616"/>
-          </a:xfrm>
-          <a:prstGeom prst="rect">
-            <a:avLst/>
-          </a:prstGeom>
-          <a:ln>
-            <a:noFill/>
-          </a:ln>
-          <a:extLst>
-            <a:ext uri="{53640926-AAD7-44D8-BBD7-CCE9431645EC}">
-              <a14:shadowObscured xmlns:a14="http://schemas.microsoft.com/office/drawing/2010/main"/>
-            </a:ext>
-          </a:extLst>
-        </p:spPr>
-      </p:pic>
-    </p:spTree>
-    <p:extLst>
-      <p:ext uri="{BB962C8B-B14F-4D97-AF65-F5344CB8AC3E}">
-        <p14:creationId xmlns:p14="http://schemas.microsoft.com/office/powerpoint/2010/main" val="3633480535"/>
+        <p14:creationId xmlns:p14="http://schemas.microsoft.com/office/powerpoint/2010/main" val="575733719"/>
       </p:ext>
     </p:extLst>
   </p:cSld>
@@ -8422,78 +8787,96 @@
         </p:nvSpPr>
         <p:spPr>
           <a:xfrm>
-            <a:off x="251521" y="323403"/>
-            <a:ext cx="6480720" cy="903630"/>
+            <a:off x="322059" y="3140968"/>
+            <a:ext cx="8363272" cy="2844234"/>
           </a:xfrm>
         </p:spPr>
         <p:txBody>
           <a:bodyPr>
-            <a:noAutofit/>
+            <a:normAutofit/>
           </a:bodyPr>
           <a:lstStyle/>
           <a:p>
             <a:pPr algn="ctr"/>
             <a:r>
-              <a:rPr lang="pt-BR" sz="2800" b="1" dirty="0"/>
-              <a:t>IMPORTANDO O </a:t>
-            </a:r>
-            <a:r>
-              <a:rPr lang="pt-BR" sz="2800" b="1" dirty="0" smtClean="0"/>
-              <a:t>PRIMENG</a:t>
+              <a:rPr lang="pt-BR" sz="4800" dirty="0" err="1" smtClean="0">
+                <a:solidFill>
+                  <a:schemeClr val="tx1"/>
+                </a:solidFill>
+                <a:latin typeface="Times New Roman" pitchFamily="18" charset="0"/>
+                <a:cs typeface="Times New Roman" pitchFamily="18" charset="0"/>
+              </a:rPr>
+              <a:t>Login</a:t>
+            </a:r>
+            <a:r>
+              <a:rPr lang="pt-BR" sz="4800" dirty="0" smtClean="0">
+                <a:solidFill>
+                  <a:schemeClr val="tx1"/>
+                </a:solidFill>
+                <a:latin typeface="Times New Roman" pitchFamily="18" charset="0"/>
+                <a:cs typeface="Times New Roman" pitchFamily="18" charset="0"/>
+              </a:rPr>
+              <a:t> e Menu dinâmico</a:t>
+            </a:r>
+            <a:r>
+              <a:rPr lang="pt-BR" sz="4800" b="1" dirty="0"/>
+              <a:t/>
             </a:r>
             <a:br>
-              <a:rPr lang="pt-BR" sz="2800" b="1" dirty="0" smtClean="0"/>
+              <a:rPr lang="pt-BR" sz="4800" b="1" dirty="0"/>
             </a:br>
             <a:r>
-              <a:rPr lang="pt-BR" sz="2800" b="1" dirty="0" smtClean="0"/>
-              <a:t> </a:t>
-            </a:r>
-            <a:r>
-              <a:rPr lang="pt-BR" sz="2800" b="1" dirty="0"/>
-              <a:t>EM NOSSO PROJETO</a:t>
-            </a:r>
-          </a:p>
-        </p:txBody>
-      </p:sp>
-      <p:sp>
-        <p:nvSpPr>
-          <p:cNvPr id="3" name="Espaço Reservado para Conteúdo 2"/>
-          <p:cNvSpPr>
-            <a:spLocks noGrp="1"/>
-          </p:cNvSpPr>
-          <p:nvPr>
-            <p:ph idx="1"/>
-          </p:nvPr>
-        </p:nvSpPr>
-        <p:spPr>
-          <a:xfrm>
-            <a:off x="395536" y="1844824"/>
-            <a:ext cx="8208911" cy="3960440"/>
-          </a:xfrm>
-        </p:spPr>
-        <p:txBody>
-          <a:bodyPr>
-            <a:noAutofit/>
-          </a:bodyPr>
-          <a:lstStyle/>
-          <a:p>
-            <a:endParaRPr lang="pt-BR" sz="2600" dirty="0"/>
-          </a:p>
-          <a:p>
-            <a:endParaRPr lang="pt-BR" sz="2600" dirty="0"/>
+              <a:rPr lang="pt-BR" sz="2400" b="1" dirty="0" smtClean="0">
+                <a:solidFill>
+                  <a:schemeClr val="tx1"/>
+                </a:solidFill>
+                <a:latin typeface="Times New Roman" pitchFamily="18" charset="0"/>
+                <a:cs typeface="Times New Roman" pitchFamily="18" charset="0"/>
+              </a:rPr>
+              <a:t/>
+            </a:r>
+            <a:br>
+              <a:rPr lang="pt-BR" sz="2400" b="1" dirty="0" smtClean="0">
+                <a:solidFill>
+                  <a:schemeClr val="tx1"/>
+                </a:solidFill>
+                <a:latin typeface="Times New Roman" pitchFamily="18" charset="0"/>
+                <a:cs typeface="Times New Roman" pitchFamily="18" charset="0"/>
+              </a:rPr>
+            </a:br>
+            <a:r>
+              <a:rPr lang="pt-BR" b="1" dirty="0">
+                <a:solidFill>
+                  <a:schemeClr val="tx1"/>
+                </a:solidFill>
+              </a:rPr>
+              <a:t/>
+            </a:r>
+            <a:br>
+              <a:rPr lang="pt-BR" b="1" dirty="0">
+                <a:solidFill>
+                  <a:schemeClr val="tx1"/>
+                </a:solidFill>
+              </a:rPr>
+            </a:br>
+            <a:endParaRPr lang="pt-BR" b="1" dirty="0">
+              <a:solidFill>
+                <a:schemeClr val="tx1"/>
+              </a:solidFill>
+            </a:endParaRPr>
           </a:p>
         </p:txBody>
       </p:sp>
       <p:cxnSp>
         <p:nvCxnSpPr>
-          <p:cNvPr id="5" name="Conector reto 4"/>
+          <p:cNvPr id="4" name="Conector reto 3"/>
           <p:cNvCxnSpPr/>
           <p:nvPr/>
         </p:nvCxnSpPr>
         <p:spPr>
           <a:xfrm>
-            <a:off x="251520" y="1340768"/>
-            <a:ext cx="6480720" cy="0"/>
+            <a:off x="719082" y="4581128"/>
+            <a:ext cx="7416824" cy="0"/>
           </a:xfrm>
           <a:prstGeom prst="line">
             <a:avLst/>
@@ -8517,14 +8900,45 @@
       </p:cxnSp>
       <p:pic>
         <p:nvPicPr>
-          <p:cNvPr id="6" name="Picture 7" descr="Angular-Logo-PNG-Image.png"/>
+          <p:cNvPr id="14" name="Imagem 13" descr="C:\Users\User\Desktop\Workshop\angular-project\Apresentação\Imagens\angular2.png"/>
+          <p:cNvPicPr/>
+          <p:nvPr/>
+        </p:nvPicPr>
+        <p:blipFill rotWithShape="1">
+          <a:blip r:embed="rId2">
+            <a:extLst>
+              <a:ext uri="{28A0092B-C50C-407E-A947-70E740481C1C}">
+                <a14:useLocalDpi xmlns:a14="http://schemas.microsoft.com/office/drawing/2010/main" val="0"/>
+              </a:ext>
+            </a:extLst>
+          </a:blip>
+          <a:srcRect t="54477" r="301"/>
+          <a:stretch/>
+        </p:blipFill>
+        <p:spPr bwMode="auto">
+          <a:xfrm>
+            <a:off x="-1956" y="2107"/>
+            <a:ext cx="9011302" cy="2778821"/>
+          </a:xfrm>
+          <a:prstGeom prst="rect">
+            <a:avLst/>
+          </a:prstGeom>
+          <a:noFill/>
+          <a:ln>
+            <a:noFill/>
+          </a:ln>
+        </p:spPr>
+      </p:pic>
+      <p:pic>
+        <p:nvPicPr>
+          <p:cNvPr id="15" name="Picture 7" descr="Angular-Logo-PNG-Image.png"/>
           <p:cNvPicPr>
             <a:picLocks noChangeAspect="1" noChangeArrowheads="1"/>
           </p:cNvPicPr>
           <p:nvPr/>
         </p:nvPicPr>
         <p:blipFill rotWithShape="1">
-          <a:blip r:embed="rId2" cstate="print">
+          <a:blip r:embed="rId3" cstate="print">
             <a:extLst>
               <a:ext uri="{28A0092B-C50C-407E-A947-70E740481C1C}">
                 <a14:useLocalDpi xmlns:a14="http://schemas.microsoft.com/office/drawing/2010/main" val="0"/>
@@ -8536,8 +8950,8 @@
         </p:blipFill>
         <p:spPr bwMode="auto">
           <a:xfrm>
-            <a:off x="7156265" y="160338"/>
-            <a:ext cx="1317026" cy="1433826"/>
+            <a:off x="3666679" y="387026"/>
+            <a:ext cx="1810641" cy="1971217"/>
           </a:xfrm>
           <a:prstGeom prst="rect">
             <a:avLst/>
@@ -8554,271 +8968,24 @@
           </a:extLst>
         </p:spPr>
       </p:pic>
-      <p:sp>
-        <p:nvSpPr>
-          <p:cNvPr id="7" name="Espaço Reservado para Conteúdo 2"/>
-          <p:cNvSpPr txBox="1">
-            <a:spLocks/>
-          </p:cNvSpPr>
-          <p:nvPr/>
-        </p:nvSpPr>
-        <p:spPr>
-          <a:xfrm>
-            <a:off x="323528" y="1844824"/>
-            <a:ext cx="8149763" cy="3816424"/>
-          </a:xfrm>
-          <a:prstGeom prst="rect">
-            <a:avLst/>
-          </a:prstGeom>
-        </p:spPr>
-        <p:txBody>
-          <a:bodyPr vert="horz" lIns="91440" tIns="45720" rIns="91440" bIns="45720" rtlCol="0">
-            <a:noAutofit/>
-          </a:bodyPr>
-          <a:lstStyle>
-            <a:lvl1pPr marL="0" indent="0" algn="l" defTabSz="914400" rtl="0" eaLnBrk="1" latinLnBrk="0" hangingPunct="1">
-              <a:spcBef>
-                <a:spcPct val="20000"/>
-              </a:spcBef>
-              <a:spcAft>
-                <a:spcPts val="600"/>
-              </a:spcAft>
-              <a:buFont typeface="Arial" pitchFamily="34" charset="0"/>
-              <a:buNone/>
-              <a:defRPr sz="2000" b="1" kern="1200">
-                <a:solidFill>
-                  <a:schemeClr val="tx1"/>
-                </a:solidFill>
-                <a:latin typeface="+mn-lt"/>
-                <a:ea typeface="+mn-ea"/>
-                <a:cs typeface="+mn-cs"/>
-              </a:defRPr>
-            </a:lvl1pPr>
-            <a:lvl2pPr marL="457200" indent="-182880" algn="l" defTabSz="914400" rtl="0" eaLnBrk="1" latinLnBrk="0" hangingPunct="1">
-              <a:spcBef>
-                <a:spcPct val="20000"/>
-              </a:spcBef>
-              <a:buClr>
-                <a:schemeClr val="tx2"/>
-              </a:buClr>
-              <a:buFont typeface="Arial" pitchFamily="34" charset="0"/>
-              <a:buChar char="•"/>
-              <a:defRPr sz="2000" kern="1200">
-                <a:solidFill>
-                  <a:schemeClr val="tx1"/>
-                </a:solidFill>
-                <a:latin typeface="+mn-lt"/>
-                <a:ea typeface="+mn-ea"/>
-                <a:cs typeface="+mn-cs"/>
-              </a:defRPr>
-            </a:lvl2pPr>
-            <a:lvl3pPr marL="1143000" indent="-228600" algn="l" defTabSz="914400" rtl="0" eaLnBrk="1" latinLnBrk="0" hangingPunct="1">
-              <a:spcBef>
-                <a:spcPct val="20000"/>
-              </a:spcBef>
-              <a:buClr>
-                <a:schemeClr val="tx2"/>
-              </a:buClr>
-              <a:buFont typeface="Arial" pitchFamily="34" charset="0"/>
-              <a:buChar char="•"/>
-              <a:defRPr sz="1800" kern="1200">
-                <a:solidFill>
-                  <a:schemeClr val="tx1"/>
-                </a:solidFill>
-                <a:latin typeface="+mn-lt"/>
-                <a:ea typeface="+mn-ea"/>
-                <a:cs typeface="+mn-cs"/>
-              </a:defRPr>
-            </a:lvl3pPr>
-            <a:lvl4pPr marL="1600200" indent="-228600" algn="l" defTabSz="914400" rtl="0" eaLnBrk="1" latinLnBrk="0" hangingPunct="1">
-              <a:spcBef>
-                <a:spcPct val="20000"/>
-              </a:spcBef>
-              <a:buClr>
-                <a:schemeClr val="tx2"/>
-              </a:buClr>
-              <a:buFont typeface="Arial" pitchFamily="34" charset="0"/>
-              <a:buChar char="•"/>
-              <a:defRPr sz="1800" kern="1200">
-                <a:solidFill>
-                  <a:schemeClr val="tx1"/>
-                </a:solidFill>
-                <a:latin typeface="+mn-lt"/>
-                <a:ea typeface="+mn-ea"/>
-                <a:cs typeface="+mn-cs"/>
-              </a:defRPr>
-            </a:lvl4pPr>
-            <a:lvl5pPr marL="2057400" indent="-228600" algn="l" defTabSz="914400" rtl="0" eaLnBrk="1" latinLnBrk="0" hangingPunct="1">
-              <a:spcBef>
-                <a:spcPct val="20000"/>
-              </a:spcBef>
-              <a:buClr>
-                <a:schemeClr val="tx2"/>
-              </a:buClr>
-              <a:buFont typeface="Arial" pitchFamily="34" charset="0"/>
-              <a:buChar char="•"/>
-              <a:defRPr sz="1800" kern="1200" baseline="0">
-                <a:solidFill>
-                  <a:schemeClr val="tx1"/>
-                </a:solidFill>
-                <a:latin typeface="+mn-lt"/>
-                <a:ea typeface="+mn-ea"/>
-                <a:cs typeface="+mn-cs"/>
-              </a:defRPr>
-            </a:lvl5pPr>
-            <a:lvl6pPr marL="2514600" indent="-228600" algn="l" defTabSz="914400" rtl="0" eaLnBrk="1" latinLnBrk="0" hangingPunct="1">
-              <a:spcBef>
-                <a:spcPct val="20000"/>
-              </a:spcBef>
-              <a:buClr>
-                <a:schemeClr val="tx2"/>
-              </a:buClr>
-              <a:buFont typeface="Arial" pitchFamily="34" charset="0"/>
-              <a:buChar char="•"/>
-              <a:defRPr sz="1600" kern="1200">
-                <a:solidFill>
-                  <a:schemeClr val="tx1"/>
-                </a:solidFill>
-                <a:latin typeface="+mn-lt"/>
-                <a:ea typeface="+mn-ea"/>
-                <a:cs typeface="+mn-cs"/>
-              </a:defRPr>
-            </a:lvl6pPr>
-            <a:lvl7pPr marL="2971800" indent="-228600" algn="l" defTabSz="914400" rtl="0" eaLnBrk="1" latinLnBrk="0" hangingPunct="1">
-              <a:spcBef>
-                <a:spcPct val="20000"/>
-              </a:spcBef>
-              <a:buClr>
-                <a:schemeClr val="tx2"/>
-              </a:buClr>
-              <a:buFont typeface="Arial" pitchFamily="34" charset="0"/>
-              <a:buChar char="•"/>
-              <a:defRPr sz="1600" kern="1200">
-                <a:solidFill>
-                  <a:schemeClr val="tx1"/>
-                </a:solidFill>
-                <a:latin typeface="+mn-lt"/>
-                <a:ea typeface="+mn-ea"/>
-                <a:cs typeface="+mn-cs"/>
-              </a:defRPr>
-            </a:lvl7pPr>
-            <a:lvl8pPr marL="3429000" indent="-228600" algn="l" defTabSz="914400" rtl="0" eaLnBrk="1" latinLnBrk="0" hangingPunct="1">
-              <a:spcBef>
-                <a:spcPct val="20000"/>
-              </a:spcBef>
-              <a:buClr>
-                <a:schemeClr val="tx2"/>
-              </a:buClr>
-              <a:buFont typeface="Arial" pitchFamily="34" charset="0"/>
-              <a:buChar char="•"/>
-              <a:defRPr sz="1600" kern="1200">
-                <a:solidFill>
-                  <a:schemeClr val="tx1"/>
-                </a:solidFill>
-                <a:latin typeface="+mn-lt"/>
-                <a:ea typeface="+mn-ea"/>
-                <a:cs typeface="+mn-cs"/>
-              </a:defRPr>
-            </a:lvl8pPr>
-            <a:lvl9pPr marL="3886200" indent="-228600" algn="l" defTabSz="914400" rtl="0" eaLnBrk="1" latinLnBrk="0" hangingPunct="1">
-              <a:spcBef>
-                <a:spcPct val="20000"/>
-              </a:spcBef>
-              <a:buClr>
-                <a:schemeClr val="tx2"/>
-              </a:buClr>
-              <a:buFont typeface="Arial" pitchFamily="34" charset="0"/>
-              <a:buChar char="•"/>
-              <a:defRPr sz="1600" kern="1200">
-                <a:solidFill>
-                  <a:schemeClr val="tx1"/>
-                </a:solidFill>
-                <a:latin typeface="+mn-lt"/>
-                <a:ea typeface="+mn-ea"/>
-                <a:cs typeface="+mn-cs"/>
-              </a:defRPr>
-            </a:lvl9pPr>
-          </a:lstStyle>
-          <a:p>
-            <a:r>
-              <a:rPr lang="pt-BR" sz="2800" dirty="0" smtClean="0">
-                <a:latin typeface="Times New Roman" pitchFamily="18" charset="0"/>
-                <a:cs typeface="Times New Roman" pitchFamily="18" charset="0"/>
-              </a:rPr>
-              <a:t>Quarto passo:</a:t>
-            </a:r>
-            <a:endParaRPr lang="pt-BR" sz="2800" dirty="0">
-              <a:latin typeface="Times New Roman" pitchFamily="18" charset="0"/>
-              <a:cs typeface="Times New Roman" pitchFamily="18" charset="0"/>
-            </a:endParaRPr>
-          </a:p>
-          <a:p>
-            <a:pPr algn="just"/>
-            <a:r>
-              <a:rPr lang="pt-BR" sz="2800" b="0" dirty="0">
-                <a:latin typeface="Times New Roman" pitchFamily="18" charset="0"/>
-                <a:cs typeface="Times New Roman" pitchFamily="18" charset="0"/>
-              </a:rPr>
-              <a:t>É válido lembrar que os itens que são importados como módulos, </a:t>
-            </a:r>
-            <a:r>
-              <a:rPr lang="pt-BR" sz="2800" b="0" dirty="0" err="1">
-                <a:latin typeface="Times New Roman" pitchFamily="18" charset="0"/>
-                <a:cs typeface="Times New Roman" pitchFamily="18" charset="0"/>
-              </a:rPr>
-              <a:t>pipes</a:t>
-            </a:r>
-            <a:r>
-              <a:rPr lang="pt-BR" sz="2800" b="0" dirty="0">
-                <a:latin typeface="Times New Roman" pitchFamily="18" charset="0"/>
-                <a:cs typeface="Times New Roman" pitchFamily="18" charset="0"/>
-              </a:rPr>
-              <a:t>, </a:t>
-            </a:r>
-            <a:r>
-              <a:rPr lang="pt-BR" sz="2800" b="0" dirty="0" err="1">
-                <a:latin typeface="Times New Roman" pitchFamily="18" charset="0"/>
-                <a:cs typeface="Times New Roman" pitchFamily="18" charset="0"/>
-              </a:rPr>
-              <a:t>components</a:t>
-            </a:r>
-            <a:r>
-              <a:rPr lang="pt-BR" sz="2800" b="0" dirty="0">
-                <a:latin typeface="Times New Roman" pitchFamily="18" charset="0"/>
-                <a:cs typeface="Times New Roman" pitchFamily="18" charset="0"/>
-              </a:rPr>
-              <a:t>, </a:t>
-            </a:r>
-            <a:r>
-              <a:rPr lang="pt-BR" sz="2800" b="0" dirty="0" err="1">
-                <a:latin typeface="Times New Roman" pitchFamily="18" charset="0"/>
-                <a:cs typeface="Times New Roman" pitchFamily="18" charset="0"/>
-              </a:rPr>
-              <a:t>etc</a:t>
-            </a:r>
-            <a:r>
-              <a:rPr lang="pt-BR" sz="2800" b="0" dirty="0">
-                <a:latin typeface="Times New Roman" pitchFamily="18" charset="0"/>
-                <a:cs typeface="Times New Roman" pitchFamily="18" charset="0"/>
-              </a:rPr>
-              <a:t>, devem ser exportados se forem utilizados de forma compartilhada</a:t>
-            </a:r>
-          </a:p>
-          <a:p>
-            <a:endParaRPr lang="pt-BR" sz="2600" dirty="0"/>
-          </a:p>
-        </p:txBody>
-      </p:sp>
     </p:spTree>
     <p:extLst>
       <p:ext uri="{BB962C8B-B14F-4D97-AF65-F5344CB8AC3E}">
-        <p14:creationId xmlns:p14="http://schemas.microsoft.com/office/powerpoint/2010/main" val="575733719"/>
+        <p14:creationId xmlns:p14="http://schemas.microsoft.com/office/powerpoint/2010/main" val="1044830857"/>
       </p:ext>
     </p:extLst>
   </p:cSld>
   <p:clrMapOvr>
     <a:masterClrMapping/>
   </p:clrMapOvr>
+  <mc:AlternateContent xmlns:mc="http://schemas.openxmlformats.org/markup-compatibility/2006" xmlns:p14="http://schemas.microsoft.com/office/powerpoint/2010/main">
+    <mc:Choice Requires="p14">
+      <p:transition spd="slow" p14:dur="2000"/>
+    </mc:Choice>
+    <mc:Fallback xmlns="">
+      <p:transition spd="slow"/>
+    </mc:Fallback>
+  </mc:AlternateContent>
   <p:timing>
     <p:tnLst>
       <p:par>
@@ -8870,20 +9037,14 @@
           <a:p>
             <a:pPr algn="just"/>
             <a:r>
-              <a:rPr lang="pt-BR" sz="2400" b="1" dirty="0"/>
-              <a:t>CRIANDO UM MENU, TELA DE LOGIN </a:t>
-            </a:r>
-            <a:br>
-              <a:rPr lang="pt-BR" sz="2400" b="1" dirty="0"/>
-            </a:br>
+              <a:rPr lang="pt-BR" sz="2400" b="1" dirty="0" err="1" smtClean="0"/>
+              <a:t>Login</a:t>
+            </a:r>
             <a:r>
               <a:rPr lang="pt-BR" sz="2400" b="1" dirty="0" smtClean="0"/>
-              <a:t>E </a:t>
-            </a:r>
-            <a:r>
-              <a:rPr lang="pt-BR" sz="2400" b="1" dirty="0"/>
-              <a:t>CONTROLE DE EXIBIÇÃO DE MENU</a:t>
-            </a:r>
+              <a:t> e menu dinâmico	</a:t>
+            </a:r>
+            <a:endParaRPr lang="pt-BR" sz="2400" b="1" dirty="0"/>
           </a:p>
         </p:txBody>
       </p:sp>
@@ -9271,20 +9432,14 @@
           <a:p>
             <a:pPr algn="just"/>
             <a:r>
+              <a:rPr lang="pt-BR" sz="2400" b="1" dirty="0" err="1"/>
+              <a:t>Login</a:t>
+            </a:r>
+            <a:r>
               <a:rPr lang="pt-BR" sz="2400" b="1" dirty="0"/>
-              <a:t>CRIANDO UM MENU, TELA DE LOGIN </a:t>
-            </a:r>
-            <a:br>
-              <a:rPr lang="pt-BR" sz="2400" b="1" dirty="0"/>
-            </a:br>
-            <a:r>
-              <a:rPr lang="pt-BR" sz="2400" b="1" dirty="0" smtClean="0"/>
-              <a:t>E </a:t>
-            </a:r>
-            <a:r>
-              <a:rPr lang="pt-BR" sz="2400" b="1" dirty="0"/>
-              <a:t>CONTROLE DE EXIBIÇÃO DE MENU</a:t>
-            </a:r>
+              <a:t> e menu dinâmico</a:t>
+            </a:r>
+            <a:endParaRPr lang="pt-BR" sz="2400" b="1" dirty="0"/>
           </a:p>
         </p:txBody>
       </p:sp>
@@ -9456,8 +9611,8 @@
         </p:blipFill>
         <p:spPr bwMode="auto">
           <a:xfrm>
-            <a:off x="1196342" y="3645024"/>
-            <a:ext cx="6593160" cy="199752"/>
+            <a:off x="539551" y="3284984"/>
+            <a:ext cx="8138837" cy="246581"/>
           </a:xfrm>
           <a:prstGeom prst="rect">
             <a:avLst/>
@@ -9558,20 +9713,14 @@
           <a:p>
             <a:pPr algn="just"/>
             <a:r>
+              <a:rPr lang="pt-BR" sz="2400" b="1" dirty="0" err="1"/>
+              <a:t>Login</a:t>
+            </a:r>
+            <a:r>
               <a:rPr lang="pt-BR" sz="2400" b="1" dirty="0"/>
-              <a:t>CRIANDO UM MENU, TELA DE LOGIN </a:t>
-            </a:r>
-            <a:br>
-              <a:rPr lang="pt-BR" sz="2400" b="1" dirty="0"/>
-            </a:br>
-            <a:r>
-              <a:rPr lang="pt-BR" sz="2400" b="1" dirty="0" smtClean="0"/>
-              <a:t>E </a:t>
-            </a:r>
-            <a:r>
-              <a:rPr lang="pt-BR" sz="2400" b="1" dirty="0"/>
-              <a:t>CONTROLE DE EXIBIÇÃO DE MENU</a:t>
-            </a:r>
+              <a:t> e menu dinâmico</a:t>
+            </a:r>
+            <a:endParaRPr lang="pt-BR" sz="2400" b="1" dirty="0"/>
           </a:p>
         </p:txBody>
       </p:sp>
@@ -9797,7 +9946,6 @@
           </a:bodyPr>
           <a:lstStyle/>
           <a:p>
-            <a:pPr algn="ctr"/>
             <a:r>
               <a:rPr lang="pt-BR" sz="2400" b="1" dirty="0"/>
               <a:t>Configurando </a:t>
@@ -10121,7 +10269,6 @@
           </a:bodyPr>
           <a:lstStyle/>
           <a:p>
-            <a:pPr algn="ctr"/>
             <a:r>
               <a:rPr lang="pt-BR" sz="2400" b="1" dirty="0"/>
               <a:t>Configurando </a:t>
@@ -10852,7 +10999,21 @@
                 <a:latin typeface="Times New Roman" pitchFamily="18" charset="0"/>
                 <a:cs typeface="Times New Roman" pitchFamily="18" charset="0"/>
               </a:rPr>
-              <a:t> percebemos que o menu independente da rota sempre irá aparecer. Não é muito amigável exibir um menu na tela de </a:t>
+              <a:t> percebemos que o menu independente da rota sempre irá </a:t>
+            </a:r>
+            <a:r>
+              <a:rPr lang="pt-BR" sz="2800" b="0" dirty="0" smtClean="0">
+                <a:latin typeface="Times New Roman" pitchFamily="18" charset="0"/>
+                <a:cs typeface="Times New Roman" pitchFamily="18" charset="0"/>
+              </a:rPr>
+              <a:t>aparecer que não </a:t>
+            </a:r>
+            <a:r>
+              <a:rPr lang="pt-BR" sz="2800" b="0" dirty="0">
+                <a:latin typeface="Times New Roman" pitchFamily="18" charset="0"/>
+                <a:cs typeface="Times New Roman" pitchFamily="18" charset="0"/>
+              </a:rPr>
+              <a:t>é muito amigável exibir um menu na tela de </a:t>
             </a:r>
             <a:r>
               <a:rPr lang="pt-BR" sz="2800" b="0" dirty="0" err="1">
@@ -10862,35 +11023,59 @@
               <a:t>login</a:t>
             </a:r>
             <a:r>
+              <a:rPr lang="pt-BR" sz="2800" b="0" dirty="0" smtClean="0">
+                <a:latin typeface="Times New Roman" pitchFamily="18" charset="0"/>
+                <a:cs typeface="Times New Roman" pitchFamily="18" charset="0"/>
+              </a:rPr>
+              <a:t>.</a:t>
+            </a:r>
+          </a:p>
+          <a:p>
+            <a:pPr algn="just"/>
+            <a:r>
+              <a:rPr lang="pt-BR" sz="2800" dirty="0" smtClean="0">
+                <a:latin typeface="Times New Roman" pitchFamily="18" charset="0"/>
+                <a:cs typeface="Times New Roman" pitchFamily="18" charset="0"/>
+              </a:rPr>
+              <a:t>Implementação:</a:t>
+            </a:r>
+            <a:endParaRPr lang="pt-BR" sz="2800" dirty="0">
+              <a:latin typeface="Times New Roman" pitchFamily="18" charset="0"/>
+              <a:cs typeface="Times New Roman" pitchFamily="18" charset="0"/>
+            </a:endParaRPr>
+          </a:p>
+          <a:p>
+            <a:pPr marL="457200" indent="-457200" algn="just">
+              <a:buFont typeface="Wingdings" panose="05000000000000000000" pitchFamily="2" charset="2"/>
+              <a:buChar char="Ø"/>
+            </a:pPr>
+            <a:r>
+              <a:rPr lang="pt-BR" sz="2800" b="0" dirty="0" smtClean="0">
+                <a:latin typeface="Times New Roman" pitchFamily="18" charset="0"/>
+                <a:cs typeface="Times New Roman" pitchFamily="18" charset="0"/>
+              </a:rPr>
+              <a:t>Criar </a:t>
+            </a:r>
+            <a:r>
               <a:rPr lang="pt-BR" sz="2800" b="0" dirty="0">
                 <a:latin typeface="Times New Roman" pitchFamily="18" charset="0"/>
                 <a:cs typeface="Times New Roman" pitchFamily="18" charset="0"/>
               </a:rPr>
+              <a:t>o serviço de autenticação </a:t>
+            </a:r>
+            <a:r>
+              <a:rPr lang="pt-BR" sz="2800" b="0" dirty="0" err="1" smtClean="0">
+                <a:latin typeface="Times New Roman" pitchFamily="18" charset="0"/>
+                <a:cs typeface="Times New Roman" pitchFamily="18" charset="0"/>
+              </a:rPr>
+              <a:t>auth.service</a:t>
+            </a:r>
+            <a:r>
+              <a:rPr lang="pt-BR" sz="2800" b="0" dirty="0" smtClean="0">
+                <a:latin typeface="Times New Roman" pitchFamily="18" charset="0"/>
+                <a:cs typeface="Times New Roman" pitchFamily="18" charset="0"/>
+              </a:rPr>
               <a:t>.</a:t>
-            </a:r>
-          </a:p>
-          <a:p>
-            <a:pPr algn="just"/>
-            <a:r>
-              <a:rPr lang="pt-BR" sz="2800" b="0" dirty="0" smtClean="0">
-                <a:latin typeface="Times New Roman" pitchFamily="18" charset="0"/>
-                <a:cs typeface="Times New Roman" pitchFamily="18" charset="0"/>
-              </a:rPr>
-              <a:t>- Criar </a:t>
-            </a:r>
-            <a:r>
-              <a:rPr lang="pt-BR" sz="2800" b="0" dirty="0">
-                <a:latin typeface="Times New Roman" pitchFamily="18" charset="0"/>
-                <a:cs typeface="Times New Roman" pitchFamily="18" charset="0"/>
-              </a:rPr>
-              <a:t>o serviço de autenticação </a:t>
-            </a:r>
-            <a:r>
-              <a:rPr lang="pt-BR" sz="2800" b="0" dirty="0" err="1">
-                <a:latin typeface="Times New Roman" pitchFamily="18" charset="0"/>
-                <a:cs typeface="Times New Roman" pitchFamily="18" charset="0"/>
-              </a:rPr>
-              <a:t>auth.service</a:t>
             </a:r>
             <a:endParaRPr lang="pt-BR" sz="2800" b="0" dirty="0">
               <a:latin typeface="Times New Roman" pitchFamily="18" charset="0"/>
@@ -10898,13 +11083,16 @@
             </a:endParaRPr>
           </a:p>
           <a:p>
-            <a:pPr algn="just"/>
+            <a:pPr marL="914400" lvl="1" indent="-457200" algn="just">
+              <a:buFont typeface="Wingdings" panose="05000000000000000000" pitchFamily="2" charset="2"/>
+              <a:buChar char="Ø"/>
+            </a:pPr>
             <a:r>
               <a:rPr lang="pt-BR" sz="2800" b="0" dirty="0" smtClean="0">
                 <a:latin typeface="Times New Roman" pitchFamily="18" charset="0"/>
                 <a:cs typeface="Times New Roman" pitchFamily="18" charset="0"/>
               </a:rPr>
-              <a:t>- Método </a:t>
+              <a:t>Método </a:t>
             </a:r>
             <a:r>
               <a:rPr lang="pt-BR" sz="2800" b="0" dirty="0">
@@ -12627,6 +12815,58 @@
           <a:chExt cx="0" cy="0"/>
         </a:xfrm>
       </p:grpSpPr>
+      <p:pic>
+        <p:nvPicPr>
+          <p:cNvPr id="9" name="Picture 3"/>
+          <p:cNvPicPr>
+            <a:picLocks noChangeAspect="1" noChangeArrowheads="1"/>
+          </p:cNvPicPr>
+          <p:nvPr/>
+        </p:nvPicPr>
+        <p:blipFill rotWithShape="1">
+          <a:blip r:embed="rId2">
+            <a:extLst>
+              <a:ext uri="{28A0092B-C50C-407E-A947-70E740481C1C}">
+                <a14:useLocalDpi xmlns:a14="http://schemas.microsoft.com/office/drawing/2010/main" val="0"/>
+              </a:ext>
+            </a:extLst>
+          </a:blip>
+          <a:srcRect l="58578" t="52517" r="10210" b="38365"/>
+          <a:stretch/>
+        </p:blipFill>
+        <p:spPr bwMode="auto">
+          <a:xfrm>
+            <a:off x="2699792" y="5616796"/>
+            <a:ext cx="6120764" cy="952999"/>
+          </a:xfrm>
+          <a:prstGeom prst="rect">
+            <a:avLst/>
+          </a:prstGeom>
+          <a:noFill/>
+          <a:ln>
+            <a:noFill/>
+          </a:ln>
+          <a:extLst>
+            <a:ext uri="{909E8E84-426E-40DD-AFC4-6F175D3DCCD1}">
+              <a14:hiddenFill xmlns:a14="http://schemas.microsoft.com/office/drawing/2010/main">
+                <a:solidFill>
+                  <a:schemeClr val="accent1"/>
+                </a:solidFill>
+              </a14:hiddenFill>
+            </a:ext>
+            <a:ext uri="{91240B29-F687-4F45-9708-019B960494DF}">
+              <a14:hiddenLine xmlns:a14="http://schemas.microsoft.com/office/drawing/2010/main" w="9525">
+                <a:solidFill>
+                  <a:schemeClr val="tx1"/>
+                </a:solidFill>
+                <a:miter lim="800000"/>
+                <a:headEnd/>
+                <a:tailEnd/>
+              </a14:hiddenLine>
+            </a:ext>
+          </a:extLst>
+        </p:spPr>
+      </p:pic>
       <p:sp>
         <p:nvSpPr>
           <p:cNvPr id="2" name="Título 1"/>
@@ -12649,7 +12889,6 @@
           </a:bodyPr>
           <a:lstStyle/>
           <a:p>
-            <a:pPr algn="ctr"/>
             <a:r>
               <a:rPr lang="pt-BR" sz="2800" b="1" dirty="0" smtClean="0"/>
               <a:t>UM </a:t>
@@ -12716,7 +12955,7 @@
           <p:nvPr/>
         </p:nvPicPr>
         <p:blipFill rotWithShape="1">
-          <a:blip r:embed="rId2" cstate="print">
+          <a:blip r:embed="rId3" cstate="print">
             <a:extLst>
               <a:ext uri="{28A0092B-C50C-407E-A947-70E740481C1C}">
                 <a14:useLocalDpi xmlns:a14="http://schemas.microsoft.com/office/drawing/2010/main" val="0"/>
@@ -13016,10 +13255,140 @@
   <p:clrMapOvr>
     <a:masterClrMapping/>
   </p:clrMapOvr>
+  <mc:AlternateContent xmlns:mc="http://schemas.openxmlformats.org/markup-compatibility/2006">
+    <mc:Choice xmlns:p14="http://schemas.microsoft.com/office/powerpoint/2010/main" Requires="p14">
+      <p:transition p14:dur="10"/>
+    </mc:Choice>
+    <mc:Fallback>
+      <p:transition/>
+    </mc:Fallback>
+  </mc:AlternateContent>
   <p:timing>
     <p:tnLst>
       <p:par>
-        <p:cTn id="1" dur="indefinite" restart="never" nodeType="tmRoot"/>
+        <p:cTn id="1" dur="indefinite" restart="never" nodeType="tmRoot">
+          <p:childTnLst>
+            <p:seq concurrent="1" nextAc="seek">
+              <p:cTn id="2" dur="indefinite" nodeType="mainSeq">
+                <p:childTnLst>
+                  <p:par>
+                    <p:cTn id="3" fill="hold">
+                      <p:stCondLst>
+                        <p:cond delay="indefinite"/>
+                      </p:stCondLst>
+                      <p:childTnLst>
+                        <p:par>
+                          <p:cTn id="4" fill="hold">
+                            <p:stCondLst>
+                              <p:cond delay="0"/>
+                            </p:stCondLst>
+                            <p:childTnLst>
+                              <p:par>
+                                <p:cTn id="5" presetID="42" presetClass="entr" presetSubtype="0" fill="hold" nodeType="clickEffect">
+                                  <p:stCondLst>
+                                    <p:cond delay="0"/>
+                                  </p:stCondLst>
+                                  <p:childTnLst>
+                                    <p:set>
+                                      <p:cBhvr>
+                                        <p:cTn id="6" dur="1" fill="hold">
+                                          <p:stCondLst>
+                                            <p:cond delay="0"/>
+                                          </p:stCondLst>
+                                        </p:cTn>
+                                        <p:tgtEl>
+                                          <p:spTgt spid="9"/>
+                                        </p:tgtEl>
+                                        <p:attrNameLst>
+                                          <p:attrName>style.visibility</p:attrName>
+                                        </p:attrNameLst>
+                                      </p:cBhvr>
+                                      <p:to>
+                                        <p:strVal val="visible"/>
+                                      </p:to>
+                                    </p:set>
+                                    <p:animEffect transition="in" filter="fade">
+                                      <p:cBhvr>
+                                        <p:cTn id="7" dur="1000"/>
+                                        <p:tgtEl>
+                                          <p:spTgt spid="9"/>
+                                        </p:tgtEl>
+                                      </p:cBhvr>
+                                    </p:animEffect>
+                                    <p:anim calcmode="lin" valueType="num">
+                                      <p:cBhvr>
+                                        <p:cTn id="8" dur="1000" fill="hold"/>
+                                        <p:tgtEl>
+                                          <p:spTgt spid="9"/>
+                                        </p:tgtEl>
+                                        <p:attrNameLst>
+                                          <p:attrName>ppt_x</p:attrName>
+                                        </p:attrNameLst>
+                                      </p:cBhvr>
+                                      <p:tavLst>
+                                        <p:tav tm="0">
+                                          <p:val>
+                                            <p:strVal val="#ppt_x"/>
+                                          </p:val>
+                                        </p:tav>
+                                        <p:tav tm="100000">
+                                          <p:val>
+                                            <p:strVal val="#ppt_x"/>
+                                          </p:val>
+                                        </p:tav>
+                                      </p:tavLst>
+                                    </p:anim>
+                                    <p:anim calcmode="lin" valueType="num">
+                                      <p:cBhvr>
+                                        <p:cTn id="9" dur="1000" fill="hold"/>
+                                        <p:tgtEl>
+                                          <p:spTgt spid="9"/>
+                                        </p:tgtEl>
+                                        <p:attrNameLst>
+                                          <p:attrName>ppt_y</p:attrName>
+                                        </p:attrNameLst>
+                                      </p:cBhvr>
+                                      <p:tavLst>
+                                        <p:tav tm="0">
+                                          <p:val>
+                                            <p:strVal val="#ppt_y+.1"/>
+                                          </p:val>
+                                        </p:tav>
+                                        <p:tav tm="100000">
+                                          <p:val>
+                                            <p:strVal val="#ppt_y"/>
+                                          </p:val>
+                                        </p:tav>
+                                      </p:tavLst>
+                                    </p:anim>
+                                  </p:childTnLst>
+                                </p:cTn>
+                              </p:par>
+                            </p:childTnLst>
+                          </p:cTn>
+                        </p:par>
+                      </p:childTnLst>
+                    </p:cTn>
+                  </p:par>
+                </p:childTnLst>
+              </p:cTn>
+              <p:prevCondLst>
+                <p:cond evt="onPrev" delay="0">
+                  <p:tgtEl>
+                    <p:sldTgt/>
+                  </p:tgtEl>
+                </p:cond>
+              </p:prevCondLst>
+              <p:nextCondLst>
+                <p:cond evt="onNext" delay="0">
+                  <p:tgtEl>
+                    <p:sldTgt/>
+                  </p:tgtEl>
+                </p:cond>
+              </p:nextCondLst>
+            </p:seq>
+          </p:childTnLst>
+        </p:cTn>
       </p:par>
     </p:tnLst>
   </p:timing>
@@ -13065,7 +13434,6 @@
           </a:bodyPr>
           <a:lstStyle/>
           <a:p>
-            <a:pPr algn="ctr"/>
             <a:r>
               <a:rPr lang="pt-BR" sz="2800" b="1" dirty="0" smtClean="0"/>
               <a:t>UM </a:t>
@@ -13539,7 +13907,6 @@
           </a:bodyPr>
           <a:lstStyle/>
           <a:p>
-            <a:pPr algn="ctr"/>
             <a:r>
               <a:rPr lang="pt-BR" sz="2800" b="1" dirty="0" smtClean="0"/>
               <a:t>UM </a:t>
@@ -14209,7 +14576,7 @@
         </p:nvGraphicFramePr>
         <p:xfrm>
           <a:off x="539552" y="2996952"/>
-          <a:ext cx="8208911" cy="3156688"/>
+          <a:ext cx="8208911" cy="3120176"/>
         </p:xfrm>
         <a:graphic>
           <a:graphicData uri="http://schemas.openxmlformats.org/drawingml/2006/table">
@@ -14941,7 +15308,6 @@
           </a:bodyPr>
           <a:lstStyle/>
           <a:p>
-            <a:pPr algn="ctr"/>
             <a:r>
               <a:rPr lang="pt-BR" sz="2800" b="1" dirty="0" smtClean="0"/>
               <a:t>UM </a:t>
@@ -15412,7 +15778,6 @@
           </a:bodyPr>
           <a:lstStyle/>
           <a:p>
-            <a:pPr algn="ctr"/>
             <a:r>
               <a:rPr lang="pt-BR" sz="2800" b="1" dirty="0" smtClean="0"/>
               <a:t>UM </a:t>
@@ -15902,7 +16267,7 @@
           <a:p>
             <a:r>
               <a:rPr lang="pt-BR" sz="2700" dirty="0" smtClean="0"/>
-              <a:t>Exercício</a:t>
+              <a:t>Exercícios</a:t>
             </a:r>
             <a:endParaRPr lang="pt-BR" sz="2700" dirty="0"/>
           </a:p>
@@ -16000,18 +16365,6 @@
           </a:bodyPr>
           <a:lstStyle/>
           <a:p>
-            <a:pPr lvl="0">
-              <a:lnSpc>
-                <a:spcPct val="120000"/>
-              </a:lnSpc>
-            </a:pPr>
-            <a:r>
-              <a:rPr lang="pt-BR" b="0" dirty="0"/>
-              <a:t>	</a:t>
-            </a:r>
-            <a:endParaRPr lang="pt-BR" b="0" dirty="0" smtClean="0"/>
-          </a:p>
-          <a:p>
             <a:pPr marL="342900" indent="-342900">
               <a:lnSpc>
                 <a:spcPct val="120000"/>
@@ -16020,30 +16373,67 @@
               <a:buChar char="•"/>
             </a:pPr>
             <a:r>
-              <a:rPr lang="pt-BR" b="0" dirty="0" smtClean="0"/>
-              <a:t>Criando </a:t>
-            </a:r>
-            <a:r>
-              <a:rPr lang="pt-BR" b="0" dirty="0"/>
-              <a:t>componentes compartilhados com </a:t>
-            </a:r>
-            <a:r>
-              <a:rPr lang="pt-BR" b="0" dirty="0" err="1"/>
-              <a:t>PrimeNG</a:t>
-            </a:r>
-            <a:r>
-              <a:rPr lang="pt-BR" b="0" dirty="0"/>
-              <a:t>.</a:t>
-            </a:r>
-          </a:p>
-          <a:p>
-            <a:pPr marL="342900" lvl="0" indent="-342900">
+              <a:rPr lang="pt-BR" sz="2400" b="0" dirty="0" smtClean="0">
+                <a:latin typeface="Times New Roman" panose="02020603050405020304" pitchFamily="18" charset="0"/>
+                <a:cs typeface="Times New Roman" panose="02020603050405020304" pitchFamily="18" charset="0"/>
+              </a:rPr>
+              <a:t>Exercício </a:t>
+            </a:r>
+            <a:r>
+              <a:rPr lang="pt-BR" sz="2400" b="0" dirty="0">
+                <a:latin typeface="Times New Roman" panose="02020603050405020304" pitchFamily="18" charset="0"/>
+                <a:cs typeface="Times New Roman" panose="02020603050405020304" pitchFamily="18" charset="0"/>
+              </a:rPr>
+              <a:t>3 da lista de </a:t>
+            </a:r>
+            <a:r>
+              <a:rPr lang="pt-BR" sz="2400" b="0" dirty="0" smtClean="0">
+                <a:latin typeface="Times New Roman" panose="02020603050405020304" pitchFamily="18" charset="0"/>
+                <a:cs typeface="Times New Roman" panose="02020603050405020304" pitchFamily="18" charset="0"/>
+              </a:rPr>
+              <a:t>exercícios</a:t>
+            </a:r>
+            <a:endParaRPr lang="pt-BR" sz="2400" b="0" dirty="0" smtClean="0">
+              <a:latin typeface="Times New Roman" panose="02020603050405020304" pitchFamily="18" charset="0"/>
+              <a:cs typeface="Times New Roman" panose="02020603050405020304" pitchFamily="18" charset="0"/>
+            </a:endParaRPr>
+          </a:p>
+          <a:p>
+            <a:pPr marL="342900" indent="-342900">
               <a:lnSpc>
                 <a:spcPct val="120000"/>
               </a:lnSpc>
               <a:buFont typeface="Arial" pitchFamily="34" charset="0"/>
               <a:buChar char="•"/>
             </a:pPr>
+            <a:r>
+              <a:rPr lang="pt-BR" sz="2400" b="0" dirty="0" smtClean="0">
+                <a:latin typeface="Times New Roman" panose="02020603050405020304" pitchFamily="18" charset="0"/>
+                <a:cs typeface="Times New Roman" panose="02020603050405020304" pitchFamily="18" charset="0"/>
+              </a:rPr>
+              <a:t>Criando </a:t>
+            </a:r>
+            <a:r>
+              <a:rPr lang="pt-BR" sz="2400" b="0" dirty="0">
+                <a:latin typeface="Times New Roman" panose="02020603050405020304" pitchFamily="18" charset="0"/>
+                <a:cs typeface="Times New Roman" panose="02020603050405020304" pitchFamily="18" charset="0"/>
+              </a:rPr>
+              <a:t>componentes compartilhados com </a:t>
+            </a:r>
+            <a:r>
+              <a:rPr lang="pt-BR" sz="2400" b="0" dirty="0" err="1">
+                <a:latin typeface="Times New Roman" panose="02020603050405020304" pitchFamily="18" charset="0"/>
+                <a:cs typeface="Times New Roman" panose="02020603050405020304" pitchFamily="18" charset="0"/>
+              </a:rPr>
+              <a:t>PrimeNG</a:t>
+            </a:r>
+            <a:r>
+              <a:rPr lang="pt-BR" sz="2400" b="0" dirty="0" smtClean="0">
+                <a:latin typeface="Times New Roman" panose="02020603050405020304" pitchFamily="18" charset="0"/>
+                <a:cs typeface="Times New Roman" panose="02020603050405020304" pitchFamily="18" charset="0"/>
+              </a:rPr>
+              <a:t>.</a:t>
+            </a:r>
             <a:endParaRPr lang="pt-BR" sz="2600" b="0" dirty="0">
               <a:solidFill>
                 <a:srgbClr val="000000"/>

--- a/Módulo 2/Modulo 2.pptx
+++ b/Módulo 2/Modulo 2.pptx
@@ -342,7 +342,7 @@
           <a:p>
             <a:fld id="{05D07FE6-D4F0-43B8-8724-69D32D78BC5B}" type="datetimeFigureOut">
               <a:rPr lang="pt-BR" smtClean="0"/>
-              <a:t>17/04/2019</a:t>
+              <a:t>18/04/2019</a:t>
             </a:fld>
             <a:endParaRPr lang="pt-BR"/>
           </a:p>
@@ -607,7 +607,7 @@
           <a:p>
             <a:fld id="{05D07FE6-D4F0-43B8-8724-69D32D78BC5B}" type="datetimeFigureOut">
               <a:rPr lang="pt-BR" smtClean="0"/>
-              <a:t>17/04/2019</a:t>
+              <a:t>18/04/2019</a:t>
             </a:fld>
             <a:endParaRPr lang="pt-BR"/>
           </a:p>
@@ -782,7 +782,7 @@
           <a:p>
             <a:fld id="{05D07FE6-D4F0-43B8-8724-69D32D78BC5B}" type="datetimeFigureOut">
               <a:rPr lang="pt-BR" smtClean="0"/>
-              <a:t>17/04/2019</a:t>
+              <a:t>18/04/2019</a:t>
             </a:fld>
             <a:endParaRPr lang="pt-BR"/>
           </a:p>
@@ -947,7 +947,7 @@
           <a:p>
             <a:fld id="{05D07FE6-D4F0-43B8-8724-69D32D78BC5B}" type="datetimeFigureOut">
               <a:rPr lang="pt-BR" smtClean="0"/>
-              <a:t>17/04/2019</a:t>
+              <a:t>18/04/2019</a:t>
             </a:fld>
             <a:endParaRPr lang="pt-BR"/>
           </a:p>
@@ -1196,7 +1196,7 @@
           <a:p>
             <a:fld id="{05D07FE6-D4F0-43B8-8724-69D32D78BC5B}" type="datetimeFigureOut">
               <a:rPr lang="pt-BR" smtClean="0"/>
-              <a:t>17/04/2019</a:t>
+              <a:t>18/04/2019</a:t>
             </a:fld>
             <a:endParaRPr lang="pt-BR"/>
           </a:p>
@@ -1479,7 +1479,7 @@
           <a:p>
             <a:fld id="{05D07FE6-D4F0-43B8-8724-69D32D78BC5B}" type="datetimeFigureOut">
               <a:rPr lang="pt-BR" smtClean="0"/>
-              <a:t>17/04/2019</a:t>
+              <a:t>18/04/2019</a:t>
             </a:fld>
             <a:endParaRPr lang="pt-BR"/>
           </a:p>
@@ -1918,7 +1918,7 @@
           <a:p>
             <a:fld id="{05D07FE6-D4F0-43B8-8724-69D32D78BC5B}" type="datetimeFigureOut">
               <a:rPr lang="pt-BR" smtClean="0"/>
-              <a:t>17/04/2019</a:t>
+              <a:t>18/04/2019</a:t>
             </a:fld>
             <a:endParaRPr lang="pt-BR"/>
           </a:p>
@@ -2031,7 +2031,7 @@
           <a:p>
             <a:fld id="{05D07FE6-D4F0-43B8-8724-69D32D78BC5B}" type="datetimeFigureOut">
               <a:rPr lang="pt-BR" smtClean="0"/>
-              <a:t>17/04/2019</a:t>
+              <a:t>18/04/2019</a:t>
             </a:fld>
             <a:endParaRPr lang="pt-BR"/>
           </a:p>
@@ -2121,7 +2121,7 @@
           <a:p>
             <a:fld id="{05D07FE6-D4F0-43B8-8724-69D32D78BC5B}" type="datetimeFigureOut">
               <a:rPr lang="pt-BR" smtClean="0"/>
-              <a:t>17/04/2019</a:t>
+              <a:t>18/04/2019</a:t>
             </a:fld>
             <a:endParaRPr lang="pt-BR"/>
           </a:p>
@@ -2363,7 +2363,7 @@
           <a:p>
             <a:fld id="{05D07FE6-D4F0-43B8-8724-69D32D78BC5B}" type="datetimeFigureOut">
               <a:rPr lang="pt-BR" smtClean="0"/>
-              <a:t>17/04/2019</a:t>
+              <a:t>18/04/2019</a:t>
             </a:fld>
             <a:endParaRPr lang="pt-BR"/>
           </a:p>
@@ -2657,7 +2657,7 @@
           <a:p>
             <a:fld id="{05D07FE6-D4F0-43B8-8724-69D32D78BC5B}" type="datetimeFigureOut">
               <a:rPr lang="pt-BR" smtClean="0"/>
-              <a:t>17/04/2019</a:t>
+              <a:t>18/04/2019</a:t>
             </a:fld>
             <a:endParaRPr lang="pt-BR"/>
           </a:p>
@@ -2951,7 +2951,7 @@
           <a:p>
             <a:fld id="{05D07FE6-D4F0-43B8-8724-69D32D78BC5B}" type="datetimeFigureOut">
               <a:rPr lang="pt-BR" smtClean="0"/>
-              <a:t>17/04/2019</a:t>
+              <a:t>18/04/2019</a:t>
             </a:fld>
             <a:endParaRPr lang="pt-BR"/>
           </a:p>
@@ -3997,11 +3997,7 @@
             </a:r>
             <a:r>
               <a:rPr lang="pt-BR" sz="2800" b="1" dirty="0" smtClean="0"/>
-              <a:t> </a:t>
-            </a:r>
-            <a:r>
-              <a:rPr lang="pt-BR" sz="2800" b="1" dirty="0" smtClean="0"/>
-              <a:t>- </a:t>
+              <a:t> - </a:t>
             </a:r>
             <a:r>
               <a:rPr lang="pt-BR" sz="2800" b="1" dirty="0" err="1"/>
@@ -5285,7 +5281,7 @@
         <p:spPr>
           <a:xfrm>
             <a:off x="322059" y="3140968"/>
-            <a:ext cx="8363272" cy="2844234"/>
+            <a:ext cx="8363272" cy="2448272"/>
           </a:xfrm>
         </p:spPr>
         <p:txBody>
@@ -5296,22 +5292,15 @@
           <a:p>
             <a:pPr algn="ctr"/>
             <a:r>
-              <a:rPr lang="pt-BR" sz="4800" dirty="0">
+              <a:rPr lang="pt-BR" sz="4800" dirty="0" smtClean="0">
                 <a:solidFill>
                   <a:schemeClr val="tx1"/>
                 </a:solidFill>
                 <a:latin typeface="Times New Roman" pitchFamily="18" charset="0"/>
                 <a:cs typeface="Times New Roman" pitchFamily="18" charset="0"/>
               </a:rPr>
-              <a:t>EXPLORANDO O PRIMENG</a:t>
-            </a:r>
-            <a:r>
-              <a:rPr lang="pt-BR" sz="4800" b="1" dirty="0"/>
-              <a:t/>
-            </a:r>
-            <a:br>
-              <a:rPr lang="pt-BR" sz="4800" b="1" dirty="0"/>
-            </a:br>
+              <a:t>PRIMENG</a:t>
+            </a:r>
             <a:r>
               <a:rPr lang="pt-BR" sz="2400" b="1" dirty="0" smtClean="0">
                 <a:solidFill>
@@ -5331,6 +5320,26 @@
                 <a:cs typeface="Times New Roman" pitchFamily="18" charset="0"/>
               </a:rPr>
             </a:br>
+            <a:r>
+              <a:rPr lang="pt-BR" sz="2400" b="1" dirty="0">
+                <a:solidFill>
+                  <a:schemeClr val="tx1"/>
+                </a:solidFill>
+                <a:latin typeface="Times New Roman" pitchFamily="18" charset="0"/>
+                <a:cs typeface="Times New Roman" pitchFamily="18" charset="0"/>
+              </a:rPr>
+              <a:t>EXPLORANDO </a:t>
+            </a:r>
+            <a:r>
+              <a:rPr lang="pt-BR" sz="2400" b="1" dirty="0" smtClean="0">
+                <a:solidFill>
+                  <a:schemeClr val="tx1"/>
+                </a:solidFill>
+                <a:latin typeface="Times New Roman" pitchFamily="18" charset="0"/>
+                <a:cs typeface="Times New Roman" pitchFamily="18" charset="0"/>
+              </a:rPr>
+              <a:t>O Framework</a:t>
+            </a:r>
             <a:r>
               <a:rPr lang="pt-BR" b="1" dirty="0">
                 <a:solidFill>
@@ -9439,7 +9448,6 @@
               <a:rPr lang="pt-BR" sz="2400" b="1" dirty="0"/>
               <a:t> e menu dinâmico</a:t>
             </a:r>
-            <a:endParaRPr lang="pt-BR" sz="2400" b="1" dirty="0"/>
           </a:p>
         </p:txBody>
       </p:sp>
@@ -9720,7 +9728,6 @@
               <a:rPr lang="pt-BR" sz="2400" b="1" dirty="0"/>
               <a:t> e menu dinâmico</a:t>
             </a:r>
-            <a:endParaRPr lang="pt-BR" sz="2400" b="1" dirty="0"/>
           </a:p>
         </p:txBody>
       </p:sp>
@@ -13255,11 +13262,11 @@
   <p:clrMapOvr>
     <a:masterClrMapping/>
   </p:clrMapOvr>
-  <mc:AlternateContent xmlns:mc="http://schemas.openxmlformats.org/markup-compatibility/2006">
-    <mc:Choice xmlns:p14="http://schemas.microsoft.com/office/powerpoint/2010/main" Requires="p14">
+  <mc:AlternateContent xmlns:mc="http://schemas.openxmlformats.org/markup-compatibility/2006" xmlns:p14="http://schemas.microsoft.com/office/powerpoint/2010/main">
+    <mc:Choice Requires="p14">
       <p:transition p14:dur="10"/>
     </mc:Choice>
-    <mc:Fallback>
+    <mc:Fallback xmlns="">
       <p:transition/>
     </mc:Fallback>
   </mc:AlternateContent>
@@ -14576,7 +14583,7 @@
         </p:nvGraphicFramePr>
         <p:xfrm>
           <a:off x="539552" y="2996952"/>
-          <a:ext cx="8208911" cy="3120176"/>
+          <a:ext cx="8208911" cy="3156688"/>
         </p:xfrm>
         <a:graphic>
           <a:graphicData uri="http://schemas.openxmlformats.org/drawingml/2006/table">
@@ -16393,10 +16400,6 @@
               </a:rPr>
               <a:t>exercícios</a:t>
             </a:r>
-            <a:endParaRPr lang="pt-BR" sz="2400" b="0" dirty="0" smtClean="0">
-              <a:latin typeface="Times New Roman" panose="02020603050405020304" pitchFamily="18" charset="0"/>
-              <a:cs typeface="Times New Roman" panose="02020603050405020304" pitchFamily="18" charset="0"/>
-            </a:endParaRPr>
           </a:p>
           <a:p>
             <a:pPr marL="342900" indent="-342900">

--- a/Módulo 2/Modulo 2.pptx
+++ b/Módulo 2/Modulo 2.pptx
@@ -48,6 +48,7 @@
     <p:sldId id="321" r:id="rId42"/>
     <p:sldId id="309" r:id="rId43"/>
     <p:sldId id="310" r:id="rId44"/>
+    <p:sldId id="324" r:id="rId45"/>
   </p:sldIdLst>
   <p:sldSz cx="9144000" cy="6858000" type="screen4x3"/>
   <p:notesSz cx="6858000" cy="9144000"/>
@@ -342,7 +343,7 @@
           <a:p>
             <a:fld id="{05D07FE6-D4F0-43B8-8724-69D32D78BC5B}" type="datetimeFigureOut">
               <a:rPr lang="pt-BR" smtClean="0"/>
-              <a:t>18/04/2019</a:t>
+              <a:t>21/04/2019</a:t>
             </a:fld>
             <a:endParaRPr lang="pt-BR"/>
           </a:p>
@@ -607,7 +608,7 @@
           <a:p>
             <a:fld id="{05D07FE6-D4F0-43B8-8724-69D32D78BC5B}" type="datetimeFigureOut">
               <a:rPr lang="pt-BR" smtClean="0"/>
-              <a:t>18/04/2019</a:t>
+              <a:t>21/04/2019</a:t>
             </a:fld>
             <a:endParaRPr lang="pt-BR"/>
           </a:p>
@@ -782,7 +783,7 @@
           <a:p>
             <a:fld id="{05D07FE6-D4F0-43B8-8724-69D32D78BC5B}" type="datetimeFigureOut">
               <a:rPr lang="pt-BR" smtClean="0"/>
-              <a:t>18/04/2019</a:t>
+              <a:t>21/04/2019</a:t>
             </a:fld>
             <a:endParaRPr lang="pt-BR"/>
           </a:p>
@@ -947,7 +948,7 @@
           <a:p>
             <a:fld id="{05D07FE6-D4F0-43B8-8724-69D32D78BC5B}" type="datetimeFigureOut">
               <a:rPr lang="pt-BR" smtClean="0"/>
-              <a:t>18/04/2019</a:t>
+              <a:t>21/04/2019</a:t>
             </a:fld>
             <a:endParaRPr lang="pt-BR"/>
           </a:p>
@@ -1196,7 +1197,7 @@
           <a:p>
             <a:fld id="{05D07FE6-D4F0-43B8-8724-69D32D78BC5B}" type="datetimeFigureOut">
               <a:rPr lang="pt-BR" smtClean="0"/>
-              <a:t>18/04/2019</a:t>
+              <a:t>21/04/2019</a:t>
             </a:fld>
             <a:endParaRPr lang="pt-BR"/>
           </a:p>
@@ -1479,7 +1480,7 @@
           <a:p>
             <a:fld id="{05D07FE6-D4F0-43B8-8724-69D32D78BC5B}" type="datetimeFigureOut">
               <a:rPr lang="pt-BR" smtClean="0"/>
-              <a:t>18/04/2019</a:t>
+              <a:t>21/04/2019</a:t>
             </a:fld>
             <a:endParaRPr lang="pt-BR"/>
           </a:p>
@@ -1918,7 +1919,7 @@
           <a:p>
             <a:fld id="{05D07FE6-D4F0-43B8-8724-69D32D78BC5B}" type="datetimeFigureOut">
               <a:rPr lang="pt-BR" smtClean="0"/>
-              <a:t>18/04/2019</a:t>
+              <a:t>21/04/2019</a:t>
             </a:fld>
             <a:endParaRPr lang="pt-BR"/>
           </a:p>
@@ -2031,7 +2032,7 @@
           <a:p>
             <a:fld id="{05D07FE6-D4F0-43B8-8724-69D32D78BC5B}" type="datetimeFigureOut">
               <a:rPr lang="pt-BR" smtClean="0"/>
-              <a:t>18/04/2019</a:t>
+              <a:t>21/04/2019</a:t>
             </a:fld>
             <a:endParaRPr lang="pt-BR"/>
           </a:p>
@@ -2121,7 +2122,7 @@
           <a:p>
             <a:fld id="{05D07FE6-D4F0-43B8-8724-69D32D78BC5B}" type="datetimeFigureOut">
               <a:rPr lang="pt-BR" smtClean="0"/>
-              <a:t>18/04/2019</a:t>
+              <a:t>21/04/2019</a:t>
             </a:fld>
             <a:endParaRPr lang="pt-BR"/>
           </a:p>
@@ -2363,7 +2364,7 @@
           <a:p>
             <a:fld id="{05D07FE6-D4F0-43B8-8724-69D32D78BC5B}" type="datetimeFigureOut">
               <a:rPr lang="pt-BR" smtClean="0"/>
-              <a:t>18/04/2019</a:t>
+              <a:t>21/04/2019</a:t>
             </a:fld>
             <a:endParaRPr lang="pt-BR"/>
           </a:p>
@@ -2657,7 +2658,7 @@
           <a:p>
             <a:fld id="{05D07FE6-D4F0-43B8-8724-69D32D78BC5B}" type="datetimeFigureOut">
               <a:rPr lang="pt-BR" smtClean="0"/>
-              <a:t>18/04/2019</a:t>
+              <a:t>21/04/2019</a:t>
             </a:fld>
             <a:endParaRPr lang="pt-BR"/>
           </a:p>
@@ -2951,7 +2952,7 @@
           <a:p>
             <a:fld id="{05D07FE6-D4F0-43B8-8724-69D32D78BC5B}" type="datetimeFigureOut">
               <a:rPr lang="pt-BR" smtClean="0"/>
-              <a:t>18/04/2019</a:t>
+              <a:t>21/04/2019</a:t>
             </a:fld>
             <a:endParaRPr lang="pt-BR"/>
           </a:p>
@@ -3556,14 +3557,14 @@
       </p:sp>
       <p:sp>
         <p:nvSpPr>
-          <p:cNvPr id="6" name="CaixaDeTexto 5"/>
+          <p:cNvPr id="8" name="CaixaDeTexto 7"/>
           <p:cNvSpPr txBox="1"/>
           <p:nvPr/>
         </p:nvSpPr>
         <p:spPr>
           <a:xfrm>
-            <a:off x="7092280" y="5761748"/>
-            <a:ext cx="1817549" cy="369332"/>
+            <a:off x="5884158" y="5570076"/>
+            <a:ext cx="3152338" cy="523220"/>
           </a:xfrm>
           <a:prstGeom prst="rect">
             <a:avLst/>
@@ -3577,35 +3578,29 @@
           <a:lstStyle/>
           <a:p>
             <a:r>
-              <a:rPr lang="pt-BR" b="1" dirty="0" smtClean="0">
-                <a:solidFill>
-                  <a:schemeClr val="tx2">
-                    <a:lumMod val="75000"/>
-                  </a:schemeClr>
-                </a:solidFill>
-              </a:rPr>
-              <a:t>Roney Amorim</a:t>
-            </a:r>
-            <a:endParaRPr lang="pt-BR" b="1" dirty="0">
-              <a:solidFill>
-                <a:schemeClr val="tx2">
-                  <a:lumMod val="75000"/>
-                </a:schemeClr>
-              </a:solidFill>
+              <a:rPr lang="pt-BR" sz="2800" b="1" dirty="0" smtClean="0">
+                <a:latin typeface="Times New Roman" panose="02020603050405020304" pitchFamily="18" charset="0"/>
+                <a:cs typeface="Times New Roman" panose="02020603050405020304" pitchFamily="18" charset="0"/>
+              </a:rPr>
+              <a:t>RONEY AMORIM</a:t>
+            </a:r>
+            <a:endParaRPr lang="pt-BR" sz="2800" b="1" dirty="0">
+              <a:latin typeface="Times New Roman" panose="02020603050405020304" pitchFamily="18" charset="0"/>
+              <a:cs typeface="Times New Roman" panose="02020603050405020304" pitchFamily="18" charset="0"/>
             </a:endParaRPr>
           </a:p>
         </p:txBody>
       </p:sp>
       <p:sp>
         <p:nvSpPr>
-          <p:cNvPr id="7" name="CaixaDeTexto 6"/>
+          <p:cNvPr id="9" name="CaixaDeTexto 8"/>
           <p:cNvSpPr txBox="1"/>
           <p:nvPr/>
         </p:nvSpPr>
         <p:spPr>
           <a:xfrm>
-            <a:off x="6194663" y="6156012"/>
-            <a:ext cx="2826415" cy="369332"/>
+            <a:off x="6153719" y="5981218"/>
+            <a:ext cx="2810769" cy="400110"/>
           </a:xfrm>
           <a:prstGeom prst="rect">
             <a:avLst/>
@@ -3619,21 +3614,21 @@
           <a:lstStyle/>
           <a:p>
             <a:r>
-              <a:rPr lang="pt-BR" b="1" dirty="0" smtClean="0">
-                <a:solidFill>
-                  <a:schemeClr val="tx2">
-                    <a:lumMod val="75000"/>
-                  </a:schemeClr>
-                </a:solidFill>
+              <a:rPr lang="pt-BR" sz="2000" b="1" dirty="0" smtClean="0">
+                <a:solidFill>
+                  <a:schemeClr val="tx2"/>
+                </a:solidFill>
+                <a:latin typeface="Times New Roman" panose="02020603050405020304" pitchFamily="18" charset="0"/>
+                <a:cs typeface="Times New Roman" panose="02020603050405020304" pitchFamily="18" charset="0"/>
               </a:rPr>
               <a:t>Engenheiro de Software</a:t>
             </a:r>
-            <a:endParaRPr lang="pt-BR" b="1" dirty="0">
+            <a:endParaRPr lang="pt-BR" sz="2000" b="1" dirty="0">
               <a:solidFill>
-                <a:schemeClr val="tx2">
-                  <a:lumMod val="75000"/>
-                </a:schemeClr>
+                <a:schemeClr val="tx2"/>
               </a:solidFill>
+              <a:latin typeface="Times New Roman" panose="02020603050405020304" pitchFamily="18" charset="0"/>
+              <a:cs typeface="Times New Roman" panose="02020603050405020304" pitchFamily="18" charset="0"/>
             </a:endParaRPr>
           </a:p>
         </p:txBody>
@@ -3726,8 +3721,8 @@
         </p:nvSpPr>
         <p:spPr>
           <a:xfrm>
-            <a:off x="395536" y="2132856"/>
-            <a:ext cx="8077755" cy="3960440"/>
+            <a:off x="251520" y="2132856"/>
+            <a:ext cx="8221771" cy="3960440"/>
           </a:xfrm>
         </p:spPr>
         <p:txBody>
@@ -3736,20 +3731,17 @@
           </a:bodyPr>
           <a:lstStyle/>
           <a:p>
-            <a:pPr algn="just"/>
-            <a:r>
-              <a:rPr lang="pt-BR" sz="2600" b="0" dirty="0" smtClean="0">
-                <a:latin typeface="Times New Roman" pitchFamily="18" charset="0"/>
-                <a:cs typeface="Times New Roman" pitchFamily="18" charset="0"/>
-              </a:rPr>
-              <a:t>	Métodos </a:t>
-            </a:r>
+            <a:pPr algn="just">
+              <a:lnSpc>
+                <a:spcPct val="150000"/>
+              </a:lnSpc>
+            </a:pPr>
             <a:r>
               <a:rPr lang="pt-BR" sz="2600" b="0" dirty="0">
                 <a:latin typeface="Times New Roman" pitchFamily="18" charset="0"/>
                 <a:cs typeface="Times New Roman" pitchFamily="18" charset="0"/>
               </a:rPr>
-              <a:t>e serviços baseados em </a:t>
+              <a:t>Métodos e serviços baseados em </a:t>
             </a:r>
             <a:r>
               <a:rPr lang="pt-BR" sz="2600" b="0" dirty="0" err="1">
@@ -3805,14 +3797,7 @@
                 <a:latin typeface="Times New Roman" pitchFamily="18" charset="0"/>
                 <a:cs typeface="Times New Roman" pitchFamily="18" charset="0"/>
               </a:rPr>
-              <a:t>, podemos utilizar os </a:t>
-            </a:r>
-            <a:r>
-              <a:rPr lang="pt-BR" sz="2600" b="0" dirty="0" smtClean="0">
-                <a:latin typeface="Times New Roman" pitchFamily="18" charset="0"/>
-                <a:cs typeface="Times New Roman" pitchFamily="18" charset="0"/>
-              </a:rPr>
-              <a:t>assessores </a:t>
+              <a:t>, podemos utilizar os assessores </a:t>
             </a:r>
             <a:r>
               <a:rPr lang="pt-BR" sz="2600" b="0" dirty="0" err="1">
@@ -4027,8 +4012,8 @@
         </p:nvSpPr>
         <p:spPr>
           <a:xfrm>
-            <a:off x="395536" y="1988840"/>
-            <a:ext cx="8424936" cy="4104456"/>
+            <a:off x="251520" y="1988840"/>
+            <a:ext cx="8568952" cy="4104456"/>
           </a:xfrm>
         </p:spPr>
         <p:txBody>
@@ -4346,8 +4331,8 @@
         </p:nvSpPr>
         <p:spPr>
           <a:xfrm>
-            <a:off x="395536" y="2132856"/>
-            <a:ext cx="8077755" cy="3960440"/>
+            <a:off x="251520" y="2132856"/>
+            <a:ext cx="8221771" cy="3960440"/>
           </a:xfrm>
         </p:spPr>
         <p:txBody>
@@ -4358,18 +4343,11 @@
           <a:p>
             <a:pPr algn="just"/>
             <a:r>
-              <a:rPr lang="pt-BR" sz="2600" b="0" dirty="0" smtClean="0">
-                <a:latin typeface="Times New Roman" pitchFamily="18" charset="0"/>
-                <a:cs typeface="Times New Roman" pitchFamily="18" charset="0"/>
-              </a:rPr>
-              <a:t>Por </a:t>
-            </a:r>
-            <a:r>
               <a:rPr lang="pt-BR" sz="2600" b="0" dirty="0">
                 <a:latin typeface="Times New Roman" pitchFamily="18" charset="0"/>
                 <a:cs typeface="Times New Roman" pitchFamily="18" charset="0"/>
               </a:rPr>
-              <a:t>questões de organi­zação de código, é comum a prática de criar um Módulo apenas para declarar, importar, prover e exportar componentes, </a:t>
+              <a:t>Por questões de organi­zação de código, é comum a prática de criar um Módulo apenas para declarar, importar, prover e exportar componentes, </a:t>
             </a:r>
             <a:r>
               <a:rPr lang="pt-BR" sz="2600" b="0" dirty="0" err="1">
@@ -4582,8 +4560,8 @@
         </p:nvSpPr>
         <p:spPr>
           <a:xfrm>
-            <a:off x="395536" y="1844824"/>
-            <a:ext cx="8077755" cy="3960440"/>
+            <a:off x="251520" y="1844824"/>
+            <a:ext cx="8221771" cy="3960440"/>
           </a:xfrm>
         </p:spPr>
         <p:txBody>
@@ -5321,7 +5299,7 @@
               </a:rPr>
             </a:br>
             <a:r>
-              <a:rPr lang="pt-BR" sz="2400" b="1" dirty="0">
+              <a:rPr lang="pt-BR" sz="2400" dirty="0">
                 <a:solidFill>
                   <a:schemeClr val="tx1"/>
                 </a:solidFill>
@@ -5331,7 +5309,7 @@
               <a:t>EXPLORANDO </a:t>
             </a:r>
             <a:r>
-              <a:rPr lang="pt-BR" sz="2400" b="1" dirty="0" smtClean="0">
+              <a:rPr lang="pt-BR" sz="2400" dirty="0" smtClean="0">
                 <a:solidFill>
                   <a:schemeClr val="tx1"/>
                 </a:solidFill>
@@ -5734,13 +5712,13 @@
         </p:nvPicPr>
         <p:blipFill rotWithShape="1">
           <a:blip r:embed="rId3"/>
-          <a:srcRect t="4104"/>
+          <a:srcRect t="9445"/>
           <a:stretch/>
         </p:blipFill>
         <p:spPr>
           <a:xfrm>
             <a:off x="395536" y="1988840"/>
-            <a:ext cx="8208912" cy="4129112"/>
+            <a:ext cx="8208912" cy="3899187"/>
           </a:xfrm>
           <a:prstGeom prst="rect">
             <a:avLst/>
@@ -6006,8 +5984,8 @@
         </p:nvSpPr>
         <p:spPr>
           <a:xfrm>
-            <a:off x="547936" y="1997224"/>
-            <a:ext cx="8077755" cy="3960440"/>
+            <a:off x="251520" y="1997224"/>
+            <a:ext cx="8374171" cy="3960440"/>
           </a:xfrm>
           <a:prstGeom prst="rect">
             <a:avLst/>
@@ -6182,14 +6160,15 @@
             </a:lvl9pPr>
           </a:lstStyle>
           <a:p>
-            <a:r>
-              <a:rPr lang="pt-BR" sz="2800" dirty="0" smtClean="0">
+            <a:pPr algn="just"/>
+            <a:r>
+              <a:rPr lang="pt-BR" sz="2600" dirty="0" smtClean="0">
                 <a:latin typeface="Times New Roman" pitchFamily="18" charset="0"/>
                 <a:cs typeface="Times New Roman" pitchFamily="18" charset="0"/>
               </a:rPr>
               <a:t>Primeiro passo:</a:t>
             </a:r>
-            <a:endParaRPr lang="pt-BR" sz="2800" dirty="0">
+            <a:endParaRPr lang="pt-BR" sz="2600" dirty="0">
               <a:latin typeface="Times New Roman" pitchFamily="18" charset="0"/>
               <a:cs typeface="Times New Roman" pitchFamily="18" charset="0"/>
             </a:endParaRPr>
@@ -6197,42 +6176,42 @@
           <a:p>
             <a:pPr algn="just"/>
             <a:r>
-              <a:rPr lang="pt-BR" sz="2800" b="0" dirty="0" smtClean="0">
+              <a:rPr lang="pt-BR" sz="2600" b="0" dirty="0" smtClean="0">
                 <a:latin typeface="Times New Roman" pitchFamily="18" charset="0"/>
                 <a:cs typeface="Times New Roman" pitchFamily="18" charset="0"/>
               </a:rPr>
               <a:t>Primeiramente</a:t>
             </a:r>
             <a:r>
-              <a:rPr lang="pt-BR" sz="2800" b="0" dirty="0">
+              <a:rPr lang="pt-BR" sz="2600" b="0" dirty="0">
                 <a:latin typeface="Times New Roman" pitchFamily="18" charset="0"/>
                 <a:cs typeface="Times New Roman" pitchFamily="18" charset="0"/>
               </a:rPr>
               <a:t>, é necessário baixar as dependências do </a:t>
             </a:r>
             <a:r>
-              <a:rPr lang="pt-BR" sz="2800" b="0" dirty="0" err="1">
+              <a:rPr lang="pt-BR" sz="2600" b="0" dirty="0" err="1">
                 <a:latin typeface="Times New Roman" pitchFamily="18" charset="0"/>
                 <a:cs typeface="Times New Roman" pitchFamily="18" charset="0"/>
               </a:rPr>
               <a:t>PrimeNG</a:t>
             </a:r>
             <a:r>
-              <a:rPr lang="pt-BR" sz="2800" b="0" dirty="0">
+              <a:rPr lang="pt-BR" sz="2600" b="0" dirty="0">
                 <a:latin typeface="Times New Roman" pitchFamily="18" charset="0"/>
                 <a:cs typeface="Times New Roman" pitchFamily="18" charset="0"/>
               </a:rPr>
               <a:t> onde as mesmas estão disponíveis no </a:t>
             </a:r>
             <a:r>
-              <a:rPr lang="pt-BR" sz="2800" b="0" dirty="0" err="1">
+              <a:rPr lang="pt-BR" sz="2600" b="0" dirty="0" err="1">
                 <a:latin typeface="Times New Roman" pitchFamily="18" charset="0"/>
                 <a:cs typeface="Times New Roman" pitchFamily="18" charset="0"/>
               </a:rPr>
               <a:t>npm</a:t>
             </a:r>
             <a:r>
-              <a:rPr lang="pt-BR" sz="2800" b="0" dirty="0">
+              <a:rPr lang="pt-BR" sz="2600" b="0" dirty="0" smtClean="0">
                 <a:latin typeface="Times New Roman" pitchFamily="18" charset="0"/>
                 <a:cs typeface="Times New Roman" pitchFamily="18" charset="0"/>
               </a:rPr>
@@ -6241,22 +6220,29 @@
           </a:p>
           <a:p>
             <a:pPr algn="just"/>
-            <a:r>
-              <a:rPr lang="pt-BR" sz="2800" b="0" dirty="0">
+            <a:endParaRPr lang="pt-BR" sz="1400" b="0" dirty="0">
+              <a:latin typeface="Times New Roman" pitchFamily="18" charset="0"/>
+              <a:cs typeface="Times New Roman" pitchFamily="18" charset="0"/>
+            </a:endParaRPr>
+          </a:p>
+          <a:p>
+            <a:pPr algn="just"/>
+            <a:r>
+              <a:rPr lang="pt-BR" sz="2600" b="0" dirty="0">
                 <a:latin typeface="Times New Roman" pitchFamily="18" charset="0"/>
                 <a:cs typeface="Times New Roman" pitchFamily="18" charset="0"/>
               </a:rPr>
               <a:t>Para </a:t>
             </a:r>
             <a:r>
-              <a:rPr lang="pt-BR" sz="2800" b="0" dirty="0" smtClean="0">
+              <a:rPr lang="pt-BR" sz="2600" b="0" dirty="0" smtClean="0">
                 <a:latin typeface="Times New Roman" pitchFamily="18" charset="0"/>
                 <a:cs typeface="Times New Roman" pitchFamily="18" charset="0"/>
               </a:rPr>
               <a:t>baixá-las </a:t>
             </a:r>
             <a:r>
-              <a:rPr lang="pt-BR" sz="2800" b="0" dirty="0">
+              <a:rPr lang="pt-BR" sz="2600" b="0" dirty="0">
                 <a:latin typeface="Times New Roman" pitchFamily="18" charset="0"/>
                 <a:cs typeface="Times New Roman" pitchFamily="18" charset="0"/>
               </a:rPr>
@@ -6668,13 +6654,13 @@
           </a:lstStyle>
           <a:p>
             <a:r>
-              <a:rPr lang="pt-BR" sz="2800" dirty="0" smtClean="0">
+              <a:rPr lang="pt-BR" sz="2600" dirty="0" smtClean="0">
                 <a:latin typeface="Times New Roman" pitchFamily="18" charset="0"/>
                 <a:cs typeface="Times New Roman" pitchFamily="18" charset="0"/>
               </a:rPr>
               <a:t>Segundo passo:</a:t>
             </a:r>
-            <a:endParaRPr lang="pt-BR" sz="2800" dirty="0">
+            <a:endParaRPr lang="pt-BR" sz="2600" dirty="0">
               <a:latin typeface="Times New Roman" pitchFamily="18" charset="0"/>
               <a:cs typeface="Times New Roman" pitchFamily="18" charset="0"/>
             </a:endParaRPr>
@@ -6686,98 +6672,98 @@
               </a:spcBef>
             </a:pPr>
             <a:r>
-              <a:rPr lang="pt-BR" sz="2800" b="0" dirty="0" smtClean="0">
+              <a:rPr lang="pt-BR" sz="2600" b="0" dirty="0" smtClean="0">
                 <a:latin typeface="Times New Roman" pitchFamily="18" charset="0"/>
                 <a:cs typeface="Times New Roman" pitchFamily="18" charset="0"/>
               </a:rPr>
               <a:t>Importar </a:t>
             </a:r>
             <a:r>
-              <a:rPr lang="pt-BR" sz="2800" b="0" dirty="0">
+              <a:rPr lang="pt-BR" sz="2600" b="0" dirty="0">
                 <a:latin typeface="Times New Roman" pitchFamily="18" charset="0"/>
                 <a:cs typeface="Times New Roman" pitchFamily="18" charset="0"/>
               </a:rPr>
               <a:t>as dependências do </a:t>
             </a:r>
             <a:r>
-              <a:rPr lang="pt-BR" sz="2800" b="0" dirty="0" err="1">
+              <a:rPr lang="pt-BR" sz="2600" b="0" dirty="0" err="1">
                 <a:latin typeface="Times New Roman" pitchFamily="18" charset="0"/>
                 <a:cs typeface="Times New Roman" pitchFamily="18" charset="0"/>
               </a:rPr>
               <a:t>PrimeNG</a:t>
             </a:r>
             <a:r>
-              <a:rPr lang="pt-BR" sz="2800" b="0" dirty="0">
+              <a:rPr lang="pt-BR" sz="2600" b="0" dirty="0">
                 <a:latin typeface="Times New Roman" pitchFamily="18" charset="0"/>
                 <a:cs typeface="Times New Roman" pitchFamily="18" charset="0"/>
               </a:rPr>
               <a:t> no </a:t>
             </a:r>
             <a:r>
-              <a:rPr lang="pt-BR" sz="2800" b="0" dirty="0" err="1">
+              <a:rPr lang="pt-BR" sz="2600" b="0" dirty="0" err="1">
                 <a:latin typeface="Times New Roman" pitchFamily="18" charset="0"/>
                 <a:cs typeface="Times New Roman" pitchFamily="18" charset="0"/>
               </a:rPr>
               <a:t>package</a:t>
             </a:r>
             <a:r>
-              <a:rPr lang="pt-BR" sz="2800" b="0" dirty="0">
+              <a:rPr lang="pt-BR" sz="2600" b="0" dirty="0">
                 <a:latin typeface="Times New Roman" pitchFamily="18" charset="0"/>
                 <a:cs typeface="Times New Roman" pitchFamily="18" charset="0"/>
               </a:rPr>
               <a:t> </a:t>
             </a:r>
             <a:r>
-              <a:rPr lang="pt-BR" sz="2800" b="0" dirty="0" err="1">
+              <a:rPr lang="pt-BR" sz="2600" b="0" dirty="0" err="1">
                 <a:latin typeface="Times New Roman" pitchFamily="18" charset="0"/>
                 <a:cs typeface="Times New Roman" pitchFamily="18" charset="0"/>
               </a:rPr>
               <a:t>json</a:t>
             </a:r>
             <a:r>
-              <a:rPr lang="pt-BR" sz="2800" b="0" dirty="0">
+              <a:rPr lang="pt-BR" sz="2600" b="0" dirty="0">
                 <a:latin typeface="Times New Roman" pitchFamily="18" charset="0"/>
                 <a:cs typeface="Times New Roman" pitchFamily="18" charset="0"/>
               </a:rPr>
               <a:t> e declarar nos </a:t>
             </a:r>
             <a:r>
-              <a:rPr lang="pt-BR" sz="2800" b="0" dirty="0" err="1">
+              <a:rPr lang="pt-BR" sz="2600" b="0" dirty="0" err="1">
                 <a:latin typeface="Times New Roman" pitchFamily="18" charset="0"/>
                 <a:cs typeface="Times New Roman" pitchFamily="18" charset="0"/>
               </a:rPr>
               <a:t>assets</a:t>
             </a:r>
             <a:r>
-              <a:rPr lang="pt-BR" sz="2800" b="0" dirty="0">
+              <a:rPr lang="pt-BR" sz="2600" b="0" dirty="0">
                 <a:latin typeface="Times New Roman" pitchFamily="18" charset="0"/>
                 <a:cs typeface="Times New Roman" pitchFamily="18" charset="0"/>
               </a:rPr>
               <a:t> os </a:t>
             </a:r>
             <a:r>
-              <a:rPr lang="pt-BR" sz="2800" b="0" dirty="0" err="1">
+              <a:rPr lang="pt-BR" sz="2600" b="0" dirty="0" err="1">
                 <a:latin typeface="Times New Roman" pitchFamily="18" charset="0"/>
                 <a:cs typeface="Times New Roman" pitchFamily="18" charset="0"/>
               </a:rPr>
               <a:t>styles</a:t>
             </a:r>
             <a:r>
-              <a:rPr lang="pt-BR" sz="2800" b="0" dirty="0">
+              <a:rPr lang="pt-BR" sz="2600" b="0" dirty="0">
                 <a:latin typeface="Times New Roman" pitchFamily="18" charset="0"/>
                 <a:cs typeface="Times New Roman" pitchFamily="18" charset="0"/>
               </a:rPr>
               <a:t> do </a:t>
             </a:r>
             <a:r>
-              <a:rPr lang="pt-BR" sz="2800" b="0" dirty="0" err="1" smtClean="0">
+              <a:rPr lang="pt-BR" sz="2600" b="0" dirty="0" err="1" smtClean="0">
                 <a:latin typeface="Times New Roman" pitchFamily="18" charset="0"/>
                 <a:cs typeface="Times New Roman" pitchFamily="18" charset="0"/>
               </a:rPr>
               <a:t>PrimeNG</a:t>
             </a:r>
             <a:r>
-              <a:rPr lang="pt-BR" sz="2800" b="0" dirty="0" smtClean="0">
+              <a:rPr lang="pt-BR" sz="2600" b="0" dirty="0" smtClean="0">
                 <a:latin typeface="Times New Roman" pitchFamily="18" charset="0"/>
                 <a:cs typeface="Times New Roman" pitchFamily="18" charset="0"/>
               </a:rPr>
@@ -6791,75 +6777,78 @@
               </a:spcBef>
             </a:pPr>
             <a:r>
-              <a:rPr lang="pt-BR" sz="2800" b="0" dirty="0" smtClean="0">
+              <a:rPr lang="pt-BR" sz="2600" b="0" dirty="0" smtClean="0">
                 <a:latin typeface="Times New Roman" pitchFamily="18" charset="0"/>
                 <a:cs typeface="Times New Roman" pitchFamily="18" charset="0"/>
               </a:rPr>
               <a:t>Se </a:t>
             </a:r>
             <a:r>
-              <a:rPr lang="pt-BR" sz="2800" b="0" dirty="0">
+              <a:rPr lang="pt-BR" sz="2600" b="0" dirty="0">
                 <a:latin typeface="Times New Roman" pitchFamily="18" charset="0"/>
                 <a:cs typeface="Times New Roman" pitchFamily="18" charset="0"/>
               </a:rPr>
               <a:t>caso em nosso </a:t>
             </a:r>
             <a:r>
-              <a:rPr lang="pt-BR" sz="2800" b="0" dirty="0" err="1">
+              <a:rPr lang="pt-BR" sz="2600" b="0" dirty="0" err="1">
                 <a:latin typeface="Times New Roman" pitchFamily="18" charset="0"/>
                 <a:cs typeface="Times New Roman" pitchFamily="18" charset="0"/>
               </a:rPr>
               <a:t>package.json</a:t>
             </a:r>
             <a:r>
-              <a:rPr lang="pt-BR" sz="2800" b="0" dirty="0">
+              <a:rPr lang="pt-BR" sz="2600" b="0" dirty="0">
                 <a:latin typeface="Times New Roman" pitchFamily="18" charset="0"/>
                 <a:cs typeface="Times New Roman" pitchFamily="18" charset="0"/>
               </a:rPr>
               <a:t> não ter sido gravadas as declarações das dependências do </a:t>
             </a:r>
             <a:r>
-              <a:rPr lang="pt-BR" sz="2800" b="0" dirty="0" err="1">
+              <a:rPr lang="pt-BR" sz="2600" b="0" dirty="0" err="1">
                 <a:latin typeface="Times New Roman" pitchFamily="18" charset="0"/>
                 <a:cs typeface="Times New Roman" pitchFamily="18" charset="0"/>
               </a:rPr>
               <a:t>PrimeNG</a:t>
             </a:r>
             <a:r>
-              <a:rPr lang="pt-BR" sz="2800" b="0" dirty="0">
+              <a:rPr lang="pt-BR" sz="2600" b="0" dirty="0">
                 <a:latin typeface="Times New Roman" pitchFamily="18" charset="0"/>
                 <a:cs typeface="Times New Roman" pitchFamily="18" charset="0"/>
               </a:rPr>
               <a:t>, devemos </a:t>
             </a:r>
             <a:r>
-              <a:rPr lang="pt-BR" sz="2800" b="0" dirty="0" smtClean="0">
+              <a:rPr lang="pt-BR" sz="2600" b="0" dirty="0" smtClean="0">
                 <a:latin typeface="Times New Roman" pitchFamily="18" charset="0"/>
                 <a:cs typeface="Times New Roman" pitchFamily="18" charset="0"/>
               </a:rPr>
               <a:t>adicioná-las </a:t>
             </a:r>
             <a:r>
-              <a:rPr lang="pt-BR" sz="2800" b="0" dirty="0">
+              <a:rPr lang="pt-BR" sz="2600" b="0" dirty="0">
                 <a:latin typeface="Times New Roman" pitchFamily="18" charset="0"/>
                 <a:cs typeface="Times New Roman" pitchFamily="18" charset="0"/>
               </a:rPr>
               <a:t>dentro de </a:t>
             </a:r>
             <a:r>
-              <a:rPr lang="pt-BR" sz="2800" b="0" dirty="0" err="1">
+              <a:rPr lang="pt-BR" sz="2600" b="0" dirty="0" err="1">
                 <a:latin typeface="Times New Roman" pitchFamily="18" charset="0"/>
                 <a:cs typeface="Times New Roman" pitchFamily="18" charset="0"/>
               </a:rPr>
               <a:t>dependencies</a:t>
             </a:r>
             <a:r>
-              <a:rPr lang="pt-BR" sz="2800" b="0" dirty="0">
+              <a:rPr lang="pt-BR" sz="2600" b="0" dirty="0">
                 <a:latin typeface="Times New Roman" pitchFamily="18" charset="0"/>
                 <a:cs typeface="Times New Roman" pitchFamily="18" charset="0"/>
               </a:rPr>
               <a:t>:</a:t>
             </a:r>
+          </a:p>
+          <a:p>
+            <a:endParaRPr lang="pt-BR" sz="2800" dirty="0" smtClean="0"/>
           </a:p>
           <a:p>
             <a:endParaRPr lang="pt-BR" sz="2800" dirty="0" smtClean="0"/>
@@ -6871,7 +6860,7 @@
       </p:sp>
       <p:pic>
         <p:nvPicPr>
-          <p:cNvPr id="1026" name="Picture 2"/>
+          <p:cNvPr id="11" name="Picture 2"/>
           <p:cNvPicPr>
             <a:picLocks noChangeAspect="1" noChangeArrowheads="1"/>
           </p:cNvPicPr>
@@ -6885,13 +6874,13 @@
               </a:ext>
             </a:extLst>
           </a:blip>
-          <a:srcRect l="22745" t="48091" r="10532" b="15776"/>
+          <a:srcRect l="40100" t="11054" r="7593" b="72018"/>
           <a:stretch/>
         </p:blipFill>
         <p:spPr bwMode="auto">
           <a:xfrm>
-            <a:off x="1115616" y="4564977"/>
-            <a:ext cx="6624736" cy="2025945"/>
+            <a:off x="539551" y="4516886"/>
+            <a:ext cx="7887383" cy="1360385"/>
           </a:xfrm>
           <a:prstGeom prst="rect">
             <a:avLst/>
@@ -6900,7 +6889,6 @@
           <a:ln>
             <a:noFill/>
           </a:ln>
-          <a:effectLst/>
           <a:extLst>
             <a:ext uri="{909E8E84-426E-40DD-AFC4-6F175D3DCCD1}">
               <a14:hiddenFill xmlns:a14="http://schemas.microsoft.com/office/drawing/2010/main">
@@ -6918,15 +6906,6 @@
                 <a:headEnd/>
                 <a:tailEnd/>
               </a14:hiddenLine>
-            </a:ext>
-            <a:ext uri="{AF507438-7753-43E0-B8FC-AC1667EBCBE1}">
-              <a14:hiddenEffects xmlns:a14="http://schemas.microsoft.com/office/drawing/2010/main">
-                <a:effectLst>
-                  <a:outerShdw dist="35921" dir="2700000" algn="ctr" rotWithShape="0">
-                    <a:schemeClr val="bg2"/>
-                  </a:outerShdw>
-                </a:effectLst>
-              </a14:hiddenEffects>
             </a:ext>
           </a:extLst>
         </p:spPr>
@@ -7009,8 +6988,8 @@
         </p:nvSpPr>
         <p:spPr>
           <a:xfrm>
-            <a:off x="460375" y="1988840"/>
-            <a:ext cx="8144073" cy="3384376"/>
+            <a:off x="251521" y="1988840"/>
+            <a:ext cx="8352928" cy="3384376"/>
           </a:xfrm>
         </p:spPr>
         <p:txBody>
@@ -7026,7 +7005,7 @@
             </a:pPr>
             <a:r>
               <a:rPr lang="pt-BR" sz="2600" b="0" dirty="0">
-                <a:latin typeface="Times New Roman" pitchFamily="18" charset="0"/>
+                <a:latin typeface="Times New Roman" panose="02020603050405020304" pitchFamily="18" charset="0"/>
                 <a:cs typeface="Times New Roman" pitchFamily="18" charset="0"/>
               </a:rPr>
               <a:t>No módulo 1 aprendemos o que é o Angular e como ele trabalha explorando a sua arquitetura e entendendo os seus </a:t>
@@ -7603,13 +7582,13 @@
           </a:lstStyle>
           <a:p>
             <a:r>
-              <a:rPr lang="pt-BR" sz="2800" dirty="0" smtClean="0">
+              <a:rPr lang="pt-BR" sz="2600" dirty="0" smtClean="0">
                 <a:latin typeface="Times New Roman" pitchFamily="18" charset="0"/>
                 <a:cs typeface="Times New Roman" pitchFamily="18" charset="0"/>
               </a:rPr>
               <a:t>Terceiro passo:</a:t>
             </a:r>
-            <a:endParaRPr lang="pt-BR" sz="2800" dirty="0">
+            <a:endParaRPr lang="pt-BR" sz="2600" dirty="0">
               <a:latin typeface="Times New Roman" pitchFamily="18" charset="0"/>
               <a:cs typeface="Times New Roman" pitchFamily="18" charset="0"/>
             </a:endParaRPr>
@@ -7617,63 +7596,63 @@
           <a:p>
             <a:pPr algn="just"/>
             <a:r>
-              <a:rPr lang="pt-BR" sz="2800" b="0" dirty="0">
+              <a:rPr lang="pt-BR" sz="2600" b="0" dirty="0">
                 <a:latin typeface="Times New Roman" pitchFamily="18" charset="0"/>
                 <a:cs typeface="Times New Roman" pitchFamily="18" charset="0"/>
               </a:rPr>
               <a:t>Para nossa aplicação reconhecer os estilos do </a:t>
             </a:r>
             <a:r>
-              <a:rPr lang="pt-BR" sz="2800" b="0" dirty="0" err="1">
+              <a:rPr lang="pt-BR" sz="2600" b="0" dirty="0" err="1">
                 <a:latin typeface="Times New Roman" pitchFamily="18" charset="0"/>
                 <a:cs typeface="Times New Roman" pitchFamily="18" charset="0"/>
               </a:rPr>
               <a:t>PrimeNG</a:t>
             </a:r>
             <a:r>
-              <a:rPr lang="pt-BR" sz="2800" b="0" dirty="0">
+              <a:rPr lang="pt-BR" sz="2600" b="0" dirty="0">
                 <a:latin typeface="Times New Roman" pitchFamily="18" charset="0"/>
                 <a:cs typeface="Times New Roman" pitchFamily="18" charset="0"/>
               </a:rPr>
               <a:t>, devemos adicionar os seguintes </a:t>
             </a:r>
             <a:r>
-              <a:rPr lang="pt-BR" sz="2800" b="0" dirty="0" err="1">
+              <a:rPr lang="pt-BR" sz="2600" b="0" dirty="0" err="1">
                 <a:latin typeface="Times New Roman" pitchFamily="18" charset="0"/>
                 <a:cs typeface="Times New Roman" pitchFamily="18" charset="0"/>
               </a:rPr>
               <a:t>CSSs</a:t>
             </a:r>
             <a:r>
-              <a:rPr lang="pt-BR" sz="2800" b="0" dirty="0">
+              <a:rPr lang="pt-BR" sz="2600" b="0" dirty="0">
                 <a:latin typeface="Times New Roman" pitchFamily="18" charset="0"/>
                 <a:cs typeface="Times New Roman" pitchFamily="18" charset="0"/>
               </a:rPr>
               <a:t> dentro de </a:t>
             </a:r>
             <a:r>
-              <a:rPr lang="pt-BR" sz="2800" b="0" dirty="0" err="1">
+              <a:rPr lang="pt-BR" sz="2600" b="0" dirty="0" err="1">
                 <a:latin typeface="Times New Roman" pitchFamily="18" charset="0"/>
                 <a:cs typeface="Times New Roman" pitchFamily="18" charset="0"/>
               </a:rPr>
               <a:t>Styles</a:t>
             </a:r>
             <a:r>
-              <a:rPr lang="pt-BR" sz="2800" b="0" dirty="0">
+              <a:rPr lang="pt-BR" sz="2600" b="0" dirty="0">
                 <a:latin typeface="Times New Roman" pitchFamily="18" charset="0"/>
                 <a:cs typeface="Times New Roman" pitchFamily="18" charset="0"/>
               </a:rPr>
               <a:t> do arquivo </a:t>
             </a:r>
             <a:r>
-              <a:rPr lang="pt-BR" sz="2800" b="0" dirty="0" err="1">
+              <a:rPr lang="pt-BR" sz="2600" b="0" dirty="0" err="1">
                 <a:latin typeface="Times New Roman" pitchFamily="18" charset="0"/>
                 <a:cs typeface="Times New Roman" pitchFamily="18" charset="0"/>
               </a:rPr>
               <a:t>agular.json</a:t>
             </a:r>
             <a:r>
-              <a:rPr lang="pt-BR" sz="2800" b="0" dirty="0">
+              <a:rPr lang="pt-BR" sz="2600" b="0" dirty="0">
                 <a:latin typeface="Times New Roman" pitchFamily="18" charset="0"/>
                 <a:cs typeface="Times New Roman" pitchFamily="18" charset="0"/>
               </a:rPr>
@@ -7941,8 +7920,8 @@
         </p:nvSpPr>
         <p:spPr>
           <a:xfrm>
-            <a:off x="539552" y="1822748"/>
-            <a:ext cx="7632848" cy="4392488"/>
+            <a:off x="251520" y="1822748"/>
+            <a:ext cx="7920880" cy="4392488"/>
           </a:xfrm>
           <a:prstGeom prst="rect">
             <a:avLst/>
@@ -8118,13 +8097,13 @@
           </a:lstStyle>
           <a:p>
             <a:r>
-              <a:rPr lang="pt-BR" sz="2800" dirty="0" smtClean="0">
+              <a:rPr lang="pt-BR" sz="2600" dirty="0" smtClean="0">
                 <a:latin typeface="Times New Roman" pitchFamily="18" charset="0"/>
                 <a:cs typeface="Times New Roman" pitchFamily="18" charset="0"/>
               </a:rPr>
               <a:t>Quarto passo:</a:t>
             </a:r>
-            <a:endParaRPr lang="pt-BR" sz="2800" dirty="0">
+            <a:endParaRPr lang="pt-BR" sz="2600" dirty="0">
               <a:latin typeface="Times New Roman" pitchFamily="18" charset="0"/>
               <a:cs typeface="Times New Roman" pitchFamily="18" charset="0"/>
             </a:endParaRPr>
@@ -8132,63 +8111,63 @@
           <a:p>
             <a:pPr algn="just"/>
             <a:r>
-              <a:rPr lang="pt-BR" sz="2800" b="0" dirty="0" smtClean="0">
+              <a:rPr lang="pt-BR" sz="2600" b="0" dirty="0" smtClean="0">
                 <a:latin typeface="Times New Roman" pitchFamily="18" charset="0"/>
                 <a:cs typeface="Times New Roman" pitchFamily="18" charset="0"/>
               </a:rPr>
               <a:t>A </a:t>
             </a:r>
             <a:r>
-              <a:rPr lang="pt-BR" sz="2800" b="0" dirty="0">
+              <a:rPr lang="pt-BR" sz="2600" b="0" dirty="0">
                 <a:latin typeface="Times New Roman" pitchFamily="18" charset="0"/>
                 <a:cs typeface="Times New Roman" pitchFamily="18" charset="0"/>
               </a:rPr>
               <a:t>dependência </a:t>
             </a:r>
             <a:r>
-              <a:rPr lang="pt-BR" sz="2800" b="0" dirty="0" err="1">
+              <a:rPr lang="pt-BR" sz="2600" b="0" dirty="0" err="1">
                 <a:latin typeface="Times New Roman" pitchFamily="18" charset="0"/>
                 <a:cs typeface="Times New Roman" pitchFamily="18" charset="0"/>
               </a:rPr>
               <a:t>animations</a:t>
             </a:r>
             <a:r>
-              <a:rPr lang="pt-BR" sz="2800" b="0" dirty="0">
+              <a:rPr lang="pt-BR" sz="2600" b="0" dirty="0">
                 <a:latin typeface="Times New Roman" pitchFamily="18" charset="0"/>
                 <a:cs typeface="Times New Roman" pitchFamily="18" charset="0"/>
               </a:rPr>
               <a:t> é utilizada em diversos componentes do framework, logo ao realizar o download da biblioteca, o módulo </a:t>
             </a:r>
             <a:r>
-              <a:rPr lang="pt-BR" sz="2800" b="0" dirty="0" err="1" smtClean="0">
+              <a:rPr lang="pt-BR" sz="2600" b="0" dirty="0" err="1" smtClean="0">
                 <a:latin typeface="Times New Roman" pitchFamily="18" charset="0"/>
                 <a:cs typeface="Times New Roman" pitchFamily="18" charset="0"/>
               </a:rPr>
               <a:t>BrowserAnimationsModule</a:t>
             </a:r>
             <a:r>
-              <a:rPr lang="pt-BR" sz="2800" b="0" dirty="0" smtClean="0">
+              <a:rPr lang="pt-BR" sz="2600" b="0" dirty="0" smtClean="0">
                 <a:latin typeface="Times New Roman" pitchFamily="18" charset="0"/>
                 <a:cs typeface="Times New Roman" pitchFamily="18" charset="0"/>
               </a:rPr>
               <a:t> </a:t>
             </a:r>
             <a:r>
-              <a:rPr lang="pt-BR" sz="2800" b="0" dirty="0">
+              <a:rPr lang="pt-BR" sz="2600" b="0" dirty="0">
                 <a:latin typeface="Times New Roman" pitchFamily="18" charset="0"/>
                 <a:cs typeface="Times New Roman" pitchFamily="18" charset="0"/>
               </a:rPr>
               <a:t>do </a:t>
             </a:r>
             <a:r>
-              <a:rPr lang="pt-BR" sz="2800" b="0" dirty="0" err="1">
+              <a:rPr lang="pt-BR" sz="2600" b="0" dirty="0" err="1">
                 <a:latin typeface="Times New Roman" pitchFamily="18" charset="0"/>
                 <a:cs typeface="Times New Roman" pitchFamily="18" charset="0"/>
               </a:rPr>
               <a:t>Animations</a:t>
             </a:r>
             <a:r>
-              <a:rPr lang="pt-BR" sz="2800" b="0" dirty="0">
+              <a:rPr lang="pt-BR" sz="2600" b="0" dirty="0">
                 <a:latin typeface="Times New Roman" pitchFamily="18" charset="0"/>
                 <a:cs typeface="Times New Roman" pitchFamily="18" charset="0"/>
               </a:rPr>
@@ -8198,28 +8177,28 @@
           <a:p>
             <a:pPr algn="just"/>
             <a:r>
-              <a:rPr lang="pt-BR" sz="2800" b="0" dirty="0" smtClean="0">
+              <a:rPr lang="pt-BR" sz="2600" b="0" dirty="0" smtClean="0">
                 <a:latin typeface="Times New Roman" pitchFamily="18" charset="0"/>
                 <a:cs typeface="Times New Roman" pitchFamily="18" charset="0"/>
               </a:rPr>
               <a:t>Assim </a:t>
             </a:r>
             <a:r>
-              <a:rPr lang="pt-BR" sz="2800" b="0" dirty="0">
+              <a:rPr lang="pt-BR" sz="2600" b="0" dirty="0">
                 <a:latin typeface="Times New Roman" pitchFamily="18" charset="0"/>
                 <a:cs typeface="Times New Roman" pitchFamily="18" charset="0"/>
               </a:rPr>
               <a:t>como no </a:t>
             </a:r>
             <a:r>
-              <a:rPr lang="pt-BR" sz="2800" b="0" dirty="0" err="1">
+              <a:rPr lang="pt-BR" sz="2600" b="0" dirty="0" err="1">
                 <a:latin typeface="Times New Roman" pitchFamily="18" charset="0"/>
                 <a:cs typeface="Times New Roman" pitchFamily="18" charset="0"/>
               </a:rPr>
               <a:t>animation</a:t>
             </a:r>
             <a:r>
-              <a:rPr lang="pt-BR" sz="2800" b="0" dirty="0">
+              <a:rPr lang="pt-BR" sz="2600" b="0" dirty="0">
                 <a:latin typeface="Times New Roman" pitchFamily="18" charset="0"/>
                 <a:cs typeface="Times New Roman" pitchFamily="18" charset="0"/>
               </a:rPr>
@@ -8668,13 +8647,13 @@
           </a:lstStyle>
           <a:p>
             <a:r>
-              <a:rPr lang="pt-BR" sz="2800" dirty="0" smtClean="0">
+              <a:rPr lang="pt-BR" sz="2600" dirty="0" smtClean="0">
                 <a:latin typeface="Times New Roman" pitchFamily="18" charset="0"/>
                 <a:cs typeface="Times New Roman" pitchFamily="18" charset="0"/>
               </a:rPr>
               <a:t>Quarto passo:</a:t>
             </a:r>
-            <a:endParaRPr lang="pt-BR" sz="2800" dirty="0">
+            <a:endParaRPr lang="pt-BR" sz="2600" dirty="0">
               <a:latin typeface="Times New Roman" pitchFamily="18" charset="0"/>
               <a:cs typeface="Times New Roman" pitchFamily="18" charset="0"/>
             </a:endParaRPr>
@@ -8682,62 +8661,62 @@
           <a:p>
             <a:pPr algn="just"/>
             <a:r>
-              <a:rPr lang="pt-BR" sz="2800" b="0" dirty="0">
+              <a:rPr lang="pt-BR" sz="2600" b="0" dirty="0">
                 <a:latin typeface="Times New Roman" pitchFamily="18" charset="0"/>
                 <a:cs typeface="Times New Roman" pitchFamily="18" charset="0"/>
               </a:rPr>
               <a:t>É válido lembrar que os itens que são importados como módulos, </a:t>
             </a:r>
             <a:r>
-              <a:rPr lang="pt-BR" sz="2800" b="0" dirty="0" err="1">
+              <a:rPr lang="pt-BR" sz="2600" b="0" dirty="0" err="1">
                 <a:latin typeface="Times New Roman" pitchFamily="18" charset="0"/>
                 <a:cs typeface="Times New Roman" pitchFamily="18" charset="0"/>
               </a:rPr>
               <a:t>pipes</a:t>
             </a:r>
             <a:r>
-              <a:rPr lang="pt-BR" sz="2800" b="0" dirty="0">
+              <a:rPr lang="pt-BR" sz="2600" b="0" dirty="0">
                 <a:latin typeface="Times New Roman" pitchFamily="18" charset="0"/>
                 <a:cs typeface="Times New Roman" pitchFamily="18" charset="0"/>
               </a:rPr>
               <a:t>, </a:t>
             </a:r>
             <a:r>
-              <a:rPr lang="pt-BR" sz="2800" b="0" dirty="0" err="1">
+              <a:rPr lang="pt-BR" sz="2600" b="0" dirty="0" err="1">
                 <a:latin typeface="Times New Roman" pitchFamily="18" charset="0"/>
                 <a:cs typeface="Times New Roman" pitchFamily="18" charset="0"/>
               </a:rPr>
               <a:t>components</a:t>
             </a:r>
             <a:r>
-              <a:rPr lang="pt-BR" sz="2800" b="0" dirty="0">
+              <a:rPr lang="pt-BR" sz="2600" b="0" dirty="0">
                 <a:latin typeface="Times New Roman" pitchFamily="18" charset="0"/>
                 <a:cs typeface="Times New Roman" pitchFamily="18" charset="0"/>
               </a:rPr>
               <a:t>, </a:t>
             </a:r>
             <a:r>
-              <a:rPr lang="pt-BR" sz="2800" b="0" dirty="0" err="1">
+              <a:rPr lang="pt-BR" sz="2600" b="0" dirty="0" err="1">
                 <a:latin typeface="Times New Roman" pitchFamily="18" charset="0"/>
                 <a:cs typeface="Times New Roman" pitchFamily="18" charset="0"/>
               </a:rPr>
               <a:t>etc</a:t>
             </a:r>
             <a:r>
-              <a:rPr lang="pt-BR" sz="2800" b="0" dirty="0">
+              <a:rPr lang="pt-BR" sz="2600" b="0" dirty="0">
                 <a:latin typeface="Times New Roman" pitchFamily="18" charset="0"/>
                 <a:cs typeface="Times New Roman" pitchFamily="18" charset="0"/>
               </a:rPr>
               <a:t>, devem ser exportados se forem utilizados de forma </a:t>
             </a:r>
             <a:r>
-              <a:rPr lang="pt-BR" sz="2800" b="0" dirty="0" smtClean="0">
+              <a:rPr lang="pt-BR" sz="2600" b="0" dirty="0" smtClean="0">
                 <a:latin typeface="Times New Roman" pitchFamily="18" charset="0"/>
                 <a:cs typeface="Times New Roman" pitchFamily="18" charset="0"/>
               </a:rPr>
               <a:t>compartilhada.</a:t>
             </a:r>
-            <a:endParaRPr lang="pt-BR" sz="2800" b="0" dirty="0">
+            <a:endParaRPr lang="pt-BR" sz="2600" b="0" dirty="0">
               <a:latin typeface="Times New Roman" pitchFamily="18" charset="0"/>
               <a:cs typeface="Times New Roman" pitchFamily="18" charset="0"/>
             </a:endParaRPr>
@@ -9069,8 +9048,8 @@
         </p:nvSpPr>
         <p:spPr>
           <a:xfrm>
-            <a:off x="395536" y="1844824"/>
-            <a:ext cx="8077755" cy="3960440"/>
+            <a:off x="251520" y="1844824"/>
+            <a:ext cx="8221771" cy="3960440"/>
           </a:xfrm>
         </p:spPr>
         <p:txBody>
@@ -9081,98 +9060,98 @@
           <a:p>
             <a:pPr algn="just"/>
             <a:r>
-              <a:rPr lang="pt-BR" sz="2800" b="0" dirty="0" smtClean="0">
+              <a:rPr lang="pt-BR" sz="2600" b="0" dirty="0" smtClean="0">
                 <a:latin typeface="Times New Roman" pitchFamily="18" charset="0"/>
                 <a:cs typeface="Times New Roman" pitchFamily="18" charset="0"/>
               </a:rPr>
               <a:t>Dentro </a:t>
             </a:r>
             <a:r>
-              <a:rPr lang="pt-BR" sz="2800" b="0" dirty="0">
+              <a:rPr lang="pt-BR" sz="2600" b="0" dirty="0">
                 <a:latin typeface="Times New Roman" pitchFamily="18" charset="0"/>
                 <a:cs typeface="Times New Roman" pitchFamily="18" charset="0"/>
               </a:rPr>
               <a:t>da pasta </a:t>
             </a:r>
             <a:r>
-              <a:rPr lang="pt-BR" sz="2800" b="0" dirty="0" err="1">
+              <a:rPr lang="pt-BR" sz="2600" b="0" dirty="0" err="1">
                 <a:latin typeface="Times New Roman" pitchFamily="18" charset="0"/>
                 <a:cs typeface="Times New Roman" pitchFamily="18" charset="0"/>
               </a:rPr>
               <a:t>shared</a:t>
             </a:r>
             <a:r>
-              <a:rPr lang="pt-BR" sz="2800" b="0" dirty="0">
+              <a:rPr lang="pt-BR" sz="2600" b="0" dirty="0">
                 <a:latin typeface="Times New Roman" pitchFamily="18" charset="0"/>
                 <a:cs typeface="Times New Roman" pitchFamily="18" charset="0"/>
               </a:rPr>
               <a:t>, criaremos o componente </a:t>
             </a:r>
             <a:r>
-              <a:rPr lang="pt-BR" sz="2800" b="0" dirty="0" err="1">
+              <a:rPr lang="pt-BR" sz="2600" b="0" dirty="0" err="1">
                 <a:latin typeface="Times New Roman" pitchFamily="18" charset="0"/>
                 <a:cs typeface="Times New Roman" pitchFamily="18" charset="0"/>
               </a:rPr>
               <a:t>nav</a:t>
             </a:r>
             <a:r>
-              <a:rPr lang="pt-BR" sz="2800" b="0" dirty="0">
+              <a:rPr lang="pt-BR" sz="2600" b="0" dirty="0">
                 <a:latin typeface="Times New Roman" pitchFamily="18" charset="0"/>
                 <a:cs typeface="Times New Roman" pitchFamily="18" charset="0"/>
               </a:rPr>
               <a:t> e o componente </a:t>
             </a:r>
             <a:r>
-              <a:rPr lang="pt-BR" sz="2800" b="0" dirty="0" err="1">
+              <a:rPr lang="pt-BR" sz="2600" b="0" dirty="0" err="1">
                 <a:latin typeface="Times New Roman" pitchFamily="18" charset="0"/>
                 <a:cs typeface="Times New Roman" pitchFamily="18" charset="0"/>
               </a:rPr>
               <a:t>login</a:t>
             </a:r>
             <a:r>
-              <a:rPr lang="pt-BR" sz="2800" b="0" dirty="0">
+              <a:rPr lang="pt-BR" sz="2600" b="0" dirty="0">
                 <a:latin typeface="Times New Roman" pitchFamily="18" charset="0"/>
                 <a:cs typeface="Times New Roman" pitchFamily="18" charset="0"/>
               </a:rPr>
               <a:t> para trabalharmos com o sistema de </a:t>
             </a:r>
             <a:r>
-              <a:rPr lang="pt-BR" sz="2800" b="0" dirty="0" err="1">
+              <a:rPr lang="pt-BR" sz="2600" b="0" dirty="0" err="1">
                 <a:latin typeface="Times New Roman" pitchFamily="18" charset="0"/>
                 <a:cs typeface="Times New Roman" pitchFamily="18" charset="0"/>
               </a:rPr>
               <a:t>Login</a:t>
             </a:r>
             <a:r>
-              <a:rPr lang="pt-BR" sz="2800" b="0" dirty="0">
+              <a:rPr lang="pt-BR" sz="2600" b="0" dirty="0">
                 <a:latin typeface="Times New Roman" pitchFamily="18" charset="0"/>
                 <a:cs typeface="Times New Roman" pitchFamily="18" charset="0"/>
               </a:rPr>
               <a:t> </a:t>
             </a:r>
             <a:r>
-              <a:rPr lang="pt-BR" sz="2800" b="0" dirty="0" err="1">
+              <a:rPr lang="pt-BR" sz="2600" b="0" dirty="0" err="1">
                 <a:latin typeface="Times New Roman" pitchFamily="18" charset="0"/>
                 <a:cs typeface="Times New Roman" pitchFamily="18" charset="0"/>
               </a:rPr>
               <a:t>mocado</a:t>
             </a:r>
             <a:r>
-              <a:rPr lang="pt-BR" sz="2800" b="0" dirty="0">
+              <a:rPr lang="pt-BR" sz="2600" b="0" dirty="0">
                 <a:latin typeface="Times New Roman" pitchFamily="18" charset="0"/>
                 <a:cs typeface="Times New Roman" pitchFamily="18" charset="0"/>
               </a:rPr>
               <a:t> e o controle de exibição do menu ao realizar o </a:t>
             </a:r>
             <a:r>
-              <a:rPr lang="pt-BR" sz="2800" b="0" dirty="0" err="1">
+              <a:rPr lang="pt-BR" sz="2600" b="0" dirty="0" err="1">
                 <a:latin typeface="Times New Roman" pitchFamily="18" charset="0"/>
                 <a:cs typeface="Times New Roman" pitchFamily="18" charset="0"/>
               </a:rPr>
               <a:t>login</a:t>
             </a:r>
             <a:r>
-              <a:rPr lang="pt-BR" sz="2800" b="0" dirty="0">
+              <a:rPr lang="pt-BR" sz="2600" b="0" dirty="0">
                 <a:latin typeface="Times New Roman" pitchFamily="18" charset="0"/>
                 <a:cs typeface="Times New Roman" pitchFamily="18" charset="0"/>
               </a:rPr>
@@ -9189,55 +9168,55 @@
               </a:spcAft>
             </a:pPr>
             <a:r>
-              <a:rPr lang="pt-BR" sz="2800" b="0" dirty="0">
+              <a:rPr lang="pt-BR" sz="2600" b="0" dirty="0">
                 <a:latin typeface="Times New Roman" pitchFamily="18" charset="0"/>
                 <a:cs typeface="Times New Roman" pitchFamily="18" charset="0"/>
               </a:rPr>
               <a:t>	</a:t>
             </a:r>
             <a:r>
-              <a:rPr lang="pt-BR" sz="2800" dirty="0" err="1" smtClean="0">
+              <a:rPr lang="pt-BR" sz="2600" dirty="0" err="1" smtClean="0">
                 <a:latin typeface="Times New Roman" pitchFamily="18" charset="0"/>
                 <a:cs typeface="Times New Roman" pitchFamily="18" charset="0"/>
               </a:rPr>
               <a:t>ng</a:t>
             </a:r>
             <a:r>
-              <a:rPr lang="pt-BR" sz="2800" dirty="0" smtClean="0">
+              <a:rPr lang="pt-BR" sz="2600" dirty="0" smtClean="0">
                 <a:latin typeface="Times New Roman" pitchFamily="18" charset="0"/>
                 <a:cs typeface="Times New Roman" pitchFamily="18" charset="0"/>
               </a:rPr>
               <a:t> </a:t>
             </a:r>
             <a:r>
-              <a:rPr lang="pt-BR" sz="2800" dirty="0">
+              <a:rPr lang="pt-BR" sz="2600" dirty="0">
                 <a:latin typeface="Times New Roman" pitchFamily="18" charset="0"/>
                 <a:cs typeface="Times New Roman" pitchFamily="18" charset="0"/>
               </a:rPr>
               <a:t>g c </a:t>
             </a:r>
             <a:r>
-              <a:rPr lang="pt-BR" sz="2800" dirty="0" err="1">
+              <a:rPr lang="pt-BR" sz="2600" dirty="0" err="1">
                 <a:latin typeface="Times New Roman" pitchFamily="18" charset="0"/>
                 <a:cs typeface="Times New Roman" pitchFamily="18" charset="0"/>
               </a:rPr>
               <a:t>shared</a:t>
             </a:r>
             <a:r>
-              <a:rPr lang="pt-BR" sz="2800" dirty="0">
+              <a:rPr lang="pt-BR" sz="2600" dirty="0">
                 <a:latin typeface="Times New Roman" pitchFamily="18" charset="0"/>
                 <a:cs typeface="Times New Roman" pitchFamily="18" charset="0"/>
               </a:rPr>
               <a:t>/</a:t>
             </a:r>
             <a:r>
-              <a:rPr lang="pt-BR" sz="2800" dirty="0" err="1">
+              <a:rPr lang="pt-BR" sz="2600" dirty="0" err="1">
                 <a:latin typeface="Times New Roman" pitchFamily="18" charset="0"/>
                 <a:cs typeface="Times New Roman" pitchFamily="18" charset="0"/>
               </a:rPr>
               <a:t>nav</a:t>
             </a:r>
-            <a:endParaRPr lang="pt-BR" sz="2800" dirty="0">
+            <a:endParaRPr lang="pt-BR" sz="2600" dirty="0">
               <a:latin typeface="Times New Roman" pitchFamily="18" charset="0"/>
               <a:cs typeface="Times New Roman" pitchFamily="18" charset="0"/>
             </a:endParaRPr>
@@ -9252,55 +9231,55 @@
               </a:spcAft>
             </a:pPr>
             <a:r>
-              <a:rPr lang="pt-BR" sz="2800" dirty="0" smtClean="0">
+              <a:rPr lang="pt-BR" sz="2600" dirty="0" smtClean="0">
                 <a:latin typeface="Times New Roman" pitchFamily="18" charset="0"/>
                 <a:cs typeface="Times New Roman" pitchFamily="18" charset="0"/>
               </a:rPr>
               <a:t>	</a:t>
             </a:r>
             <a:r>
-              <a:rPr lang="pt-BR" sz="2800" dirty="0" err="1" smtClean="0">
+              <a:rPr lang="pt-BR" sz="2600" dirty="0" err="1" smtClean="0">
                 <a:latin typeface="Times New Roman" pitchFamily="18" charset="0"/>
                 <a:cs typeface="Times New Roman" pitchFamily="18" charset="0"/>
               </a:rPr>
               <a:t>ng</a:t>
             </a:r>
             <a:r>
-              <a:rPr lang="pt-BR" sz="2800" dirty="0" smtClean="0">
+              <a:rPr lang="pt-BR" sz="2600" dirty="0" smtClean="0">
                 <a:latin typeface="Times New Roman" pitchFamily="18" charset="0"/>
                 <a:cs typeface="Times New Roman" pitchFamily="18" charset="0"/>
               </a:rPr>
               <a:t> </a:t>
             </a:r>
             <a:r>
-              <a:rPr lang="pt-BR" sz="2800" dirty="0">
+              <a:rPr lang="pt-BR" sz="2600" dirty="0">
                 <a:latin typeface="Times New Roman" pitchFamily="18" charset="0"/>
                 <a:cs typeface="Times New Roman" pitchFamily="18" charset="0"/>
               </a:rPr>
               <a:t>g c </a:t>
             </a:r>
             <a:r>
-              <a:rPr lang="pt-BR" sz="2800" dirty="0" err="1" smtClean="0">
+              <a:rPr lang="pt-BR" sz="2600" dirty="0" err="1" smtClean="0">
                 <a:latin typeface="Times New Roman" pitchFamily="18" charset="0"/>
                 <a:cs typeface="Times New Roman" pitchFamily="18" charset="0"/>
               </a:rPr>
               <a:t>shared</a:t>
             </a:r>
             <a:r>
-              <a:rPr lang="pt-BR" sz="2800" dirty="0" smtClean="0">
+              <a:rPr lang="pt-BR" sz="2600" dirty="0" smtClean="0">
                 <a:latin typeface="Times New Roman" pitchFamily="18" charset="0"/>
                 <a:cs typeface="Times New Roman" pitchFamily="18" charset="0"/>
               </a:rPr>
               <a:t>/</a:t>
             </a:r>
             <a:r>
-              <a:rPr lang="pt-BR" sz="2800" dirty="0" err="1" smtClean="0">
+              <a:rPr lang="pt-BR" sz="2600" dirty="0" err="1" smtClean="0">
                 <a:latin typeface="Times New Roman" pitchFamily="18" charset="0"/>
                 <a:cs typeface="Times New Roman" pitchFamily="18" charset="0"/>
               </a:rPr>
               <a:t>login</a:t>
             </a:r>
-            <a:endParaRPr lang="pt-BR" sz="2800" dirty="0">
+            <a:endParaRPr lang="pt-BR" sz="2600" dirty="0">
               <a:latin typeface="Times New Roman" pitchFamily="18" charset="0"/>
               <a:cs typeface="Times New Roman" pitchFamily="18" charset="0"/>
             </a:endParaRPr>
@@ -9463,8 +9442,8 @@
         </p:nvSpPr>
         <p:spPr>
           <a:xfrm>
-            <a:off x="467544" y="2132856"/>
-            <a:ext cx="7848872" cy="3960440"/>
+            <a:off x="323528" y="2132856"/>
+            <a:ext cx="7992888" cy="3960440"/>
           </a:xfrm>
         </p:spPr>
         <p:txBody>
@@ -9614,13 +9593,13 @@
               </a:ext>
             </a:extLst>
           </a:blip>
-          <a:srcRect l="32745" t="56424" r="16358" b="40845"/>
+          <a:srcRect l="32745" t="56424" r="54044" b="40845"/>
           <a:stretch/>
         </p:blipFill>
         <p:spPr bwMode="auto">
           <a:xfrm>
-            <a:off x="539551" y="3284984"/>
-            <a:ext cx="8138837" cy="246581"/>
+            <a:off x="509626" y="3531565"/>
+            <a:ext cx="3439721" cy="401491"/>
           </a:xfrm>
           <a:prstGeom prst="rect">
             <a:avLst/>
@@ -9743,8 +9722,8 @@
         </p:nvSpPr>
         <p:spPr>
           <a:xfrm>
-            <a:off x="467544" y="2132856"/>
-            <a:ext cx="7848872" cy="3960440"/>
+            <a:off x="251520" y="2132856"/>
+            <a:ext cx="8064896" cy="3960440"/>
           </a:xfrm>
         </p:spPr>
         <p:txBody>
@@ -9755,35 +9734,35 @@
           <a:p>
             <a:pPr algn="just"/>
             <a:r>
-              <a:rPr lang="pt-BR" sz="2800" b="0" dirty="0">
+              <a:rPr lang="pt-BR" sz="2600" b="0" dirty="0">
                 <a:latin typeface="Times New Roman" pitchFamily="18" charset="0"/>
                 <a:cs typeface="Times New Roman" pitchFamily="18" charset="0"/>
               </a:rPr>
               <a:t>Em </a:t>
             </a:r>
             <a:r>
-              <a:rPr lang="pt-BR" sz="2800" b="0" dirty="0" err="1">
+              <a:rPr lang="pt-BR" sz="2600" b="0" dirty="0" err="1">
                 <a:latin typeface="Times New Roman" pitchFamily="18" charset="0"/>
                 <a:cs typeface="Times New Roman" pitchFamily="18" charset="0"/>
               </a:rPr>
               <a:t>app-routing.module</a:t>
             </a:r>
             <a:r>
-              <a:rPr lang="pt-BR" sz="2800" b="0" dirty="0">
+              <a:rPr lang="pt-BR" sz="2600" b="0" dirty="0">
                 <a:latin typeface="Times New Roman" pitchFamily="18" charset="0"/>
                 <a:cs typeface="Times New Roman" pitchFamily="18" charset="0"/>
               </a:rPr>
               <a:t>, devemos adicionar uma rota específica para nosso componente </a:t>
             </a:r>
             <a:r>
-              <a:rPr lang="pt-BR" sz="2800" b="0" dirty="0" err="1">
+              <a:rPr lang="pt-BR" sz="2600" b="0" dirty="0" err="1">
                 <a:latin typeface="Times New Roman" pitchFamily="18" charset="0"/>
                 <a:cs typeface="Times New Roman" pitchFamily="18" charset="0"/>
               </a:rPr>
               <a:t>login</a:t>
             </a:r>
             <a:r>
-              <a:rPr lang="pt-BR" sz="2800" b="0" dirty="0">
+              <a:rPr lang="pt-BR" sz="2600" b="0" dirty="0">
                 <a:latin typeface="Times New Roman" pitchFamily="18" charset="0"/>
                 <a:cs typeface="Times New Roman" pitchFamily="18" charset="0"/>
               </a:rPr>
@@ -9993,8 +9972,8 @@
         </p:nvSpPr>
         <p:spPr>
           <a:xfrm>
-            <a:off x="467544" y="2132856"/>
-            <a:ext cx="7848872" cy="3960440"/>
+            <a:off x="323528" y="2132856"/>
+            <a:ext cx="7992888" cy="3960440"/>
           </a:xfrm>
         </p:spPr>
         <p:txBody>
@@ -10005,41 +9984,41 @@
           <a:p>
             <a:pPr algn="just"/>
             <a:r>
-              <a:rPr lang="pt-BR" sz="2800" b="0" dirty="0">
+              <a:rPr lang="pt-BR" sz="2600" b="0" dirty="0">
                 <a:latin typeface="Times New Roman" pitchFamily="18" charset="0"/>
                 <a:cs typeface="Times New Roman" pitchFamily="18" charset="0"/>
               </a:rPr>
               <a:t>Mesmo utilizando um framework como </a:t>
             </a:r>
             <a:r>
-              <a:rPr lang="pt-BR" sz="2800" b="0" dirty="0" err="1">
+              <a:rPr lang="pt-BR" sz="2600" b="0" dirty="0" err="1">
                 <a:latin typeface="Times New Roman" pitchFamily="18" charset="0"/>
                 <a:cs typeface="Times New Roman" pitchFamily="18" charset="0"/>
               </a:rPr>
               <a:t>PrimeNg</a:t>
             </a:r>
             <a:r>
-              <a:rPr lang="pt-BR" sz="2800" b="0" dirty="0">
+              <a:rPr lang="pt-BR" sz="2600" b="0" dirty="0">
                 <a:latin typeface="Times New Roman" pitchFamily="18" charset="0"/>
                 <a:cs typeface="Times New Roman" pitchFamily="18" charset="0"/>
               </a:rPr>
               <a:t> é possível mesclar com bibliotecas de CSS e JS sem nenhum problema de compatibilidade. </a:t>
             </a:r>
-            <a:endParaRPr lang="pt-BR" sz="2800" b="0" dirty="0" smtClean="0">
+            <a:endParaRPr lang="pt-BR" sz="2600" b="0" dirty="0" smtClean="0">
               <a:latin typeface="Times New Roman" pitchFamily="18" charset="0"/>
               <a:cs typeface="Times New Roman" pitchFamily="18" charset="0"/>
             </a:endParaRPr>
           </a:p>
           <a:p>
             <a:r>
-              <a:rPr lang="pt-BR" sz="2800" dirty="0" smtClean="0">
+              <a:rPr lang="pt-BR" sz="2600" dirty="0" smtClean="0">
                 <a:latin typeface="Times New Roman" pitchFamily="18" charset="0"/>
                 <a:cs typeface="Times New Roman" pitchFamily="18" charset="0"/>
               </a:rPr>
               <a:t>Instalando</a:t>
             </a:r>
             <a:r>
-              <a:rPr lang="pt-BR" sz="2800" dirty="0">
+              <a:rPr lang="pt-BR" sz="2600" dirty="0">
                 <a:latin typeface="Times New Roman" pitchFamily="18" charset="0"/>
                 <a:cs typeface="Times New Roman" pitchFamily="18" charset="0"/>
               </a:rPr>
@@ -10048,34 +10027,34 @@
           </a:p>
           <a:p>
             <a:r>
-              <a:rPr lang="en-US" sz="2800" b="0" dirty="0" smtClean="0">
+              <a:rPr lang="en-US" sz="2600" b="0" dirty="0" smtClean="0">
                 <a:latin typeface="Times New Roman" pitchFamily="18" charset="0"/>
                 <a:cs typeface="Times New Roman" pitchFamily="18" charset="0"/>
               </a:rPr>
               <a:t>- Bootstrap </a:t>
             </a:r>
             <a:r>
-              <a:rPr lang="en-US" sz="2800" b="0" dirty="0">
+              <a:rPr lang="en-US" sz="2600" b="0" dirty="0">
                 <a:latin typeface="Times New Roman" pitchFamily="18" charset="0"/>
                 <a:cs typeface="Times New Roman" pitchFamily="18" charset="0"/>
               </a:rPr>
               <a:t>e </a:t>
             </a:r>
             <a:r>
-              <a:rPr lang="en-US" sz="2800" b="0" dirty="0" smtClean="0">
+              <a:rPr lang="en-US" sz="2600" b="0" dirty="0" smtClean="0">
                 <a:latin typeface="Times New Roman" pitchFamily="18" charset="0"/>
                 <a:cs typeface="Times New Roman" pitchFamily="18" charset="0"/>
               </a:rPr>
               <a:t>o </a:t>
             </a:r>
             <a:r>
-              <a:rPr lang="en-US" sz="2800" b="0" dirty="0" err="1" smtClean="0">
+              <a:rPr lang="en-US" sz="2600" b="0" dirty="0" err="1" smtClean="0">
                 <a:latin typeface="Times New Roman" pitchFamily="18" charset="0"/>
                 <a:cs typeface="Times New Roman" pitchFamily="18" charset="0"/>
               </a:rPr>
               <a:t>Jquery</a:t>
             </a:r>
-            <a:endParaRPr lang="pt-BR" sz="2800" b="0" dirty="0">
+            <a:endParaRPr lang="pt-BR" sz="2600" b="0" dirty="0">
               <a:latin typeface="Times New Roman" pitchFamily="18" charset="0"/>
               <a:cs typeface="Times New Roman" pitchFamily="18" charset="0"/>
             </a:endParaRPr>
@@ -10171,13 +10150,13 @@
               </a:ext>
             </a:extLst>
           </a:blip>
-          <a:srcRect l="32549" t="49615" r="17265" b="47609"/>
+          <a:srcRect l="32549" t="49615" r="36232" b="47609"/>
           <a:stretch/>
         </p:blipFill>
         <p:spPr bwMode="auto">
           <a:xfrm>
             <a:off x="971600" y="4907880"/>
-            <a:ext cx="6501060" cy="203076"/>
+            <a:ext cx="6398921" cy="321320"/>
           </a:xfrm>
           <a:prstGeom prst="rect">
             <a:avLst/>
@@ -10316,8 +10295,8 @@
         </p:nvSpPr>
         <p:spPr>
           <a:xfrm>
-            <a:off x="395536" y="1916832"/>
-            <a:ext cx="7848872" cy="3960440"/>
+            <a:off x="251520" y="1916832"/>
+            <a:ext cx="7992888" cy="3960440"/>
           </a:xfrm>
         </p:spPr>
         <p:txBody>
@@ -10327,14 +10306,14 @@
           <a:lstStyle/>
           <a:p>
             <a:r>
-              <a:rPr lang="pt-BR" sz="2800" dirty="0" smtClean="0">
+              <a:rPr lang="pt-BR" sz="2600" dirty="0" smtClean="0">
                 <a:latin typeface="Times New Roman" pitchFamily="18" charset="0"/>
                 <a:cs typeface="Times New Roman" pitchFamily="18" charset="0"/>
               </a:rPr>
               <a:t>Instalando</a:t>
             </a:r>
             <a:r>
-              <a:rPr lang="pt-BR" sz="2800" dirty="0">
+              <a:rPr lang="pt-BR" sz="2600" dirty="0">
                 <a:latin typeface="Times New Roman" pitchFamily="18" charset="0"/>
                 <a:cs typeface="Times New Roman" pitchFamily="18" charset="0"/>
               </a:rPr>
@@ -10343,28 +10322,28 @@
           </a:p>
           <a:p>
             <a:r>
-              <a:rPr lang="en-US" sz="2800" b="0" dirty="0">
+              <a:rPr lang="en-US" sz="2600" b="0" dirty="0">
                 <a:latin typeface="Times New Roman" pitchFamily="18" charset="0"/>
                 <a:cs typeface="Times New Roman" pitchFamily="18" charset="0"/>
               </a:rPr>
               <a:t> - </a:t>
             </a:r>
             <a:r>
-              <a:rPr lang="pt-BR" sz="2800" b="0" dirty="0">
+              <a:rPr lang="pt-BR" sz="2600" b="0" dirty="0">
                 <a:latin typeface="Times New Roman" pitchFamily="18" charset="0"/>
                 <a:cs typeface="Times New Roman" pitchFamily="18" charset="0"/>
               </a:rPr>
               <a:t>Inserir </a:t>
             </a:r>
             <a:r>
-              <a:rPr lang="pt-BR" sz="2800" b="0" dirty="0" err="1">
+              <a:rPr lang="pt-BR" sz="2600" b="0" dirty="0" err="1">
                 <a:latin typeface="Times New Roman" pitchFamily="18" charset="0"/>
                 <a:cs typeface="Times New Roman" pitchFamily="18" charset="0"/>
               </a:rPr>
               <a:t>imports</a:t>
             </a:r>
             <a:r>
-              <a:rPr lang="pt-BR" sz="2800" b="0" dirty="0">
+              <a:rPr lang="pt-BR" sz="2600" b="0" dirty="0">
                 <a:latin typeface="Times New Roman" pitchFamily="18" charset="0"/>
                 <a:cs typeface="Times New Roman" pitchFamily="18" charset="0"/>
               </a:rPr>
@@ -10372,28 +10351,28 @@
             </a:r>
           </a:p>
           <a:p>
-            <a:endParaRPr lang="pt-BR" sz="1400" dirty="0" smtClean="0"/>
-          </a:p>
-          <a:p>
-            <a:endParaRPr lang="pt-BR" sz="2400" dirty="0" smtClean="0"/>
-          </a:p>
-          <a:p>
-            <a:r>
-              <a:rPr lang="pt-BR" sz="2800" b="0" dirty="0">
+            <a:endParaRPr lang="pt-BR" sz="2600" dirty="0" smtClean="0"/>
+          </a:p>
+          <a:p>
+            <a:endParaRPr lang="pt-BR" sz="2600" dirty="0" smtClean="0"/>
+          </a:p>
+          <a:p>
+            <a:r>
+              <a:rPr lang="pt-BR" sz="2600" b="0" dirty="0">
                 <a:latin typeface="Times New Roman" pitchFamily="18" charset="0"/>
                 <a:cs typeface="Times New Roman" pitchFamily="18" charset="0"/>
               </a:rPr>
               <a:t>- Inserir </a:t>
             </a:r>
             <a:r>
-              <a:rPr lang="pt-BR" sz="2800" b="0" dirty="0" err="1">
+              <a:rPr lang="pt-BR" sz="2600" b="0" dirty="0" err="1">
                 <a:latin typeface="Times New Roman" pitchFamily="18" charset="0"/>
                 <a:cs typeface="Times New Roman" pitchFamily="18" charset="0"/>
               </a:rPr>
               <a:t>imports</a:t>
             </a:r>
             <a:r>
-              <a:rPr lang="pt-BR" sz="2800" b="0" dirty="0">
+              <a:rPr lang="pt-BR" sz="2600" b="0" dirty="0">
                 <a:latin typeface="Times New Roman" pitchFamily="18" charset="0"/>
                 <a:cs typeface="Times New Roman" pitchFamily="18" charset="0"/>
               </a:rPr>
@@ -10491,13 +10470,13 @@
               </a:ext>
             </a:extLst>
           </a:blip>
-          <a:srcRect l="32549" t="59999" r="17265" b="36555"/>
+          <a:srcRect l="32549" t="59999" r="29166" b="36555"/>
           <a:stretch/>
         </p:blipFill>
         <p:spPr bwMode="auto">
           <a:xfrm>
-            <a:off x="755576" y="3312318"/>
-            <a:ext cx="6501060" cy="252065"/>
+            <a:off x="323528" y="3312318"/>
+            <a:ext cx="7776864" cy="395263"/>
           </a:xfrm>
           <a:prstGeom prst="rect">
             <a:avLst/>
@@ -10558,8 +10537,8 @@
         </p:blipFill>
         <p:spPr bwMode="auto">
           <a:xfrm>
-            <a:off x="755576" y="4725144"/>
-            <a:ext cx="6696744" cy="659402"/>
+            <a:off x="344150" y="4725144"/>
+            <a:ext cx="8044274" cy="792088"/>
           </a:xfrm>
           <a:prstGeom prst="rect">
             <a:avLst/>
@@ -10988,49 +10967,49 @@
           <a:p>
             <a:pPr algn="just"/>
             <a:r>
-              <a:rPr lang="pt-BR" sz="2800" b="0" dirty="0">
+              <a:rPr lang="pt-BR" sz="2600" b="0" dirty="0">
                 <a:latin typeface="Times New Roman" pitchFamily="18" charset="0"/>
                 <a:cs typeface="Times New Roman" pitchFamily="18" charset="0"/>
               </a:rPr>
               <a:t>Após criar o menu e a tela de </a:t>
             </a:r>
             <a:r>
-              <a:rPr lang="pt-BR" sz="2800" b="0" dirty="0" err="1">
+              <a:rPr lang="pt-BR" sz="2600" b="0" dirty="0" err="1">
                 <a:latin typeface="Times New Roman" pitchFamily="18" charset="0"/>
                 <a:cs typeface="Times New Roman" pitchFamily="18" charset="0"/>
               </a:rPr>
               <a:t>login</a:t>
             </a:r>
             <a:r>
-              <a:rPr lang="pt-BR" sz="2800" b="0" dirty="0">
+              <a:rPr lang="pt-BR" sz="2600" b="0" dirty="0">
                 <a:latin typeface="Times New Roman" pitchFamily="18" charset="0"/>
                 <a:cs typeface="Times New Roman" pitchFamily="18" charset="0"/>
               </a:rPr>
               <a:t> percebemos que o menu independente da rota sempre irá </a:t>
             </a:r>
             <a:r>
-              <a:rPr lang="pt-BR" sz="2800" b="0" dirty="0" smtClean="0">
+              <a:rPr lang="pt-BR" sz="2600" b="0" dirty="0" smtClean="0">
                 <a:latin typeface="Times New Roman" pitchFamily="18" charset="0"/>
                 <a:cs typeface="Times New Roman" pitchFamily="18" charset="0"/>
               </a:rPr>
               <a:t>aparecer que não </a:t>
             </a:r>
             <a:r>
-              <a:rPr lang="pt-BR" sz="2800" b="0" dirty="0">
+              <a:rPr lang="pt-BR" sz="2600" b="0" dirty="0">
                 <a:latin typeface="Times New Roman" pitchFamily="18" charset="0"/>
                 <a:cs typeface="Times New Roman" pitchFamily="18" charset="0"/>
               </a:rPr>
               <a:t>é muito amigável exibir um menu na tela de </a:t>
             </a:r>
             <a:r>
-              <a:rPr lang="pt-BR" sz="2800" b="0" dirty="0" err="1">
+              <a:rPr lang="pt-BR" sz="2600" b="0" dirty="0" err="1">
                 <a:latin typeface="Times New Roman" pitchFamily="18" charset="0"/>
                 <a:cs typeface="Times New Roman" pitchFamily="18" charset="0"/>
               </a:rPr>
               <a:t>login</a:t>
             </a:r>
             <a:r>
-              <a:rPr lang="pt-BR" sz="2800" b="0" dirty="0" smtClean="0">
+              <a:rPr lang="pt-BR" sz="2600" b="0" dirty="0" smtClean="0">
                 <a:latin typeface="Times New Roman" pitchFamily="18" charset="0"/>
                 <a:cs typeface="Times New Roman" pitchFamily="18" charset="0"/>
               </a:rPr>
@@ -11040,13 +11019,13 @@
           <a:p>
             <a:pPr algn="just"/>
             <a:r>
-              <a:rPr lang="pt-BR" sz="2800" dirty="0" smtClean="0">
+              <a:rPr lang="pt-BR" sz="2600" dirty="0" smtClean="0">
                 <a:latin typeface="Times New Roman" pitchFamily="18" charset="0"/>
                 <a:cs typeface="Times New Roman" pitchFamily="18" charset="0"/>
               </a:rPr>
               <a:t>Implementação:</a:t>
             </a:r>
-            <a:endParaRPr lang="pt-BR" sz="2800" dirty="0">
+            <a:endParaRPr lang="pt-BR" sz="2600" dirty="0">
               <a:latin typeface="Times New Roman" pitchFamily="18" charset="0"/>
               <a:cs typeface="Times New Roman" pitchFamily="18" charset="0"/>
             </a:endParaRPr>
@@ -11057,94 +11036,94 @@
               <a:buChar char="Ø"/>
             </a:pPr>
             <a:r>
-              <a:rPr lang="pt-BR" sz="2800" b="0" dirty="0" smtClean="0">
+              <a:rPr lang="pt-BR" sz="2600" b="0" dirty="0" smtClean="0">
                 <a:latin typeface="Times New Roman" pitchFamily="18" charset="0"/>
                 <a:cs typeface="Times New Roman" pitchFamily="18" charset="0"/>
               </a:rPr>
               <a:t>Criar </a:t>
             </a:r>
             <a:r>
-              <a:rPr lang="pt-BR" sz="2800" b="0" dirty="0">
+              <a:rPr lang="pt-BR" sz="2600" b="0" dirty="0">
                 <a:latin typeface="Times New Roman" pitchFamily="18" charset="0"/>
                 <a:cs typeface="Times New Roman" pitchFamily="18" charset="0"/>
               </a:rPr>
               <a:t>o serviço de autenticação </a:t>
             </a:r>
             <a:r>
-              <a:rPr lang="pt-BR" sz="2800" b="0" dirty="0" err="1" smtClean="0">
+              <a:rPr lang="pt-BR" sz="2600" b="0" dirty="0" err="1" smtClean="0">
                 <a:latin typeface="Times New Roman" pitchFamily="18" charset="0"/>
                 <a:cs typeface="Times New Roman" pitchFamily="18" charset="0"/>
               </a:rPr>
               <a:t>auth.service</a:t>
             </a:r>
             <a:r>
-              <a:rPr lang="pt-BR" sz="2800" b="0" dirty="0" smtClean="0">
+              <a:rPr lang="pt-BR" sz="2600" b="0" dirty="0" smtClean="0">
                 <a:latin typeface="Times New Roman" pitchFamily="18" charset="0"/>
                 <a:cs typeface="Times New Roman" pitchFamily="18" charset="0"/>
               </a:rPr>
               <a:t>.</a:t>
             </a:r>
-            <a:endParaRPr lang="pt-BR" sz="2800" b="0" dirty="0">
+            <a:endParaRPr lang="pt-BR" sz="2600" b="0" dirty="0">
               <a:latin typeface="Times New Roman" pitchFamily="18" charset="0"/>
               <a:cs typeface="Times New Roman" pitchFamily="18" charset="0"/>
             </a:endParaRPr>
           </a:p>
           <a:p>
-            <a:pPr marL="914400" lvl="1" indent="-457200" algn="just">
+            <a:pPr marL="457200" indent="-457200" algn="just">
               <a:buFont typeface="Wingdings" panose="05000000000000000000" pitchFamily="2" charset="2"/>
               <a:buChar char="Ø"/>
             </a:pPr>
             <a:r>
-              <a:rPr lang="pt-BR" sz="2800" b="0" dirty="0" smtClean="0">
+              <a:rPr lang="pt-BR" sz="2600" b="0" dirty="0" smtClean="0">
                 <a:latin typeface="Times New Roman" pitchFamily="18" charset="0"/>
                 <a:cs typeface="Times New Roman" pitchFamily="18" charset="0"/>
               </a:rPr>
               <a:t>Método </a:t>
             </a:r>
             <a:r>
-              <a:rPr lang="pt-BR" sz="2800" b="0" dirty="0">
+              <a:rPr lang="pt-BR" sz="2600" b="0" dirty="0">
                 <a:latin typeface="Times New Roman" pitchFamily="18" charset="0"/>
                 <a:cs typeface="Times New Roman" pitchFamily="18" charset="0"/>
               </a:rPr>
               <a:t>de </a:t>
             </a:r>
             <a:r>
-              <a:rPr lang="pt-BR" sz="2800" b="0" dirty="0" err="1">
+              <a:rPr lang="pt-BR" sz="2600" b="0" dirty="0" err="1">
                 <a:latin typeface="Times New Roman" pitchFamily="18" charset="0"/>
                 <a:cs typeface="Times New Roman" pitchFamily="18" charset="0"/>
               </a:rPr>
               <a:t>login</a:t>
             </a:r>
             <a:r>
-              <a:rPr lang="pt-BR" sz="2800" b="0" dirty="0">
+              <a:rPr lang="pt-BR" sz="2600" b="0" dirty="0">
                 <a:latin typeface="Times New Roman" pitchFamily="18" charset="0"/>
                 <a:cs typeface="Times New Roman" pitchFamily="18" charset="0"/>
               </a:rPr>
               <a:t> e de </a:t>
             </a:r>
             <a:r>
-              <a:rPr lang="pt-BR" sz="2800" b="0" dirty="0" err="1">
+              <a:rPr lang="pt-BR" sz="2600" b="0" dirty="0" err="1">
                 <a:latin typeface="Times New Roman" pitchFamily="18" charset="0"/>
                 <a:cs typeface="Times New Roman" pitchFamily="18" charset="0"/>
               </a:rPr>
               <a:t>logout</a:t>
             </a:r>
             <a:r>
-              <a:rPr lang="pt-BR" sz="2800" b="0" dirty="0">
+              <a:rPr lang="pt-BR" sz="2600" b="0" dirty="0">
                 <a:latin typeface="Times New Roman" pitchFamily="18" charset="0"/>
                 <a:cs typeface="Times New Roman" pitchFamily="18" charset="0"/>
               </a:rPr>
               <a:t> e Variável de usuário </a:t>
             </a:r>
             <a:r>
-              <a:rPr lang="pt-BR" sz="2800" b="0" dirty="0" err="1">
+              <a:rPr lang="pt-BR" sz="2600" b="0" dirty="0" err="1">
                 <a:latin typeface="Times New Roman" pitchFamily="18" charset="0"/>
                 <a:cs typeface="Times New Roman" pitchFamily="18" charset="0"/>
               </a:rPr>
               <a:t>logado</a:t>
             </a:r>
             <a:r>
-              <a:rPr lang="pt-BR" sz="2800" b="0" dirty="0">
+              <a:rPr lang="pt-BR" sz="2600" b="0" dirty="0">
                 <a:latin typeface="Times New Roman" pitchFamily="18" charset="0"/>
                 <a:cs typeface="Times New Roman" pitchFamily="18" charset="0"/>
               </a:rPr>
@@ -11890,8 +11869,8 @@
         </p:nvSpPr>
         <p:spPr>
           <a:xfrm>
-            <a:off x="467544" y="2132856"/>
-            <a:ext cx="7848872" cy="3960440"/>
+            <a:off x="251520" y="2132856"/>
+            <a:ext cx="8064896" cy="3960440"/>
           </a:xfrm>
           <a:prstGeom prst="rect">
             <a:avLst/>
@@ -12068,20 +12047,20 @@
           <a:p>
             <a:pPr algn="just"/>
             <a:r>
-              <a:rPr lang="pt-BR" sz="2800" b="0" dirty="0">
+              <a:rPr lang="pt-BR" sz="2600" b="0" dirty="0">
                 <a:latin typeface="Times New Roman" pitchFamily="18" charset="0"/>
                 <a:cs typeface="Times New Roman" pitchFamily="18" charset="0"/>
               </a:rPr>
               <a:t>Em </a:t>
             </a:r>
             <a:r>
-              <a:rPr lang="pt-BR" sz="2800" b="0" dirty="0" err="1">
+              <a:rPr lang="pt-BR" sz="2600" b="0" dirty="0" err="1">
                 <a:latin typeface="Times New Roman" pitchFamily="18" charset="0"/>
                 <a:cs typeface="Times New Roman" pitchFamily="18" charset="0"/>
               </a:rPr>
               <a:t>NavComponent</a:t>
             </a:r>
-            <a:endParaRPr lang="pt-BR" sz="2800" b="0" dirty="0">
+            <a:endParaRPr lang="pt-BR" sz="2600" b="0" dirty="0">
               <a:latin typeface="Times New Roman" pitchFamily="18" charset="0"/>
               <a:cs typeface="Times New Roman" pitchFamily="18" charset="0"/>
             </a:endParaRPr>
@@ -12089,27 +12068,27 @@
           <a:p>
             <a:pPr algn="just"/>
             <a:r>
-              <a:rPr lang="pt-BR" sz="2800" b="0" dirty="0">
+              <a:rPr lang="pt-BR" sz="2600" b="0" dirty="0">
                 <a:latin typeface="Times New Roman" pitchFamily="18" charset="0"/>
                 <a:cs typeface="Times New Roman" pitchFamily="18" charset="0"/>
               </a:rPr>
               <a:t>	Controlar a exibição do menu com a variável do usuário </a:t>
             </a:r>
             <a:r>
-              <a:rPr lang="pt-BR" sz="2800" b="0" dirty="0" err="1" smtClean="0">
+              <a:rPr lang="pt-BR" sz="2600" b="0" dirty="0" err="1" smtClean="0">
                 <a:latin typeface="Times New Roman" pitchFamily="18" charset="0"/>
                 <a:cs typeface="Times New Roman" pitchFamily="18" charset="0"/>
               </a:rPr>
               <a:t>logado</a:t>
             </a:r>
             <a:r>
-              <a:rPr lang="pt-BR" sz="2800" b="0" dirty="0" smtClean="0">
+              <a:rPr lang="pt-BR" sz="2600" b="0" dirty="0" smtClean="0">
                 <a:latin typeface="Times New Roman" pitchFamily="18" charset="0"/>
                 <a:cs typeface="Times New Roman" pitchFamily="18" charset="0"/>
               </a:rPr>
               <a:t>.</a:t>
             </a:r>
-            <a:endParaRPr lang="pt-BR" sz="2800" b="0" dirty="0">
+            <a:endParaRPr lang="pt-BR" sz="2600" b="0" dirty="0">
               <a:latin typeface="Times New Roman" pitchFamily="18" charset="0"/>
               <a:cs typeface="Times New Roman" pitchFamily="18" charset="0"/>
             </a:endParaRPr>
@@ -12843,7 +12822,7 @@
         </p:blipFill>
         <p:spPr bwMode="auto">
           <a:xfrm>
-            <a:off x="2699792" y="5616796"/>
+            <a:off x="2718012" y="5153780"/>
             <a:ext cx="6120764" cy="952999"/>
           </a:xfrm>
           <a:prstGeom prst="rect">
@@ -13002,8 +12981,8 @@
         </p:nvSpPr>
         <p:spPr>
           <a:xfrm>
-            <a:off x="467544" y="2132856"/>
-            <a:ext cx="7848872" cy="3960440"/>
+            <a:off x="251520" y="2132856"/>
+            <a:ext cx="8064896" cy="3960440"/>
           </a:xfrm>
           <a:prstGeom prst="rect">
             <a:avLst/>
@@ -13180,21 +13159,21 @@
           <a:p>
             <a:pPr algn="just"/>
             <a:r>
-              <a:rPr lang="pt-BR" sz="2800" b="0" dirty="0">
+              <a:rPr lang="pt-BR" sz="2600" b="0" dirty="0">
                 <a:latin typeface="Times New Roman" pitchFamily="18" charset="0"/>
                 <a:cs typeface="Times New Roman" pitchFamily="18" charset="0"/>
               </a:rPr>
               <a:t>Em toda aplicação, sempre há momentos onde devemos apresentar mensagens de sucesso, erro ou alerta para o usuário e com o </a:t>
             </a:r>
             <a:r>
-              <a:rPr lang="pt-BR" sz="2800" b="0" dirty="0" err="1">
+              <a:rPr lang="pt-BR" sz="2600" b="0" dirty="0" err="1">
                 <a:latin typeface="Times New Roman" pitchFamily="18" charset="0"/>
                 <a:cs typeface="Times New Roman" pitchFamily="18" charset="0"/>
               </a:rPr>
               <a:t>PrimeNg</a:t>
             </a:r>
             <a:r>
-              <a:rPr lang="pt-BR" sz="2800" b="0" dirty="0">
+              <a:rPr lang="pt-BR" sz="2600" b="0" dirty="0">
                 <a:latin typeface="Times New Roman" pitchFamily="18" charset="0"/>
                 <a:cs typeface="Times New Roman" pitchFamily="18" charset="0"/>
               </a:rPr>
@@ -13204,48 +13183,48 @@
           <a:p>
             <a:pPr algn="just"/>
             <a:r>
-              <a:rPr lang="pt-BR" sz="2800" b="0" dirty="0">
+              <a:rPr lang="pt-BR" sz="2600" b="0" dirty="0">
                 <a:latin typeface="Times New Roman" pitchFamily="18" charset="0"/>
                 <a:cs typeface="Times New Roman" pitchFamily="18" charset="0"/>
               </a:rPr>
               <a:t>Para um componente de mensagem, podemos utilizar o componente </a:t>
             </a:r>
             <a:r>
-              <a:rPr lang="pt-BR" sz="2800" b="0" dirty="0" err="1">
+              <a:rPr lang="pt-BR" sz="2600" b="0" dirty="0" err="1">
                 <a:latin typeface="Times New Roman" pitchFamily="18" charset="0"/>
                 <a:cs typeface="Times New Roman" pitchFamily="18" charset="0"/>
               </a:rPr>
               <a:t>Growl</a:t>
             </a:r>
             <a:r>
-              <a:rPr lang="pt-BR" sz="2800" b="0" dirty="0">
+              <a:rPr lang="pt-BR" sz="2600" b="0" dirty="0">
                 <a:latin typeface="Times New Roman" pitchFamily="18" charset="0"/>
                 <a:cs typeface="Times New Roman" pitchFamily="18" charset="0"/>
               </a:rPr>
               <a:t> do </a:t>
             </a:r>
             <a:r>
-              <a:rPr lang="pt-BR" sz="2800" b="0" dirty="0" err="1">
+              <a:rPr lang="pt-BR" sz="2600" b="0" dirty="0" err="1">
                 <a:latin typeface="Times New Roman" pitchFamily="18" charset="0"/>
                 <a:cs typeface="Times New Roman" pitchFamily="18" charset="0"/>
               </a:rPr>
               <a:t>Primeng</a:t>
             </a:r>
             <a:r>
-              <a:rPr lang="pt-BR" sz="2800" b="0" dirty="0">
+              <a:rPr lang="pt-BR" sz="2600" b="0" dirty="0">
                 <a:latin typeface="Times New Roman" pitchFamily="18" charset="0"/>
                 <a:cs typeface="Times New Roman" pitchFamily="18" charset="0"/>
               </a:rPr>
               <a:t> seguindo os itens </a:t>
             </a:r>
             <a:r>
-              <a:rPr lang="pt-BR" sz="2800" b="0" dirty="0" smtClean="0">
+              <a:rPr lang="pt-BR" sz="2600" b="0" dirty="0" smtClean="0">
                 <a:latin typeface="Times New Roman" pitchFamily="18" charset="0"/>
                 <a:cs typeface="Times New Roman" pitchFamily="18" charset="0"/>
               </a:rPr>
               <a:t>a seguir.</a:t>
             </a:r>
-            <a:endParaRPr lang="pt-BR" sz="2800" b="0" dirty="0">
+            <a:endParaRPr lang="pt-BR" sz="2600" b="0" dirty="0">
               <a:latin typeface="Times New Roman" pitchFamily="18" charset="0"/>
               <a:cs typeface="Times New Roman" pitchFamily="18" charset="0"/>
             </a:endParaRPr>
@@ -13547,8 +13526,8 @@
         </p:nvSpPr>
         <p:spPr>
           <a:xfrm>
-            <a:off x="467543" y="2132856"/>
-            <a:ext cx="8005747" cy="3960440"/>
+            <a:off x="251521" y="2132856"/>
+            <a:ext cx="8221770" cy="3960440"/>
           </a:xfrm>
           <a:prstGeom prst="rect">
             <a:avLst/>
@@ -13725,7 +13704,7 @@
           <a:p>
             <a:pPr algn="just"/>
             <a:r>
-              <a:rPr lang="pt-BR" sz="2800" dirty="0">
+              <a:rPr lang="pt-BR" sz="2600" dirty="0">
                 <a:latin typeface="Times New Roman" pitchFamily="18" charset="0"/>
                 <a:cs typeface="Times New Roman" pitchFamily="18" charset="0"/>
               </a:rPr>
@@ -13735,42 +13714,42 @@
           <a:p>
             <a:pPr lvl="0" algn="just"/>
             <a:r>
-              <a:rPr lang="pt-BR" sz="2800" b="0" dirty="0">
+              <a:rPr lang="pt-BR" sz="2600" b="0" dirty="0">
                 <a:latin typeface="Times New Roman" pitchFamily="18" charset="0"/>
                 <a:cs typeface="Times New Roman" pitchFamily="18" charset="0"/>
               </a:rPr>
               <a:t>Importar e exportar no </a:t>
             </a:r>
             <a:r>
-              <a:rPr lang="pt-BR" sz="2800" b="0" dirty="0" err="1">
+              <a:rPr lang="pt-BR" sz="2600" b="0" dirty="0" err="1">
                 <a:latin typeface="Times New Roman" pitchFamily="18" charset="0"/>
                 <a:cs typeface="Times New Roman" pitchFamily="18" charset="0"/>
               </a:rPr>
               <a:t>SharedModule</a:t>
             </a:r>
             <a:r>
-              <a:rPr lang="pt-BR" sz="2800" b="0" dirty="0">
+              <a:rPr lang="pt-BR" sz="2600" b="0" dirty="0">
                 <a:latin typeface="Times New Roman" pitchFamily="18" charset="0"/>
                 <a:cs typeface="Times New Roman" pitchFamily="18" charset="0"/>
               </a:rPr>
               <a:t> o </a:t>
             </a:r>
             <a:r>
-              <a:rPr lang="pt-BR" sz="2800" b="0" dirty="0" err="1">
+              <a:rPr lang="pt-BR" sz="2600" b="0" dirty="0" err="1">
                 <a:latin typeface="Times New Roman" pitchFamily="18" charset="0"/>
                 <a:cs typeface="Times New Roman" pitchFamily="18" charset="0"/>
               </a:rPr>
               <a:t>GrowlModule</a:t>
             </a:r>
             <a:r>
-              <a:rPr lang="pt-BR" sz="2800" b="0" dirty="0">
+              <a:rPr lang="pt-BR" sz="2600" b="0" dirty="0">
                 <a:latin typeface="Times New Roman" pitchFamily="18" charset="0"/>
                 <a:cs typeface="Times New Roman" pitchFamily="18" charset="0"/>
               </a:rPr>
               <a:t> para que possamos </a:t>
             </a:r>
             <a:r>
-              <a:rPr lang="pt-BR" sz="2800" b="0" dirty="0" smtClean="0">
+              <a:rPr lang="pt-BR" sz="2600" b="0" dirty="0" smtClean="0">
                 <a:latin typeface="Times New Roman" pitchFamily="18" charset="0"/>
                 <a:cs typeface="Times New Roman" pitchFamily="18" charset="0"/>
               </a:rPr>
@@ -14020,8 +13999,8 @@
         </p:nvSpPr>
         <p:spPr>
           <a:xfrm>
-            <a:off x="467544" y="1916832"/>
-            <a:ext cx="8005747" cy="3960440"/>
+            <a:off x="251520" y="1916832"/>
+            <a:ext cx="8221771" cy="3960440"/>
           </a:xfrm>
           <a:prstGeom prst="rect">
             <a:avLst/>
@@ -14198,14 +14177,14 @@
           <a:p>
             <a:pPr algn="just"/>
             <a:r>
-              <a:rPr lang="pt-BR" sz="2800" dirty="0" smtClean="0">
+              <a:rPr lang="pt-BR" sz="2600" dirty="0" smtClean="0">
                 <a:latin typeface="Times New Roman" pitchFamily="18" charset="0"/>
                 <a:cs typeface="Times New Roman" pitchFamily="18" charset="0"/>
               </a:rPr>
               <a:t>2° </a:t>
             </a:r>
             <a:r>
-              <a:rPr lang="pt-BR" sz="2800" dirty="0">
+              <a:rPr lang="pt-BR" sz="2600" dirty="0">
                 <a:latin typeface="Times New Roman" pitchFamily="18" charset="0"/>
                 <a:cs typeface="Times New Roman" pitchFamily="18" charset="0"/>
               </a:rPr>
@@ -14215,55 +14194,55 @@
           <a:p>
             <a:pPr lvl="0" algn="just"/>
             <a:r>
-              <a:rPr lang="pt-BR" sz="2800" b="0" dirty="0">
+              <a:rPr lang="pt-BR" sz="2600" b="0" dirty="0">
                 <a:latin typeface="Times New Roman" pitchFamily="18" charset="0"/>
                 <a:cs typeface="Times New Roman" pitchFamily="18" charset="0"/>
               </a:rPr>
               <a:t>Prover </a:t>
             </a:r>
             <a:r>
-              <a:rPr lang="pt-BR" sz="2800" b="0" dirty="0" err="1">
+              <a:rPr lang="pt-BR" sz="2600" b="0" dirty="0" err="1">
                 <a:latin typeface="Times New Roman" pitchFamily="18" charset="0"/>
                 <a:cs typeface="Times New Roman" pitchFamily="18" charset="0"/>
               </a:rPr>
               <a:t>MessageService</a:t>
             </a:r>
             <a:r>
-              <a:rPr lang="pt-BR" sz="2800" b="0" dirty="0">
+              <a:rPr lang="pt-BR" sz="2600" b="0" dirty="0">
                 <a:latin typeface="Times New Roman" pitchFamily="18" charset="0"/>
                 <a:cs typeface="Times New Roman" pitchFamily="18" charset="0"/>
               </a:rPr>
               <a:t> no método </a:t>
             </a:r>
             <a:r>
-              <a:rPr lang="pt-BR" sz="2800" b="0" dirty="0" err="1">
+              <a:rPr lang="pt-BR" sz="2600" b="0" dirty="0" err="1">
                 <a:latin typeface="Times New Roman" pitchFamily="18" charset="0"/>
                 <a:cs typeface="Times New Roman" pitchFamily="18" charset="0"/>
               </a:rPr>
               <a:t>forRoot</a:t>
             </a:r>
             <a:r>
-              <a:rPr lang="pt-BR" sz="2800" b="0" dirty="0">
+              <a:rPr lang="pt-BR" sz="2600" b="0" dirty="0">
                 <a:latin typeface="Times New Roman" pitchFamily="18" charset="0"/>
                 <a:cs typeface="Times New Roman" pitchFamily="18" charset="0"/>
               </a:rPr>
               <a:t> do </a:t>
             </a:r>
             <a:r>
-              <a:rPr lang="pt-BR" sz="2800" b="0" dirty="0" err="1" smtClean="0">
+              <a:rPr lang="pt-BR" sz="2600" b="0" dirty="0" err="1" smtClean="0">
                 <a:latin typeface="Times New Roman" pitchFamily="18" charset="0"/>
                 <a:cs typeface="Times New Roman" pitchFamily="18" charset="0"/>
               </a:rPr>
               <a:t>SharedModule</a:t>
             </a:r>
             <a:r>
-              <a:rPr lang="pt-BR" sz="2800" b="0" dirty="0" smtClean="0">
+              <a:rPr lang="pt-BR" sz="2600" b="0" dirty="0" smtClean="0">
                 <a:latin typeface="Times New Roman" pitchFamily="18" charset="0"/>
                 <a:cs typeface="Times New Roman" pitchFamily="18" charset="0"/>
               </a:rPr>
               <a:t>.</a:t>
             </a:r>
-            <a:endParaRPr lang="pt-BR" sz="2800" b="0" dirty="0">
+            <a:endParaRPr lang="pt-BR" sz="2600" b="0" dirty="0">
               <a:latin typeface="Times New Roman" pitchFamily="18" charset="0"/>
               <a:cs typeface="Times New Roman" pitchFamily="18" charset="0"/>
             </a:endParaRPr>
@@ -14445,8 +14424,8 @@
         </p:nvSpPr>
         <p:spPr>
           <a:xfrm>
-            <a:off x="395536" y="1772816"/>
-            <a:ext cx="8424936" cy="4320480"/>
+            <a:off x="251520" y="1772816"/>
+            <a:ext cx="8568952" cy="4320480"/>
           </a:xfrm>
         </p:spPr>
         <p:txBody>
@@ -14576,13 +14555,13 @@
           <p:nvPr>
             <p:extLst>
               <p:ext uri="{D42A27DB-BD31-4B8C-83A1-F6EECF244321}">
-                <p14:modId xmlns:p14="http://schemas.microsoft.com/office/powerpoint/2010/main" val="3954133328"/>
+                <p14:modId xmlns:p14="http://schemas.microsoft.com/office/powerpoint/2010/main" val="3534524236"/>
               </p:ext>
             </p:extLst>
           </p:nvPr>
         </p:nvGraphicFramePr>
         <p:xfrm>
-          <a:off x="539552" y="2996952"/>
+          <a:off x="395536" y="2924944"/>
           <a:ext cx="8208911" cy="3156688"/>
         </p:xfrm>
         <a:graphic>
@@ -15421,8 +15400,8 @@
         </p:nvSpPr>
         <p:spPr>
           <a:xfrm>
-            <a:off x="467543" y="2132856"/>
-            <a:ext cx="8005747" cy="3960440"/>
+            <a:off x="251521" y="2132856"/>
+            <a:ext cx="8221770" cy="3960440"/>
           </a:xfrm>
           <a:prstGeom prst="rect">
             <a:avLst/>
@@ -15599,14 +15578,14 @@
           <a:p>
             <a:pPr algn="just"/>
             <a:r>
-              <a:rPr lang="pt-BR" sz="2800" dirty="0" smtClean="0">
+              <a:rPr lang="pt-BR" sz="2600" dirty="0" smtClean="0">
                 <a:latin typeface="Times New Roman" pitchFamily="18" charset="0"/>
                 <a:cs typeface="Times New Roman" pitchFamily="18" charset="0"/>
               </a:rPr>
               <a:t>3° </a:t>
             </a:r>
             <a:r>
-              <a:rPr lang="pt-BR" sz="2800" dirty="0">
+              <a:rPr lang="pt-BR" sz="2600" dirty="0">
                 <a:latin typeface="Times New Roman" pitchFamily="18" charset="0"/>
                 <a:cs typeface="Times New Roman" pitchFamily="18" charset="0"/>
               </a:rPr>
@@ -15616,34 +15595,34 @@
           <a:p>
             <a:pPr lvl="0" algn="just"/>
             <a:r>
-              <a:rPr lang="pt-BR" sz="2800" b="0" dirty="0">
+              <a:rPr lang="pt-BR" sz="2600" b="0" dirty="0">
                 <a:latin typeface="Times New Roman" pitchFamily="18" charset="0"/>
                 <a:cs typeface="Times New Roman" pitchFamily="18" charset="0"/>
               </a:rPr>
               <a:t>Incluir no app.component.html o componente do </a:t>
             </a:r>
             <a:r>
-              <a:rPr lang="pt-BR" sz="2800" b="0" dirty="0" err="1">
+              <a:rPr lang="pt-BR" sz="2600" b="0" dirty="0" err="1">
                 <a:latin typeface="Times New Roman" pitchFamily="18" charset="0"/>
                 <a:cs typeface="Times New Roman" pitchFamily="18" charset="0"/>
               </a:rPr>
               <a:t>Growl</a:t>
             </a:r>
             <a:r>
-              <a:rPr lang="pt-BR" sz="2800" b="0" dirty="0">
+              <a:rPr lang="pt-BR" sz="2600" b="0" dirty="0">
                 <a:latin typeface="Times New Roman" pitchFamily="18" charset="0"/>
                 <a:cs typeface="Times New Roman" pitchFamily="18" charset="0"/>
               </a:rPr>
               <a:t> para que ele possa ser apresentado e </a:t>
             </a:r>
             <a:r>
-              <a:rPr lang="pt-BR" sz="2800" b="0" dirty="0" smtClean="0">
+              <a:rPr lang="pt-BR" sz="2600" b="0" dirty="0" smtClean="0">
                 <a:latin typeface="Times New Roman" pitchFamily="18" charset="0"/>
                 <a:cs typeface="Times New Roman" pitchFamily="18" charset="0"/>
               </a:rPr>
               <a:t>controlado.</a:t>
             </a:r>
-            <a:endParaRPr lang="pt-BR" sz="2800" b="0" dirty="0">
+            <a:endParaRPr lang="pt-BR" sz="2600" b="0" dirty="0">
               <a:latin typeface="Times New Roman" pitchFamily="18" charset="0"/>
               <a:cs typeface="Times New Roman" pitchFamily="18" charset="0"/>
             </a:endParaRPr>
@@ -15891,8 +15870,8 @@
         </p:nvSpPr>
         <p:spPr>
           <a:xfrm>
-            <a:off x="467543" y="2132856"/>
-            <a:ext cx="8005747" cy="3960440"/>
+            <a:off x="251521" y="2132856"/>
+            <a:ext cx="8221770" cy="3960440"/>
           </a:xfrm>
           <a:prstGeom prst="rect">
             <a:avLst/>
@@ -16069,14 +16048,14 @@
           <a:p>
             <a:pPr algn="just"/>
             <a:r>
-              <a:rPr lang="pt-BR" sz="2800" dirty="0" smtClean="0">
+              <a:rPr lang="pt-BR" sz="2600" dirty="0" smtClean="0">
                 <a:latin typeface="Times New Roman" pitchFamily="18" charset="0"/>
                 <a:cs typeface="Times New Roman" pitchFamily="18" charset="0"/>
               </a:rPr>
               <a:t>4° </a:t>
             </a:r>
             <a:r>
-              <a:rPr lang="pt-BR" sz="2800" dirty="0">
+              <a:rPr lang="pt-BR" sz="2600" dirty="0">
                 <a:latin typeface="Times New Roman" pitchFamily="18" charset="0"/>
                 <a:cs typeface="Times New Roman" pitchFamily="18" charset="0"/>
               </a:rPr>
@@ -16086,49 +16065,49 @@
           <a:p>
             <a:pPr lvl="0" algn="just"/>
             <a:r>
-              <a:rPr lang="pt-BR" sz="2800" b="0" dirty="0">
+              <a:rPr lang="pt-BR" sz="2600" b="0" dirty="0">
                 <a:latin typeface="Times New Roman" pitchFamily="18" charset="0"/>
                 <a:cs typeface="Times New Roman" pitchFamily="18" charset="0"/>
               </a:rPr>
               <a:t>Chamar métodos de exibição de mensagem do </a:t>
             </a:r>
             <a:r>
-              <a:rPr lang="pt-BR" sz="2800" b="0" dirty="0" err="1">
+              <a:rPr lang="pt-BR" sz="2600" b="0" dirty="0" err="1">
                 <a:latin typeface="Times New Roman" pitchFamily="18" charset="0"/>
                 <a:cs typeface="Times New Roman" pitchFamily="18" charset="0"/>
               </a:rPr>
               <a:t>MessageService</a:t>
             </a:r>
             <a:r>
-              <a:rPr lang="pt-BR" sz="2800" b="0" dirty="0">
+              <a:rPr lang="pt-BR" sz="2600" b="0" dirty="0">
                 <a:latin typeface="Times New Roman" pitchFamily="18" charset="0"/>
                 <a:cs typeface="Times New Roman" pitchFamily="18" charset="0"/>
               </a:rPr>
               <a:t> passando parâmetros de definição de tipo de mensagem, </a:t>
             </a:r>
             <a:r>
-              <a:rPr lang="pt-BR" sz="2800" b="0" dirty="0" err="1">
+              <a:rPr lang="pt-BR" sz="2600" b="0" dirty="0" err="1">
                 <a:latin typeface="Times New Roman" pitchFamily="18" charset="0"/>
                 <a:cs typeface="Times New Roman" pitchFamily="18" charset="0"/>
               </a:rPr>
               <a:t>label</a:t>
             </a:r>
             <a:r>
-              <a:rPr lang="pt-BR" sz="2800" b="0" dirty="0">
+              <a:rPr lang="pt-BR" sz="2600" b="0" dirty="0">
                 <a:latin typeface="Times New Roman" pitchFamily="18" charset="0"/>
                 <a:cs typeface="Times New Roman" pitchFamily="18" charset="0"/>
               </a:rPr>
               <a:t>, </a:t>
             </a:r>
             <a:r>
-              <a:rPr lang="pt-BR" sz="2800" b="0" dirty="0" err="1">
+              <a:rPr lang="pt-BR" sz="2600" b="0" dirty="0" err="1">
                 <a:latin typeface="Times New Roman" pitchFamily="18" charset="0"/>
                 <a:cs typeface="Times New Roman" pitchFamily="18" charset="0"/>
               </a:rPr>
               <a:t>titel</a:t>
             </a:r>
             <a:r>
-              <a:rPr lang="pt-BR" sz="2800" b="0" dirty="0">
+              <a:rPr lang="pt-BR" sz="2600" b="0" dirty="0">
                 <a:latin typeface="Times New Roman" pitchFamily="18" charset="0"/>
                 <a:cs typeface="Times New Roman" pitchFamily="18" charset="0"/>
               </a:rPr>
@@ -16362,8 +16341,8 @@
         </p:nvSpPr>
         <p:spPr>
           <a:xfrm>
-            <a:off x="457200" y="1752600"/>
-            <a:ext cx="7620000" cy="4373563"/>
+            <a:off x="251520" y="1752600"/>
+            <a:ext cx="7825680" cy="4373563"/>
           </a:xfrm>
         </p:spPr>
         <p:txBody>
@@ -16380,21 +16359,21 @@
               <a:buChar char="•"/>
             </a:pPr>
             <a:r>
-              <a:rPr lang="pt-BR" sz="2400" b="0" dirty="0" smtClean="0">
+              <a:rPr lang="pt-BR" sz="2600" b="0" dirty="0" smtClean="0">
                 <a:latin typeface="Times New Roman" panose="02020603050405020304" pitchFamily="18" charset="0"/>
                 <a:cs typeface="Times New Roman" panose="02020603050405020304" pitchFamily="18" charset="0"/>
               </a:rPr>
               <a:t>Exercício </a:t>
             </a:r>
             <a:r>
-              <a:rPr lang="pt-BR" sz="2400" b="0" dirty="0">
+              <a:rPr lang="pt-BR" sz="2600" b="0" dirty="0">
                 <a:latin typeface="Times New Roman" panose="02020603050405020304" pitchFamily="18" charset="0"/>
                 <a:cs typeface="Times New Roman" panose="02020603050405020304" pitchFamily="18" charset="0"/>
               </a:rPr>
               <a:t>3 da lista de </a:t>
             </a:r>
             <a:r>
-              <a:rPr lang="pt-BR" sz="2400" b="0" dirty="0" smtClean="0">
+              <a:rPr lang="pt-BR" sz="2600" b="0" dirty="0" smtClean="0">
                 <a:latin typeface="Times New Roman" panose="02020603050405020304" pitchFamily="18" charset="0"/>
                 <a:cs typeface="Times New Roman" panose="02020603050405020304" pitchFamily="18" charset="0"/>
               </a:rPr>
@@ -16410,28 +16389,28 @@
               <a:buChar char="•"/>
             </a:pPr>
             <a:r>
-              <a:rPr lang="pt-BR" sz="2400" b="0" dirty="0" smtClean="0">
+              <a:rPr lang="pt-BR" sz="2600" b="0" dirty="0" smtClean="0">
                 <a:latin typeface="Times New Roman" panose="02020603050405020304" pitchFamily="18" charset="0"/>
                 <a:cs typeface="Times New Roman" panose="02020603050405020304" pitchFamily="18" charset="0"/>
               </a:rPr>
               <a:t>Criando </a:t>
             </a:r>
             <a:r>
-              <a:rPr lang="pt-BR" sz="2400" b="0" dirty="0">
+              <a:rPr lang="pt-BR" sz="2600" b="0" dirty="0">
                 <a:latin typeface="Times New Roman" panose="02020603050405020304" pitchFamily="18" charset="0"/>
                 <a:cs typeface="Times New Roman" panose="02020603050405020304" pitchFamily="18" charset="0"/>
               </a:rPr>
               <a:t>componentes compartilhados com </a:t>
             </a:r>
             <a:r>
-              <a:rPr lang="pt-BR" sz="2400" b="0" dirty="0" err="1">
+              <a:rPr lang="pt-BR" sz="2600" b="0" dirty="0" err="1">
                 <a:latin typeface="Times New Roman" panose="02020603050405020304" pitchFamily="18" charset="0"/>
                 <a:cs typeface="Times New Roman" panose="02020603050405020304" pitchFamily="18" charset="0"/>
               </a:rPr>
               <a:t>PrimeNG</a:t>
             </a:r>
             <a:r>
-              <a:rPr lang="pt-BR" sz="2400" b="0" dirty="0" smtClean="0">
+              <a:rPr lang="pt-BR" sz="2600" b="0" dirty="0" smtClean="0">
                 <a:latin typeface="Times New Roman" panose="02020603050405020304" pitchFamily="18" charset="0"/>
                 <a:cs typeface="Times New Roman" panose="02020603050405020304" pitchFamily="18" charset="0"/>
               </a:rPr>
@@ -16604,8 +16583,8 @@
         </p:nvSpPr>
         <p:spPr>
           <a:xfrm>
-            <a:off x="457200" y="1916832"/>
-            <a:ext cx="7620000" cy="4209331"/>
+            <a:off x="323528" y="1916832"/>
+            <a:ext cx="7753672" cy="4209331"/>
           </a:xfrm>
         </p:spPr>
         <p:txBody>
@@ -16619,20 +16598,20 @@
               <a:buChar char="•"/>
             </a:pPr>
             <a:r>
-              <a:rPr lang="pt-BR" sz="2800" b="0" dirty="0">
+              <a:rPr lang="pt-BR" sz="2600" b="0" dirty="0">
                 <a:latin typeface="Times New Roman" pitchFamily="18" charset="0"/>
                 <a:cs typeface="Times New Roman" pitchFamily="18" charset="0"/>
               </a:rPr>
               <a:t>Entendendo como funciona o </a:t>
             </a:r>
             <a:r>
-              <a:rPr lang="pt-BR" sz="2800" b="0" dirty="0" err="1">
+              <a:rPr lang="pt-BR" sz="2600" b="0" dirty="0" err="1">
                 <a:latin typeface="Times New Roman" pitchFamily="18" charset="0"/>
                 <a:cs typeface="Times New Roman" pitchFamily="18" charset="0"/>
               </a:rPr>
               <a:t>HttpClient</a:t>
             </a:r>
-            <a:endParaRPr lang="pt-BR" sz="2800" b="0" dirty="0">
+            <a:endParaRPr lang="pt-BR" sz="2600" b="0" dirty="0">
               <a:latin typeface="Times New Roman" pitchFamily="18" charset="0"/>
               <a:cs typeface="Times New Roman" pitchFamily="18" charset="0"/>
             </a:endParaRPr>
@@ -16643,21 +16622,21 @@
               <a:buChar char="•"/>
             </a:pPr>
             <a:r>
-              <a:rPr lang="pt-BR" sz="2800" b="0" dirty="0">
+              <a:rPr lang="pt-BR" sz="2600" b="0" dirty="0">
                 <a:latin typeface="Times New Roman" pitchFamily="18" charset="0"/>
                 <a:cs typeface="Times New Roman" pitchFamily="18" charset="0"/>
               </a:rPr>
               <a:t>Componentes </a:t>
             </a:r>
             <a:r>
-              <a:rPr lang="pt-BR" sz="2800" b="0" dirty="0" err="1">
+              <a:rPr lang="pt-BR" sz="2600" b="0" dirty="0" err="1">
                 <a:latin typeface="Times New Roman" pitchFamily="18" charset="0"/>
                 <a:cs typeface="Times New Roman" pitchFamily="18" charset="0"/>
               </a:rPr>
               <a:t>Guards</a:t>
             </a:r>
             <a:r>
-              <a:rPr lang="pt-BR" sz="2800" b="0" dirty="0">
+              <a:rPr lang="pt-BR" sz="2600" b="0" dirty="0">
                 <a:latin typeface="Times New Roman" pitchFamily="18" charset="0"/>
                 <a:cs typeface="Times New Roman" pitchFamily="18" charset="0"/>
               </a:rPr>
@@ -16670,7 +16649,7 @@
               <a:buChar char="•"/>
             </a:pPr>
             <a:r>
-              <a:rPr lang="pt-BR" sz="2800" b="0" dirty="0">
+              <a:rPr lang="pt-BR" sz="2600" b="0" dirty="0">
                 <a:latin typeface="Times New Roman" pitchFamily="18" charset="0"/>
                 <a:cs typeface="Times New Roman" pitchFamily="18" charset="0"/>
               </a:rPr>
@@ -16683,7 +16662,7 @@
               <a:buChar char="•"/>
             </a:pPr>
             <a:r>
-              <a:rPr lang="pt-BR" sz="2800" b="0" dirty="0">
+              <a:rPr lang="pt-BR" sz="2600" b="0" dirty="0">
                 <a:latin typeface="Times New Roman" pitchFamily="18" charset="0"/>
                 <a:cs typeface="Times New Roman" pitchFamily="18" charset="0"/>
               </a:rPr>
@@ -16696,6 +16675,233 @@
     <p:extLst>
       <p:ext uri="{BB962C8B-B14F-4D97-AF65-F5344CB8AC3E}">
         <p14:creationId xmlns:p14="http://schemas.microsoft.com/office/powerpoint/2010/main" val="832794825"/>
+      </p:ext>
+    </p:extLst>
+  </p:cSld>
+  <p:clrMapOvr>
+    <a:masterClrMapping/>
+  </p:clrMapOvr>
+  <mc:AlternateContent xmlns:mc="http://schemas.openxmlformats.org/markup-compatibility/2006" xmlns:p14="http://schemas.microsoft.com/office/powerpoint/2010/main">
+    <mc:Choice Requires="p14">
+      <p:transition spd="slow" p14:dur="2000"/>
+    </mc:Choice>
+    <mc:Fallback xmlns="">
+      <p:transition spd="slow"/>
+    </mc:Fallback>
+  </mc:AlternateContent>
+  <p:timing>
+    <p:tnLst>
+      <p:par>
+        <p:cTn id="1" dur="indefinite" restart="never" nodeType="tmRoot"/>
+      </p:par>
+    </p:tnLst>
+  </p:timing>
+</p:sld>
+</file>
+
+<file path=ppt/slides/slide44.xml><?xml version="1.0" encoding="utf-8"?>
+<p:sld xmlns:a="http://schemas.openxmlformats.org/drawingml/2006/main" xmlns:r="http://schemas.openxmlformats.org/officeDocument/2006/relationships" xmlns:p="http://schemas.openxmlformats.org/presentationml/2006/main">
+  <p:cSld>
+    <p:spTree>
+      <p:nvGrpSpPr>
+        <p:cNvPr id="1" name=""/>
+        <p:cNvGrpSpPr/>
+        <p:nvPr/>
+      </p:nvGrpSpPr>
+      <p:grpSpPr>
+        <a:xfrm>
+          <a:off x="0" y="0"/>
+          <a:ext cx="0" cy="0"/>
+          <a:chOff x="0" y="0"/>
+          <a:chExt cx="0" cy="0"/>
+        </a:xfrm>
+      </p:grpSpPr>
+      <p:sp>
+        <p:nvSpPr>
+          <p:cNvPr id="2" name="Título 1"/>
+          <p:cNvSpPr>
+            <a:spLocks noGrp="1"/>
+          </p:cNvSpPr>
+          <p:nvPr>
+            <p:ph type="title"/>
+          </p:nvPr>
+        </p:nvSpPr>
+        <p:spPr>
+          <a:xfrm>
+            <a:off x="179513" y="323403"/>
+            <a:ext cx="7704856" cy="903630"/>
+          </a:xfrm>
+        </p:spPr>
+        <p:txBody>
+          <a:bodyPr>
+            <a:noAutofit/>
+          </a:bodyPr>
+          <a:lstStyle/>
+          <a:p>
+            <a:r>
+              <a:rPr lang="pt-BR" sz="2700" dirty="0" smtClean="0"/>
+              <a:t>finalizando</a:t>
+            </a:r>
+            <a:endParaRPr lang="pt-BR" sz="2700" dirty="0"/>
+          </a:p>
+        </p:txBody>
+      </p:sp>
+      <p:cxnSp>
+        <p:nvCxnSpPr>
+          <p:cNvPr id="5" name="Conector reto 4"/>
+          <p:cNvCxnSpPr/>
+          <p:nvPr/>
+        </p:nvCxnSpPr>
+        <p:spPr>
+          <a:xfrm>
+            <a:off x="251520" y="1340768"/>
+            <a:ext cx="6480720" cy="0"/>
+          </a:xfrm>
+          <a:prstGeom prst="line">
+            <a:avLst/>
+          </a:prstGeom>
+          <a:ln/>
+        </p:spPr>
+        <p:style>
+          <a:lnRef idx="2">
+            <a:schemeClr val="accent5"/>
+          </a:lnRef>
+          <a:fillRef idx="0">
+            <a:schemeClr val="accent5"/>
+          </a:fillRef>
+          <a:effectRef idx="1">
+            <a:schemeClr val="accent5"/>
+          </a:effectRef>
+          <a:fontRef idx="minor">
+            <a:schemeClr val="tx1"/>
+          </a:fontRef>
+        </p:style>
+      </p:cxnSp>
+      <p:pic>
+        <p:nvPicPr>
+          <p:cNvPr id="6" name="Picture 7" descr="Angular-Logo-PNG-Image.png"/>
+          <p:cNvPicPr>
+            <a:picLocks noChangeAspect="1" noChangeArrowheads="1"/>
+          </p:cNvPicPr>
+          <p:nvPr/>
+        </p:nvPicPr>
+        <p:blipFill rotWithShape="1">
+          <a:blip r:embed="rId2" cstate="print">
+            <a:extLst>
+              <a:ext uri="{28A0092B-C50C-407E-A947-70E740481C1C}">
+                <a14:useLocalDpi xmlns:a14="http://schemas.microsoft.com/office/drawing/2010/main" val="0"/>
+              </a:ext>
+            </a:extLst>
+          </a:blip>
+          <a:srcRect l="2299" t="36731" r="73370" b="36781"/>
+          <a:stretch/>
+        </p:blipFill>
+        <p:spPr bwMode="auto">
+          <a:xfrm>
+            <a:off x="7156265" y="160338"/>
+            <a:ext cx="1317026" cy="1433826"/>
+          </a:xfrm>
+          <a:prstGeom prst="rect">
+            <a:avLst/>
+          </a:prstGeom>
+          <a:noFill/>
+          <a:extLst>
+            <a:ext uri="{909E8E84-426E-40DD-AFC4-6F175D3DCCD1}">
+              <a14:hiddenFill xmlns:a14="http://schemas.microsoft.com/office/drawing/2010/main">
+                <a:solidFill>
+                  <a:srgbClr val="FFFFFF"/>
+                </a:solidFill>
+              </a14:hiddenFill>
+            </a:ext>
+          </a:extLst>
+        </p:spPr>
+      </p:pic>
+      <p:sp>
+        <p:nvSpPr>
+          <p:cNvPr id="7" name="Espaço Reservado para Conteúdo 2"/>
+          <p:cNvSpPr>
+            <a:spLocks noGrp="1"/>
+          </p:cNvSpPr>
+          <p:nvPr>
+            <p:ph idx="1"/>
+          </p:nvPr>
+        </p:nvSpPr>
+        <p:spPr>
+          <a:xfrm>
+            <a:off x="251520" y="1772816"/>
+            <a:ext cx="8424936" cy="1028328"/>
+          </a:xfrm>
+        </p:spPr>
+        <p:txBody>
+          <a:bodyPr>
+            <a:normAutofit/>
+          </a:bodyPr>
+          <a:lstStyle/>
+          <a:p>
+            <a:pPr lvl="0" algn="ctr">
+              <a:lnSpc>
+                <a:spcPct val="120000"/>
+              </a:lnSpc>
+            </a:pPr>
+            <a:r>
+              <a:rPr lang="pt-BR" sz="3200" b="0" dirty="0" smtClean="0">
+                <a:latin typeface="Times New Roman" panose="02020603050405020304" pitchFamily="18" charset="0"/>
+                <a:cs typeface="Times New Roman" panose="02020603050405020304" pitchFamily="18" charset="0"/>
+              </a:rPr>
+              <a:t>DÚVIDAS?</a:t>
+            </a:r>
+            <a:endParaRPr lang="pt-BR" sz="3200" b="0" dirty="0">
+              <a:latin typeface="Times New Roman" panose="02020603050405020304" pitchFamily="18" charset="0"/>
+              <a:cs typeface="Times New Roman" panose="02020603050405020304" pitchFamily="18" charset="0"/>
+            </a:endParaRPr>
+          </a:p>
+        </p:txBody>
+      </p:sp>
+      <p:pic>
+        <p:nvPicPr>
+          <p:cNvPr id="2050" name="Picture 2" descr="Imagem relacionada"/>
+          <p:cNvPicPr>
+            <a:picLocks noChangeAspect="1" noChangeArrowheads="1"/>
+          </p:cNvPicPr>
+          <p:nvPr/>
+        </p:nvPicPr>
+        <p:blipFill>
+          <a:blip r:embed="rId3">
+            <a:extLst>
+              <a:ext uri="{28A0092B-C50C-407E-A947-70E740481C1C}">
+                <a14:useLocalDpi xmlns:a14="http://schemas.microsoft.com/office/drawing/2010/main" val="0"/>
+              </a:ext>
+            </a:extLst>
+          </a:blip>
+          <a:srcRect/>
+          <a:stretch>
+            <a:fillRect/>
+          </a:stretch>
+        </p:blipFill>
+        <p:spPr bwMode="auto">
+          <a:xfrm>
+            <a:off x="1124403" y="2564904"/>
+            <a:ext cx="6679897" cy="4147898"/>
+          </a:xfrm>
+          <a:prstGeom prst="rect">
+            <a:avLst/>
+          </a:prstGeom>
+          <a:noFill/>
+          <a:extLst>
+            <a:ext uri="{909E8E84-426E-40DD-AFC4-6F175D3DCCD1}">
+              <a14:hiddenFill xmlns:a14="http://schemas.microsoft.com/office/drawing/2010/main">
+                <a:solidFill>
+                  <a:srgbClr val="FFFFFF"/>
+                </a:solidFill>
+              </a14:hiddenFill>
+            </a:ext>
+          </a:extLst>
+        </p:spPr>
+      </p:pic>
+    </p:spTree>
+    <p:extLst>
+      <p:ext uri="{BB962C8B-B14F-4D97-AF65-F5344CB8AC3E}">
+        <p14:creationId xmlns:p14="http://schemas.microsoft.com/office/powerpoint/2010/main" val="3574949372"/>
       </p:ext>
     </p:extLst>
   </p:cSld>
@@ -16799,8 +17005,8 @@
         </p:nvSpPr>
         <p:spPr>
           <a:xfrm>
-            <a:off x="395536" y="1988840"/>
-            <a:ext cx="8424936" cy="4104456"/>
+            <a:off x="251520" y="1988840"/>
+            <a:ext cx="8568952" cy="4104456"/>
           </a:xfrm>
         </p:spPr>
         <p:txBody>
@@ -17670,8 +17876,8 @@
         </p:nvSpPr>
         <p:spPr>
           <a:xfrm>
-            <a:off x="395536" y="1988840"/>
-            <a:ext cx="8424936" cy="4104456"/>
+            <a:off x="251520" y="1988840"/>
+            <a:ext cx="8568952" cy="4104456"/>
           </a:xfrm>
         </p:spPr>
         <p:txBody>
@@ -18544,8 +18750,8 @@
         </p:nvSpPr>
         <p:spPr>
           <a:xfrm>
-            <a:off x="395536" y="1988840"/>
-            <a:ext cx="8424936" cy="4104456"/>
+            <a:off x="251520" y="1988840"/>
+            <a:ext cx="8568952" cy="4104456"/>
           </a:xfrm>
         </p:spPr>
         <p:txBody>
@@ -19427,8 +19633,8 @@
         </p:nvSpPr>
         <p:spPr>
           <a:xfrm>
-            <a:off x="395536" y="1988840"/>
-            <a:ext cx="8424936" cy="4104456"/>
+            <a:off x="251520" y="1988840"/>
+            <a:ext cx="8568952" cy="4104456"/>
           </a:xfrm>
         </p:spPr>
         <p:txBody>
@@ -20319,8 +20525,8 @@
         </p:nvSpPr>
         <p:spPr>
           <a:xfrm>
-            <a:off x="395536" y="1988840"/>
-            <a:ext cx="8424936" cy="4104456"/>
+            <a:off x="251520" y="1988840"/>
+            <a:ext cx="8568952" cy="4104456"/>
           </a:xfrm>
         </p:spPr>
         <p:txBody>
